--- a/trunk/2-Java-Programmer-Modulo-II/20.ProjetoFinal.pptx
+++ b/trunk/2-Java-Programmer-Modulo-II/20.ProjetoFinal.pptx
@@ -5,20 +5,28 @@
     <p:sldMasterId id="2147483660" r:id="rId1"/>
   </p:sldMasterIdLst>
   <p:notesMasterIdLst>
-    <p:notesMasterId r:id="rId13"/>
+    <p:notesMasterId r:id="rId21"/>
   </p:notesMasterIdLst>
   <p:sldIdLst>
     <p:sldId id="256" r:id="rId2"/>
     <p:sldId id="315" r:id="rId3"/>
     <p:sldId id="316" r:id="rId4"/>
     <p:sldId id="317" r:id="rId5"/>
-    <p:sldId id="318" r:id="rId6"/>
-    <p:sldId id="319" r:id="rId7"/>
-    <p:sldId id="320" r:id="rId8"/>
-    <p:sldId id="321" r:id="rId9"/>
-    <p:sldId id="322" r:id="rId10"/>
-    <p:sldId id="323" r:id="rId11"/>
-    <p:sldId id="324" r:id="rId12"/>
+    <p:sldId id="325" r:id="rId6"/>
+    <p:sldId id="326" r:id="rId7"/>
+    <p:sldId id="327" r:id="rId8"/>
+    <p:sldId id="328" r:id="rId9"/>
+    <p:sldId id="329" r:id="rId10"/>
+    <p:sldId id="330" r:id="rId11"/>
+    <p:sldId id="318" r:id="rId12"/>
+    <p:sldId id="331" r:id="rId13"/>
+    <p:sldId id="332" r:id="rId14"/>
+    <p:sldId id="333" r:id="rId15"/>
+    <p:sldId id="320" r:id="rId16"/>
+    <p:sldId id="321" r:id="rId17"/>
+    <p:sldId id="322" r:id="rId18"/>
+    <p:sldId id="323" r:id="rId19"/>
+    <p:sldId id="324" r:id="rId20"/>
   </p:sldIdLst>
   <p:sldSz cx="9144000" cy="6858000" type="screen4x3"/>
   <p:notesSz cx="6858000" cy="9144000"/>
@@ -259,7 +267,7 @@
               <a:pPr>
                 <a:defRPr/>
               </a:pPr>
-              <a:t>14/06/2012</a:t>
+              <a:t>16/06/2012</a:t>
             </a:fld>
             <a:endParaRPr lang="pt-BR"/>
           </a:p>
@@ -883,6 +891,702 @@
 </p:notes>
 </file>
 
+<file path=ppt/notesSlides/notesSlide12.xml><?xml version="1.0" encoding="utf-8"?>
+<p:notes xmlns:a="http://schemas.openxmlformats.org/drawingml/2006/main" xmlns:r="http://schemas.openxmlformats.org/officeDocument/2006/relationships" xmlns:p="http://schemas.openxmlformats.org/presentationml/2006/main">
+  <p:cSld>
+    <p:spTree>
+      <p:nvGrpSpPr>
+        <p:cNvPr id="1" name=""/>
+        <p:cNvGrpSpPr/>
+        <p:nvPr/>
+      </p:nvGrpSpPr>
+      <p:grpSpPr>
+        <a:xfrm>
+          <a:off x="0" y="0"/>
+          <a:ext cx="0" cy="0"/>
+          <a:chOff x="0" y="0"/>
+          <a:chExt cx="0" cy="0"/>
+        </a:xfrm>
+      </p:grpSpPr>
+      <p:sp>
+        <p:nvSpPr>
+          <p:cNvPr id="2" name="Espaço Reservado para Imagem de Slide 1"/>
+          <p:cNvSpPr>
+            <a:spLocks noGrp="1" noRot="1" noChangeAspect="1"/>
+          </p:cNvSpPr>
+          <p:nvPr>
+            <p:ph type="sldImg"/>
+          </p:nvPr>
+        </p:nvSpPr>
+        <p:spPr/>
+      </p:sp>
+      <p:sp>
+        <p:nvSpPr>
+          <p:cNvPr id="3" name="Espaço Reservado para Anotações 2"/>
+          <p:cNvSpPr>
+            <a:spLocks noGrp="1"/>
+          </p:cNvSpPr>
+          <p:nvPr>
+            <p:ph type="body" idx="1"/>
+          </p:nvPr>
+        </p:nvSpPr>
+        <p:spPr/>
+        <p:txBody>
+          <a:bodyPr>
+            <a:normAutofit/>
+          </a:bodyPr>
+          <a:lstStyle/>
+          <a:p>
+            <a:endParaRPr lang="pt-BR"/>
+          </a:p>
+        </p:txBody>
+      </p:sp>
+      <p:sp>
+        <p:nvSpPr>
+          <p:cNvPr id="4" name="Espaço Reservado para Número de Slide 3"/>
+          <p:cNvSpPr>
+            <a:spLocks noGrp="1"/>
+          </p:cNvSpPr>
+          <p:nvPr>
+            <p:ph type="sldNum" sz="quarter" idx="10"/>
+          </p:nvPr>
+        </p:nvSpPr>
+        <p:spPr/>
+        <p:txBody>
+          <a:bodyPr/>
+          <a:lstStyle/>
+          <a:p>
+            <a:pPr>
+              <a:defRPr/>
+            </a:pPr>
+            <a:fld id="{8E95BD27-5466-443F-B42B-02049F05E6C9}" type="slidenum">
+              <a:rPr lang="pt-BR" smtClean="0"/>
+              <a:pPr>
+                <a:defRPr/>
+              </a:pPr>
+              <a:t>12</a:t>
+            </a:fld>
+            <a:endParaRPr lang="pt-BR"/>
+          </a:p>
+        </p:txBody>
+      </p:sp>
+    </p:spTree>
+  </p:cSld>
+  <p:clrMapOvr>
+    <a:masterClrMapping/>
+  </p:clrMapOvr>
+</p:notes>
+</file>
+
+<file path=ppt/notesSlides/notesSlide13.xml><?xml version="1.0" encoding="utf-8"?>
+<p:notes xmlns:a="http://schemas.openxmlformats.org/drawingml/2006/main" xmlns:r="http://schemas.openxmlformats.org/officeDocument/2006/relationships" xmlns:p="http://schemas.openxmlformats.org/presentationml/2006/main">
+  <p:cSld>
+    <p:spTree>
+      <p:nvGrpSpPr>
+        <p:cNvPr id="1" name=""/>
+        <p:cNvGrpSpPr/>
+        <p:nvPr/>
+      </p:nvGrpSpPr>
+      <p:grpSpPr>
+        <a:xfrm>
+          <a:off x="0" y="0"/>
+          <a:ext cx="0" cy="0"/>
+          <a:chOff x="0" y="0"/>
+          <a:chExt cx="0" cy="0"/>
+        </a:xfrm>
+      </p:grpSpPr>
+      <p:sp>
+        <p:nvSpPr>
+          <p:cNvPr id="2" name="Espaço Reservado para Imagem de Slide 1"/>
+          <p:cNvSpPr>
+            <a:spLocks noGrp="1" noRot="1" noChangeAspect="1"/>
+          </p:cNvSpPr>
+          <p:nvPr>
+            <p:ph type="sldImg"/>
+          </p:nvPr>
+        </p:nvSpPr>
+        <p:spPr/>
+      </p:sp>
+      <p:sp>
+        <p:nvSpPr>
+          <p:cNvPr id="3" name="Espaço Reservado para Anotações 2"/>
+          <p:cNvSpPr>
+            <a:spLocks noGrp="1"/>
+          </p:cNvSpPr>
+          <p:nvPr>
+            <p:ph type="body" idx="1"/>
+          </p:nvPr>
+        </p:nvSpPr>
+        <p:spPr/>
+        <p:txBody>
+          <a:bodyPr>
+            <a:normAutofit/>
+          </a:bodyPr>
+          <a:lstStyle/>
+          <a:p>
+            <a:endParaRPr lang="pt-BR"/>
+          </a:p>
+        </p:txBody>
+      </p:sp>
+      <p:sp>
+        <p:nvSpPr>
+          <p:cNvPr id="4" name="Espaço Reservado para Número de Slide 3"/>
+          <p:cNvSpPr>
+            <a:spLocks noGrp="1"/>
+          </p:cNvSpPr>
+          <p:nvPr>
+            <p:ph type="sldNum" sz="quarter" idx="10"/>
+          </p:nvPr>
+        </p:nvSpPr>
+        <p:spPr/>
+        <p:txBody>
+          <a:bodyPr/>
+          <a:lstStyle/>
+          <a:p>
+            <a:pPr>
+              <a:defRPr/>
+            </a:pPr>
+            <a:fld id="{8E95BD27-5466-443F-B42B-02049F05E6C9}" type="slidenum">
+              <a:rPr lang="pt-BR" smtClean="0"/>
+              <a:pPr>
+                <a:defRPr/>
+              </a:pPr>
+              <a:t>13</a:t>
+            </a:fld>
+            <a:endParaRPr lang="pt-BR"/>
+          </a:p>
+        </p:txBody>
+      </p:sp>
+    </p:spTree>
+  </p:cSld>
+  <p:clrMapOvr>
+    <a:masterClrMapping/>
+  </p:clrMapOvr>
+</p:notes>
+</file>
+
+<file path=ppt/notesSlides/notesSlide14.xml><?xml version="1.0" encoding="utf-8"?>
+<p:notes xmlns:a="http://schemas.openxmlformats.org/drawingml/2006/main" xmlns:r="http://schemas.openxmlformats.org/officeDocument/2006/relationships" xmlns:p="http://schemas.openxmlformats.org/presentationml/2006/main">
+  <p:cSld>
+    <p:spTree>
+      <p:nvGrpSpPr>
+        <p:cNvPr id="1" name=""/>
+        <p:cNvGrpSpPr/>
+        <p:nvPr/>
+      </p:nvGrpSpPr>
+      <p:grpSpPr>
+        <a:xfrm>
+          <a:off x="0" y="0"/>
+          <a:ext cx="0" cy="0"/>
+          <a:chOff x="0" y="0"/>
+          <a:chExt cx="0" cy="0"/>
+        </a:xfrm>
+      </p:grpSpPr>
+      <p:sp>
+        <p:nvSpPr>
+          <p:cNvPr id="2" name="Espaço Reservado para Imagem de Slide 1"/>
+          <p:cNvSpPr>
+            <a:spLocks noGrp="1" noRot="1" noChangeAspect="1"/>
+          </p:cNvSpPr>
+          <p:nvPr>
+            <p:ph type="sldImg"/>
+          </p:nvPr>
+        </p:nvSpPr>
+        <p:spPr/>
+      </p:sp>
+      <p:sp>
+        <p:nvSpPr>
+          <p:cNvPr id="3" name="Espaço Reservado para Anotações 2"/>
+          <p:cNvSpPr>
+            <a:spLocks noGrp="1"/>
+          </p:cNvSpPr>
+          <p:nvPr>
+            <p:ph type="body" idx="1"/>
+          </p:nvPr>
+        </p:nvSpPr>
+        <p:spPr/>
+        <p:txBody>
+          <a:bodyPr>
+            <a:normAutofit/>
+          </a:bodyPr>
+          <a:lstStyle/>
+          <a:p>
+            <a:endParaRPr lang="pt-BR"/>
+          </a:p>
+        </p:txBody>
+      </p:sp>
+      <p:sp>
+        <p:nvSpPr>
+          <p:cNvPr id="4" name="Espaço Reservado para Número de Slide 3"/>
+          <p:cNvSpPr>
+            <a:spLocks noGrp="1"/>
+          </p:cNvSpPr>
+          <p:nvPr>
+            <p:ph type="sldNum" sz="quarter" idx="10"/>
+          </p:nvPr>
+        </p:nvSpPr>
+        <p:spPr/>
+        <p:txBody>
+          <a:bodyPr/>
+          <a:lstStyle/>
+          <a:p>
+            <a:pPr>
+              <a:defRPr/>
+            </a:pPr>
+            <a:fld id="{8E95BD27-5466-443F-B42B-02049F05E6C9}" type="slidenum">
+              <a:rPr lang="pt-BR" smtClean="0"/>
+              <a:pPr>
+                <a:defRPr/>
+              </a:pPr>
+              <a:t>14</a:t>
+            </a:fld>
+            <a:endParaRPr lang="pt-BR"/>
+          </a:p>
+        </p:txBody>
+      </p:sp>
+    </p:spTree>
+  </p:cSld>
+  <p:clrMapOvr>
+    <a:masterClrMapping/>
+  </p:clrMapOvr>
+</p:notes>
+</file>
+
+<file path=ppt/notesSlides/notesSlide15.xml><?xml version="1.0" encoding="utf-8"?>
+<p:notes xmlns:a="http://schemas.openxmlformats.org/drawingml/2006/main" xmlns:r="http://schemas.openxmlformats.org/officeDocument/2006/relationships" xmlns:p="http://schemas.openxmlformats.org/presentationml/2006/main">
+  <p:cSld>
+    <p:spTree>
+      <p:nvGrpSpPr>
+        <p:cNvPr id="1" name=""/>
+        <p:cNvGrpSpPr/>
+        <p:nvPr/>
+      </p:nvGrpSpPr>
+      <p:grpSpPr>
+        <a:xfrm>
+          <a:off x="0" y="0"/>
+          <a:ext cx="0" cy="0"/>
+          <a:chOff x="0" y="0"/>
+          <a:chExt cx="0" cy="0"/>
+        </a:xfrm>
+      </p:grpSpPr>
+      <p:sp>
+        <p:nvSpPr>
+          <p:cNvPr id="2" name="Espaço Reservado para Imagem de Slide 1"/>
+          <p:cNvSpPr>
+            <a:spLocks noGrp="1" noRot="1" noChangeAspect="1"/>
+          </p:cNvSpPr>
+          <p:nvPr>
+            <p:ph type="sldImg"/>
+          </p:nvPr>
+        </p:nvSpPr>
+        <p:spPr/>
+      </p:sp>
+      <p:sp>
+        <p:nvSpPr>
+          <p:cNvPr id="3" name="Espaço Reservado para Anotações 2"/>
+          <p:cNvSpPr>
+            <a:spLocks noGrp="1"/>
+          </p:cNvSpPr>
+          <p:nvPr>
+            <p:ph type="body" idx="1"/>
+          </p:nvPr>
+        </p:nvSpPr>
+        <p:spPr/>
+        <p:txBody>
+          <a:bodyPr>
+            <a:normAutofit/>
+          </a:bodyPr>
+          <a:lstStyle/>
+          <a:p>
+            <a:endParaRPr lang="pt-BR"/>
+          </a:p>
+        </p:txBody>
+      </p:sp>
+      <p:sp>
+        <p:nvSpPr>
+          <p:cNvPr id="4" name="Espaço Reservado para Número de Slide 3"/>
+          <p:cNvSpPr>
+            <a:spLocks noGrp="1"/>
+          </p:cNvSpPr>
+          <p:nvPr>
+            <p:ph type="sldNum" sz="quarter" idx="10"/>
+          </p:nvPr>
+        </p:nvSpPr>
+        <p:spPr/>
+        <p:txBody>
+          <a:bodyPr/>
+          <a:lstStyle/>
+          <a:p>
+            <a:pPr>
+              <a:defRPr/>
+            </a:pPr>
+            <a:fld id="{8E95BD27-5466-443F-B42B-02049F05E6C9}" type="slidenum">
+              <a:rPr lang="pt-BR" smtClean="0"/>
+              <a:pPr>
+                <a:defRPr/>
+              </a:pPr>
+              <a:t>15</a:t>
+            </a:fld>
+            <a:endParaRPr lang="pt-BR"/>
+          </a:p>
+        </p:txBody>
+      </p:sp>
+    </p:spTree>
+  </p:cSld>
+  <p:clrMapOvr>
+    <a:masterClrMapping/>
+  </p:clrMapOvr>
+</p:notes>
+</file>
+
+<file path=ppt/notesSlides/notesSlide16.xml><?xml version="1.0" encoding="utf-8"?>
+<p:notes xmlns:a="http://schemas.openxmlformats.org/drawingml/2006/main" xmlns:r="http://schemas.openxmlformats.org/officeDocument/2006/relationships" xmlns:p="http://schemas.openxmlformats.org/presentationml/2006/main">
+  <p:cSld>
+    <p:spTree>
+      <p:nvGrpSpPr>
+        <p:cNvPr id="1" name=""/>
+        <p:cNvGrpSpPr/>
+        <p:nvPr/>
+      </p:nvGrpSpPr>
+      <p:grpSpPr>
+        <a:xfrm>
+          <a:off x="0" y="0"/>
+          <a:ext cx="0" cy="0"/>
+          <a:chOff x="0" y="0"/>
+          <a:chExt cx="0" cy="0"/>
+        </a:xfrm>
+      </p:grpSpPr>
+      <p:sp>
+        <p:nvSpPr>
+          <p:cNvPr id="2" name="Espaço Reservado para Imagem de Slide 1"/>
+          <p:cNvSpPr>
+            <a:spLocks noGrp="1" noRot="1" noChangeAspect="1"/>
+          </p:cNvSpPr>
+          <p:nvPr>
+            <p:ph type="sldImg"/>
+          </p:nvPr>
+        </p:nvSpPr>
+        <p:spPr/>
+      </p:sp>
+      <p:sp>
+        <p:nvSpPr>
+          <p:cNvPr id="3" name="Espaço Reservado para Anotações 2"/>
+          <p:cNvSpPr>
+            <a:spLocks noGrp="1"/>
+          </p:cNvSpPr>
+          <p:nvPr>
+            <p:ph type="body" idx="1"/>
+          </p:nvPr>
+        </p:nvSpPr>
+        <p:spPr/>
+        <p:txBody>
+          <a:bodyPr>
+            <a:normAutofit/>
+          </a:bodyPr>
+          <a:lstStyle/>
+          <a:p>
+            <a:endParaRPr lang="pt-BR"/>
+          </a:p>
+        </p:txBody>
+      </p:sp>
+      <p:sp>
+        <p:nvSpPr>
+          <p:cNvPr id="4" name="Espaço Reservado para Número de Slide 3"/>
+          <p:cNvSpPr>
+            <a:spLocks noGrp="1"/>
+          </p:cNvSpPr>
+          <p:nvPr>
+            <p:ph type="sldNum" sz="quarter" idx="10"/>
+          </p:nvPr>
+        </p:nvSpPr>
+        <p:spPr/>
+        <p:txBody>
+          <a:bodyPr/>
+          <a:lstStyle/>
+          <a:p>
+            <a:pPr>
+              <a:defRPr/>
+            </a:pPr>
+            <a:fld id="{8E95BD27-5466-443F-B42B-02049F05E6C9}" type="slidenum">
+              <a:rPr lang="pt-BR" smtClean="0"/>
+              <a:pPr>
+                <a:defRPr/>
+              </a:pPr>
+              <a:t>16</a:t>
+            </a:fld>
+            <a:endParaRPr lang="pt-BR"/>
+          </a:p>
+        </p:txBody>
+      </p:sp>
+    </p:spTree>
+  </p:cSld>
+  <p:clrMapOvr>
+    <a:masterClrMapping/>
+  </p:clrMapOvr>
+</p:notes>
+</file>
+
+<file path=ppt/notesSlides/notesSlide17.xml><?xml version="1.0" encoding="utf-8"?>
+<p:notes xmlns:a="http://schemas.openxmlformats.org/drawingml/2006/main" xmlns:r="http://schemas.openxmlformats.org/officeDocument/2006/relationships" xmlns:p="http://schemas.openxmlformats.org/presentationml/2006/main">
+  <p:cSld>
+    <p:spTree>
+      <p:nvGrpSpPr>
+        <p:cNvPr id="1" name=""/>
+        <p:cNvGrpSpPr/>
+        <p:nvPr/>
+      </p:nvGrpSpPr>
+      <p:grpSpPr>
+        <a:xfrm>
+          <a:off x="0" y="0"/>
+          <a:ext cx="0" cy="0"/>
+          <a:chOff x="0" y="0"/>
+          <a:chExt cx="0" cy="0"/>
+        </a:xfrm>
+      </p:grpSpPr>
+      <p:sp>
+        <p:nvSpPr>
+          <p:cNvPr id="2" name="Espaço Reservado para Imagem de Slide 1"/>
+          <p:cNvSpPr>
+            <a:spLocks noGrp="1" noRot="1" noChangeAspect="1"/>
+          </p:cNvSpPr>
+          <p:nvPr>
+            <p:ph type="sldImg"/>
+          </p:nvPr>
+        </p:nvSpPr>
+        <p:spPr/>
+      </p:sp>
+      <p:sp>
+        <p:nvSpPr>
+          <p:cNvPr id="3" name="Espaço Reservado para Anotações 2"/>
+          <p:cNvSpPr>
+            <a:spLocks noGrp="1"/>
+          </p:cNvSpPr>
+          <p:nvPr>
+            <p:ph type="body" idx="1"/>
+          </p:nvPr>
+        </p:nvSpPr>
+        <p:spPr/>
+        <p:txBody>
+          <a:bodyPr>
+            <a:normAutofit/>
+          </a:bodyPr>
+          <a:lstStyle/>
+          <a:p>
+            <a:endParaRPr lang="pt-BR"/>
+          </a:p>
+        </p:txBody>
+      </p:sp>
+      <p:sp>
+        <p:nvSpPr>
+          <p:cNvPr id="4" name="Espaço Reservado para Número de Slide 3"/>
+          <p:cNvSpPr>
+            <a:spLocks noGrp="1"/>
+          </p:cNvSpPr>
+          <p:nvPr>
+            <p:ph type="sldNum" sz="quarter" idx="10"/>
+          </p:nvPr>
+        </p:nvSpPr>
+        <p:spPr/>
+        <p:txBody>
+          <a:bodyPr/>
+          <a:lstStyle/>
+          <a:p>
+            <a:pPr>
+              <a:defRPr/>
+            </a:pPr>
+            <a:fld id="{8E95BD27-5466-443F-B42B-02049F05E6C9}" type="slidenum">
+              <a:rPr lang="pt-BR" smtClean="0"/>
+              <a:pPr>
+                <a:defRPr/>
+              </a:pPr>
+              <a:t>17</a:t>
+            </a:fld>
+            <a:endParaRPr lang="pt-BR"/>
+          </a:p>
+        </p:txBody>
+      </p:sp>
+    </p:spTree>
+  </p:cSld>
+  <p:clrMapOvr>
+    <a:masterClrMapping/>
+  </p:clrMapOvr>
+</p:notes>
+</file>
+
+<file path=ppt/notesSlides/notesSlide18.xml><?xml version="1.0" encoding="utf-8"?>
+<p:notes xmlns:a="http://schemas.openxmlformats.org/drawingml/2006/main" xmlns:r="http://schemas.openxmlformats.org/officeDocument/2006/relationships" xmlns:p="http://schemas.openxmlformats.org/presentationml/2006/main">
+  <p:cSld>
+    <p:spTree>
+      <p:nvGrpSpPr>
+        <p:cNvPr id="1" name=""/>
+        <p:cNvGrpSpPr/>
+        <p:nvPr/>
+      </p:nvGrpSpPr>
+      <p:grpSpPr>
+        <a:xfrm>
+          <a:off x="0" y="0"/>
+          <a:ext cx="0" cy="0"/>
+          <a:chOff x="0" y="0"/>
+          <a:chExt cx="0" cy="0"/>
+        </a:xfrm>
+      </p:grpSpPr>
+      <p:sp>
+        <p:nvSpPr>
+          <p:cNvPr id="2" name="Espaço Reservado para Imagem de Slide 1"/>
+          <p:cNvSpPr>
+            <a:spLocks noGrp="1" noRot="1" noChangeAspect="1"/>
+          </p:cNvSpPr>
+          <p:nvPr>
+            <p:ph type="sldImg"/>
+          </p:nvPr>
+        </p:nvSpPr>
+        <p:spPr/>
+      </p:sp>
+      <p:sp>
+        <p:nvSpPr>
+          <p:cNvPr id="3" name="Espaço Reservado para Anotações 2"/>
+          <p:cNvSpPr>
+            <a:spLocks noGrp="1"/>
+          </p:cNvSpPr>
+          <p:nvPr>
+            <p:ph type="body" idx="1"/>
+          </p:nvPr>
+        </p:nvSpPr>
+        <p:spPr/>
+        <p:txBody>
+          <a:bodyPr>
+            <a:normAutofit/>
+          </a:bodyPr>
+          <a:lstStyle/>
+          <a:p>
+            <a:endParaRPr lang="pt-BR"/>
+          </a:p>
+        </p:txBody>
+      </p:sp>
+      <p:sp>
+        <p:nvSpPr>
+          <p:cNvPr id="4" name="Espaço Reservado para Número de Slide 3"/>
+          <p:cNvSpPr>
+            <a:spLocks noGrp="1"/>
+          </p:cNvSpPr>
+          <p:nvPr>
+            <p:ph type="sldNum" sz="quarter" idx="10"/>
+          </p:nvPr>
+        </p:nvSpPr>
+        <p:spPr/>
+        <p:txBody>
+          <a:bodyPr/>
+          <a:lstStyle/>
+          <a:p>
+            <a:pPr>
+              <a:defRPr/>
+            </a:pPr>
+            <a:fld id="{8E95BD27-5466-443F-B42B-02049F05E6C9}" type="slidenum">
+              <a:rPr lang="pt-BR" smtClean="0"/>
+              <a:pPr>
+                <a:defRPr/>
+              </a:pPr>
+              <a:t>18</a:t>
+            </a:fld>
+            <a:endParaRPr lang="pt-BR"/>
+          </a:p>
+        </p:txBody>
+      </p:sp>
+    </p:spTree>
+  </p:cSld>
+  <p:clrMapOvr>
+    <a:masterClrMapping/>
+  </p:clrMapOvr>
+</p:notes>
+</file>
+
+<file path=ppt/notesSlides/notesSlide19.xml><?xml version="1.0" encoding="utf-8"?>
+<p:notes xmlns:a="http://schemas.openxmlformats.org/drawingml/2006/main" xmlns:r="http://schemas.openxmlformats.org/officeDocument/2006/relationships" xmlns:p="http://schemas.openxmlformats.org/presentationml/2006/main">
+  <p:cSld>
+    <p:spTree>
+      <p:nvGrpSpPr>
+        <p:cNvPr id="1" name=""/>
+        <p:cNvGrpSpPr/>
+        <p:nvPr/>
+      </p:nvGrpSpPr>
+      <p:grpSpPr>
+        <a:xfrm>
+          <a:off x="0" y="0"/>
+          <a:ext cx="0" cy="0"/>
+          <a:chOff x="0" y="0"/>
+          <a:chExt cx="0" cy="0"/>
+        </a:xfrm>
+      </p:grpSpPr>
+      <p:sp>
+        <p:nvSpPr>
+          <p:cNvPr id="2" name="Espaço Reservado para Imagem de Slide 1"/>
+          <p:cNvSpPr>
+            <a:spLocks noGrp="1" noRot="1" noChangeAspect="1"/>
+          </p:cNvSpPr>
+          <p:nvPr>
+            <p:ph type="sldImg"/>
+          </p:nvPr>
+        </p:nvSpPr>
+        <p:spPr/>
+      </p:sp>
+      <p:sp>
+        <p:nvSpPr>
+          <p:cNvPr id="3" name="Espaço Reservado para Anotações 2"/>
+          <p:cNvSpPr>
+            <a:spLocks noGrp="1"/>
+          </p:cNvSpPr>
+          <p:nvPr>
+            <p:ph type="body" idx="1"/>
+          </p:nvPr>
+        </p:nvSpPr>
+        <p:spPr/>
+        <p:txBody>
+          <a:bodyPr>
+            <a:normAutofit/>
+          </a:bodyPr>
+          <a:lstStyle/>
+          <a:p>
+            <a:endParaRPr lang="pt-BR"/>
+          </a:p>
+        </p:txBody>
+      </p:sp>
+      <p:sp>
+        <p:nvSpPr>
+          <p:cNvPr id="4" name="Espaço Reservado para Número de Slide 3"/>
+          <p:cNvSpPr>
+            <a:spLocks noGrp="1"/>
+          </p:cNvSpPr>
+          <p:nvPr>
+            <p:ph type="sldNum" sz="quarter" idx="10"/>
+          </p:nvPr>
+        </p:nvSpPr>
+        <p:spPr/>
+        <p:txBody>
+          <a:bodyPr/>
+          <a:lstStyle/>
+          <a:p>
+            <a:pPr>
+              <a:defRPr/>
+            </a:pPr>
+            <a:fld id="{8E95BD27-5466-443F-B42B-02049F05E6C9}" type="slidenum">
+              <a:rPr lang="pt-BR" smtClean="0"/>
+              <a:pPr>
+                <a:defRPr/>
+              </a:pPr>
+              <a:t>19</a:t>
+            </a:fld>
+            <a:endParaRPr lang="pt-BR"/>
+          </a:p>
+        </p:txBody>
+      </p:sp>
+    </p:spTree>
+  </p:cSld>
+  <p:clrMapOvr>
+    <a:masterClrMapping/>
+  </p:clrMapOvr>
+</p:notes>
+</file>
+
 <file path=ppt/notesSlides/notesSlide2.xml><?xml version="1.0" encoding="utf-8"?>
 <p:notes xmlns:a="http://schemas.openxmlformats.org/drawingml/2006/main" xmlns:r="http://schemas.openxmlformats.org/officeDocument/2006/relationships" xmlns:p="http://schemas.openxmlformats.org/presentationml/2006/main">
   <p:cSld>
@@ -1997,7 +2701,7 @@
               <a:pPr>
                 <a:defRPr/>
               </a:pPr>
-              <a:t>14/06/2012</a:t>
+              <a:t>16/06/2012</a:t>
             </a:fld>
             <a:endParaRPr lang="pt-BR"/>
           </a:p>
@@ -2189,7 +2893,7 @@
               <a:pPr>
                 <a:defRPr/>
               </a:pPr>
-              <a:t>14/06/2012</a:t>
+              <a:t>16/06/2012</a:t>
             </a:fld>
             <a:endParaRPr lang="pt-BR"/>
           </a:p>
@@ -2391,7 +3095,7 @@
               <a:pPr>
                 <a:defRPr/>
               </a:pPr>
-              <a:t>14/06/2012</a:t>
+              <a:t>16/06/2012</a:t>
             </a:fld>
             <a:endParaRPr lang="pt-BR"/>
           </a:p>
@@ -2587,7 +3291,7 @@
               <a:pPr>
                 <a:defRPr/>
               </a:pPr>
-              <a:t>14/06/2012</a:t>
+              <a:t>16/06/2012</a:t>
             </a:fld>
             <a:endParaRPr lang="pt-BR"/>
           </a:p>
@@ -3093,7 +3797,7 @@
               <a:pPr>
                 <a:defRPr/>
               </a:pPr>
-              <a:t>14/06/2012</a:t>
+              <a:t>16/06/2012</a:t>
             </a:fld>
             <a:endParaRPr lang="pt-BR"/>
           </a:p>
@@ -3384,7 +4088,7 @@
               <a:pPr>
                 <a:defRPr/>
               </a:pPr>
-              <a:t>14/06/2012</a:t>
+              <a:t>16/06/2012</a:t>
             </a:fld>
             <a:endParaRPr lang="pt-BR"/>
           </a:p>
@@ -3785,7 +4489,7 @@
               <a:pPr>
                 <a:defRPr/>
               </a:pPr>
-              <a:t>14/06/2012</a:t>
+              <a:t>16/06/2012</a:t>
             </a:fld>
             <a:endParaRPr lang="pt-BR"/>
           </a:p>
@@ -3934,7 +4638,7 @@
               <a:pPr>
                 <a:defRPr/>
               </a:pPr>
-              <a:t>14/06/2012</a:t>
+              <a:t>16/06/2012</a:t>
             </a:fld>
             <a:endParaRPr lang="pt-BR"/>
           </a:p>
@@ -4051,7 +4755,7 @@
               <a:pPr>
                 <a:defRPr/>
               </a:pPr>
-              <a:t>14/06/2012</a:t>
+              <a:t>16/06/2012</a:t>
             </a:fld>
             <a:endParaRPr lang="pt-BR"/>
           </a:p>
@@ -4327,7 +5031,7 @@
               <a:pPr>
                 <a:defRPr/>
               </a:pPr>
-              <a:t>14/06/2012</a:t>
+              <a:t>16/06/2012</a:t>
             </a:fld>
             <a:endParaRPr lang="pt-BR"/>
           </a:p>
@@ -4611,7 +5315,7 @@
               <a:pPr>
                 <a:defRPr/>
               </a:pPr>
-              <a:t>14/06/2012</a:t>
+              <a:t>16/06/2012</a:t>
             </a:fld>
             <a:endParaRPr lang="pt-BR"/>
           </a:p>
@@ -5089,7 +5793,7 @@
               <a:pPr>
                 <a:defRPr/>
               </a:pPr>
-              <a:t>14/06/2012</a:t>
+              <a:t>16/06/2012</a:t>
             </a:fld>
             <a:endParaRPr lang="pt-BR"/>
           </a:p>
@@ -5700,7 +6404,6 @@
               <a:rPr lang="pt-BR" dirty="0" smtClean="0"/>
               <a:t>Java Módulo II</a:t>
             </a:r>
-            <a:endParaRPr lang="pt-BR" dirty="0" smtClean="0"/>
           </a:p>
         </p:txBody>
       </p:sp>
@@ -5751,17 +6454,9 @@
           <a:bodyPr/>
           <a:lstStyle/>
           <a:p>
-            <a:pPr rtl="0" eaLnBrk="0" fontAlgn="base" hangingPunct="0"/>
-            <a:r>
-              <a:rPr lang="pt-BR" sz="4600" kern="1200" dirty="0" smtClean="0">
-                <a:solidFill>
-                  <a:schemeClr val="tx1"/>
-                </a:solidFill>
-                <a:latin typeface="+mj-lt"/>
-                <a:ea typeface="+mj-ea"/>
-                <a:cs typeface="+mj-cs"/>
-              </a:rPr>
-              <a:t>Tela de Busca de Cargos</a:t>
+            <a:r>
+              <a:rPr lang="pt-BR" dirty="0" smtClean="0"/>
+              <a:t>Padrão de Desenvolvimento</a:t>
             </a:r>
             <a:endParaRPr lang="pt-BR" dirty="0"/>
           </a:p>
@@ -5774,15 +6469,70 @@
             <a:spLocks noGrp="1"/>
           </p:cNvSpPr>
           <p:nvPr>
-            <p:ph idx="1"/>
-          </p:nvPr>
-        </p:nvSpPr>
-        <p:spPr/>
+            <p:ph sz="half" idx="1"/>
+          </p:nvPr>
+        </p:nvSpPr>
+        <p:spPr>
+          <a:xfrm>
+            <a:off x="457200" y="1600201"/>
+            <a:ext cx="8003232" cy="604663"/>
+          </a:xfrm>
+        </p:spPr>
         <p:txBody>
           <a:bodyPr/>
           <a:lstStyle/>
           <a:p>
-            <a:endParaRPr lang="pt-BR"/>
+            <a:r>
+              <a:rPr lang="pt-BR" sz="3000" dirty="0" smtClean="0"/>
+              <a:t>Diagrama de sequência (janela de busca)</a:t>
+            </a:r>
+            <a:endParaRPr lang="pt-BR" sz="3000" dirty="0"/>
+          </a:p>
+        </p:txBody>
+      </p:sp>
+      <p:sp>
+        <p:nvSpPr>
+          <p:cNvPr id="16" name="Espaço Reservado para Conteúdo 15"/>
+          <p:cNvSpPr>
+            <a:spLocks noGrp="1"/>
+          </p:cNvSpPr>
+          <p:nvPr>
+            <p:ph sz="half" idx="2"/>
+          </p:nvPr>
+        </p:nvSpPr>
+        <p:spPr>
+          <a:xfrm>
+            <a:off x="539552" y="4509120"/>
+            <a:ext cx="7992888" cy="1401019"/>
+          </a:xfrm>
+        </p:spPr>
+        <p:txBody>
+          <a:bodyPr/>
+          <a:lstStyle/>
+          <a:p>
+            <a:pPr marL="0" indent="0">
+              <a:buNone/>
+            </a:pPr>
+            <a:r>
+              <a:rPr lang="pt-BR" sz="2000" dirty="0" smtClean="0"/>
+              <a:t>Ao clicar no botão procurar, a janela deverá enviar ao DAO um String contendo o pedaço de nome a ser pesquisado.</a:t>
+            </a:r>
+          </a:p>
+          <a:p>
+            <a:pPr marL="0" indent="0">
+              <a:buNone/>
+            </a:pPr>
+            <a:endParaRPr lang="pt-BR" sz="2000" dirty="0" smtClean="0"/>
+          </a:p>
+          <a:p>
+            <a:pPr marL="0" indent="0">
+              <a:buNone/>
+            </a:pPr>
+            <a:r>
+              <a:rPr lang="pt-BR" sz="2000" dirty="0" smtClean="0"/>
+              <a:t>O DAO deverá realizar a busca na base de dados (cláusula LIKE) trazendo uma lista de todos os cargos de todos os cargos que tenham aquele trecho de nome especificado.</a:t>
+            </a:r>
+            <a:endParaRPr lang="pt-BR" sz="2000" dirty="0"/>
           </a:p>
         </p:txBody>
       </p:sp>
@@ -5815,11 +6565,1001 @@
           </a:p>
         </p:txBody>
       </p:sp>
+      <p:sp>
+        <p:nvSpPr>
+          <p:cNvPr id="5" name="Retângulo 4"/>
+          <p:cNvSpPr/>
+          <p:nvPr/>
+        </p:nvSpPr>
+        <p:spPr>
+          <a:xfrm>
+            <a:off x="1115616" y="2420888"/>
+            <a:ext cx="2448272" cy="432048"/>
+          </a:xfrm>
+          <a:prstGeom prst="rect">
+            <a:avLst/>
+          </a:prstGeom>
+          <a:noFill/>
+          <a:ln w="28575">
+            <a:solidFill>
+              <a:schemeClr val="tx1"/>
+            </a:solidFill>
+          </a:ln>
+        </p:spPr>
+        <p:style>
+          <a:lnRef idx="2">
+            <a:schemeClr val="accent1">
+              <a:shade val="50000"/>
+            </a:schemeClr>
+          </a:lnRef>
+          <a:fillRef idx="1">
+            <a:schemeClr val="accent1"/>
+          </a:fillRef>
+          <a:effectRef idx="0">
+            <a:schemeClr val="accent1"/>
+          </a:effectRef>
+          <a:fontRef idx="minor">
+            <a:schemeClr val="lt1"/>
+          </a:fontRef>
+        </p:style>
+        <p:txBody>
+          <a:bodyPr rtlCol="0" anchor="ctr"/>
+          <a:lstStyle/>
+          <a:p>
+            <a:pPr algn="ctr"/>
+            <a:r>
+              <a:rPr lang="pt-BR" dirty="0" err="1" smtClean="0"/>
+              <a:t>CargoSearchFrame</a:t>
+            </a:r>
+            <a:endParaRPr lang="pt-BR" dirty="0"/>
+          </a:p>
+        </p:txBody>
+      </p:sp>
+      <p:sp>
+        <p:nvSpPr>
+          <p:cNvPr id="6" name="Retângulo 5"/>
+          <p:cNvSpPr/>
+          <p:nvPr/>
+        </p:nvSpPr>
+        <p:spPr>
+          <a:xfrm>
+            <a:off x="6084168" y="2420888"/>
+            <a:ext cx="1872208" cy="432048"/>
+          </a:xfrm>
+          <a:prstGeom prst="rect">
+            <a:avLst/>
+          </a:prstGeom>
+          <a:noFill/>
+          <a:ln w="28575">
+            <a:solidFill>
+              <a:schemeClr val="tx1"/>
+            </a:solidFill>
+          </a:ln>
+        </p:spPr>
+        <p:style>
+          <a:lnRef idx="2">
+            <a:schemeClr val="accent1">
+              <a:shade val="50000"/>
+            </a:schemeClr>
+          </a:lnRef>
+          <a:fillRef idx="1">
+            <a:schemeClr val="accent1"/>
+          </a:fillRef>
+          <a:effectRef idx="0">
+            <a:schemeClr val="accent1"/>
+          </a:effectRef>
+          <a:fontRef idx="minor">
+            <a:schemeClr val="lt1"/>
+          </a:fontRef>
+        </p:style>
+        <p:txBody>
+          <a:bodyPr rtlCol="0" anchor="ctr"/>
+          <a:lstStyle/>
+          <a:p>
+            <a:pPr algn="ctr"/>
+            <a:r>
+              <a:rPr lang="pt-BR" dirty="0" err="1" smtClean="0"/>
+              <a:t>CargoDAO</a:t>
+            </a:r>
+            <a:endParaRPr lang="pt-BR" dirty="0"/>
+          </a:p>
+        </p:txBody>
+      </p:sp>
+      <p:cxnSp>
+        <p:nvCxnSpPr>
+          <p:cNvPr id="8" name="Conector reto 7"/>
+          <p:cNvCxnSpPr/>
+          <p:nvPr/>
+        </p:nvCxnSpPr>
+        <p:spPr>
+          <a:xfrm>
+            <a:off x="2339752" y="2852936"/>
+            <a:ext cx="0" cy="1440160"/>
+          </a:xfrm>
+          <a:prstGeom prst="line">
+            <a:avLst/>
+          </a:prstGeom>
+          <a:ln w="28575">
+            <a:solidFill>
+              <a:schemeClr val="tx1"/>
+            </a:solidFill>
+          </a:ln>
+        </p:spPr>
+        <p:style>
+          <a:lnRef idx="1">
+            <a:schemeClr val="accent1"/>
+          </a:lnRef>
+          <a:fillRef idx="0">
+            <a:schemeClr val="accent1"/>
+          </a:fillRef>
+          <a:effectRef idx="0">
+            <a:schemeClr val="accent1"/>
+          </a:effectRef>
+          <a:fontRef idx="minor">
+            <a:schemeClr val="tx1"/>
+          </a:fontRef>
+        </p:style>
+      </p:cxnSp>
+      <p:cxnSp>
+        <p:nvCxnSpPr>
+          <p:cNvPr id="9" name="Conector reto 8"/>
+          <p:cNvCxnSpPr/>
+          <p:nvPr/>
+        </p:nvCxnSpPr>
+        <p:spPr>
+          <a:xfrm>
+            <a:off x="7020272" y="2852936"/>
+            <a:ext cx="0" cy="1440160"/>
+          </a:xfrm>
+          <a:prstGeom prst="line">
+            <a:avLst/>
+          </a:prstGeom>
+          <a:ln w="28575">
+            <a:solidFill>
+              <a:schemeClr val="tx1"/>
+            </a:solidFill>
+          </a:ln>
+        </p:spPr>
+        <p:style>
+          <a:lnRef idx="1">
+            <a:schemeClr val="accent1"/>
+          </a:lnRef>
+          <a:fillRef idx="0">
+            <a:schemeClr val="accent1"/>
+          </a:fillRef>
+          <a:effectRef idx="0">
+            <a:schemeClr val="accent1"/>
+          </a:effectRef>
+          <a:fontRef idx="minor">
+            <a:schemeClr val="tx1"/>
+          </a:fontRef>
+        </p:style>
+      </p:cxnSp>
+      <p:cxnSp>
+        <p:nvCxnSpPr>
+          <p:cNvPr id="11" name="Conector reto 10"/>
+          <p:cNvCxnSpPr/>
+          <p:nvPr/>
+        </p:nvCxnSpPr>
+        <p:spPr>
+          <a:xfrm>
+            <a:off x="2339752" y="3573016"/>
+            <a:ext cx="4680520" cy="0"/>
+          </a:xfrm>
+          <a:prstGeom prst="line">
+            <a:avLst/>
+          </a:prstGeom>
+          <a:ln>
+            <a:solidFill>
+              <a:srgbClr val="FFC000"/>
+            </a:solidFill>
+            <a:tailEnd type="triangle" w="lg" len="lg"/>
+          </a:ln>
+        </p:spPr>
+        <p:style>
+          <a:lnRef idx="1">
+            <a:schemeClr val="accent1"/>
+          </a:lnRef>
+          <a:fillRef idx="0">
+            <a:schemeClr val="accent1"/>
+          </a:fillRef>
+          <a:effectRef idx="0">
+            <a:schemeClr val="accent1"/>
+          </a:effectRef>
+          <a:fontRef idx="minor">
+            <a:schemeClr val="tx1"/>
+          </a:fontRef>
+        </p:style>
+      </p:cxnSp>
+      <p:sp>
+        <p:nvSpPr>
+          <p:cNvPr id="13" name="Retângulo 12"/>
+          <p:cNvSpPr/>
+          <p:nvPr/>
+        </p:nvSpPr>
+        <p:spPr>
+          <a:xfrm>
+            <a:off x="3491880" y="3068960"/>
+            <a:ext cx="2304256" cy="432048"/>
+          </a:xfrm>
+          <a:prstGeom prst="rect">
+            <a:avLst/>
+          </a:prstGeom>
+          <a:noFill/>
+          <a:ln w="28575">
+            <a:noFill/>
+          </a:ln>
+        </p:spPr>
+        <p:style>
+          <a:lnRef idx="2">
+            <a:schemeClr val="accent1">
+              <a:shade val="50000"/>
+            </a:schemeClr>
+          </a:lnRef>
+          <a:fillRef idx="1">
+            <a:schemeClr val="accent1"/>
+          </a:fillRef>
+          <a:effectRef idx="0">
+            <a:schemeClr val="accent1"/>
+          </a:effectRef>
+          <a:fontRef idx="minor">
+            <a:schemeClr val="lt1"/>
+          </a:fontRef>
+        </p:style>
+        <p:txBody>
+          <a:bodyPr rtlCol="0" anchor="ctr"/>
+          <a:lstStyle/>
+          <a:p>
+            <a:pPr algn="ctr"/>
+            <a:r>
+              <a:rPr lang="pt-BR" dirty="0" err="1" smtClean="0">
+                <a:solidFill>
+                  <a:srgbClr val="FFC000"/>
+                </a:solidFill>
+              </a:rPr>
+              <a:t>findByName</a:t>
+            </a:r>
+            <a:r>
+              <a:rPr lang="pt-BR" dirty="0" smtClean="0">
+                <a:solidFill>
+                  <a:srgbClr val="FFC000"/>
+                </a:solidFill>
+              </a:rPr>
+              <a:t>(String)</a:t>
+            </a:r>
+            <a:endParaRPr lang="pt-BR" dirty="0">
+              <a:solidFill>
+                <a:srgbClr val="FFC000"/>
+              </a:solidFill>
+            </a:endParaRPr>
+          </a:p>
+        </p:txBody>
+      </p:sp>
+      <p:sp>
+        <p:nvSpPr>
+          <p:cNvPr id="17" name="Retângulo de cantos arredondados 16"/>
+          <p:cNvSpPr/>
+          <p:nvPr/>
+        </p:nvSpPr>
+        <p:spPr>
+          <a:xfrm>
+            <a:off x="395536" y="3284984"/>
+            <a:ext cx="1728192" cy="648072"/>
+          </a:xfrm>
+          <a:prstGeom prst="roundRect">
+            <a:avLst/>
+          </a:prstGeom>
+          <a:noFill/>
+          <a:ln>
+            <a:solidFill>
+              <a:srgbClr val="FFC000"/>
+            </a:solidFill>
+            <a:prstDash val="dash"/>
+          </a:ln>
+        </p:spPr>
+        <p:style>
+          <a:lnRef idx="2">
+            <a:schemeClr val="accent1">
+              <a:shade val="50000"/>
+            </a:schemeClr>
+          </a:lnRef>
+          <a:fillRef idx="1">
+            <a:schemeClr val="accent1"/>
+          </a:fillRef>
+          <a:effectRef idx="0">
+            <a:schemeClr val="accent1"/>
+          </a:effectRef>
+          <a:fontRef idx="minor">
+            <a:schemeClr val="lt1"/>
+          </a:fontRef>
+        </p:style>
+        <p:txBody>
+          <a:bodyPr rtlCol="0" anchor="ctr"/>
+          <a:lstStyle/>
+          <a:p>
+            <a:pPr algn="ctr"/>
+            <a:r>
+              <a:rPr lang="pt-BR" sz="1600" dirty="0" smtClean="0">
+                <a:solidFill>
+                  <a:srgbClr val="FFC000"/>
+                </a:solidFill>
+              </a:rPr>
+              <a:t>Clique no botão</a:t>
+            </a:r>
+          </a:p>
+          <a:p>
+            <a:pPr algn="ctr"/>
+            <a:r>
+              <a:rPr lang="pt-BR" sz="1600" dirty="0" smtClean="0">
+                <a:solidFill>
+                  <a:srgbClr val="FFC000"/>
+                </a:solidFill>
+              </a:rPr>
+              <a:t>“Procurar”</a:t>
+            </a:r>
+            <a:endParaRPr lang="pt-BR" sz="1600" dirty="0">
+              <a:solidFill>
+                <a:srgbClr val="FFC000"/>
+              </a:solidFill>
+            </a:endParaRPr>
+          </a:p>
+        </p:txBody>
+      </p:sp>
+      <p:sp>
+        <p:nvSpPr>
+          <p:cNvPr id="18" name="Elipse 17"/>
+          <p:cNvSpPr/>
+          <p:nvPr/>
+        </p:nvSpPr>
+        <p:spPr>
+          <a:xfrm>
+            <a:off x="2231802" y="3463677"/>
+            <a:ext cx="216024" cy="216024"/>
+          </a:xfrm>
+          <a:prstGeom prst="ellipse">
+            <a:avLst/>
+          </a:prstGeom>
+          <a:solidFill>
+            <a:srgbClr val="FFC000"/>
+          </a:solidFill>
+          <a:ln>
+            <a:noFill/>
+          </a:ln>
+        </p:spPr>
+        <p:style>
+          <a:lnRef idx="2">
+            <a:schemeClr val="accent1">
+              <a:shade val="50000"/>
+            </a:schemeClr>
+          </a:lnRef>
+          <a:fillRef idx="1">
+            <a:schemeClr val="accent1"/>
+          </a:fillRef>
+          <a:effectRef idx="0">
+            <a:schemeClr val="accent1"/>
+          </a:effectRef>
+          <a:fontRef idx="minor">
+            <a:schemeClr val="lt1"/>
+          </a:fontRef>
+        </p:style>
+        <p:txBody>
+          <a:bodyPr rtlCol="0" anchor="ctr"/>
+          <a:lstStyle/>
+          <a:p>
+            <a:pPr algn="ctr"/>
+            <a:endParaRPr lang="pt-BR"/>
+          </a:p>
+        </p:txBody>
+      </p:sp>
+      <p:cxnSp>
+        <p:nvCxnSpPr>
+          <p:cNvPr id="14" name="Conector reto 13"/>
+          <p:cNvCxnSpPr/>
+          <p:nvPr/>
+        </p:nvCxnSpPr>
+        <p:spPr>
+          <a:xfrm flipH="1">
+            <a:off x="2339752" y="3933056"/>
+            <a:ext cx="4680520" cy="0"/>
+          </a:xfrm>
+          <a:prstGeom prst="line">
+            <a:avLst/>
+          </a:prstGeom>
+          <a:ln>
+            <a:solidFill>
+              <a:srgbClr val="FFC000"/>
+            </a:solidFill>
+            <a:tailEnd type="triangle" w="lg" len="lg"/>
+          </a:ln>
+        </p:spPr>
+        <p:style>
+          <a:lnRef idx="1">
+            <a:schemeClr val="accent1"/>
+          </a:lnRef>
+          <a:fillRef idx="0">
+            <a:schemeClr val="accent1"/>
+          </a:fillRef>
+          <a:effectRef idx="0">
+            <a:schemeClr val="accent1"/>
+          </a:effectRef>
+          <a:fontRef idx="minor">
+            <a:schemeClr val="tx1"/>
+          </a:fontRef>
+        </p:style>
+      </p:cxnSp>
+      <p:sp>
+        <p:nvSpPr>
+          <p:cNvPr id="20" name="Retângulo 19"/>
+          <p:cNvSpPr/>
+          <p:nvPr/>
+        </p:nvSpPr>
+        <p:spPr>
+          <a:xfrm>
+            <a:off x="3707904" y="3933056"/>
+            <a:ext cx="1872208" cy="432048"/>
+          </a:xfrm>
+          <a:prstGeom prst="rect">
+            <a:avLst/>
+          </a:prstGeom>
+          <a:noFill/>
+          <a:ln w="28575">
+            <a:noFill/>
+          </a:ln>
+        </p:spPr>
+        <p:style>
+          <a:lnRef idx="2">
+            <a:schemeClr val="accent1">
+              <a:shade val="50000"/>
+            </a:schemeClr>
+          </a:lnRef>
+          <a:fillRef idx="1">
+            <a:schemeClr val="accent1"/>
+          </a:fillRef>
+          <a:effectRef idx="0">
+            <a:schemeClr val="accent1"/>
+          </a:effectRef>
+          <a:fontRef idx="minor">
+            <a:schemeClr val="lt1"/>
+          </a:fontRef>
+        </p:style>
+        <p:txBody>
+          <a:bodyPr rtlCol="0" anchor="ctr"/>
+          <a:lstStyle/>
+          <a:p>
+            <a:pPr algn="ctr"/>
+            <a:r>
+              <a:rPr lang="pt-BR" dirty="0" err="1" smtClean="0">
+                <a:solidFill>
+                  <a:srgbClr val="FFC000"/>
+                </a:solidFill>
+              </a:rPr>
+              <a:t>List</a:t>
+            </a:r>
+            <a:r>
+              <a:rPr lang="pt-BR" dirty="0" smtClean="0">
+                <a:solidFill>
+                  <a:srgbClr val="FFC000"/>
+                </a:solidFill>
+              </a:rPr>
+              <a:t>&lt;</a:t>
+            </a:r>
+            <a:r>
+              <a:rPr lang="pt-BR" dirty="0" err="1" smtClean="0">
+                <a:solidFill>
+                  <a:srgbClr val="FFC000"/>
+                </a:solidFill>
+              </a:rPr>
+              <a:t>CargoVO</a:t>
+            </a:r>
+            <a:r>
+              <a:rPr lang="pt-BR" dirty="0" smtClean="0">
+                <a:solidFill>
+                  <a:srgbClr val="FFC000"/>
+                </a:solidFill>
+              </a:rPr>
+              <a:t>&gt;</a:t>
+            </a:r>
+            <a:endParaRPr lang="pt-BR" dirty="0">
+              <a:solidFill>
+                <a:srgbClr val="FFC000"/>
+              </a:solidFill>
+            </a:endParaRPr>
+          </a:p>
+        </p:txBody>
+      </p:sp>
     </p:spTree>
   </p:cSld>
   <p:clrMapOvr>
     <a:masterClrMapping/>
   </p:clrMapOvr>
+  <p:timing>
+    <p:tnLst>
+      <p:par>
+        <p:cTn id="1" dur="indefinite" restart="never" nodeType="tmRoot">
+          <p:childTnLst>
+            <p:seq concurrent="1" nextAc="seek">
+              <p:cTn id="2" dur="indefinite" nodeType="mainSeq">
+                <p:childTnLst>
+                  <p:par>
+                    <p:cTn id="3" fill="hold">
+                      <p:stCondLst>
+                        <p:cond delay="indefinite"/>
+                      </p:stCondLst>
+                      <p:childTnLst>
+                        <p:par>
+                          <p:cTn id="4" fill="hold">
+                            <p:stCondLst>
+                              <p:cond delay="0"/>
+                            </p:stCondLst>
+                            <p:childTnLst>
+                              <p:par>
+                                <p:cTn id="5" presetID="8" presetClass="entr" presetSubtype="16" fill="hold" grpId="0" nodeType="clickEffect">
+                                  <p:stCondLst>
+                                    <p:cond delay="0"/>
+                                  </p:stCondLst>
+                                  <p:childTnLst>
+                                    <p:set>
+                                      <p:cBhvr>
+                                        <p:cTn id="6" dur="1" fill="hold">
+                                          <p:stCondLst>
+                                            <p:cond delay="0"/>
+                                          </p:stCondLst>
+                                        </p:cTn>
+                                        <p:tgtEl>
+                                          <p:spTgt spid="17"/>
+                                        </p:tgtEl>
+                                        <p:attrNameLst>
+                                          <p:attrName>style.visibility</p:attrName>
+                                        </p:attrNameLst>
+                                      </p:cBhvr>
+                                      <p:to>
+                                        <p:strVal val="visible"/>
+                                      </p:to>
+                                    </p:set>
+                                    <p:animEffect transition="in" filter="diamond(in)">
+                                      <p:cBhvr>
+                                        <p:cTn id="7" dur="500"/>
+                                        <p:tgtEl>
+                                          <p:spTgt spid="17"/>
+                                        </p:tgtEl>
+                                      </p:cBhvr>
+                                    </p:animEffect>
+                                  </p:childTnLst>
+                                </p:cTn>
+                              </p:par>
+                              <p:par>
+                                <p:cTn id="8" presetID="8" presetClass="entr" presetSubtype="16" fill="hold" grpId="0" nodeType="withEffect">
+                                  <p:stCondLst>
+                                    <p:cond delay="0"/>
+                                  </p:stCondLst>
+                                  <p:childTnLst>
+                                    <p:set>
+                                      <p:cBhvr>
+                                        <p:cTn id="9" dur="1" fill="hold">
+                                          <p:stCondLst>
+                                            <p:cond delay="0"/>
+                                          </p:stCondLst>
+                                        </p:cTn>
+                                        <p:tgtEl>
+                                          <p:spTgt spid="18"/>
+                                        </p:tgtEl>
+                                        <p:attrNameLst>
+                                          <p:attrName>style.visibility</p:attrName>
+                                        </p:attrNameLst>
+                                      </p:cBhvr>
+                                      <p:to>
+                                        <p:strVal val="visible"/>
+                                      </p:to>
+                                    </p:set>
+                                    <p:animEffect transition="in" filter="diamond(in)">
+                                      <p:cBhvr>
+                                        <p:cTn id="10" dur="500"/>
+                                        <p:tgtEl>
+                                          <p:spTgt spid="18"/>
+                                        </p:tgtEl>
+                                      </p:cBhvr>
+                                    </p:animEffect>
+                                  </p:childTnLst>
+                                </p:cTn>
+                              </p:par>
+                            </p:childTnLst>
+                          </p:cTn>
+                        </p:par>
+                      </p:childTnLst>
+                    </p:cTn>
+                  </p:par>
+                  <p:par>
+                    <p:cTn id="11" fill="hold">
+                      <p:stCondLst>
+                        <p:cond delay="indefinite"/>
+                      </p:stCondLst>
+                      <p:childTnLst>
+                        <p:par>
+                          <p:cTn id="12" fill="hold">
+                            <p:stCondLst>
+                              <p:cond delay="0"/>
+                            </p:stCondLst>
+                            <p:childTnLst>
+                              <p:par>
+                                <p:cTn id="13" presetID="3" presetClass="entr" presetSubtype="5" fill="hold" grpId="0" nodeType="clickEffect">
+                                  <p:stCondLst>
+                                    <p:cond delay="0"/>
+                                  </p:stCondLst>
+                                  <p:childTnLst>
+                                    <p:set>
+                                      <p:cBhvr>
+                                        <p:cTn id="14" dur="1" fill="hold">
+                                          <p:stCondLst>
+                                            <p:cond delay="0"/>
+                                          </p:stCondLst>
+                                        </p:cTn>
+                                        <p:tgtEl>
+                                          <p:spTgt spid="13"/>
+                                        </p:tgtEl>
+                                        <p:attrNameLst>
+                                          <p:attrName>style.visibility</p:attrName>
+                                        </p:attrNameLst>
+                                      </p:cBhvr>
+                                      <p:to>
+                                        <p:strVal val="visible"/>
+                                      </p:to>
+                                    </p:set>
+                                    <p:animEffect transition="in" filter="blinds(vertical)">
+                                      <p:cBhvr>
+                                        <p:cTn id="15" dur="500"/>
+                                        <p:tgtEl>
+                                          <p:spTgt spid="13"/>
+                                        </p:tgtEl>
+                                      </p:cBhvr>
+                                    </p:animEffect>
+                                  </p:childTnLst>
+                                </p:cTn>
+                              </p:par>
+                              <p:par>
+                                <p:cTn id="16" presetID="3" presetClass="entr" presetSubtype="5" fill="hold" nodeType="withEffect">
+                                  <p:stCondLst>
+                                    <p:cond delay="0"/>
+                                  </p:stCondLst>
+                                  <p:childTnLst>
+                                    <p:set>
+                                      <p:cBhvr>
+                                        <p:cTn id="17" dur="1" fill="hold">
+                                          <p:stCondLst>
+                                            <p:cond delay="0"/>
+                                          </p:stCondLst>
+                                        </p:cTn>
+                                        <p:tgtEl>
+                                          <p:spTgt spid="11"/>
+                                        </p:tgtEl>
+                                        <p:attrNameLst>
+                                          <p:attrName>style.visibility</p:attrName>
+                                        </p:attrNameLst>
+                                      </p:cBhvr>
+                                      <p:to>
+                                        <p:strVal val="visible"/>
+                                      </p:to>
+                                    </p:set>
+                                    <p:animEffect transition="in" filter="blinds(vertical)">
+                                      <p:cBhvr>
+                                        <p:cTn id="18" dur="500"/>
+                                        <p:tgtEl>
+                                          <p:spTgt spid="11"/>
+                                        </p:tgtEl>
+                                      </p:cBhvr>
+                                    </p:animEffect>
+                                  </p:childTnLst>
+                                </p:cTn>
+                              </p:par>
+                            </p:childTnLst>
+                          </p:cTn>
+                        </p:par>
+                      </p:childTnLst>
+                    </p:cTn>
+                  </p:par>
+                  <p:par>
+                    <p:cTn id="19" fill="hold">
+                      <p:stCondLst>
+                        <p:cond delay="indefinite"/>
+                      </p:stCondLst>
+                      <p:childTnLst>
+                        <p:par>
+                          <p:cTn id="20" fill="hold">
+                            <p:stCondLst>
+                              <p:cond delay="0"/>
+                            </p:stCondLst>
+                            <p:childTnLst>
+                              <p:par>
+                                <p:cTn id="21" presetID="3" presetClass="entr" presetSubtype="5" fill="hold" grpId="0" nodeType="clickEffect">
+                                  <p:stCondLst>
+                                    <p:cond delay="0"/>
+                                  </p:stCondLst>
+                                  <p:childTnLst>
+                                    <p:set>
+                                      <p:cBhvr>
+                                        <p:cTn id="22" dur="1" fill="hold">
+                                          <p:stCondLst>
+                                            <p:cond delay="0"/>
+                                          </p:stCondLst>
+                                        </p:cTn>
+                                        <p:tgtEl>
+                                          <p:spTgt spid="20"/>
+                                        </p:tgtEl>
+                                        <p:attrNameLst>
+                                          <p:attrName>style.visibility</p:attrName>
+                                        </p:attrNameLst>
+                                      </p:cBhvr>
+                                      <p:to>
+                                        <p:strVal val="visible"/>
+                                      </p:to>
+                                    </p:set>
+                                    <p:animEffect transition="in" filter="blinds(vertical)">
+                                      <p:cBhvr>
+                                        <p:cTn id="23" dur="500"/>
+                                        <p:tgtEl>
+                                          <p:spTgt spid="20"/>
+                                        </p:tgtEl>
+                                      </p:cBhvr>
+                                    </p:animEffect>
+                                  </p:childTnLst>
+                                </p:cTn>
+                              </p:par>
+                              <p:par>
+                                <p:cTn id="24" presetID="3" presetClass="entr" presetSubtype="5" fill="hold" nodeType="withEffect">
+                                  <p:stCondLst>
+                                    <p:cond delay="0"/>
+                                  </p:stCondLst>
+                                  <p:childTnLst>
+                                    <p:set>
+                                      <p:cBhvr>
+                                        <p:cTn id="25" dur="1" fill="hold">
+                                          <p:stCondLst>
+                                            <p:cond delay="0"/>
+                                          </p:stCondLst>
+                                        </p:cTn>
+                                        <p:tgtEl>
+                                          <p:spTgt spid="14"/>
+                                        </p:tgtEl>
+                                        <p:attrNameLst>
+                                          <p:attrName>style.visibility</p:attrName>
+                                        </p:attrNameLst>
+                                      </p:cBhvr>
+                                      <p:to>
+                                        <p:strVal val="visible"/>
+                                      </p:to>
+                                    </p:set>
+                                    <p:animEffect transition="in" filter="blinds(vertical)">
+                                      <p:cBhvr>
+                                        <p:cTn id="26" dur="500"/>
+                                        <p:tgtEl>
+                                          <p:spTgt spid="14"/>
+                                        </p:tgtEl>
+                                      </p:cBhvr>
+                                    </p:animEffect>
+                                  </p:childTnLst>
+                                </p:cTn>
+                              </p:par>
+                            </p:childTnLst>
+                          </p:cTn>
+                        </p:par>
+                      </p:childTnLst>
+                    </p:cTn>
+                  </p:par>
+                  <p:par>
+                    <p:cTn id="27" fill="hold">
+                      <p:stCondLst>
+                        <p:cond delay="indefinite"/>
+                      </p:stCondLst>
+                      <p:childTnLst>
+                        <p:par>
+                          <p:cTn id="28" fill="hold">
+                            <p:stCondLst>
+                              <p:cond delay="0"/>
+                            </p:stCondLst>
+                            <p:childTnLst>
+                              <p:par>
+                                <p:cTn id="29" presetID="2" presetClass="entr" presetSubtype="4" fill="hold" nodeType="clickEffect">
+                                  <p:stCondLst>
+                                    <p:cond delay="0"/>
+                                  </p:stCondLst>
+                                  <p:childTnLst>
+                                    <p:set>
+                                      <p:cBhvr>
+                                        <p:cTn id="30" dur="1" fill="hold">
+                                          <p:stCondLst>
+                                            <p:cond delay="0"/>
+                                          </p:stCondLst>
+                                        </p:cTn>
+                                        <p:tgtEl>
+                                          <p:spTgt spid="16">
+                                            <p:txEl>
+                                              <p:pRg st="0" end="0"/>
+                                            </p:txEl>
+                                          </p:spTgt>
+                                        </p:tgtEl>
+                                        <p:attrNameLst>
+                                          <p:attrName>style.visibility</p:attrName>
+                                        </p:attrNameLst>
+                                      </p:cBhvr>
+                                      <p:to>
+                                        <p:strVal val="visible"/>
+                                      </p:to>
+                                    </p:set>
+                                    <p:anim calcmode="lin" valueType="num">
+                                      <p:cBhvr additive="base">
+                                        <p:cTn id="31" dur="500" fill="hold"/>
+                                        <p:tgtEl>
+                                          <p:spTgt spid="16">
+                                            <p:txEl>
+                                              <p:pRg st="0" end="0"/>
+                                            </p:txEl>
+                                          </p:spTgt>
+                                        </p:tgtEl>
+                                        <p:attrNameLst>
+                                          <p:attrName>ppt_x</p:attrName>
+                                        </p:attrNameLst>
+                                      </p:cBhvr>
+                                      <p:tavLst>
+                                        <p:tav tm="0">
+                                          <p:val>
+                                            <p:strVal val="#ppt_x"/>
+                                          </p:val>
+                                        </p:tav>
+                                        <p:tav tm="100000">
+                                          <p:val>
+                                            <p:strVal val="#ppt_x"/>
+                                          </p:val>
+                                        </p:tav>
+                                      </p:tavLst>
+                                    </p:anim>
+                                    <p:anim calcmode="lin" valueType="num">
+                                      <p:cBhvr additive="base">
+                                        <p:cTn id="32" dur="500" fill="hold"/>
+                                        <p:tgtEl>
+                                          <p:spTgt spid="16">
+                                            <p:txEl>
+                                              <p:pRg st="0" end="0"/>
+                                            </p:txEl>
+                                          </p:spTgt>
+                                        </p:tgtEl>
+                                        <p:attrNameLst>
+                                          <p:attrName>ppt_y</p:attrName>
+                                        </p:attrNameLst>
+                                      </p:cBhvr>
+                                      <p:tavLst>
+                                        <p:tav tm="0">
+                                          <p:val>
+                                            <p:strVal val="1+#ppt_h/2"/>
+                                          </p:val>
+                                        </p:tav>
+                                        <p:tav tm="100000">
+                                          <p:val>
+                                            <p:strVal val="#ppt_y"/>
+                                          </p:val>
+                                        </p:tav>
+                                      </p:tavLst>
+                                    </p:anim>
+                                  </p:childTnLst>
+                                </p:cTn>
+                              </p:par>
+                              <p:par>
+                                <p:cTn id="33" presetID="2" presetClass="entr" presetSubtype="4" fill="hold" nodeType="withEffect">
+                                  <p:stCondLst>
+                                    <p:cond delay="0"/>
+                                  </p:stCondLst>
+                                  <p:childTnLst>
+                                    <p:set>
+                                      <p:cBhvr>
+                                        <p:cTn id="34" dur="1" fill="hold">
+                                          <p:stCondLst>
+                                            <p:cond delay="0"/>
+                                          </p:stCondLst>
+                                        </p:cTn>
+                                        <p:tgtEl>
+                                          <p:spTgt spid="16">
+                                            <p:txEl>
+                                              <p:pRg st="2" end="2"/>
+                                            </p:txEl>
+                                          </p:spTgt>
+                                        </p:tgtEl>
+                                        <p:attrNameLst>
+                                          <p:attrName>style.visibility</p:attrName>
+                                        </p:attrNameLst>
+                                      </p:cBhvr>
+                                      <p:to>
+                                        <p:strVal val="visible"/>
+                                      </p:to>
+                                    </p:set>
+                                    <p:anim calcmode="lin" valueType="num">
+                                      <p:cBhvr additive="base">
+                                        <p:cTn id="35" dur="500" fill="hold"/>
+                                        <p:tgtEl>
+                                          <p:spTgt spid="16">
+                                            <p:txEl>
+                                              <p:pRg st="2" end="2"/>
+                                            </p:txEl>
+                                          </p:spTgt>
+                                        </p:tgtEl>
+                                        <p:attrNameLst>
+                                          <p:attrName>ppt_x</p:attrName>
+                                        </p:attrNameLst>
+                                      </p:cBhvr>
+                                      <p:tavLst>
+                                        <p:tav tm="0">
+                                          <p:val>
+                                            <p:strVal val="#ppt_x"/>
+                                          </p:val>
+                                        </p:tav>
+                                        <p:tav tm="100000">
+                                          <p:val>
+                                            <p:strVal val="#ppt_x"/>
+                                          </p:val>
+                                        </p:tav>
+                                      </p:tavLst>
+                                    </p:anim>
+                                    <p:anim calcmode="lin" valueType="num">
+                                      <p:cBhvr additive="base">
+                                        <p:cTn id="36" dur="500" fill="hold"/>
+                                        <p:tgtEl>
+                                          <p:spTgt spid="16">
+                                            <p:txEl>
+                                              <p:pRg st="2" end="2"/>
+                                            </p:txEl>
+                                          </p:spTgt>
+                                        </p:tgtEl>
+                                        <p:attrNameLst>
+                                          <p:attrName>ppt_y</p:attrName>
+                                        </p:attrNameLst>
+                                      </p:cBhvr>
+                                      <p:tavLst>
+                                        <p:tav tm="0">
+                                          <p:val>
+                                            <p:strVal val="1+#ppt_h/2"/>
+                                          </p:val>
+                                        </p:tav>
+                                        <p:tav tm="100000">
+                                          <p:val>
+                                            <p:strVal val="#ppt_y"/>
+                                          </p:val>
+                                        </p:tav>
+                                      </p:tavLst>
+                                    </p:anim>
+                                  </p:childTnLst>
+                                </p:cTn>
+                              </p:par>
+                            </p:childTnLst>
+                          </p:cTn>
+                        </p:par>
+                      </p:childTnLst>
+                    </p:cTn>
+                  </p:par>
+                </p:childTnLst>
+              </p:cTn>
+              <p:prevCondLst>
+                <p:cond evt="onPrev" delay="0">
+                  <p:tgtEl>
+                    <p:sldTgt/>
+                  </p:tgtEl>
+                </p:cond>
+              </p:prevCondLst>
+              <p:nextCondLst>
+                <p:cond evt="onNext" delay="0">
+                  <p:tgtEl>
+                    <p:sldTgt/>
+                  </p:tgtEl>
+                </p:cond>
+              </p:nextCondLst>
+            </p:seq>
+          </p:childTnLst>
+        </p:cTn>
+      </p:par>
+    </p:tnLst>
+    <p:bldLst>
+      <p:bldP spid="13" grpId="0"/>
+      <p:bldP spid="17" grpId="0" animBg="1"/>
+      <p:bldP spid="18" grpId="0" animBg="1"/>
+      <p:bldP spid="20" grpId="0"/>
+    </p:bldLst>
+  </p:timing>
 </p:sld>
 </file>
 
@@ -5850,12 +7590,7 @@
             <p:ph type="title"/>
           </p:nvPr>
         </p:nvSpPr>
-        <p:spPr>
-          <a:xfrm>
-            <a:off x="457200" y="274638"/>
-            <a:ext cx="8291264" cy="1143000"/>
-          </a:xfrm>
-        </p:spPr>
+        <p:spPr/>
         <p:txBody>
           <a:bodyPr/>
           <a:lstStyle/>
@@ -5870,8 +7605,9 @@
                 <a:ea typeface="+mj-ea"/>
                 <a:cs typeface="+mj-cs"/>
               </a:rPr>
-              <a:t>Tela de Busca de Funcionários</a:t>
-            </a:r>
+              <a:t>Mapeamento de classes VO</a:t>
+            </a:r>
+            <a:endParaRPr lang="pt-BR" dirty="0"/>
           </a:p>
         </p:txBody>
       </p:sp>
@@ -5885,12 +7621,64 @@
             <p:ph idx="1"/>
           </p:nvPr>
         </p:nvSpPr>
-        <p:spPr/>
+        <p:spPr>
+          <a:xfrm>
+            <a:off x="457200" y="1988840"/>
+            <a:ext cx="8075240" cy="4137323"/>
+          </a:xfrm>
+        </p:spPr>
         <p:txBody>
           <a:bodyPr/>
           <a:lstStyle/>
           <a:p>
-            <a:endParaRPr lang="pt-BR"/>
+            <a:pPr>
+              <a:spcBef>
+                <a:spcPts val="3000"/>
+              </a:spcBef>
+            </a:pPr>
+            <a:r>
+              <a:rPr lang="pt-BR" sz="2400" dirty="0" smtClean="0"/>
+              <a:t>Após criar as telas da aplicação, a próxima tarefa do programador é criar as classes VO para a comunicação das janelas com os </a:t>
+            </a:r>
+            <a:r>
+              <a:rPr lang="pt-BR" sz="2400" dirty="0" err="1" smtClean="0"/>
+              <a:t>DAOs</a:t>
+            </a:r>
+            <a:r>
+              <a:rPr lang="pt-BR" sz="2400" dirty="0" smtClean="0"/>
+              <a:t>.</a:t>
+            </a:r>
+          </a:p>
+          <a:p>
+            <a:pPr>
+              <a:spcBef>
+                <a:spcPts val="3000"/>
+              </a:spcBef>
+            </a:pPr>
+            <a:r>
+              <a:rPr lang="pt-BR" sz="2400" dirty="0" smtClean="0"/>
+              <a:t>Cada tabela na base de dados deve ser representada por um VO. Este deverá possuir atributos de tipos compatíveis com os campos da tabela.</a:t>
+            </a:r>
+          </a:p>
+          <a:p>
+            <a:pPr>
+              <a:spcBef>
+                <a:spcPts val="3000"/>
+              </a:spcBef>
+            </a:pPr>
+            <a:r>
+              <a:rPr lang="pt-BR" sz="2400" dirty="0" smtClean="0"/>
+              <a:t>Esta tarefa é chamada de </a:t>
+            </a:r>
+            <a:r>
+              <a:rPr lang="pt-BR" sz="2400" b="1" i="1" dirty="0" smtClean="0"/>
+              <a:t>mapeamento de classes</a:t>
+            </a:r>
+            <a:r>
+              <a:rPr lang="pt-BR" sz="2400" dirty="0" smtClean="0"/>
+              <a:t>.</a:t>
+            </a:r>
+            <a:endParaRPr lang="pt-BR" sz="2400" dirty="0"/>
           </a:p>
         </p:txBody>
       </p:sp>
@@ -5928,6 +7716,2032 @@
   <p:clrMapOvr>
     <a:masterClrMapping/>
   </p:clrMapOvr>
+  <p:timing>
+    <p:tnLst>
+      <p:par>
+        <p:cTn id="1" dur="indefinite" restart="never" nodeType="tmRoot"/>
+      </p:par>
+    </p:tnLst>
+  </p:timing>
+</p:sld>
+</file>
+
+<file path=ppt/slides/slide12.xml><?xml version="1.0" encoding="utf-8"?>
+<p:sld xmlns:a="http://schemas.openxmlformats.org/drawingml/2006/main" xmlns:r="http://schemas.openxmlformats.org/officeDocument/2006/relationships" xmlns:p="http://schemas.openxmlformats.org/presentationml/2006/main">
+  <p:cSld>
+    <p:spTree>
+      <p:nvGrpSpPr>
+        <p:cNvPr id="1" name=""/>
+        <p:cNvGrpSpPr/>
+        <p:nvPr/>
+      </p:nvGrpSpPr>
+      <p:grpSpPr>
+        <a:xfrm>
+          <a:off x="0" y="0"/>
+          <a:ext cx="0" cy="0"/>
+          <a:chOff x="0" y="0"/>
+          <a:chExt cx="0" cy="0"/>
+        </a:xfrm>
+      </p:grpSpPr>
+      <p:sp>
+        <p:nvSpPr>
+          <p:cNvPr id="2" name="Título 1"/>
+          <p:cNvSpPr>
+            <a:spLocks noGrp="1"/>
+          </p:cNvSpPr>
+          <p:nvPr>
+            <p:ph type="title"/>
+          </p:nvPr>
+        </p:nvSpPr>
+        <p:spPr/>
+        <p:txBody>
+          <a:bodyPr/>
+          <a:lstStyle/>
+          <a:p>
+            <a:r>
+              <a:rPr lang="pt-BR" dirty="0" smtClean="0"/>
+              <a:t>Mapeamento de classes VO</a:t>
+            </a:r>
+            <a:endParaRPr lang="pt-BR" dirty="0"/>
+          </a:p>
+        </p:txBody>
+      </p:sp>
+      <p:sp>
+        <p:nvSpPr>
+          <p:cNvPr id="4" name="Espaço Reservado para Número de Slide 3"/>
+          <p:cNvSpPr>
+            <a:spLocks noGrp="1"/>
+          </p:cNvSpPr>
+          <p:nvPr>
+            <p:ph type="sldNum" sz="quarter" idx="12"/>
+          </p:nvPr>
+        </p:nvSpPr>
+        <p:spPr/>
+        <p:txBody>
+          <a:bodyPr/>
+          <a:lstStyle/>
+          <a:p>
+            <a:pPr>
+              <a:defRPr/>
+            </a:pPr>
+            <a:fld id="{EF19A0F5-F849-4C78-8624-C3A50979DE44}" type="slidenum">
+              <a:rPr lang="pt-BR" smtClean="0"/>
+              <a:pPr>
+                <a:defRPr/>
+              </a:pPr>
+              <a:t>12</a:t>
+            </a:fld>
+            <a:endParaRPr lang="pt-BR"/>
+          </a:p>
+        </p:txBody>
+      </p:sp>
+      <p:graphicFrame>
+        <p:nvGraphicFramePr>
+          <p:cNvPr id="5" name="Espaço Reservado para Conteúdo 4"/>
+          <p:cNvGraphicFramePr>
+            <a:graphicFrameLocks/>
+          </p:cNvGraphicFramePr>
+          <p:nvPr/>
+        </p:nvGraphicFramePr>
+        <p:xfrm>
+          <a:off x="5076056" y="2780928"/>
+          <a:ext cx="2736304" cy="2194560"/>
+        </p:xfrm>
+        <a:graphic>
+          <a:graphicData uri="http://schemas.openxmlformats.org/drawingml/2006/table">
+            <a:tbl>
+              <a:tblPr firstRow="1" bandRow="1">
+                <a:tableStyleId>{5C22544A-7EE6-4342-B048-85BDC9FD1C3A}</a:tableStyleId>
+              </a:tblPr>
+              <a:tblGrid>
+                <a:gridCol w="2736304"/>
+              </a:tblGrid>
+              <a:tr h="263027">
+                <a:tc>
+                  <a:txBody>
+                    <a:bodyPr/>
+                    <a:lstStyle/>
+                    <a:p>
+                      <a:pPr marL="0" algn="ctr" rtl="0" eaLnBrk="1" latinLnBrk="0" hangingPunct="1"/>
+                      <a:r>
+                        <a:rPr kumimoji="0" lang="pt-BR" sz="1800" b="1" i="0" kern="1200" dirty="0" err="1" smtClean="0">
+                          <a:solidFill>
+                            <a:schemeClr val="tx1"/>
+                          </a:solidFill>
+                          <a:latin typeface="+mn-lt"/>
+                          <a:ea typeface="+mn-ea"/>
+                          <a:cs typeface="+mn-cs"/>
+                        </a:rPr>
+                        <a:t>CargoVO</a:t>
+                      </a:r>
+                      <a:endParaRPr kumimoji="0" lang="pt-BR" sz="1800" b="1" i="0" kern="1200" dirty="0">
+                        <a:solidFill>
+                          <a:schemeClr val="tx1"/>
+                        </a:solidFill>
+                        <a:latin typeface="+mn-lt"/>
+                        <a:ea typeface="+mn-ea"/>
+                        <a:cs typeface="+mn-cs"/>
+                      </a:endParaRPr>
+                    </a:p>
+                  </a:txBody>
+                  <a:tcPr>
+                    <a:lnL w="28575" cap="flat" cmpd="sng" algn="ctr">
+                      <a:solidFill>
+                        <a:schemeClr val="tx1"/>
+                      </a:solidFill>
+                      <a:prstDash val="solid"/>
+                      <a:round/>
+                      <a:headEnd type="none" w="med" len="med"/>
+                      <a:tailEnd type="none" w="med" len="med"/>
+                    </a:lnL>
+                    <a:lnR w="28575" cap="flat" cmpd="sng" algn="ctr">
+                      <a:solidFill>
+                        <a:schemeClr val="tx1"/>
+                      </a:solidFill>
+                      <a:prstDash val="solid"/>
+                      <a:round/>
+                      <a:headEnd type="none" w="med" len="med"/>
+                      <a:tailEnd type="none" w="med" len="med"/>
+                    </a:lnR>
+                    <a:lnT w="28575" cap="flat" cmpd="sng" algn="ctr">
+                      <a:solidFill>
+                        <a:schemeClr val="tx1"/>
+                      </a:solidFill>
+                      <a:prstDash val="solid"/>
+                      <a:round/>
+                      <a:headEnd type="none" w="med" len="med"/>
+                      <a:tailEnd type="none" w="med" len="med"/>
+                    </a:lnT>
+                    <a:lnB w="28575" cap="flat" cmpd="sng" algn="ctr">
+                      <a:solidFill>
+                        <a:schemeClr val="tx1"/>
+                      </a:solidFill>
+                      <a:prstDash val="solid"/>
+                      <a:round/>
+                      <a:headEnd type="none" w="med" len="med"/>
+                      <a:tailEnd type="none" w="med" len="med"/>
+                    </a:lnB>
+                    <a:noFill/>
+                  </a:tcPr>
+                </a:tc>
+              </a:tr>
+              <a:tr h="415280">
+                <a:tc>
+                  <a:txBody>
+                    <a:bodyPr/>
+                    <a:lstStyle/>
+                    <a:p>
+                      <a:r>
+                        <a:rPr lang="en-US" sz="1800" dirty="0" smtClean="0">
+                          <a:solidFill>
+                            <a:schemeClr val="tx1"/>
+                          </a:solidFill>
+                        </a:rPr>
+                        <a:t>id : </a:t>
+                      </a:r>
+                      <a:r>
+                        <a:rPr lang="en-US" sz="1800" dirty="0" err="1" smtClean="0">
+                          <a:solidFill>
+                            <a:schemeClr val="tx1"/>
+                          </a:solidFill>
+                        </a:rPr>
+                        <a:t>int</a:t>
+                      </a:r>
+                      <a:endParaRPr lang="en-US" sz="1800" dirty="0" smtClean="0">
+                        <a:solidFill>
+                          <a:schemeClr val="tx1"/>
+                        </a:solidFill>
+                      </a:endParaRPr>
+                    </a:p>
+                    <a:p>
+                      <a:r>
+                        <a:rPr lang="en-US" sz="1800" dirty="0" err="1" smtClean="0">
+                          <a:solidFill>
+                            <a:schemeClr val="tx1"/>
+                          </a:solidFill>
+                        </a:rPr>
+                        <a:t>nome</a:t>
+                      </a:r>
+                      <a:r>
+                        <a:rPr lang="en-US" sz="1800" dirty="0" smtClean="0">
+                          <a:solidFill>
+                            <a:schemeClr val="tx1"/>
+                          </a:solidFill>
+                        </a:rPr>
+                        <a:t> : String</a:t>
+                      </a:r>
+                    </a:p>
+                  </a:txBody>
+                  <a:tcPr>
+                    <a:lnL w="28575" cap="flat" cmpd="sng" algn="ctr">
+                      <a:solidFill>
+                        <a:schemeClr val="tx1"/>
+                      </a:solidFill>
+                      <a:prstDash val="solid"/>
+                      <a:round/>
+                      <a:headEnd type="none" w="med" len="med"/>
+                      <a:tailEnd type="none" w="med" len="med"/>
+                    </a:lnL>
+                    <a:lnR w="28575" cap="flat" cmpd="sng" algn="ctr">
+                      <a:solidFill>
+                        <a:schemeClr val="tx1"/>
+                      </a:solidFill>
+                      <a:prstDash val="solid"/>
+                      <a:round/>
+                      <a:headEnd type="none" w="med" len="med"/>
+                      <a:tailEnd type="none" w="med" len="med"/>
+                    </a:lnR>
+                    <a:lnT w="28575" cap="flat" cmpd="sng" algn="ctr">
+                      <a:solidFill>
+                        <a:schemeClr val="tx1"/>
+                      </a:solidFill>
+                      <a:prstDash val="solid"/>
+                      <a:round/>
+                      <a:headEnd type="none" w="med" len="med"/>
+                      <a:tailEnd type="none" w="med" len="med"/>
+                    </a:lnT>
+                    <a:lnB w="28575" cap="flat" cmpd="sng" algn="ctr">
+                      <a:solidFill>
+                        <a:schemeClr val="tx1"/>
+                      </a:solidFill>
+                      <a:prstDash val="solid"/>
+                      <a:round/>
+                      <a:headEnd type="none" w="med" len="med"/>
+                      <a:tailEnd type="none" w="med" len="med"/>
+                    </a:lnB>
+                    <a:noFill/>
+                  </a:tcPr>
+                </a:tc>
+              </a:tr>
+              <a:tr h="289743">
+                <a:tc>
+                  <a:txBody>
+                    <a:bodyPr/>
+                    <a:lstStyle/>
+                    <a:p>
+                      <a:r>
+                        <a:rPr lang="en-US" sz="1800" dirty="0" err="1" smtClean="0">
+                          <a:solidFill>
+                            <a:schemeClr val="tx1"/>
+                          </a:solidFill>
+                        </a:rPr>
+                        <a:t>getId</a:t>
+                      </a:r>
+                      <a:r>
+                        <a:rPr lang="en-US" sz="1800" dirty="0" smtClean="0">
+                          <a:solidFill>
+                            <a:schemeClr val="tx1"/>
+                          </a:solidFill>
+                        </a:rPr>
+                        <a:t>()</a:t>
+                      </a:r>
+                      <a:r>
+                        <a:rPr lang="en-US" sz="1800" baseline="0" dirty="0" smtClean="0">
+                          <a:solidFill>
+                            <a:schemeClr val="tx1"/>
+                          </a:solidFill>
+                        </a:rPr>
+                        <a:t> : </a:t>
+                      </a:r>
+                      <a:r>
+                        <a:rPr lang="en-US" sz="1800" baseline="0" dirty="0" err="1" smtClean="0">
+                          <a:solidFill>
+                            <a:schemeClr val="tx1"/>
+                          </a:solidFill>
+                        </a:rPr>
+                        <a:t>int</a:t>
+                      </a:r>
+                      <a:endParaRPr lang="en-US" sz="1800" baseline="0" dirty="0" smtClean="0">
+                        <a:solidFill>
+                          <a:schemeClr val="tx1"/>
+                        </a:solidFill>
+                      </a:endParaRPr>
+                    </a:p>
+                    <a:p>
+                      <a:r>
+                        <a:rPr lang="en-US" sz="1800" baseline="0" dirty="0" err="1" smtClean="0">
+                          <a:solidFill>
+                            <a:schemeClr val="tx1"/>
+                          </a:solidFill>
+                        </a:rPr>
+                        <a:t>setId</a:t>
+                      </a:r>
+                      <a:r>
+                        <a:rPr lang="en-US" sz="1800" baseline="0" dirty="0" smtClean="0">
+                          <a:solidFill>
+                            <a:schemeClr val="tx1"/>
+                          </a:solidFill>
+                        </a:rPr>
+                        <a:t>(</a:t>
+                      </a:r>
+                      <a:r>
+                        <a:rPr lang="en-US" sz="1800" baseline="0" dirty="0" err="1" smtClean="0">
+                          <a:solidFill>
+                            <a:schemeClr val="tx1"/>
+                          </a:solidFill>
+                        </a:rPr>
+                        <a:t>int</a:t>
+                      </a:r>
+                      <a:r>
+                        <a:rPr lang="en-US" sz="1800" baseline="0" dirty="0" smtClean="0">
+                          <a:solidFill>
+                            <a:schemeClr val="tx1"/>
+                          </a:solidFill>
+                        </a:rPr>
+                        <a:t>) : void</a:t>
+                      </a:r>
+                    </a:p>
+                    <a:p>
+                      <a:r>
+                        <a:rPr lang="en-US" sz="1800" baseline="0" dirty="0" err="1" smtClean="0">
+                          <a:solidFill>
+                            <a:schemeClr val="tx1"/>
+                          </a:solidFill>
+                        </a:rPr>
+                        <a:t>getNome</a:t>
+                      </a:r>
+                      <a:r>
+                        <a:rPr lang="en-US" sz="1800" baseline="0" dirty="0" smtClean="0">
+                          <a:solidFill>
+                            <a:schemeClr val="tx1"/>
+                          </a:solidFill>
+                        </a:rPr>
+                        <a:t>() : String</a:t>
+                      </a:r>
+                    </a:p>
+                    <a:p>
+                      <a:r>
+                        <a:rPr lang="en-US" sz="1800" baseline="0" dirty="0" err="1" smtClean="0">
+                          <a:solidFill>
+                            <a:schemeClr val="tx1"/>
+                          </a:solidFill>
+                        </a:rPr>
+                        <a:t>setNome</a:t>
+                      </a:r>
+                      <a:r>
+                        <a:rPr lang="en-US" sz="1800" baseline="0" dirty="0" smtClean="0">
+                          <a:solidFill>
+                            <a:schemeClr val="tx1"/>
+                          </a:solidFill>
+                        </a:rPr>
+                        <a:t>(String) : void</a:t>
+                      </a:r>
+                      <a:endParaRPr lang="en-US" sz="1800" dirty="0" smtClean="0">
+                        <a:solidFill>
+                          <a:schemeClr val="tx1"/>
+                        </a:solidFill>
+                      </a:endParaRPr>
+                    </a:p>
+                  </a:txBody>
+                  <a:tcPr>
+                    <a:lnL w="28575" cap="flat" cmpd="sng" algn="ctr">
+                      <a:solidFill>
+                        <a:schemeClr val="tx1"/>
+                      </a:solidFill>
+                      <a:prstDash val="solid"/>
+                      <a:round/>
+                      <a:headEnd type="none" w="med" len="med"/>
+                      <a:tailEnd type="none" w="med" len="med"/>
+                    </a:lnL>
+                    <a:lnR w="28575" cap="flat" cmpd="sng" algn="ctr">
+                      <a:solidFill>
+                        <a:schemeClr val="tx1"/>
+                      </a:solidFill>
+                      <a:prstDash val="solid"/>
+                      <a:round/>
+                      <a:headEnd type="none" w="med" len="med"/>
+                      <a:tailEnd type="none" w="med" len="med"/>
+                    </a:lnR>
+                    <a:lnT w="28575" cap="flat" cmpd="sng" algn="ctr">
+                      <a:solidFill>
+                        <a:schemeClr val="tx1"/>
+                      </a:solidFill>
+                      <a:prstDash val="solid"/>
+                      <a:round/>
+                      <a:headEnd type="none" w="med" len="med"/>
+                      <a:tailEnd type="none" w="med" len="med"/>
+                    </a:lnT>
+                    <a:lnB w="28575" cap="flat" cmpd="sng" algn="ctr">
+                      <a:solidFill>
+                        <a:schemeClr val="tx1"/>
+                      </a:solidFill>
+                      <a:prstDash val="solid"/>
+                      <a:round/>
+                      <a:headEnd type="none" w="med" len="med"/>
+                      <a:tailEnd type="none" w="med" len="med"/>
+                    </a:lnB>
+                    <a:noFill/>
+                  </a:tcPr>
+                </a:tc>
+              </a:tr>
+            </a:tbl>
+          </a:graphicData>
+        </a:graphic>
+      </p:graphicFrame>
+      <p:pic>
+        <p:nvPicPr>
+          <p:cNvPr id="6" name="Imagem 5" descr="tabela.png"/>
+          <p:cNvPicPr>
+            <a:picLocks noChangeAspect="1"/>
+          </p:cNvPicPr>
+          <p:nvPr/>
+        </p:nvPicPr>
+        <p:blipFill>
+          <a:blip r:embed="rId3" cstate="print"/>
+          <a:stretch>
+            <a:fillRect/>
+          </a:stretch>
+        </p:blipFill>
+        <p:spPr>
+          <a:xfrm>
+            <a:off x="1187624" y="3356992"/>
+            <a:ext cx="2391109" cy="1181265"/>
+          </a:xfrm>
+          <a:prstGeom prst="rect">
+            <a:avLst/>
+          </a:prstGeom>
+        </p:spPr>
+      </p:pic>
+      <p:sp>
+        <p:nvSpPr>
+          <p:cNvPr id="7" name="Seta para a direita 6"/>
+          <p:cNvSpPr/>
+          <p:nvPr/>
+        </p:nvSpPr>
+        <p:spPr>
+          <a:xfrm>
+            <a:off x="3923928" y="3645024"/>
+            <a:ext cx="864096" cy="648072"/>
+          </a:xfrm>
+          <a:prstGeom prst="rightArrow">
+            <a:avLst/>
+          </a:prstGeom>
+          <a:solidFill>
+            <a:srgbClr val="FFC000"/>
+          </a:solidFill>
+          <a:ln>
+            <a:noFill/>
+          </a:ln>
+        </p:spPr>
+        <p:style>
+          <a:lnRef idx="2">
+            <a:schemeClr val="accent1">
+              <a:shade val="50000"/>
+            </a:schemeClr>
+          </a:lnRef>
+          <a:fillRef idx="1">
+            <a:schemeClr val="accent1"/>
+          </a:fillRef>
+          <a:effectRef idx="0">
+            <a:schemeClr val="accent1"/>
+          </a:effectRef>
+          <a:fontRef idx="minor">
+            <a:schemeClr val="lt1"/>
+          </a:fontRef>
+        </p:style>
+        <p:txBody>
+          <a:bodyPr rtlCol="0" anchor="ctr"/>
+          <a:lstStyle/>
+          <a:p>
+            <a:pPr algn="ctr"/>
+            <a:endParaRPr lang="pt-BR"/>
+          </a:p>
+        </p:txBody>
+      </p:sp>
+    </p:spTree>
+  </p:cSld>
+  <p:clrMapOvr>
+    <a:masterClrMapping/>
+  </p:clrMapOvr>
+</p:sld>
+</file>
+
+<file path=ppt/slides/slide13.xml><?xml version="1.0" encoding="utf-8"?>
+<p:sld xmlns:a="http://schemas.openxmlformats.org/drawingml/2006/main" xmlns:r="http://schemas.openxmlformats.org/officeDocument/2006/relationships" xmlns:p="http://schemas.openxmlformats.org/presentationml/2006/main">
+  <p:cSld>
+    <p:spTree>
+      <p:nvGrpSpPr>
+        <p:cNvPr id="1" name=""/>
+        <p:cNvGrpSpPr/>
+        <p:nvPr/>
+      </p:nvGrpSpPr>
+      <p:grpSpPr>
+        <a:xfrm>
+          <a:off x="0" y="0"/>
+          <a:ext cx="0" cy="0"/>
+          <a:chOff x="0" y="0"/>
+          <a:chExt cx="0" cy="0"/>
+        </a:xfrm>
+      </p:grpSpPr>
+      <p:sp>
+        <p:nvSpPr>
+          <p:cNvPr id="2" name="Título 1"/>
+          <p:cNvSpPr>
+            <a:spLocks noGrp="1"/>
+          </p:cNvSpPr>
+          <p:nvPr>
+            <p:ph type="title"/>
+          </p:nvPr>
+        </p:nvSpPr>
+        <p:spPr/>
+        <p:txBody>
+          <a:bodyPr/>
+          <a:lstStyle/>
+          <a:p>
+            <a:pPr rtl="0" eaLnBrk="0" fontAlgn="base" hangingPunct="0"/>
+            <a:r>
+              <a:rPr lang="pt-BR" sz="4600" kern="1200" dirty="0" smtClean="0">
+                <a:solidFill>
+                  <a:schemeClr val="tx1"/>
+                </a:solidFill>
+                <a:latin typeface="+mj-lt"/>
+                <a:ea typeface="+mj-ea"/>
+                <a:cs typeface="+mj-cs"/>
+              </a:rPr>
+              <a:t>Criação do DAO</a:t>
+            </a:r>
+            <a:endParaRPr lang="pt-BR" dirty="0"/>
+          </a:p>
+        </p:txBody>
+      </p:sp>
+      <p:sp>
+        <p:nvSpPr>
+          <p:cNvPr id="3" name="Espaço Reservado para Conteúdo 2"/>
+          <p:cNvSpPr>
+            <a:spLocks noGrp="1"/>
+          </p:cNvSpPr>
+          <p:nvPr>
+            <p:ph idx="1"/>
+          </p:nvPr>
+        </p:nvSpPr>
+        <p:spPr/>
+        <p:txBody>
+          <a:bodyPr/>
+          <a:lstStyle/>
+          <a:p>
+            <a:pPr>
+              <a:spcBef>
+                <a:spcPts val="3000"/>
+              </a:spcBef>
+            </a:pPr>
+            <a:r>
+              <a:rPr lang="pt-BR" sz="2800" dirty="0" smtClean="0"/>
+              <a:t>Após realizado o mapeamento das classes VO, podemos dar início à criação do DAO.</a:t>
+            </a:r>
+          </a:p>
+          <a:p>
+            <a:pPr>
+              <a:spcBef>
+                <a:spcPts val="3000"/>
+              </a:spcBef>
+            </a:pPr>
+            <a:r>
+              <a:rPr lang="pt-BR" sz="2800" dirty="0" smtClean="0"/>
+              <a:t>Em geral criamos um DAO para cada tabela utilizada pela aplicação.</a:t>
+            </a:r>
+          </a:p>
+        </p:txBody>
+      </p:sp>
+      <p:sp>
+        <p:nvSpPr>
+          <p:cNvPr id="4" name="Espaço Reservado para Número de Slide 3"/>
+          <p:cNvSpPr>
+            <a:spLocks noGrp="1"/>
+          </p:cNvSpPr>
+          <p:nvPr>
+            <p:ph type="sldNum" sz="quarter" idx="12"/>
+          </p:nvPr>
+        </p:nvSpPr>
+        <p:spPr/>
+        <p:txBody>
+          <a:bodyPr/>
+          <a:lstStyle/>
+          <a:p>
+            <a:pPr>
+              <a:defRPr/>
+            </a:pPr>
+            <a:fld id="{EF19A0F5-F849-4C78-8624-C3A50979DE44}" type="slidenum">
+              <a:rPr lang="pt-BR" smtClean="0"/>
+              <a:pPr>
+                <a:defRPr/>
+              </a:pPr>
+              <a:t>13</a:t>
+            </a:fld>
+            <a:endParaRPr lang="pt-BR"/>
+          </a:p>
+        </p:txBody>
+      </p:sp>
+      <p:graphicFrame>
+        <p:nvGraphicFramePr>
+          <p:cNvPr id="5" name="Espaço Reservado para Conteúdo 4"/>
+          <p:cNvGraphicFramePr>
+            <a:graphicFrameLocks/>
+          </p:cNvGraphicFramePr>
+          <p:nvPr/>
+        </p:nvGraphicFramePr>
+        <p:xfrm>
+          <a:off x="2555776" y="4221088"/>
+          <a:ext cx="4032448" cy="2042160"/>
+        </p:xfrm>
+        <a:graphic>
+          <a:graphicData uri="http://schemas.openxmlformats.org/drawingml/2006/table">
+            <a:tbl>
+              <a:tblPr firstRow="1" bandRow="1">
+                <a:tableStyleId>{5C22544A-7EE6-4342-B048-85BDC9FD1C3A}</a:tableStyleId>
+              </a:tblPr>
+              <a:tblGrid>
+                <a:gridCol w="4032448"/>
+              </a:tblGrid>
+              <a:tr h="261535">
+                <a:tc>
+                  <a:txBody>
+                    <a:bodyPr/>
+                    <a:lstStyle/>
+                    <a:p>
+                      <a:pPr marL="0" algn="ctr" rtl="0" eaLnBrk="1" latinLnBrk="0" hangingPunct="1"/>
+                      <a:r>
+                        <a:rPr kumimoji="0" lang="pt-BR" sz="1800" b="1" i="0" kern="1200" dirty="0" err="1" smtClean="0">
+                          <a:solidFill>
+                            <a:schemeClr val="tx1"/>
+                          </a:solidFill>
+                          <a:latin typeface="+mn-lt"/>
+                          <a:ea typeface="+mn-ea"/>
+                          <a:cs typeface="+mn-cs"/>
+                        </a:rPr>
+                        <a:t>CargoDAO</a:t>
+                      </a:r>
+                      <a:endParaRPr kumimoji="0" lang="pt-BR" sz="1800" b="1" i="0" kern="1200" dirty="0">
+                        <a:solidFill>
+                          <a:schemeClr val="tx1"/>
+                        </a:solidFill>
+                        <a:latin typeface="+mn-lt"/>
+                        <a:ea typeface="+mn-ea"/>
+                        <a:cs typeface="+mn-cs"/>
+                      </a:endParaRPr>
+                    </a:p>
+                  </a:txBody>
+                  <a:tcPr>
+                    <a:lnL w="28575" cap="flat" cmpd="sng" algn="ctr">
+                      <a:solidFill>
+                        <a:schemeClr val="tx1"/>
+                      </a:solidFill>
+                      <a:prstDash val="solid"/>
+                      <a:round/>
+                      <a:headEnd type="none" w="med" len="med"/>
+                      <a:tailEnd type="none" w="med" len="med"/>
+                    </a:lnL>
+                    <a:lnR w="28575" cap="flat" cmpd="sng" algn="ctr">
+                      <a:solidFill>
+                        <a:schemeClr val="tx1"/>
+                      </a:solidFill>
+                      <a:prstDash val="solid"/>
+                      <a:round/>
+                      <a:headEnd type="none" w="med" len="med"/>
+                      <a:tailEnd type="none" w="med" len="med"/>
+                    </a:lnR>
+                    <a:lnT w="28575" cap="flat" cmpd="sng" algn="ctr">
+                      <a:solidFill>
+                        <a:schemeClr val="tx1"/>
+                      </a:solidFill>
+                      <a:prstDash val="solid"/>
+                      <a:round/>
+                      <a:headEnd type="none" w="med" len="med"/>
+                      <a:tailEnd type="none" w="med" len="med"/>
+                    </a:lnT>
+                    <a:lnB w="28575" cap="flat" cmpd="sng" algn="ctr">
+                      <a:solidFill>
+                        <a:schemeClr val="tx1"/>
+                      </a:solidFill>
+                      <a:prstDash val="solid"/>
+                      <a:round/>
+                      <a:headEnd type="none" w="med" len="med"/>
+                      <a:tailEnd type="none" w="med" len="med"/>
+                    </a:lnB>
+                    <a:noFill/>
+                  </a:tcPr>
+                </a:tc>
+              </a:tr>
+              <a:tr h="0">
+                <a:tc>
+                  <a:txBody>
+                    <a:bodyPr/>
+                    <a:lstStyle/>
+                    <a:p>
+                      <a:endParaRPr lang="en-US" sz="800" dirty="0" smtClean="0">
+                        <a:solidFill>
+                          <a:schemeClr val="tx1"/>
+                        </a:solidFill>
+                      </a:endParaRPr>
+                    </a:p>
+                  </a:txBody>
+                  <a:tcPr>
+                    <a:lnL w="28575" cap="flat" cmpd="sng" algn="ctr">
+                      <a:solidFill>
+                        <a:schemeClr val="tx1"/>
+                      </a:solidFill>
+                      <a:prstDash val="solid"/>
+                      <a:round/>
+                      <a:headEnd type="none" w="med" len="med"/>
+                      <a:tailEnd type="none" w="med" len="med"/>
+                    </a:lnL>
+                    <a:lnR w="28575" cap="flat" cmpd="sng" algn="ctr">
+                      <a:solidFill>
+                        <a:schemeClr val="tx1"/>
+                      </a:solidFill>
+                      <a:prstDash val="solid"/>
+                      <a:round/>
+                      <a:headEnd type="none" w="med" len="med"/>
+                      <a:tailEnd type="none" w="med" len="med"/>
+                    </a:lnR>
+                    <a:lnT w="28575" cap="flat" cmpd="sng" algn="ctr">
+                      <a:solidFill>
+                        <a:schemeClr val="tx1"/>
+                      </a:solidFill>
+                      <a:prstDash val="solid"/>
+                      <a:round/>
+                      <a:headEnd type="none" w="med" len="med"/>
+                      <a:tailEnd type="none" w="med" len="med"/>
+                    </a:lnT>
+                    <a:lnB w="28575" cap="flat" cmpd="sng" algn="ctr">
+                      <a:solidFill>
+                        <a:schemeClr val="tx1"/>
+                      </a:solidFill>
+                      <a:prstDash val="solid"/>
+                      <a:round/>
+                      <a:headEnd type="none" w="med" len="med"/>
+                      <a:tailEnd type="none" w="med" len="med"/>
+                    </a:lnB>
+                    <a:noFill/>
+                  </a:tcPr>
+                </a:tc>
+              </a:tr>
+              <a:tr h="335759">
+                <a:tc>
+                  <a:txBody>
+                    <a:bodyPr/>
+                    <a:lstStyle/>
+                    <a:p>
+                      <a:r>
+                        <a:rPr lang="en-US" sz="1800" dirty="0" smtClean="0">
+                          <a:solidFill>
+                            <a:schemeClr val="tx1"/>
+                          </a:solidFill>
+                        </a:rPr>
+                        <a:t>save(</a:t>
+                      </a:r>
+                      <a:r>
+                        <a:rPr lang="en-US" sz="1800" dirty="0" err="1" smtClean="0">
+                          <a:solidFill>
+                            <a:schemeClr val="tx1"/>
+                          </a:solidFill>
+                        </a:rPr>
+                        <a:t>CargoVO</a:t>
+                      </a:r>
+                      <a:r>
+                        <a:rPr lang="en-US" sz="1800" dirty="0" smtClean="0">
+                          <a:solidFill>
+                            <a:schemeClr val="tx1"/>
+                          </a:solidFill>
+                        </a:rPr>
+                        <a:t>) : void</a:t>
+                      </a:r>
+                    </a:p>
+                    <a:p>
+                      <a:r>
+                        <a:rPr lang="en-US" sz="1800" dirty="0" smtClean="0">
+                          <a:solidFill>
+                            <a:schemeClr val="tx1"/>
+                          </a:solidFill>
+                        </a:rPr>
+                        <a:t>delete(</a:t>
+                      </a:r>
+                      <a:r>
+                        <a:rPr lang="en-US" sz="1800" dirty="0" err="1" smtClean="0">
+                          <a:solidFill>
+                            <a:schemeClr val="tx1"/>
+                          </a:solidFill>
+                        </a:rPr>
+                        <a:t>int</a:t>
+                      </a:r>
+                      <a:r>
+                        <a:rPr lang="en-US" sz="1800" dirty="0" smtClean="0">
+                          <a:solidFill>
+                            <a:schemeClr val="tx1"/>
+                          </a:solidFill>
+                        </a:rPr>
+                        <a:t>) : void</a:t>
+                      </a:r>
+                    </a:p>
+                    <a:p>
+                      <a:r>
+                        <a:rPr lang="en-US" sz="1800" dirty="0" err="1" smtClean="0">
+                          <a:solidFill>
+                            <a:schemeClr val="tx1"/>
+                          </a:solidFill>
+                        </a:rPr>
+                        <a:t>findByPk</a:t>
+                      </a:r>
+                      <a:r>
+                        <a:rPr lang="en-US" sz="1800" dirty="0" smtClean="0">
+                          <a:solidFill>
+                            <a:schemeClr val="tx1"/>
+                          </a:solidFill>
+                        </a:rPr>
+                        <a:t>(</a:t>
+                      </a:r>
+                      <a:r>
+                        <a:rPr lang="en-US" sz="1800" dirty="0" err="1" smtClean="0">
+                          <a:solidFill>
+                            <a:schemeClr val="tx1"/>
+                          </a:solidFill>
+                        </a:rPr>
+                        <a:t>int</a:t>
+                      </a:r>
+                      <a:r>
+                        <a:rPr lang="en-US" sz="1800" dirty="0" smtClean="0">
+                          <a:solidFill>
+                            <a:schemeClr val="tx1"/>
+                          </a:solidFill>
+                        </a:rPr>
+                        <a:t>) : </a:t>
+                      </a:r>
+                      <a:r>
+                        <a:rPr lang="en-US" sz="1800" dirty="0" err="1" smtClean="0">
+                          <a:solidFill>
+                            <a:schemeClr val="tx1"/>
+                          </a:solidFill>
+                        </a:rPr>
+                        <a:t>CargoVO</a:t>
+                      </a:r>
+                      <a:endParaRPr lang="en-US" sz="1800" dirty="0" smtClean="0">
+                        <a:solidFill>
+                          <a:schemeClr val="tx1"/>
+                        </a:solidFill>
+                      </a:endParaRPr>
+                    </a:p>
+                    <a:p>
+                      <a:r>
+                        <a:rPr lang="en-US" sz="1800" dirty="0" err="1" smtClean="0">
+                          <a:solidFill>
+                            <a:schemeClr val="tx1"/>
+                          </a:solidFill>
+                        </a:rPr>
+                        <a:t>findByName</a:t>
+                      </a:r>
+                      <a:r>
+                        <a:rPr lang="en-US" sz="1800" dirty="0" smtClean="0">
+                          <a:solidFill>
+                            <a:schemeClr val="tx1"/>
+                          </a:solidFill>
+                        </a:rPr>
+                        <a:t>(String) : List&lt;</a:t>
+                      </a:r>
+                      <a:r>
+                        <a:rPr lang="en-US" sz="1800" dirty="0" err="1" smtClean="0">
+                          <a:solidFill>
+                            <a:schemeClr val="tx1"/>
+                          </a:solidFill>
+                        </a:rPr>
+                        <a:t>CargoVO</a:t>
+                      </a:r>
+                      <a:r>
+                        <a:rPr lang="en-US" sz="1800" dirty="0" smtClean="0">
+                          <a:solidFill>
+                            <a:schemeClr val="tx1"/>
+                          </a:solidFill>
+                        </a:rPr>
+                        <a:t>&gt;</a:t>
+                      </a:r>
+                    </a:p>
+                    <a:p>
+                      <a:r>
+                        <a:rPr lang="en-US" sz="1800" dirty="0" err="1" smtClean="0">
+                          <a:solidFill>
+                            <a:schemeClr val="tx1"/>
+                          </a:solidFill>
+                        </a:rPr>
+                        <a:t>findAll</a:t>
+                      </a:r>
+                      <a:r>
+                        <a:rPr lang="en-US" sz="1800" dirty="0" smtClean="0">
+                          <a:solidFill>
+                            <a:schemeClr val="tx1"/>
+                          </a:solidFill>
+                        </a:rPr>
+                        <a:t>() : List&lt;</a:t>
+                      </a:r>
+                      <a:r>
+                        <a:rPr lang="en-US" sz="1800" dirty="0" err="1" smtClean="0">
+                          <a:solidFill>
+                            <a:schemeClr val="tx1"/>
+                          </a:solidFill>
+                        </a:rPr>
+                        <a:t>CargoVO</a:t>
+                      </a:r>
+                      <a:r>
+                        <a:rPr lang="en-US" sz="1800" dirty="0" smtClean="0">
+                          <a:solidFill>
+                            <a:schemeClr val="tx1"/>
+                          </a:solidFill>
+                        </a:rPr>
+                        <a:t>&gt;</a:t>
+                      </a:r>
+                    </a:p>
+                  </a:txBody>
+                  <a:tcPr>
+                    <a:lnL w="28575" cap="flat" cmpd="sng" algn="ctr">
+                      <a:solidFill>
+                        <a:schemeClr val="tx1"/>
+                      </a:solidFill>
+                      <a:prstDash val="solid"/>
+                      <a:round/>
+                      <a:headEnd type="none" w="med" len="med"/>
+                      <a:tailEnd type="none" w="med" len="med"/>
+                    </a:lnL>
+                    <a:lnR w="28575" cap="flat" cmpd="sng" algn="ctr">
+                      <a:solidFill>
+                        <a:schemeClr val="tx1"/>
+                      </a:solidFill>
+                      <a:prstDash val="solid"/>
+                      <a:round/>
+                      <a:headEnd type="none" w="med" len="med"/>
+                      <a:tailEnd type="none" w="med" len="med"/>
+                    </a:lnR>
+                    <a:lnT w="28575" cap="flat" cmpd="sng" algn="ctr">
+                      <a:solidFill>
+                        <a:schemeClr val="tx1"/>
+                      </a:solidFill>
+                      <a:prstDash val="solid"/>
+                      <a:round/>
+                      <a:headEnd type="none" w="med" len="med"/>
+                      <a:tailEnd type="none" w="med" len="med"/>
+                    </a:lnT>
+                    <a:lnB w="28575" cap="flat" cmpd="sng" algn="ctr">
+                      <a:solidFill>
+                        <a:schemeClr val="tx1"/>
+                      </a:solidFill>
+                      <a:prstDash val="solid"/>
+                      <a:round/>
+                      <a:headEnd type="none" w="med" len="med"/>
+                      <a:tailEnd type="none" w="med" len="med"/>
+                    </a:lnB>
+                    <a:noFill/>
+                  </a:tcPr>
+                </a:tc>
+              </a:tr>
+            </a:tbl>
+          </a:graphicData>
+        </a:graphic>
+      </p:graphicFrame>
+    </p:spTree>
+  </p:cSld>
+  <p:clrMapOvr>
+    <a:masterClrMapping/>
+  </p:clrMapOvr>
+  <p:timing>
+    <p:tnLst>
+      <p:par>
+        <p:cTn id="1" dur="indefinite" restart="never" nodeType="tmRoot"/>
+      </p:par>
+    </p:tnLst>
+  </p:timing>
+</p:sld>
+</file>
+
+<file path=ppt/slides/slide14.xml><?xml version="1.0" encoding="utf-8"?>
+<p:sld xmlns:a="http://schemas.openxmlformats.org/drawingml/2006/main" xmlns:r="http://schemas.openxmlformats.org/officeDocument/2006/relationships" xmlns:p="http://schemas.openxmlformats.org/presentationml/2006/main">
+  <p:cSld>
+    <p:spTree>
+      <p:nvGrpSpPr>
+        <p:cNvPr id="1" name=""/>
+        <p:cNvGrpSpPr/>
+        <p:nvPr/>
+      </p:nvGrpSpPr>
+      <p:grpSpPr>
+        <a:xfrm>
+          <a:off x="0" y="0"/>
+          <a:ext cx="0" cy="0"/>
+          <a:chOff x="0" y="0"/>
+          <a:chExt cx="0" cy="0"/>
+        </a:xfrm>
+      </p:grpSpPr>
+      <p:sp>
+        <p:nvSpPr>
+          <p:cNvPr id="2" name="Título 1"/>
+          <p:cNvSpPr>
+            <a:spLocks noGrp="1"/>
+          </p:cNvSpPr>
+          <p:nvPr>
+            <p:ph type="title"/>
+          </p:nvPr>
+        </p:nvSpPr>
+        <p:spPr/>
+        <p:txBody>
+          <a:bodyPr/>
+          <a:lstStyle/>
+          <a:p>
+            <a:pPr rtl="0" eaLnBrk="0" fontAlgn="base" hangingPunct="0"/>
+            <a:r>
+              <a:rPr lang="pt-BR" sz="4600" kern="1200" dirty="0" smtClean="0">
+                <a:solidFill>
+                  <a:schemeClr val="tx1"/>
+                </a:solidFill>
+                <a:latin typeface="+mj-lt"/>
+                <a:ea typeface="+mj-ea"/>
+                <a:cs typeface="+mj-cs"/>
+              </a:rPr>
+              <a:t>Criação do DAO</a:t>
+            </a:r>
+            <a:endParaRPr lang="pt-BR" dirty="0"/>
+          </a:p>
+        </p:txBody>
+      </p:sp>
+      <p:sp>
+        <p:nvSpPr>
+          <p:cNvPr id="3" name="Espaço Reservado para Conteúdo 2"/>
+          <p:cNvSpPr>
+            <a:spLocks noGrp="1"/>
+          </p:cNvSpPr>
+          <p:nvPr>
+            <p:ph idx="1"/>
+          </p:nvPr>
+        </p:nvSpPr>
+        <p:spPr/>
+        <p:txBody>
+          <a:bodyPr/>
+          <a:lstStyle/>
+          <a:p>
+            <a:pPr>
+              <a:spcBef>
+                <a:spcPts val="3000"/>
+              </a:spcBef>
+            </a:pPr>
+            <a:r>
+              <a:rPr lang="pt-BR" sz="2800" dirty="0" smtClean="0"/>
+              <a:t>Métodos comuns aos </a:t>
+            </a:r>
+            <a:r>
+              <a:rPr lang="pt-BR" sz="2800" dirty="0" err="1" smtClean="0"/>
+              <a:t>DAOs</a:t>
+            </a:r>
+            <a:r>
+              <a:rPr lang="pt-BR" sz="2800" dirty="0" smtClean="0"/>
+              <a:t> podem ser colocados em uma </a:t>
+            </a:r>
+            <a:r>
+              <a:rPr lang="pt-BR" sz="2800" smtClean="0"/>
+              <a:t>classe base</a:t>
+            </a:r>
+            <a:endParaRPr lang="pt-BR" sz="2800" dirty="0" smtClean="0"/>
+          </a:p>
+        </p:txBody>
+      </p:sp>
+      <p:sp>
+        <p:nvSpPr>
+          <p:cNvPr id="4" name="Espaço Reservado para Número de Slide 3"/>
+          <p:cNvSpPr>
+            <a:spLocks noGrp="1"/>
+          </p:cNvSpPr>
+          <p:nvPr>
+            <p:ph type="sldNum" sz="quarter" idx="12"/>
+          </p:nvPr>
+        </p:nvSpPr>
+        <p:spPr/>
+        <p:txBody>
+          <a:bodyPr/>
+          <a:lstStyle/>
+          <a:p>
+            <a:pPr>
+              <a:defRPr/>
+            </a:pPr>
+            <a:fld id="{EF19A0F5-F849-4C78-8624-C3A50979DE44}" type="slidenum">
+              <a:rPr lang="pt-BR" smtClean="0"/>
+              <a:pPr>
+                <a:defRPr/>
+              </a:pPr>
+              <a:t>14</a:t>
+            </a:fld>
+            <a:endParaRPr lang="pt-BR"/>
+          </a:p>
+        </p:txBody>
+      </p:sp>
+      <p:graphicFrame>
+        <p:nvGraphicFramePr>
+          <p:cNvPr id="5" name="Espaço Reservado para Conteúdo 4"/>
+          <p:cNvGraphicFramePr>
+            <a:graphicFrameLocks/>
+          </p:cNvGraphicFramePr>
+          <p:nvPr/>
+        </p:nvGraphicFramePr>
+        <p:xfrm>
+          <a:off x="2555776" y="4221088"/>
+          <a:ext cx="4032448" cy="2042160"/>
+        </p:xfrm>
+        <a:graphic>
+          <a:graphicData uri="http://schemas.openxmlformats.org/drawingml/2006/table">
+            <a:tbl>
+              <a:tblPr firstRow="1" bandRow="1">
+                <a:tableStyleId>{5C22544A-7EE6-4342-B048-85BDC9FD1C3A}</a:tableStyleId>
+              </a:tblPr>
+              <a:tblGrid>
+                <a:gridCol w="4032448"/>
+              </a:tblGrid>
+              <a:tr h="261535">
+                <a:tc>
+                  <a:txBody>
+                    <a:bodyPr/>
+                    <a:lstStyle/>
+                    <a:p>
+                      <a:pPr marL="0" algn="ctr" rtl="0" eaLnBrk="1" latinLnBrk="0" hangingPunct="1"/>
+                      <a:r>
+                        <a:rPr kumimoji="0" lang="pt-BR" sz="1800" b="1" i="0" kern="1200" dirty="0" err="1" smtClean="0">
+                          <a:solidFill>
+                            <a:schemeClr val="tx1"/>
+                          </a:solidFill>
+                          <a:latin typeface="+mn-lt"/>
+                          <a:ea typeface="+mn-ea"/>
+                          <a:cs typeface="+mn-cs"/>
+                        </a:rPr>
+                        <a:t>CargoDAO</a:t>
+                      </a:r>
+                      <a:endParaRPr kumimoji="0" lang="pt-BR" sz="1800" b="1" i="0" kern="1200" dirty="0">
+                        <a:solidFill>
+                          <a:schemeClr val="tx1"/>
+                        </a:solidFill>
+                        <a:latin typeface="+mn-lt"/>
+                        <a:ea typeface="+mn-ea"/>
+                        <a:cs typeface="+mn-cs"/>
+                      </a:endParaRPr>
+                    </a:p>
+                  </a:txBody>
+                  <a:tcPr>
+                    <a:lnL w="28575" cap="flat" cmpd="sng" algn="ctr">
+                      <a:solidFill>
+                        <a:schemeClr val="tx1"/>
+                      </a:solidFill>
+                      <a:prstDash val="solid"/>
+                      <a:round/>
+                      <a:headEnd type="none" w="med" len="med"/>
+                      <a:tailEnd type="none" w="med" len="med"/>
+                    </a:lnL>
+                    <a:lnR w="28575" cap="flat" cmpd="sng" algn="ctr">
+                      <a:solidFill>
+                        <a:schemeClr val="tx1"/>
+                      </a:solidFill>
+                      <a:prstDash val="solid"/>
+                      <a:round/>
+                      <a:headEnd type="none" w="med" len="med"/>
+                      <a:tailEnd type="none" w="med" len="med"/>
+                    </a:lnR>
+                    <a:lnT w="28575" cap="flat" cmpd="sng" algn="ctr">
+                      <a:solidFill>
+                        <a:schemeClr val="tx1"/>
+                      </a:solidFill>
+                      <a:prstDash val="solid"/>
+                      <a:round/>
+                      <a:headEnd type="none" w="med" len="med"/>
+                      <a:tailEnd type="none" w="med" len="med"/>
+                    </a:lnT>
+                    <a:lnB w="28575" cap="flat" cmpd="sng" algn="ctr">
+                      <a:solidFill>
+                        <a:schemeClr val="tx1"/>
+                      </a:solidFill>
+                      <a:prstDash val="solid"/>
+                      <a:round/>
+                      <a:headEnd type="none" w="med" len="med"/>
+                      <a:tailEnd type="none" w="med" len="med"/>
+                    </a:lnB>
+                    <a:noFill/>
+                  </a:tcPr>
+                </a:tc>
+              </a:tr>
+              <a:tr h="0">
+                <a:tc>
+                  <a:txBody>
+                    <a:bodyPr/>
+                    <a:lstStyle/>
+                    <a:p>
+                      <a:endParaRPr lang="en-US" sz="800" dirty="0" smtClean="0">
+                        <a:solidFill>
+                          <a:schemeClr val="tx1"/>
+                        </a:solidFill>
+                      </a:endParaRPr>
+                    </a:p>
+                  </a:txBody>
+                  <a:tcPr>
+                    <a:lnL w="28575" cap="flat" cmpd="sng" algn="ctr">
+                      <a:solidFill>
+                        <a:schemeClr val="tx1"/>
+                      </a:solidFill>
+                      <a:prstDash val="solid"/>
+                      <a:round/>
+                      <a:headEnd type="none" w="med" len="med"/>
+                      <a:tailEnd type="none" w="med" len="med"/>
+                    </a:lnL>
+                    <a:lnR w="28575" cap="flat" cmpd="sng" algn="ctr">
+                      <a:solidFill>
+                        <a:schemeClr val="tx1"/>
+                      </a:solidFill>
+                      <a:prstDash val="solid"/>
+                      <a:round/>
+                      <a:headEnd type="none" w="med" len="med"/>
+                      <a:tailEnd type="none" w="med" len="med"/>
+                    </a:lnR>
+                    <a:lnT w="28575" cap="flat" cmpd="sng" algn="ctr">
+                      <a:solidFill>
+                        <a:schemeClr val="tx1"/>
+                      </a:solidFill>
+                      <a:prstDash val="solid"/>
+                      <a:round/>
+                      <a:headEnd type="none" w="med" len="med"/>
+                      <a:tailEnd type="none" w="med" len="med"/>
+                    </a:lnT>
+                    <a:lnB w="28575" cap="flat" cmpd="sng" algn="ctr">
+                      <a:solidFill>
+                        <a:schemeClr val="tx1"/>
+                      </a:solidFill>
+                      <a:prstDash val="solid"/>
+                      <a:round/>
+                      <a:headEnd type="none" w="med" len="med"/>
+                      <a:tailEnd type="none" w="med" len="med"/>
+                    </a:lnB>
+                    <a:noFill/>
+                  </a:tcPr>
+                </a:tc>
+              </a:tr>
+              <a:tr h="335759">
+                <a:tc>
+                  <a:txBody>
+                    <a:bodyPr/>
+                    <a:lstStyle/>
+                    <a:p>
+                      <a:r>
+                        <a:rPr lang="en-US" sz="1800" dirty="0" smtClean="0">
+                          <a:solidFill>
+                            <a:schemeClr val="tx1"/>
+                          </a:solidFill>
+                        </a:rPr>
+                        <a:t>save(</a:t>
+                      </a:r>
+                      <a:r>
+                        <a:rPr lang="en-US" sz="1800" dirty="0" err="1" smtClean="0">
+                          <a:solidFill>
+                            <a:schemeClr val="tx1"/>
+                          </a:solidFill>
+                        </a:rPr>
+                        <a:t>CargoVO</a:t>
+                      </a:r>
+                      <a:r>
+                        <a:rPr lang="en-US" sz="1800" dirty="0" smtClean="0">
+                          <a:solidFill>
+                            <a:schemeClr val="tx1"/>
+                          </a:solidFill>
+                        </a:rPr>
+                        <a:t>) : void</a:t>
+                      </a:r>
+                    </a:p>
+                    <a:p>
+                      <a:r>
+                        <a:rPr lang="en-US" sz="1800" dirty="0" smtClean="0">
+                          <a:solidFill>
+                            <a:schemeClr val="tx1"/>
+                          </a:solidFill>
+                        </a:rPr>
+                        <a:t>delete(</a:t>
+                      </a:r>
+                      <a:r>
+                        <a:rPr lang="en-US" sz="1800" dirty="0" err="1" smtClean="0">
+                          <a:solidFill>
+                            <a:schemeClr val="tx1"/>
+                          </a:solidFill>
+                        </a:rPr>
+                        <a:t>int</a:t>
+                      </a:r>
+                      <a:r>
+                        <a:rPr lang="en-US" sz="1800" dirty="0" smtClean="0">
+                          <a:solidFill>
+                            <a:schemeClr val="tx1"/>
+                          </a:solidFill>
+                        </a:rPr>
+                        <a:t>) : void</a:t>
+                      </a:r>
+                    </a:p>
+                    <a:p>
+                      <a:r>
+                        <a:rPr lang="en-US" sz="1800" dirty="0" err="1" smtClean="0">
+                          <a:solidFill>
+                            <a:schemeClr val="tx1"/>
+                          </a:solidFill>
+                        </a:rPr>
+                        <a:t>findByPk</a:t>
+                      </a:r>
+                      <a:r>
+                        <a:rPr lang="en-US" sz="1800" dirty="0" smtClean="0">
+                          <a:solidFill>
+                            <a:schemeClr val="tx1"/>
+                          </a:solidFill>
+                        </a:rPr>
+                        <a:t>(</a:t>
+                      </a:r>
+                      <a:r>
+                        <a:rPr lang="en-US" sz="1800" dirty="0" err="1" smtClean="0">
+                          <a:solidFill>
+                            <a:schemeClr val="tx1"/>
+                          </a:solidFill>
+                        </a:rPr>
+                        <a:t>int</a:t>
+                      </a:r>
+                      <a:r>
+                        <a:rPr lang="en-US" sz="1800" dirty="0" smtClean="0">
+                          <a:solidFill>
+                            <a:schemeClr val="tx1"/>
+                          </a:solidFill>
+                        </a:rPr>
+                        <a:t>) : </a:t>
+                      </a:r>
+                      <a:r>
+                        <a:rPr lang="en-US" sz="1800" dirty="0" err="1" smtClean="0">
+                          <a:solidFill>
+                            <a:schemeClr val="tx1"/>
+                          </a:solidFill>
+                        </a:rPr>
+                        <a:t>CargoVO</a:t>
+                      </a:r>
+                      <a:endParaRPr lang="en-US" sz="1800" dirty="0" smtClean="0">
+                        <a:solidFill>
+                          <a:schemeClr val="tx1"/>
+                        </a:solidFill>
+                      </a:endParaRPr>
+                    </a:p>
+                    <a:p>
+                      <a:r>
+                        <a:rPr lang="en-US" sz="1800" dirty="0" err="1" smtClean="0">
+                          <a:solidFill>
+                            <a:schemeClr val="tx1"/>
+                          </a:solidFill>
+                        </a:rPr>
+                        <a:t>findByName</a:t>
+                      </a:r>
+                      <a:r>
+                        <a:rPr lang="en-US" sz="1800" dirty="0" smtClean="0">
+                          <a:solidFill>
+                            <a:schemeClr val="tx1"/>
+                          </a:solidFill>
+                        </a:rPr>
+                        <a:t>(String) : List&lt;</a:t>
+                      </a:r>
+                      <a:r>
+                        <a:rPr lang="en-US" sz="1800" dirty="0" err="1" smtClean="0">
+                          <a:solidFill>
+                            <a:schemeClr val="tx1"/>
+                          </a:solidFill>
+                        </a:rPr>
+                        <a:t>CargoVO</a:t>
+                      </a:r>
+                      <a:r>
+                        <a:rPr lang="en-US" sz="1800" dirty="0" smtClean="0">
+                          <a:solidFill>
+                            <a:schemeClr val="tx1"/>
+                          </a:solidFill>
+                        </a:rPr>
+                        <a:t>&gt;</a:t>
+                      </a:r>
+                    </a:p>
+                    <a:p>
+                      <a:r>
+                        <a:rPr lang="en-US" sz="1800" dirty="0" err="1" smtClean="0">
+                          <a:solidFill>
+                            <a:schemeClr val="tx1"/>
+                          </a:solidFill>
+                        </a:rPr>
+                        <a:t>findAll</a:t>
+                      </a:r>
+                      <a:r>
+                        <a:rPr lang="en-US" sz="1800" dirty="0" smtClean="0">
+                          <a:solidFill>
+                            <a:schemeClr val="tx1"/>
+                          </a:solidFill>
+                        </a:rPr>
+                        <a:t>() : List&lt;</a:t>
+                      </a:r>
+                      <a:r>
+                        <a:rPr lang="en-US" sz="1800" dirty="0" err="1" smtClean="0">
+                          <a:solidFill>
+                            <a:schemeClr val="tx1"/>
+                          </a:solidFill>
+                        </a:rPr>
+                        <a:t>CargoVO</a:t>
+                      </a:r>
+                      <a:r>
+                        <a:rPr lang="en-US" sz="1800" dirty="0" smtClean="0">
+                          <a:solidFill>
+                            <a:schemeClr val="tx1"/>
+                          </a:solidFill>
+                        </a:rPr>
+                        <a:t>&gt;</a:t>
+                      </a:r>
+                    </a:p>
+                  </a:txBody>
+                  <a:tcPr>
+                    <a:lnL w="28575" cap="flat" cmpd="sng" algn="ctr">
+                      <a:solidFill>
+                        <a:schemeClr val="tx1"/>
+                      </a:solidFill>
+                      <a:prstDash val="solid"/>
+                      <a:round/>
+                      <a:headEnd type="none" w="med" len="med"/>
+                      <a:tailEnd type="none" w="med" len="med"/>
+                    </a:lnL>
+                    <a:lnR w="28575" cap="flat" cmpd="sng" algn="ctr">
+                      <a:solidFill>
+                        <a:schemeClr val="tx1"/>
+                      </a:solidFill>
+                      <a:prstDash val="solid"/>
+                      <a:round/>
+                      <a:headEnd type="none" w="med" len="med"/>
+                      <a:tailEnd type="none" w="med" len="med"/>
+                    </a:lnR>
+                    <a:lnT w="28575" cap="flat" cmpd="sng" algn="ctr">
+                      <a:solidFill>
+                        <a:schemeClr val="tx1"/>
+                      </a:solidFill>
+                      <a:prstDash val="solid"/>
+                      <a:round/>
+                      <a:headEnd type="none" w="med" len="med"/>
+                      <a:tailEnd type="none" w="med" len="med"/>
+                    </a:lnT>
+                    <a:lnB w="28575" cap="flat" cmpd="sng" algn="ctr">
+                      <a:solidFill>
+                        <a:schemeClr val="tx1"/>
+                      </a:solidFill>
+                      <a:prstDash val="solid"/>
+                      <a:round/>
+                      <a:headEnd type="none" w="med" len="med"/>
+                      <a:tailEnd type="none" w="med" len="med"/>
+                    </a:lnB>
+                    <a:noFill/>
+                  </a:tcPr>
+                </a:tc>
+              </a:tr>
+            </a:tbl>
+          </a:graphicData>
+        </a:graphic>
+      </p:graphicFrame>
+    </p:spTree>
+  </p:cSld>
+  <p:clrMapOvr>
+    <a:masterClrMapping/>
+  </p:clrMapOvr>
+  <p:timing>
+    <p:tnLst>
+      <p:par>
+        <p:cTn id="1" dur="indefinite" restart="never" nodeType="tmRoot"/>
+      </p:par>
+    </p:tnLst>
+  </p:timing>
+</p:sld>
+</file>
+
+<file path=ppt/slides/slide15.xml><?xml version="1.0" encoding="utf-8"?>
+<p:sld xmlns:a="http://schemas.openxmlformats.org/drawingml/2006/main" xmlns:r="http://schemas.openxmlformats.org/officeDocument/2006/relationships" xmlns:p="http://schemas.openxmlformats.org/presentationml/2006/main">
+  <p:cSld>
+    <p:spTree>
+      <p:nvGrpSpPr>
+        <p:cNvPr id="1" name=""/>
+        <p:cNvGrpSpPr/>
+        <p:nvPr/>
+      </p:nvGrpSpPr>
+      <p:grpSpPr>
+        <a:xfrm>
+          <a:off x="0" y="0"/>
+          <a:ext cx="0" cy="0"/>
+          <a:chOff x="0" y="0"/>
+          <a:chExt cx="0" cy="0"/>
+        </a:xfrm>
+      </p:grpSpPr>
+      <p:sp>
+        <p:nvSpPr>
+          <p:cNvPr id="2" name="Título 1"/>
+          <p:cNvSpPr>
+            <a:spLocks noGrp="1"/>
+          </p:cNvSpPr>
+          <p:nvPr>
+            <p:ph type="title"/>
+          </p:nvPr>
+        </p:nvSpPr>
+        <p:spPr/>
+        <p:txBody>
+          <a:bodyPr/>
+          <a:lstStyle/>
+          <a:p>
+            <a:pPr rtl="0" eaLnBrk="0" fontAlgn="base" hangingPunct="0"/>
+            <a:r>
+              <a:rPr lang="pt-BR" sz="4600" kern="1200" dirty="0" smtClean="0">
+                <a:solidFill>
+                  <a:schemeClr val="tx1"/>
+                </a:solidFill>
+                <a:latin typeface="+mj-lt"/>
+                <a:ea typeface="+mj-ea"/>
+                <a:cs typeface="+mj-cs"/>
+              </a:rPr>
+              <a:t>Tela de Cadastro de Cargos</a:t>
+            </a:r>
+            <a:endParaRPr lang="pt-BR" dirty="0"/>
+          </a:p>
+        </p:txBody>
+      </p:sp>
+      <p:sp>
+        <p:nvSpPr>
+          <p:cNvPr id="3" name="Espaço Reservado para Conteúdo 2"/>
+          <p:cNvSpPr>
+            <a:spLocks noGrp="1"/>
+          </p:cNvSpPr>
+          <p:nvPr>
+            <p:ph idx="1"/>
+          </p:nvPr>
+        </p:nvSpPr>
+        <p:spPr/>
+        <p:txBody>
+          <a:bodyPr/>
+          <a:lstStyle/>
+          <a:p>
+            <a:endParaRPr lang="pt-BR"/>
+          </a:p>
+        </p:txBody>
+      </p:sp>
+      <p:sp>
+        <p:nvSpPr>
+          <p:cNvPr id="4" name="Espaço Reservado para Número de Slide 3"/>
+          <p:cNvSpPr>
+            <a:spLocks noGrp="1"/>
+          </p:cNvSpPr>
+          <p:nvPr>
+            <p:ph type="sldNum" sz="quarter" idx="12"/>
+          </p:nvPr>
+        </p:nvSpPr>
+        <p:spPr/>
+        <p:txBody>
+          <a:bodyPr/>
+          <a:lstStyle/>
+          <a:p>
+            <a:pPr>
+              <a:defRPr/>
+            </a:pPr>
+            <a:fld id="{EF19A0F5-F849-4C78-8624-C3A50979DE44}" type="slidenum">
+              <a:rPr lang="pt-BR" smtClean="0"/>
+              <a:pPr>
+                <a:defRPr/>
+              </a:pPr>
+              <a:t>15</a:t>
+            </a:fld>
+            <a:endParaRPr lang="pt-BR"/>
+          </a:p>
+        </p:txBody>
+      </p:sp>
+    </p:spTree>
+  </p:cSld>
+  <p:clrMapOvr>
+    <a:masterClrMapping/>
+  </p:clrMapOvr>
+  <p:timing>
+    <p:tnLst>
+      <p:par>
+        <p:cTn id="1" dur="indefinite" restart="never" nodeType="tmRoot"/>
+      </p:par>
+    </p:tnLst>
+  </p:timing>
+</p:sld>
+</file>
+
+<file path=ppt/slides/slide16.xml><?xml version="1.0" encoding="utf-8"?>
+<p:sld xmlns:a="http://schemas.openxmlformats.org/drawingml/2006/main" xmlns:r="http://schemas.openxmlformats.org/officeDocument/2006/relationships" xmlns:p="http://schemas.openxmlformats.org/presentationml/2006/main">
+  <p:cSld>
+    <p:spTree>
+      <p:nvGrpSpPr>
+        <p:cNvPr id="1" name=""/>
+        <p:cNvGrpSpPr/>
+        <p:nvPr/>
+      </p:nvGrpSpPr>
+      <p:grpSpPr>
+        <a:xfrm>
+          <a:off x="0" y="0"/>
+          <a:ext cx="0" cy="0"/>
+          <a:chOff x="0" y="0"/>
+          <a:chExt cx="0" cy="0"/>
+        </a:xfrm>
+      </p:grpSpPr>
+      <p:sp>
+        <p:nvSpPr>
+          <p:cNvPr id="2" name="Título 1"/>
+          <p:cNvSpPr>
+            <a:spLocks noGrp="1"/>
+          </p:cNvSpPr>
+          <p:nvPr>
+            <p:ph type="title"/>
+          </p:nvPr>
+        </p:nvSpPr>
+        <p:spPr>
+          <a:xfrm>
+            <a:off x="457200" y="274638"/>
+            <a:ext cx="8291264" cy="1143000"/>
+          </a:xfrm>
+        </p:spPr>
+        <p:txBody>
+          <a:bodyPr/>
+          <a:lstStyle/>
+          <a:p>
+            <a:pPr rtl="0" eaLnBrk="0" fontAlgn="base" hangingPunct="0"/>
+            <a:r>
+              <a:rPr lang="pt-BR" sz="4400" kern="1200" dirty="0" smtClean="0">
+                <a:solidFill>
+                  <a:schemeClr val="tx1"/>
+                </a:solidFill>
+                <a:latin typeface="+mj-lt"/>
+                <a:ea typeface="+mj-ea"/>
+                <a:cs typeface="+mj-cs"/>
+              </a:rPr>
+              <a:t>Tela de Cadastro de Funcionários</a:t>
+            </a:r>
+            <a:endParaRPr lang="pt-BR" sz="4400" dirty="0"/>
+          </a:p>
+        </p:txBody>
+      </p:sp>
+      <p:sp>
+        <p:nvSpPr>
+          <p:cNvPr id="3" name="Espaço Reservado para Conteúdo 2"/>
+          <p:cNvSpPr>
+            <a:spLocks noGrp="1"/>
+          </p:cNvSpPr>
+          <p:nvPr>
+            <p:ph idx="1"/>
+          </p:nvPr>
+        </p:nvSpPr>
+        <p:spPr/>
+        <p:txBody>
+          <a:bodyPr/>
+          <a:lstStyle/>
+          <a:p>
+            <a:endParaRPr lang="pt-BR"/>
+          </a:p>
+        </p:txBody>
+      </p:sp>
+      <p:sp>
+        <p:nvSpPr>
+          <p:cNvPr id="4" name="Espaço Reservado para Número de Slide 3"/>
+          <p:cNvSpPr>
+            <a:spLocks noGrp="1"/>
+          </p:cNvSpPr>
+          <p:nvPr>
+            <p:ph type="sldNum" sz="quarter" idx="12"/>
+          </p:nvPr>
+        </p:nvSpPr>
+        <p:spPr/>
+        <p:txBody>
+          <a:bodyPr/>
+          <a:lstStyle/>
+          <a:p>
+            <a:pPr>
+              <a:defRPr/>
+            </a:pPr>
+            <a:fld id="{EF19A0F5-F849-4C78-8624-C3A50979DE44}" type="slidenum">
+              <a:rPr lang="pt-BR" smtClean="0"/>
+              <a:pPr>
+                <a:defRPr/>
+              </a:pPr>
+              <a:t>16</a:t>
+            </a:fld>
+            <a:endParaRPr lang="pt-BR"/>
+          </a:p>
+        </p:txBody>
+      </p:sp>
+    </p:spTree>
+  </p:cSld>
+  <p:clrMapOvr>
+    <a:masterClrMapping/>
+  </p:clrMapOvr>
+</p:sld>
+</file>
+
+<file path=ppt/slides/slide17.xml><?xml version="1.0" encoding="utf-8"?>
+<p:sld xmlns:a="http://schemas.openxmlformats.org/drawingml/2006/main" xmlns:r="http://schemas.openxmlformats.org/officeDocument/2006/relationships" xmlns:p="http://schemas.openxmlformats.org/presentationml/2006/main">
+  <p:cSld>
+    <p:spTree>
+      <p:nvGrpSpPr>
+        <p:cNvPr id="1" name=""/>
+        <p:cNvGrpSpPr/>
+        <p:nvPr/>
+      </p:nvGrpSpPr>
+      <p:grpSpPr>
+        <a:xfrm>
+          <a:off x="0" y="0"/>
+          <a:ext cx="0" cy="0"/>
+          <a:chOff x="0" y="0"/>
+          <a:chExt cx="0" cy="0"/>
+        </a:xfrm>
+      </p:grpSpPr>
+      <p:sp>
+        <p:nvSpPr>
+          <p:cNvPr id="2" name="Título 1"/>
+          <p:cNvSpPr>
+            <a:spLocks noGrp="1"/>
+          </p:cNvSpPr>
+          <p:nvPr>
+            <p:ph type="title"/>
+          </p:nvPr>
+        </p:nvSpPr>
+        <p:spPr/>
+        <p:txBody>
+          <a:bodyPr/>
+          <a:lstStyle/>
+          <a:p>
+            <a:pPr rtl="0" eaLnBrk="0" fontAlgn="base" hangingPunct="0"/>
+            <a:r>
+              <a:rPr lang="pt-BR" sz="4600" kern="1200" dirty="0" smtClean="0">
+                <a:solidFill>
+                  <a:schemeClr val="tx1"/>
+                </a:solidFill>
+                <a:latin typeface="+mj-lt"/>
+                <a:ea typeface="+mj-ea"/>
+                <a:cs typeface="+mj-cs"/>
+              </a:rPr>
+              <a:t>Tela de descrição numérica</a:t>
+            </a:r>
+            <a:endParaRPr lang="pt-BR" dirty="0"/>
+          </a:p>
+        </p:txBody>
+      </p:sp>
+      <p:sp>
+        <p:nvSpPr>
+          <p:cNvPr id="3" name="Espaço Reservado para Conteúdo 2"/>
+          <p:cNvSpPr>
+            <a:spLocks noGrp="1"/>
+          </p:cNvSpPr>
+          <p:nvPr>
+            <p:ph idx="1"/>
+          </p:nvPr>
+        </p:nvSpPr>
+        <p:spPr/>
+        <p:txBody>
+          <a:bodyPr/>
+          <a:lstStyle/>
+          <a:p>
+            <a:endParaRPr lang="pt-BR"/>
+          </a:p>
+        </p:txBody>
+      </p:sp>
+      <p:sp>
+        <p:nvSpPr>
+          <p:cNvPr id="4" name="Espaço Reservado para Número de Slide 3"/>
+          <p:cNvSpPr>
+            <a:spLocks noGrp="1"/>
+          </p:cNvSpPr>
+          <p:nvPr>
+            <p:ph type="sldNum" sz="quarter" idx="12"/>
+          </p:nvPr>
+        </p:nvSpPr>
+        <p:spPr/>
+        <p:txBody>
+          <a:bodyPr/>
+          <a:lstStyle/>
+          <a:p>
+            <a:pPr>
+              <a:defRPr/>
+            </a:pPr>
+            <a:fld id="{EF19A0F5-F849-4C78-8624-C3A50979DE44}" type="slidenum">
+              <a:rPr lang="pt-BR" smtClean="0"/>
+              <a:pPr>
+                <a:defRPr/>
+              </a:pPr>
+              <a:t>17</a:t>
+            </a:fld>
+            <a:endParaRPr lang="pt-BR"/>
+          </a:p>
+        </p:txBody>
+      </p:sp>
+    </p:spTree>
+  </p:cSld>
+  <p:clrMapOvr>
+    <a:masterClrMapping/>
+  </p:clrMapOvr>
+</p:sld>
+</file>
+
+<file path=ppt/slides/slide18.xml><?xml version="1.0" encoding="utf-8"?>
+<p:sld xmlns:a="http://schemas.openxmlformats.org/drawingml/2006/main" xmlns:r="http://schemas.openxmlformats.org/officeDocument/2006/relationships" xmlns:p="http://schemas.openxmlformats.org/presentationml/2006/main">
+  <p:cSld>
+    <p:spTree>
+      <p:nvGrpSpPr>
+        <p:cNvPr id="1" name=""/>
+        <p:cNvGrpSpPr/>
+        <p:nvPr/>
+      </p:nvGrpSpPr>
+      <p:grpSpPr>
+        <a:xfrm>
+          <a:off x="0" y="0"/>
+          <a:ext cx="0" cy="0"/>
+          <a:chOff x="0" y="0"/>
+          <a:chExt cx="0" cy="0"/>
+        </a:xfrm>
+      </p:grpSpPr>
+      <p:sp>
+        <p:nvSpPr>
+          <p:cNvPr id="2" name="Título 1"/>
+          <p:cNvSpPr>
+            <a:spLocks noGrp="1"/>
+          </p:cNvSpPr>
+          <p:nvPr>
+            <p:ph type="title"/>
+          </p:nvPr>
+        </p:nvSpPr>
+        <p:spPr/>
+        <p:txBody>
+          <a:bodyPr/>
+          <a:lstStyle/>
+          <a:p>
+            <a:pPr rtl="0" eaLnBrk="0" fontAlgn="base" hangingPunct="0"/>
+            <a:r>
+              <a:rPr lang="pt-BR" sz="4600" kern="1200" dirty="0" smtClean="0">
+                <a:solidFill>
+                  <a:schemeClr val="tx1"/>
+                </a:solidFill>
+                <a:latin typeface="+mj-lt"/>
+                <a:ea typeface="+mj-ea"/>
+                <a:cs typeface="+mj-cs"/>
+              </a:rPr>
+              <a:t>Tela de Busca de Cargos</a:t>
+            </a:r>
+            <a:endParaRPr lang="pt-BR" dirty="0"/>
+          </a:p>
+        </p:txBody>
+      </p:sp>
+      <p:sp>
+        <p:nvSpPr>
+          <p:cNvPr id="3" name="Espaço Reservado para Conteúdo 2"/>
+          <p:cNvSpPr>
+            <a:spLocks noGrp="1"/>
+          </p:cNvSpPr>
+          <p:nvPr>
+            <p:ph idx="1"/>
+          </p:nvPr>
+        </p:nvSpPr>
+        <p:spPr/>
+        <p:txBody>
+          <a:bodyPr/>
+          <a:lstStyle/>
+          <a:p>
+            <a:endParaRPr lang="pt-BR"/>
+          </a:p>
+        </p:txBody>
+      </p:sp>
+      <p:sp>
+        <p:nvSpPr>
+          <p:cNvPr id="4" name="Espaço Reservado para Número de Slide 3"/>
+          <p:cNvSpPr>
+            <a:spLocks noGrp="1"/>
+          </p:cNvSpPr>
+          <p:nvPr>
+            <p:ph type="sldNum" sz="quarter" idx="12"/>
+          </p:nvPr>
+        </p:nvSpPr>
+        <p:spPr/>
+        <p:txBody>
+          <a:bodyPr/>
+          <a:lstStyle/>
+          <a:p>
+            <a:pPr>
+              <a:defRPr/>
+            </a:pPr>
+            <a:fld id="{EF19A0F5-F849-4C78-8624-C3A50979DE44}" type="slidenum">
+              <a:rPr lang="pt-BR" smtClean="0"/>
+              <a:pPr>
+                <a:defRPr/>
+              </a:pPr>
+              <a:t>18</a:t>
+            </a:fld>
+            <a:endParaRPr lang="pt-BR"/>
+          </a:p>
+        </p:txBody>
+      </p:sp>
+    </p:spTree>
+  </p:cSld>
+  <p:clrMapOvr>
+    <a:masterClrMapping/>
+  </p:clrMapOvr>
+</p:sld>
+</file>
+
+<file path=ppt/slides/slide19.xml><?xml version="1.0" encoding="utf-8"?>
+<p:sld xmlns:a="http://schemas.openxmlformats.org/drawingml/2006/main" xmlns:r="http://schemas.openxmlformats.org/officeDocument/2006/relationships" xmlns:p="http://schemas.openxmlformats.org/presentationml/2006/main">
+  <p:cSld>
+    <p:spTree>
+      <p:nvGrpSpPr>
+        <p:cNvPr id="1" name=""/>
+        <p:cNvGrpSpPr/>
+        <p:nvPr/>
+      </p:nvGrpSpPr>
+      <p:grpSpPr>
+        <a:xfrm>
+          <a:off x="0" y="0"/>
+          <a:ext cx="0" cy="0"/>
+          <a:chOff x="0" y="0"/>
+          <a:chExt cx="0" cy="0"/>
+        </a:xfrm>
+      </p:grpSpPr>
+      <p:sp>
+        <p:nvSpPr>
+          <p:cNvPr id="2" name="Título 1"/>
+          <p:cNvSpPr>
+            <a:spLocks noGrp="1"/>
+          </p:cNvSpPr>
+          <p:nvPr>
+            <p:ph type="title"/>
+          </p:nvPr>
+        </p:nvSpPr>
+        <p:spPr>
+          <a:xfrm>
+            <a:off x="457200" y="274638"/>
+            <a:ext cx="8291264" cy="1143000"/>
+          </a:xfrm>
+        </p:spPr>
+        <p:txBody>
+          <a:bodyPr/>
+          <a:lstStyle/>
+          <a:p>
+            <a:pPr rtl="0" eaLnBrk="0" fontAlgn="base" hangingPunct="0"/>
+            <a:r>
+              <a:rPr lang="pt-BR" sz="4600" kern="1200" dirty="0" smtClean="0">
+                <a:solidFill>
+                  <a:schemeClr val="tx1"/>
+                </a:solidFill>
+                <a:latin typeface="+mj-lt"/>
+                <a:ea typeface="+mj-ea"/>
+                <a:cs typeface="+mj-cs"/>
+              </a:rPr>
+              <a:t>Tela de Busca de Funcionários</a:t>
+            </a:r>
+          </a:p>
+        </p:txBody>
+      </p:sp>
+      <p:sp>
+        <p:nvSpPr>
+          <p:cNvPr id="3" name="Espaço Reservado para Conteúdo 2"/>
+          <p:cNvSpPr>
+            <a:spLocks noGrp="1"/>
+          </p:cNvSpPr>
+          <p:nvPr>
+            <p:ph idx="1"/>
+          </p:nvPr>
+        </p:nvSpPr>
+        <p:spPr/>
+        <p:txBody>
+          <a:bodyPr/>
+          <a:lstStyle/>
+          <a:p>
+            <a:endParaRPr lang="pt-BR"/>
+          </a:p>
+        </p:txBody>
+      </p:sp>
+      <p:sp>
+        <p:nvSpPr>
+          <p:cNvPr id="4" name="Espaço Reservado para Número de Slide 3"/>
+          <p:cNvSpPr>
+            <a:spLocks noGrp="1"/>
+          </p:cNvSpPr>
+          <p:nvPr>
+            <p:ph type="sldNum" sz="quarter" idx="12"/>
+          </p:nvPr>
+        </p:nvSpPr>
+        <p:spPr/>
+        <p:txBody>
+          <a:bodyPr/>
+          <a:lstStyle/>
+          <a:p>
+            <a:pPr>
+              <a:defRPr/>
+            </a:pPr>
+            <a:fld id="{EF19A0F5-F849-4C78-8624-C3A50979DE44}" type="slidenum">
+              <a:rPr lang="pt-BR" smtClean="0"/>
+              <a:pPr>
+                <a:defRPr/>
+              </a:pPr>
+              <a:t>19</a:t>
+            </a:fld>
+            <a:endParaRPr lang="pt-BR"/>
+          </a:p>
+        </p:txBody>
+      </p:sp>
+    </p:spTree>
+  </p:cSld>
+  <p:clrMapOvr>
+    <a:masterClrMapping/>
+  </p:clrMapOvr>
+  <p:timing>
+    <p:tnLst>
+      <p:par>
+        <p:cTn id="1" dur="indefinite" restart="never" nodeType="tmRoot"/>
+      </p:par>
+    </p:tnLst>
+  </p:timing>
 </p:sld>
 </file>
 
@@ -5987,70 +9801,65 @@
           <a:lstStyle/>
           <a:p>
             <a:r>
-              <a:rPr lang="pt-BR" sz="2800" dirty="0" smtClean="0"/>
+              <a:rPr lang="pt-BR" sz="2400" dirty="0" smtClean="0"/>
               <a:t>Descrição do projeto</a:t>
             </a:r>
-            <a:endParaRPr lang="pt-BR" sz="2800" dirty="0" smtClean="0"/>
-          </a:p>
-          <a:p>
-            <a:r>
-              <a:rPr lang="pt-BR" sz="2800" dirty="0" smtClean="0"/>
+          </a:p>
+          <a:p>
+            <a:r>
+              <a:rPr lang="pt-BR" sz="2400" dirty="0" smtClean="0"/>
               <a:t>Modelo de dados</a:t>
             </a:r>
-            <a:endParaRPr lang="pt-BR" sz="2800" dirty="0" smtClean="0"/>
-          </a:p>
-          <a:p>
-            <a:r>
-              <a:rPr lang="pt-BR" sz="2800" dirty="0" smtClean="0"/>
+          </a:p>
+          <a:p>
+            <a:r>
+              <a:rPr lang="pt-BR" sz="2400" dirty="0" smtClean="0"/>
               <a:t>Mapeamento de classes VO</a:t>
             </a:r>
-            <a:endParaRPr lang="pt-BR" sz="2800" dirty="0" smtClean="0"/>
-          </a:p>
-          <a:p>
-            <a:r>
-              <a:rPr lang="pt-BR" sz="2800" dirty="0" smtClean="0"/>
+          </a:p>
+          <a:p>
+            <a:r>
+              <a:rPr lang="pt-BR" sz="2400" dirty="0" smtClean="0"/>
               <a:t>Design </a:t>
             </a:r>
             <a:r>
-              <a:rPr lang="pt-BR" sz="2800" dirty="0" err="1" smtClean="0"/>
+              <a:rPr lang="pt-BR" sz="2400" dirty="0" err="1" smtClean="0"/>
               <a:t>Pattern</a:t>
             </a:r>
             <a:r>
-              <a:rPr lang="pt-BR" sz="2800" dirty="0" smtClean="0"/>
+              <a:rPr lang="pt-BR" sz="2400" dirty="0" smtClean="0"/>
               <a:t> DAO</a:t>
             </a:r>
-            <a:endParaRPr lang="pt-BR" sz="2800" dirty="0" smtClean="0"/>
-          </a:p>
-          <a:p>
-            <a:r>
-              <a:rPr lang="pt-BR" sz="2800" dirty="0" smtClean="0"/>
+          </a:p>
+          <a:p>
+            <a:r>
+              <a:rPr lang="pt-BR" sz="2400" dirty="0" smtClean="0"/>
               <a:t>Tela de Cadastro de Cargos</a:t>
             </a:r>
           </a:p>
           <a:p>
             <a:r>
-              <a:rPr lang="pt-BR" sz="2800" dirty="0" smtClean="0"/>
+              <a:rPr lang="pt-BR" sz="2400" dirty="0" smtClean="0"/>
               <a:t>Tela de Cadastro de Funcionários</a:t>
             </a:r>
           </a:p>
           <a:p>
             <a:r>
-              <a:rPr lang="pt-BR" sz="2800" dirty="0" smtClean="0"/>
+              <a:rPr lang="pt-BR" sz="2400" dirty="0" smtClean="0"/>
               <a:t>Tela de descrição numérica por extenso</a:t>
             </a:r>
           </a:p>
           <a:p>
             <a:r>
-              <a:rPr lang="pt-BR" sz="2800" dirty="0" smtClean="0"/>
+              <a:rPr lang="pt-BR" sz="2400" dirty="0" smtClean="0"/>
               <a:t>Tela de Busca de Cargos</a:t>
             </a:r>
           </a:p>
           <a:p>
             <a:r>
-              <a:rPr lang="pt-BR" sz="2800" dirty="0" smtClean="0"/>
+              <a:rPr lang="pt-BR" sz="2400" dirty="0" smtClean="0"/>
               <a:t>Tela de Busca de Funcionários</a:t>
             </a:r>
-            <a:endParaRPr lang="pt-BR" sz="2800" dirty="0" smtClean="0"/>
           </a:p>
         </p:txBody>
       </p:sp>
@@ -6148,25 +9957,6 @@
       </p:sp>
       <p:sp>
         <p:nvSpPr>
-          <p:cNvPr id="3" name="Espaço Reservado para Conteúdo 2"/>
-          <p:cNvSpPr>
-            <a:spLocks noGrp="1"/>
-          </p:cNvSpPr>
-          <p:nvPr>
-            <p:ph idx="1"/>
-          </p:nvPr>
-        </p:nvSpPr>
-        <p:spPr/>
-        <p:txBody>
-          <a:bodyPr/>
-          <a:lstStyle/>
-          <a:p>
-            <a:endParaRPr lang="pt-BR" dirty="0"/>
-          </a:p>
-        </p:txBody>
-      </p:sp>
-      <p:sp>
-        <p:nvSpPr>
           <p:cNvPr id="4" name="Espaço Reservado para Número de Slide 3"/>
           <p:cNvSpPr>
             <a:spLocks noGrp="1"/>
@@ -6194,11 +9984,95 @@
           </a:p>
         </p:txBody>
       </p:sp>
+      <p:sp>
+        <p:nvSpPr>
+          <p:cNvPr id="7" name="Espaço Reservado para Conteúdo 6"/>
+          <p:cNvSpPr>
+            <a:spLocks noGrp="1"/>
+          </p:cNvSpPr>
+          <p:nvPr>
+            <p:ph sz="half" idx="1"/>
+          </p:nvPr>
+        </p:nvSpPr>
+        <p:spPr>
+          <a:xfrm>
+            <a:off x="467544" y="1816224"/>
+            <a:ext cx="3168352" cy="4277072"/>
+          </a:xfrm>
+        </p:spPr>
+        <p:txBody>
+          <a:bodyPr/>
+          <a:lstStyle/>
+          <a:p>
+            <a:pPr marL="0" indent="0">
+              <a:buNone/>
+            </a:pPr>
+            <a:r>
+              <a:rPr lang="pt-BR" sz="2000" dirty="0" smtClean="0"/>
+              <a:t>O Projeto Final Java é uma simples aplicação para gerenciamento de funcionários e cargos em uma base de dados </a:t>
+            </a:r>
+            <a:r>
+              <a:rPr lang="pt-BR" sz="2000" dirty="0" err="1" smtClean="0"/>
+              <a:t>MySql</a:t>
+            </a:r>
+            <a:r>
+              <a:rPr lang="pt-BR" sz="2000" dirty="0" smtClean="0"/>
+              <a:t>.</a:t>
+            </a:r>
+          </a:p>
+          <a:p>
+            <a:pPr marL="0" indent="0">
+              <a:buNone/>
+            </a:pPr>
+            <a:endParaRPr lang="pt-BR" sz="2000" dirty="0" smtClean="0"/>
+          </a:p>
+          <a:p>
+            <a:pPr marL="0" indent="0">
+              <a:buNone/>
+            </a:pPr>
+            <a:r>
+              <a:rPr lang="pt-BR" sz="2000" dirty="0" smtClean="0"/>
+              <a:t>Esta aplicação é construída com interface gráfica Swing contendo telas de cadastro e de busca que acessam a base de dados via JDBC.</a:t>
+            </a:r>
+            <a:endParaRPr lang="pt-BR" sz="2000" dirty="0"/>
+          </a:p>
+        </p:txBody>
+      </p:sp>
+      <p:pic>
+        <p:nvPicPr>
+          <p:cNvPr id="8" name="Espaço Reservado para Conteúdo 4" descr="overview.png"/>
+          <p:cNvPicPr>
+            <a:picLocks noGrp="1" noChangeAspect="1"/>
+          </p:cNvPicPr>
+          <p:nvPr>
+            <p:ph sz="half" idx="2"/>
+          </p:nvPr>
+        </p:nvPicPr>
+        <p:blipFill>
+          <a:blip r:embed="rId3" cstate="print"/>
+          <a:stretch>
+            <a:fillRect/>
+          </a:stretch>
+        </p:blipFill>
+        <p:spPr>
+          <a:xfrm>
+            <a:off x="3779912" y="2066740"/>
+            <a:ext cx="4763165" cy="3810532"/>
+          </a:xfrm>
+        </p:spPr>
+      </p:pic>
     </p:spTree>
   </p:cSld>
   <p:clrMapOvr>
     <a:masterClrMapping/>
   </p:clrMapOvr>
+  <p:timing>
+    <p:tnLst>
+      <p:par>
+        <p:cTn id="1" dur="indefinite" restart="never" nodeType="tmRoot"/>
+      </p:par>
+    </p:tnLst>
+  </p:timing>
 </p:sld>
 </file>
 
@@ -6252,20 +10126,119 @@
       </p:sp>
       <p:sp>
         <p:nvSpPr>
-          <p:cNvPr id="3" name="Espaço Reservado para Conteúdo 2"/>
-          <p:cNvSpPr>
-            <a:spLocks noGrp="1"/>
-          </p:cNvSpPr>
-          <p:nvPr>
-            <p:ph idx="1"/>
-          </p:nvPr>
-        </p:nvSpPr>
-        <p:spPr/>
+          <p:cNvPr id="5" name="Espaço Reservado para Conteúdo 4"/>
+          <p:cNvSpPr>
+            <a:spLocks noGrp="1"/>
+          </p:cNvSpPr>
+          <p:nvPr>
+            <p:ph sz="half" idx="1"/>
+          </p:nvPr>
+        </p:nvSpPr>
+        <p:spPr>
+          <a:xfrm>
+            <a:off x="457200" y="1600201"/>
+            <a:ext cx="8147248" cy="2836911"/>
+          </a:xfrm>
+        </p:spPr>
         <p:txBody>
           <a:bodyPr/>
           <a:lstStyle/>
           <a:p>
-            <a:endParaRPr lang="pt-BR"/>
+            <a:pPr marL="0" indent="0">
+              <a:buNone/>
+            </a:pPr>
+            <a:r>
+              <a:rPr lang="pt-BR" sz="2400" dirty="0" smtClean="0"/>
+              <a:t>O modelo de dados envolvido conta com apenas duas tabelas: </a:t>
+            </a:r>
+            <a:r>
+              <a:rPr lang="pt-BR" sz="2400" dirty="0" err="1" smtClean="0">
+                <a:solidFill>
+                  <a:srgbClr val="FFC000"/>
+                </a:solidFill>
+              </a:rPr>
+              <a:t>tab_func</a:t>
+            </a:r>
+            <a:r>
+              <a:rPr lang="pt-BR" sz="2400" dirty="0" smtClean="0"/>
+              <a:t> e </a:t>
+            </a:r>
+            <a:r>
+              <a:rPr lang="pt-BR" sz="2400" dirty="0" err="1" smtClean="0">
+                <a:solidFill>
+                  <a:srgbClr val="FFC000"/>
+                </a:solidFill>
+              </a:rPr>
+              <a:t>tab_role</a:t>
+            </a:r>
+            <a:r>
+              <a:rPr lang="pt-BR" sz="2400" dirty="0" smtClean="0"/>
+              <a:t> e uma </a:t>
+            </a:r>
+            <a:r>
+              <a:rPr lang="pt-BR" sz="2400" dirty="0" err="1" smtClean="0"/>
+              <a:t>stored</a:t>
+            </a:r>
+            <a:r>
+              <a:rPr lang="pt-BR" sz="2400" dirty="0" smtClean="0"/>
+              <a:t> </a:t>
+            </a:r>
+            <a:r>
+              <a:rPr lang="pt-BR" sz="2400" dirty="0" err="1" smtClean="0"/>
+              <a:t>procedure</a:t>
+            </a:r>
+            <a:r>
+              <a:rPr lang="pt-BR" sz="2400" dirty="0" smtClean="0"/>
+              <a:t>: </a:t>
+            </a:r>
+            <a:r>
+              <a:rPr lang="pt-BR" sz="2400" dirty="0" err="1" smtClean="0">
+                <a:solidFill>
+                  <a:srgbClr val="FFC000"/>
+                </a:solidFill>
+              </a:rPr>
+              <a:t>prc_numero_descricao</a:t>
+            </a:r>
+            <a:r>
+              <a:rPr lang="pt-BR" sz="2400" dirty="0" smtClean="0"/>
+              <a:t>.</a:t>
+            </a:r>
+          </a:p>
+          <a:p>
+            <a:pPr marL="0" indent="0">
+              <a:buNone/>
+            </a:pPr>
+            <a:endParaRPr lang="pt-BR" sz="2400" dirty="0" smtClean="0"/>
+          </a:p>
+          <a:p>
+            <a:pPr marL="0" indent="0">
+              <a:buNone/>
+            </a:pPr>
+            <a:r>
+              <a:rPr lang="pt-BR" sz="2400" dirty="0" smtClean="0"/>
+              <a:t>Para criar esta base de dados, </a:t>
+            </a:r>
+            <a:r>
+              <a:rPr lang="pt-BR" sz="2400" dirty="0" err="1" smtClean="0"/>
+              <a:t>populando-a</a:t>
+            </a:r>
+            <a:r>
+              <a:rPr lang="pt-BR" sz="2400" dirty="0" smtClean="0"/>
+              <a:t> com algumas informações iniciais pode-se executar os scripts do diretório </a:t>
+            </a:r>
+            <a:r>
+              <a:rPr lang="pt-BR" sz="2400" dirty="0" err="1" smtClean="0"/>
+              <a:t>ProjetoFinal</a:t>
+            </a:r>
+            <a:r>
+              <a:rPr lang="pt-BR" sz="2400" smtClean="0"/>
+              <a:t>/scripts</a:t>
+            </a:r>
+            <a:r>
+              <a:rPr lang="pt-BR" sz="2400" smtClean="0"/>
+              <a:t>.</a:t>
+            </a:r>
+            <a:endParaRPr lang="pt-BR" sz="2400" dirty="0"/>
           </a:p>
         </p:txBody>
       </p:sp>
@@ -6298,11 +10271,51 @@
           </a:p>
         </p:txBody>
       </p:sp>
+      <p:pic>
+        <p:nvPicPr>
+          <p:cNvPr id="1026" name="Picture 2"/>
+          <p:cNvPicPr>
+            <a:picLocks noGrp="1" noChangeAspect="1" noChangeArrowheads="1"/>
+          </p:cNvPicPr>
+          <p:nvPr>
+            <p:ph sz="half" idx="2"/>
+          </p:nvPr>
+        </p:nvPicPr>
+        <p:blipFill>
+          <a:blip r:embed="rId3" cstate="print"/>
+          <a:stretch>
+            <a:fillRect/>
+          </a:stretch>
+        </p:blipFill>
+        <p:spPr bwMode="auto">
+          <a:xfrm>
+            <a:off x="2195736" y="4656162"/>
+            <a:ext cx="4552950" cy="1581150"/>
+          </a:xfrm>
+          <a:prstGeom prst="rect">
+            <a:avLst/>
+          </a:prstGeom>
+          <a:noFill/>
+          <a:ln w="9525">
+            <a:noFill/>
+            <a:miter lim="800000"/>
+            <a:headEnd/>
+            <a:tailEnd/>
+          </a:ln>
+        </p:spPr>
+      </p:pic>
     </p:spTree>
   </p:cSld>
   <p:clrMapOvr>
     <a:masterClrMapping/>
   </p:clrMapOvr>
+  <p:timing>
+    <p:tnLst>
+      <p:par>
+        <p:cTn id="1" dur="indefinite" restart="never" nodeType="tmRoot"/>
+      </p:par>
+    </p:tnLst>
+  </p:timing>
 </p:sld>
 </file>
 
@@ -6338,17 +10351,9 @@
           <a:bodyPr/>
           <a:lstStyle/>
           <a:p>
-            <a:pPr rtl="0" eaLnBrk="0" fontAlgn="base" hangingPunct="0"/>
-            <a:r>
-              <a:rPr lang="pt-BR" sz="4600" kern="1200" dirty="0" smtClean="0">
-                <a:solidFill>
-                  <a:schemeClr val="tx1"/>
-                </a:solidFill>
-                <a:latin typeface="+mj-lt"/>
-                <a:ea typeface="+mj-ea"/>
-                <a:cs typeface="+mj-cs"/>
-              </a:rPr>
-              <a:t>Mapeamento de classes VO</a:t>
+            <a:r>
+              <a:rPr lang="pt-BR" dirty="0" smtClean="0"/>
+              <a:t>Janela Principal</a:t>
             </a:r>
             <a:endParaRPr lang="pt-BR" dirty="0"/>
           </a:p>
@@ -6361,21 +10366,147 @@
             <a:spLocks noGrp="1"/>
           </p:cNvSpPr>
           <p:nvPr>
-            <p:ph idx="1"/>
-          </p:nvPr>
-        </p:nvSpPr>
-        <p:spPr/>
+            <p:ph sz="half" idx="1"/>
+          </p:nvPr>
+        </p:nvSpPr>
+        <p:spPr>
+          <a:xfrm>
+            <a:off x="457200" y="1600201"/>
+            <a:ext cx="8219256" cy="2188840"/>
+          </a:xfrm>
+        </p:spPr>
         <p:txBody>
           <a:bodyPr/>
           <a:lstStyle/>
           <a:p>
-            <a:endParaRPr lang="pt-BR"/>
-          </a:p>
-        </p:txBody>
-      </p:sp>
-      <p:sp>
-        <p:nvSpPr>
-          <p:cNvPr id="4" name="Espaço Reservado para Número de Slide 3"/>
+            <a:pPr marL="0" indent="0">
+              <a:buNone/>
+            </a:pPr>
+            <a:r>
+              <a:rPr lang="pt-BR" sz="2000" dirty="0" smtClean="0"/>
+              <a:t>Para criar a tela principal da aplicação – uma janela que suporta janelas filhas – utilizamos como classe base o tradicional </a:t>
+            </a:r>
+            <a:r>
+              <a:rPr lang="pt-BR" sz="2000" dirty="0" err="1" smtClean="0">
+                <a:solidFill>
+                  <a:srgbClr val="FFC000"/>
+                </a:solidFill>
+              </a:rPr>
+              <a:t>JFrame</a:t>
+            </a:r>
+            <a:r>
+              <a:rPr lang="pt-BR" sz="2000" dirty="0" smtClean="0"/>
+              <a:t> </a:t>
+            </a:r>
+            <a:r>
+              <a:rPr lang="pt-BR" sz="2000" dirty="0" err="1" smtClean="0"/>
+              <a:t>substituíndo</a:t>
+            </a:r>
+            <a:r>
+              <a:rPr lang="pt-BR" sz="2000" dirty="0" smtClean="0"/>
+              <a:t> seu painel raiz (</a:t>
+            </a:r>
+            <a:r>
+              <a:rPr lang="pt-BR" sz="2000" dirty="0" err="1" smtClean="0"/>
+              <a:t>JPanel</a:t>
+            </a:r>
+            <a:r>
+              <a:rPr lang="pt-BR" sz="2000" dirty="0" smtClean="0"/>
+              <a:t>) pelo componente </a:t>
+            </a:r>
+            <a:r>
+              <a:rPr lang="pt-BR" sz="2000" dirty="0" err="1" smtClean="0">
+                <a:solidFill>
+                  <a:srgbClr val="FFC000"/>
+                </a:solidFill>
+              </a:rPr>
+              <a:t>JDesktopPane</a:t>
+            </a:r>
+            <a:r>
+              <a:rPr lang="pt-BR" sz="2000" dirty="0" smtClean="0"/>
+              <a:t>.</a:t>
+            </a:r>
+          </a:p>
+          <a:p>
+            <a:pPr marL="0" indent="0">
+              <a:buNone/>
+            </a:pPr>
+            <a:endParaRPr lang="pt-BR" sz="2000" dirty="0" smtClean="0"/>
+          </a:p>
+          <a:p>
+            <a:pPr marL="0" indent="0">
+              <a:buNone/>
+            </a:pPr>
+            <a:r>
+              <a:rPr lang="pt-BR" sz="2000" dirty="0" smtClean="0"/>
+              <a:t>Seus itens de menu podem ser facilmente criados com os componentes </a:t>
+            </a:r>
+            <a:r>
+              <a:rPr lang="pt-BR" sz="2000" dirty="0" err="1" smtClean="0">
+                <a:solidFill>
+                  <a:srgbClr val="FFC000"/>
+                </a:solidFill>
+              </a:rPr>
+              <a:t>JMenuBar</a:t>
+            </a:r>
+            <a:r>
+              <a:rPr lang="pt-BR" sz="2000" dirty="0" smtClean="0"/>
+              <a:t>, </a:t>
+            </a:r>
+            <a:r>
+              <a:rPr lang="pt-BR" sz="2000" dirty="0" err="1" smtClean="0">
+                <a:solidFill>
+                  <a:srgbClr val="FFC000"/>
+                </a:solidFill>
+              </a:rPr>
+              <a:t>JMenu</a:t>
+            </a:r>
+            <a:r>
+              <a:rPr lang="pt-BR" sz="2000" dirty="0" smtClean="0"/>
+              <a:t> e </a:t>
+            </a:r>
+            <a:r>
+              <a:rPr lang="pt-BR" sz="2000" dirty="0" err="1" smtClean="0">
+                <a:solidFill>
+                  <a:srgbClr val="FFC000"/>
+                </a:solidFill>
+              </a:rPr>
+              <a:t>JMenuItem</a:t>
+            </a:r>
+            <a:r>
+              <a:rPr lang="pt-BR" sz="2000" dirty="0" smtClean="0"/>
+              <a:t>.</a:t>
+            </a:r>
+            <a:endParaRPr lang="pt-BR" sz="2000" dirty="0"/>
+          </a:p>
+        </p:txBody>
+      </p:sp>
+      <p:pic>
+        <p:nvPicPr>
+          <p:cNvPr id="6" name="Espaço Reservado para Conteúdo 5" descr="janela-principal.png"/>
+          <p:cNvPicPr>
+            <a:picLocks noGrp="1" noChangeAspect="1"/>
+          </p:cNvPicPr>
+          <p:nvPr>
+            <p:ph sz="half" idx="2"/>
+          </p:nvPr>
+        </p:nvPicPr>
+        <p:blipFill>
+          <a:blip r:embed="rId3" cstate="print"/>
+          <a:stretch>
+            <a:fillRect/>
+          </a:stretch>
+        </p:blipFill>
+        <p:spPr>
+          <a:xfrm>
+            <a:off x="2195736" y="3880106"/>
+            <a:ext cx="4782218" cy="2429214"/>
+          </a:xfrm>
+        </p:spPr>
+      </p:pic>
+      <p:sp>
+        <p:nvSpPr>
+          <p:cNvPr id="5" name="Espaço Reservado para Número de Slide 4"/>
           <p:cNvSpPr>
             <a:spLocks noGrp="1"/>
           </p:cNvSpPr>
@@ -6391,7 +10522,7 @@
             <a:pPr>
               <a:defRPr/>
             </a:pPr>
-            <a:fld id="{EF19A0F5-F849-4C78-8624-C3A50979DE44}" type="slidenum">
+            <a:fld id="{2C2D573D-D313-4F66-92EA-D62BFB11D2E8}" type="slidenum">
               <a:rPr lang="pt-BR" smtClean="0"/>
               <a:pPr>
                 <a:defRPr/>
@@ -6402,11 +10533,534 @@
           </a:p>
         </p:txBody>
       </p:sp>
+      <p:sp>
+        <p:nvSpPr>
+          <p:cNvPr id="7" name="Retângulo 6"/>
+          <p:cNvSpPr/>
+          <p:nvPr/>
+        </p:nvSpPr>
+        <p:spPr>
+          <a:xfrm>
+            <a:off x="3707904" y="5373216"/>
+            <a:ext cx="1800200" cy="432048"/>
+          </a:xfrm>
+          <a:prstGeom prst="rect">
+            <a:avLst/>
+          </a:prstGeom>
+          <a:noFill/>
+          <a:ln w="28575">
+            <a:solidFill>
+              <a:schemeClr val="tx1"/>
+            </a:solidFill>
+          </a:ln>
+        </p:spPr>
+        <p:style>
+          <a:lnRef idx="2">
+            <a:schemeClr val="accent1">
+              <a:shade val="50000"/>
+            </a:schemeClr>
+          </a:lnRef>
+          <a:fillRef idx="1">
+            <a:schemeClr val="accent1"/>
+          </a:fillRef>
+          <a:effectRef idx="0">
+            <a:schemeClr val="accent1"/>
+          </a:effectRef>
+          <a:fontRef idx="minor">
+            <a:schemeClr val="lt1"/>
+          </a:fontRef>
+        </p:style>
+        <p:txBody>
+          <a:bodyPr rtlCol="0" anchor="ctr"/>
+          <a:lstStyle/>
+          <a:p>
+            <a:pPr algn="ctr"/>
+            <a:r>
+              <a:rPr lang="pt-BR" dirty="0" err="1" smtClean="0"/>
+              <a:t>JDesktopPane</a:t>
+            </a:r>
+            <a:endParaRPr lang="pt-BR" dirty="0"/>
+          </a:p>
+        </p:txBody>
+      </p:sp>
+      <p:sp>
+        <p:nvSpPr>
+          <p:cNvPr id="9" name="Retângulo 8"/>
+          <p:cNvSpPr/>
+          <p:nvPr/>
+        </p:nvSpPr>
+        <p:spPr>
+          <a:xfrm>
+            <a:off x="7092280" y="5805264"/>
+            <a:ext cx="1080120" cy="432048"/>
+          </a:xfrm>
+          <a:prstGeom prst="rect">
+            <a:avLst/>
+          </a:prstGeom>
+          <a:noFill/>
+          <a:ln w="28575">
+            <a:solidFill>
+              <a:schemeClr val="tx1"/>
+            </a:solidFill>
+          </a:ln>
+        </p:spPr>
+        <p:style>
+          <a:lnRef idx="2">
+            <a:schemeClr val="accent1">
+              <a:shade val="50000"/>
+            </a:schemeClr>
+          </a:lnRef>
+          <a:fillRef idx="1">
+            <a:schemeClr val="accent1"/>
+          </a:fillRef>
+          <a:effectRef idx="0">
+            <a:schemeClr val="accent1"/>
+          </a:effectRef>
+          <a:fontRef idx="minor">
+            <a:schemeClr val="lt1"/>
+          </a:fontRef>
+        </p:style>
+        <p:txBody>
+          <a:bodyPr rtlCol="0" anchor="ctr"/>
+          <a:lstStyle/>
+          <a:p>
+            <a:pPr algn="ctr"/>
+            <a:r>
+              <a:rPr lang="pt-BR" dirty="0" err="1" smtClean="0"/>
+              <a:t>JFrame</a:t>
+            </a:r>
+            <a:endParaRPr lang="pt-BR" dirty="0"/>
+          </a:p>
+        </p:txBody>
+      </p:sp>
+      <p:sp>
+        <p:nvSpPr>
+          <p:cNvPr id="10" name="Retângulo 9"/>
+          <p:cNvSpPr/>
+          <p:nvPr/>
+        </p:nvSpPr>
+        <p:spPr>
+          <a:xfrm>
+            <a:off x="4788024" y="4653136"/>
+            <a:ext cx="1800200" cy="432048"/>
+          </a:xfrm>
+          <a:prstGeom prst="rect">
+            <a:avLst/>
+          </a:prstGeom>
+          <a:noFill/>
+          <a:ln w="28575">
+            <a:solidFill>
+              <a:schemeClr val="tx1"/>
+            </a:solidFill>
+          </a:ln>
+        </p:spPr>
+        <p:style>
+          <a:lnRef idx="2">
+            <a:schemeClr val="accent1">
+              <a:shade val="50000"/>
+            </a:schemeClr>
+          </a:lnRef>
+          <a:fillRef idx="1">
+            <a:schemeClr val="accent1"/>
+          </a:fillRef>
+          <a:effectRef idx="0">
+            <a:schemeClr val="accent1"/>
+          </a:effectRef>
+          <a:fontRef idx="minor">
+            <a:schemeClr val="lt1"/>
+          </a:fontRef>
+        </p:style>
+        <p:txBody>
+          <a:bodyPr rtlCol="0" anchor="ctr"/>
+          <a:lstStyle/>
+          <a:p>
+            <a:pPr algn="ctr"/>
+            <a:r>
+              <a:rPr lang="pt-BR" dirty="0" err="1" smtClean="0"/>
+              <a:t>JMenuBar</a:t>
+            </a:r>
+            <a:endParaRPr lang="pt-BR" dirty="0"/>
+          </a:p>
+        </p:txBody>
+      </p:sp>
+      <p:cxnSp>
+        <p:nvCxnSpPr>
+          <p:cNvPr id="12" name="Conector de seta reta 11"/>
+          <p:cNvCxnSpPr>
+            <a:stCxn id="10" idx="0"/>
+          </p:cNvCxnSpPr>
+          <p:nvPr/>
+        </p:nvCxnSpPr>
+        <p:spPr>
+          <a:xfrm flipH="1" flipV="1">
+            <a:off x="5508104" y="4293096"/>
+            <a:ext cx="180020" cy="360040"/>
+          </a:xfrm>
+          <a:prstGeom prst="straightConnector1">
+            <a:avLst/>
+          </a:prstGeom>
+          <a:ln w="28575">
+            <a:solidFill>
+              <a:schemeClr val="tx1"/>
+            </a:solidFill>
+            <a:tailEnd type="arrow"/>
+          </a:ln>
+        </p:spPr>
+        <p:style>
+          <a:lnRef idx="1">
+            <a:schemeClr val="accent1"/>
+          </a:lnRef>
+          <a:fillRef idx="0">
+            <a:schemeClr val="accent1"/>
+          </a:fillRef>
+          <a:effectRef idx="0">
+            <a:schemeClr val="accent1"/>
+          </a:effectRef>
+          <a:fontRef idx="minor">
+            <a:schemeClr val="tx1"/>
+          </a:fontRef>
+        </p:style>
+      </p:cxnSp>
+      <p:sp>
+        <p:nvSpPr>
+          <p:cNvPr id="14" name="Retângulo 13"/>
+          <p:cNvSpPr/>
+          <p:nvPr/>
+        </p:nvSpPr>
+        <p:spPr>
+          <a:xfrm>
+            <a:off x="3203848" y="4653136"/>
+            <a:ext cx="1080120" cy="432048"/>
+          </a:xfrm>
+          <a:prstGeom prst="rect">
+            <a:avLst/>
+          </a:prstGeom>
+          <a:noFill/>
+          <a:ln w="28575">
+            <a:solidFill>
+              <a:schemeClr val="tx1"/>
+            </a:solidFill>
+          </a:ln>
+        </p:spPr>
+        <p:style>
+          <a:lnRef idx="2">
+            <a:schemeClr val="accent1">
+              <a:shade val="50000"/>
+            </a:schemeClr>
+          </a:lnRef>
+          <a:fillRef idx="1">
+            <a:schemeClr val="accent1"/>
+          </a:fillRef>
+          <a:effectRef idx="0">
+            <a:schemeClr val="accent1"/>
+          </a:effectRef>
+          <a:fontRef idx="minor">
+            <a:schemeClr val="lt1"/>
+          </a:fontRef>
+        </p:style>
+        <p:txBody>
+          <a:bodyPr rtlCol="0" anchor="ctr"/>
+          <a:lstStyle/>
+          <a:p>
+            <a:pPr algn="ctr"/>
+            <a:r>
+              <a:rPr lang="pt-BR" dirty="0" err="1" smtClean="0"/>
+              <a:t>JMenu</a:t>
+            </a:r>
+            <a:endParaRPr lang="pt-BR" dirty="0"/>
+          </a:p>
+        </p:txBody>
+      </p:sp>
+      <p:cxnSp>
+        <p:nvCxnSpPr>
+          <p:cNvPr id="15" name="Conector de seta reta 14"/>
+          <p:cNvCxnSpPr>
+            <a:stCxn id="14" idx="0"/>
+          </p:cNvCxnSpPr>
+          <p:nvPr/>
+        </p:nvCxnSpPr>
+        <p:spPr>
+          <a:xfrm flipV="1">
+            <a:off x="3743908" y="4293096"/>
+            <a:ext cx="180020" cy="360040"/>
+          </a:xfrm>
+          <a:prstGeom prst="straightConnector1">
+            <a:avLst/>
+          </a:prstGeom>
+          <a:ln w="28575">
+            <a:solidFill>
+              <a:schemeClr val="tx1"/>
+            </a:solidFill>
+            <a:tailEnd type="arrow"/>
+          </a:ln>
+        </p:spPr>
+        <p:style>
+          <a:lnRef idx="1">
+            <a:schemeClr val="accent1"/>
+          </a:lnRef>
+          <a:fillRef idx="0">
+            <a:schemeClr val="accent1"/>
+          </a:fillRef>
+          <a:effectRef idx="0">
+            <a:schemeClr val="accent1"/>
+          </a:effectRef>
+          <a:fontRef idx="minor">
+            <a:schemeClr val="tx1"/>
+          </a:fontRef>
+        </p:style>
+      </p:cxnSp>
+      <p:cxnSp>
+        <p:nvCxnSpPr>
+          <p:cNvPr id="20" name="Conector de seta reta 19"/>
+          <p:cNvCxnSpPr>
+            <a:stCxn id="14" idx="0"/>
+          </p:cNvCxnSpPr>
+          <p:nvPr/>
+        </p:nvCxnSpPr>
+        <p:spPr>
+          <a:xfrm flipH="1" flipV="1">
+            <a:off x="3275856" y="4293096"/>
+            <a:ext cx="468052" cy="360040"/>
+          </a:xfrm>
+          <a:prstGeom prst="straightConnector1">
+            <a:avLst/>
+          </a:prstGeom>
+          <a:ln w="28575">
+            <a:solidFill>
+              <a:schemeClr val="tx1"/>
+            </a:solidFill>
+            <a:tailEnd type="arrow"/>
+          </a:ln>
+        </p:spPr>
+        <p:style>
+          <a:lnRef idx="1">
+            <a:schemeClr val="accent1"/>
+          </a:lnRef>
+          <a:fillRef idx="0">
+            <a:schemeClr val="accent1"/>
+          </a:fillRef>
+          <a:effectRef idx="0">
+            <a:schemeClr val="accent1"/>
+          </a:effectRef>
+          <a:fontRef idx="minor">
+            <a:schemeClr val="tx1"/>
+          </a:fontRef>
+        </p:style>
+      </p:cxnSp>
+      <p:cxnSp>
+        <p:nvCxnSpPr>
+          <p:cNvPr id="26" name="Conector de seta reta 25"/>
+          <p:cNvCxnSpPr>
+            <a:stCxn id="14" idx="0"/>
+          </p:cNvCxnSpPr>
+          <p:nvPr/>
+        </p:nvCxnSpPr>
+        <p:spPr>
+          <a:xfrm flipH="1" flipV="1">
+            <a:off x="2627784" y="4293096"/>
+            <a:ext cx="1116124" cy="360040"/>
+          </a:xfrm>
+          <a:prstGeom prst="straightConnector1">
+            <a:avLst/>
+          </a:prstGeom>
+          <a:ln w="28575">
+            <a:solidFill>
+              <a:schemeClr val="tx1"/>
+            </a:solidFill>
+            <a:tailEnd type="arrow"/>
+          </a:ln>
+        </p:spPr>
+        <p:style>
+          <a:lnRef idx="1">
+            <a:schemeClr val="accent1"/>
+          </a:lnRef>
+          <a:fillRef idx="0">
+            <a:schemeClr val="accent1"/>
+          </a:fillRef>
+          <a:effectRef idx="0">
+            <a:schemeClr val="accent1"/>
+          </a:effectRef>
+          <a:fontRef idx="minor">
+            <a:schemeClr val="tx1"/>
+          </a:fontRef>
+        </p:style>
+      </p:cxnSp>
+      <p:sp>
+        <p:nvSpPr>
+          <p:cNvPr id="29" name="Retângulo 28"/>
+          <p:cNvSpPr/>
+          <p:nvPr/>
+        </p:nvSpPr>
+        <p:spPr>
+          <a:xfrm>
+            <a:off x="395536" y="4509120"/>
+            <a:ext cx="1440160" cy="432048"/>
+          </a:xfrm>
+          <a:prstGeom prst="rect">
+            <a:avLst/>
+          </a:prstGeom>
+          <a:noFill/>
+          <a:ln w="28575">
+            <a:solidFill>
+              <a:schemeClr val="tx1"/>
+            </a:solidFill>
+          </a:ln>
+        </p:spPr>
+        <p:style>
+          <a:lnRef idx="2">
+            <a:schemeClr val="accent1">
+              <a:shade val="50000"/>
+            </a:schemeClr>
+          </a:lnRef>
+          <a:fillRef idx="1">
+            <a:schemeClr val="accent1"/>
+          </a:fillRef>
+          <a:effectRef idx="0">
+            <a:schemeClr val="accent1"/>
+          </a:effectRef>
+          <a:fontRef idx="minor">
+            <a:schemeClr val="lt1"/>
+          </a:fontRef>
+        </p:style>
+        <p:txBody>
+          <a:bodyPr rtlCol="0" anchor="ctr"/>
+          <a:lstStyle/>
+          <a:p>
+            <a:pPr algn="ctr"/>
+            <a:r>
+              <a:rPr lang="pt-BR" dirty="0" err="1" smtClean="0"/>
+              <a:t>JMenuItem</a:t>
+            </a:r>
+            <a:endParaRPr lang="pt-BR" dirty="0"/>
+          </a:p>
+        </p:txBody>
+      </p:sp>
+      <p:cxnSp>
+        <p:nvCxnSpPr>
+          <p:cNvPr id="30" name="Conector de seta reta 29"/>
+          <p:cNvCxnSpPr>
+            <a:stCxn id="29" idx="3"/>
+          </p:cNvCxnSpPr>
+          <p:nvPr/>
+        </p:nvCxnSpPr>
+        <p:spPr>
+          <a:xfrm flipV="1">
+            <a:off x="1835696" y="4509120"/>
+            <a:ext cx="504056" cy="216024"/>
+          </a:xfrm>
+          <a:prstGeom prst="straightConnector1">
+            <a:avLst/>
+          </a:prstGeom>
+          <a:ln w="28575">
+            <a:solidFill>
+              <a:schemeClr val="tx1"/>
+            </a:solidFill>
+            <a:tailEnd type="arrow"/>
+          </a:ln>
+        </p:spPr>
+        <p:style>
+          <a:lnRef idx="1">
+            <a:schemeClr val="accent1"/>
+          </a:lnRef>
+          <a:fillRef idx="0">
+            <a:schemeClr val="accent1"/>
+          </a:fillRef>
+          <a:effectRef idx="0">
+            <a:schemeClr val="accent1"/>
+          </a:effectRef>
+          <a:fontRef idx="minor">
+            <a:schemeClr val="tx1"/>
+          </a:fontRef>
+        </p:style>
+      </p:cxnSp>
+      <p:cxnSp>
+        <p:nvCxnSpPr>
+          <p:cNvPr id="33" name="Conector de seta reta 32"/>
+          <p:cNvCxnSpPr>
+            <a:stCxn id="29" idx="3"/>
+          </p:cNvCxnSpPr>
+          <p:nvPr/>
+        </p:nvCxnSpPr>
+        <p:spPr>
+          <a:xfrm>
+            <a:off x="1835696" y="4725144"/>
+            <a:ext cx="504056" cy="0"/>
+          </a:xfrm>
+          <a:prstGeom prst="straightConnector1">
+            <a:avLst/>
+          </a:prstGeom>
+          <a:ln w="28575">
+            <a:solidFill>
+              <a:schemeClr val="tx1"/>
+            </a:solidFill>
+            <a:tailEnd type="arrow"/>
+          </a:ln>
+        </p:spPr>
+        <p:style>
+          <a:lnRef idx="1">
+            <a:schemeClr val="accent1"/>
+          </a:lnRef>
+          <a:fillRef idx="0">
+            <a:schemeClr val="accent1"/>
+          </a:fillRef>
+          <a:effectRef idx="0">
+            <a:schemeClr val="accent1"/>
+          </a:effectRef>
+          <a:fontRef idx="minor">
+            <a:schemeClr val="tx1"/>
+          </a:fontRef>
+        </p:style>
+      </p:cxnSp>
+      <p:cxnSp>
+        <p:nvCxnSpPr>
+          <p:cNvPr id="38" name="Conector de seta reta 37"/>
+          <p:cNvCxnSpPr>
+            <a:stCxn id="29" idx="3"/>
+          </p:cNvCxnSpPr>
+          <p:nvPr/>
+        </p:nvCxnSpPr>
+        <p:spPr>
+          <a:xfrm>
+            <a:off x="1835696" y="4725144"/>
+            <a:ext cx="504056" cy="144016"/>
+          </a:xfrm>
+          <a:prstGeom prst="straightConnector1">
+            <a:avLst/>
+          </a:prstGeom>
+          <a:ln w="28575">
+            <a:solidFill>
+              <a:schemeClr val="tx1"/>
+            </a:solidFill>
+            <a:tailEnd type="arrow"/>
+          </a:ln>
+        </p:spPr>
+        <p:style>
+          <a:lnRef idx="1">
+            <a:schemeClr val="accent1"/>
+          </a:lnRef>
+          <a:fillRef idx="0">
+            <a:schemeClr val="accent1"/>
+          </a:fillRef>
+          <a:effectRef idx="0">
+            <a:schemeClr val="accent1"/>
+          </a:effectRef>
+          <a:fontRef idx="minor">
+            <a:schemeClr val="tx1"/>
+          </a:fontRef>
+        </p:style>
+      </p:cxnSp>
     </p:spTree>
   </p:cSld>
   <p:clrMapOvr>
     <a:masterClrMapping/>
   </p:clrMapOvr>
+  <p:timing>
+    <p:tnLst>
+      <p:par>
+        <p:cTn id="1" dur="indefinite" restart="never" nodeType="tmRoot"/>
+      </p:par>
+    </p:tnLst>
+  </p:timing>
 </p:sld>
 </file>
 
@@ -6442,39 +11096,9 @@
           <a:bodyPr/>
           <a:lstStyle/>
           <a:p>
-            <a:pPr rtl="0" eaLnBrk="0" fontAlgn="base" hangingPunct="0"/>
-            <a:r>
-              <a:rPr lang="pt-BR" sz="4600" kern="1200" dirty="0" smtClean="0">
-                <a:solidFill>
-                  <a:schemeClr val="tx1"/>
-                </a:solidFill>
-                <a:latin typeface="+mj-lt"/>
-                <a:ea typeface="+mj-ea"/>
-                <a:cs typeface="+mj-cs"/>
-              </a:rPr>
-              <a:t>Design </a:t>
-            </a:r>
-            <a:r>
-              <a:rPr lang="pt-BR" sz="4600" kern="1200" dirty="0" err="1" smtClean="0">
-                <a:solidFill>
-                  <a:schemeClr val="tx1"/>
-                </a:solidFill>
-                <a:latin typeface="+mj-lt"/>
-                <a:ea typeface="+mj-ea"/>
-                <a:cs typeface="+mj-cs"/>
-              </a:rPr>
-              <a:t>Pattern</a:t>
-            </a:r>
-            <a:r>
-              <a:rPr lang="pt-BR" sz="4600" kern="1200" dirty="0" smtClean="0">
-                <a:solidFill>
-                  <a:schemeClr val="tx1"/>
-                </a:solidFill>
-                <a:latin typeface="+mj-lt"/>
-                <a:ea typeface="+mj-ea"/>
-                <a:cs typeface="+mj-cs"/>
-              </a:rPr>
-              <a:t> DAO</a:t>
+            <a:r>
+              <a:rPr lang="pt-BR" dirty="0" smtClean="0"/>
+              <a:t>Janela Interna</a:t>
             </a:r>
             <a:endParaRPr lang="pt-BR" dirty="0"/>
           </a:p>
@@ -6487,21 +11111,223 @@
             <a:spLocks noGrp="1"/>
           </p:cNvSpPr>
           <p:nvPr>
-            <p:ph idx="1"/>
-          </p:nvPr>
-        </p:nvSpPr>
-        <p:spPr/>
+            <p:ph sz="half" idx="1"/>
+          </p:nvPr>
+        </p:nvSpPr>
+        <p:spPr>
+          <a:xfrm>
+            <a:off x="457200" y="1600201"/>
+            <a:ext cx="8219256" cy="1900808"/>
+          </a:xfrm>
+        </p:spPr>
         <p:txBody>
           <a:bodyPr/>
           <a:lstStyle/>
           <a:p>
-            <a:endParaRPr lang="pt-BR"/>
-          </a:p>
-        </p:txBody>
-      </p:sp>
-      <p:sp>
-        <p:nvSpPr>
-          <p:cNvPr id="4" name="Espaço Reservado para Número de Slide 3"/>
+            <a:pPr marL="0" indent="0">
+              <a:buNone/>
+            </a:pPr>
+            <a:r>
+              <a:rPr lang="pt-BR" sz="2000" dirty="0" smtClean="0"/>
+              <a:t>Todas as demais janelas da aplicação (janelas internas) são derivadas da classe </a:t>
+            </a:r>
+            <a:r>
+              <a:rPr lang="pt-BR" sz="2000" dirty="0" err="1" smtClean="0">
+                <a:solidFill>
+                  <a:srgbClr val="FFC000"/>
+                </a:solidFill>
+              </a:rPr>
+              <a:t>JInternalFrame</a:t>
+            </a:r>
+            <a:r>
+              <a:rPr lang="pt-BR" sz="2000" dirty="0" smtClean="0"/>
+              <a:t>.</a:t>
+            </a:r>
+          </a:p>
+          <a:p>
+            <a:pPr marL="0" indent="0">
+              <a:buNone/>
+            </a:pPr>
+            <a:endParaRPr lang="pt-BR" sz="2000" dirty="0" smtClean="0"/>
+          </a:p>
+          <a:p>
+            <a:pPr marL="0" indent="0">
+              <a:buNone/>
+            </a:pPr>
+            <a:r>
+              <a:rPr lang="pt-BR" sz="2000" dirty="0" smtClean="0"/>
+              <a:t>Estas podem ser chamadas através dos comandos abaixo (executados a partir da janela principal):</a:t>
+            </a:r>
+          </a:p>
+          <a:p>
+            <a:pPr marL="0" indent="0">
+              <a:buNone/>
+            </a:pPr>
+            <a:endParaRPr lang="pt-BR" sz="2000" dirty="0" smtClean="0"/>
+          </a:p>
+          <a:p>
+            <a:pPr marL="0" indent="0">
+              <a:buNone/>
+            </a:pPr>
+            <a:r>
+              <a:rPr lang="pt-BR" sz="2000" dirty="0" err="1" smtClean="0">
+                <a:solidFill>
+                  <a:srgbClr val="FFC000"/>
+                </a:solidFill>
+              </a:rPr>
+              <a:t>JInternalFrame</a:t>
+            </a:r>
+            <a:r>
+              <a:rPr lang="pt-BR" sz="2000" dirty="0" smtClean="0">
+                <a:solidFill>
+                  <a:srgbClr val="FFC000"/>
+                </a:solidFill>
+              </a:rPr>
+              <a:t> janela = </a:t>
+            </a:r>
+            <a:r>
+              <a:rPr lang="pt-BR" sz="2000" dirty="0" err="1" smtClean="0">
+                <a:solidFill>
+                  <a:srgbClr val="FFC000"/>
+                </a:solidFill>
+              </a:rPr>
+              <a:t>new</a:t>
+            </a:r>
+            <a:r>
+              <a:rPr lang="pt-BR" sz="2000" dirty="0" smtClean="0">
+                <a:solidFill>
+                  <a:srgbClr val="FFC000"/>
+                </a:solidFill>
+              </a:rPr>
+              <a:t> </a:t>
+            </a:r>
+            <a:r>
+              <a:rPr lang="pt-BR" sz="2000" dirty="0" err="1" smtClean="0">
+                <a:solidFill>
+                  <a:srgbClr val="FFC000"/>
+                </a:solidFill>
+              </a:rPr>
+              <a:t>CargoFrame</a:t>
+            </a:r>
+            <a:r>
+              <a:rPr lang="pt-BR" sz="2000" dirty="0" smtClean="0">
+                <a:solidFill>
+                  <a:srgbClr val="FFC000"/>
+                </a:solidFill>
+              </a:rPr>
+              <a:t>();</a:t>
+            </a:r>
+          </a:p>
+          <a:p>
+            <a:pPr marL="0" indent="0">
+              <a:buNone/>
+            </a:pPr>
+            <a:r>
+              <a:rPr lang="pt-BR" sz="2000" dirty="0" smtClean="0">
+                <a:solidFill>
+                  <a:srgbClr val="FFC000"/>
+                </a:solidFill>
+              </a:rPr>
+              <a:t>janela.</a:t>
+            </a:r>
+            <a:r>
+              <a:rPr lang="pt-BR" sz="2000" dirty="0" err="1" smtClean="0">
+                <a:solidFill>
+                  <a:srgbClr val="FFC000"/>
+                </a:solidFill>
+              </a:rPr>
+              <a:t>setVisible</a:t>
+            </a:r>
+            <a:r>
+              <a:rPr lang="pt-BR" sz="2000" dirty="0" smtClean="0">
+                <a:solidFill>
+                  <a:srgbClr val="FFC000"/>
+                </a:solidFill>
+              </a:rPr>
+              <a:t>(</a:t>
+            </a:r>
+            <a:r>
+              <a:rPr lang="pt-BR" sz="2000" dirty="0" err="1" smtClean="0">
+                <a:solidFill>
+                  <a:srgbClr val="FFC000"/>
+                </a:solidFill>
+              </a:rPr>
+              <a:t>true</a:t>
+            </a:r>
+            <a:r>
+              <a:rPr lang="pt-BR" sz="2000" dirty="0" smtClean="0">
+                <a:solidFill>
+                  <a:srgbClr val="FFC000"/>
+                </a:solidFill>
+              </a:rPr>
+              <a:t>);</a:t>
+            </a:r>
+          </a:p>
+          <a:p>
+            <a:pPr marL="0" indent="0">
+              <a:buNone/>
+            </a:pPr>
+            <a:r>
+              <a:rPr lang="pt-BR" sz="2000" dirty="0" err="1" smtClean="0">
+                <a:solidFill>
+                  <a:srgbClr val="FFC000"/>
+                </a:solidFill>
+              </a:rPr>
+              <a:t>getPnlRaiz</a:t>
+            </a:r>
+            <a:r>
+              <a:rPr lang="pt-BR" sz="2000" dirty="0" smtClean="0">
+                <a:solidFill>
+                  <a:srgbClr val="FFC000"/>
+                </a:solidFill>
+              </a:rPr>
+              <a:t>().</a:t>
+            </a:r>
+            <a:r>
+              <a:rPr lang="pt-BR" sz="2000" dirty="0" err="1" smtClean="0">
+                <a:solidFill>
+                  <a:srgbClr val="FFC000"/>
+                </a:solidFill>
+              </a:rPr>
+              <a:t>add</a:t>
+            </a:r>
+            <a:r>
+              <a:rPr lang="pt-BR" sz="2000" dirty="0" smtClean="0">
+                <a:solidFill>
+                  <a:srgbClr val="FFC000"/>
+                </a:solidFill>
+              </a:rPr>
+              <a:t>(janela);</a:t>
+            </a:r>
+          </a:p>
+        </p:txBody>
+      </p:sp>
+      <p:pic>
+        <p:nvPicPr>
+          <p:cNvPr id="6" name="Espaço Reservado para Conteúdo 5" descr="janela-interna.png"/>
+          <p:cNvPicPr>
+            <a:picLocks noGrp="1" noChangeAspect="1"/>
+          </p:cNvPicPr>
+          <p:nvPr>
+            <p:ph sz="half" idx="2"/>
+          </p:nvPr>
+        </p:nvPicPr>
+        <p:blipFill>
+          <a:blip r:embed="rId3" cstate="print"/>
+          <a:stretch>
+            <a:fillRect/>
+          </a:stretch>
+        </p:blipFill>
+        <p:spPr>
+          <a:xfrm>
+            <a:off x="4009332" y="4168138"/>
+            <a:ext cx="4315428" cy="2486372"/>
+          </a:xfrm>
+        </p:spPr>
+      </p:pic>
+      <p:sp>
+        <p:nvSpPr>
+          <p:cNvPr id="5" name="Espaço Reservado para Número de Slide 4"/>
           <p:cNvSpPr>
             <a:spLocks noGrp="1"/>
           </p:cNvSpPr>
@@ -6517,7 +11343,7 @@
             <a:pPr>
               <a:defRPr/>
             </a:pPr>
-            <a:fld id="{EF19A0F5-F849-4C78-8624-C3A50979DE44}" type="slidenum">
+            <a:fld id="{2C2D573D-D313-4F66-92EA-D62BFB11D2E8}" type="slidenum">
               <a:rPr lang="pt-BR" smtClean="0"/>
               <a:pPr>
                 <a:defRPr/>
@@ -6528,11 +11354,517 @@
           </a:p>
         </p:txBody>
       </p:sp>
+      <p:grpSp>
+        <p:nvGrpSpPr>
+          <p:cNvPr id="8" name="Grupo 9"/>
+          <p:cNvGrpSpPr/>
+          <p:nvPr/>
+        </p:nvGrpSpPr>
+        <p:grpSpPr>
+          <a:xfrm>
+            <a:off x="3779912" y="3162454"/>
+            <a:ext cx="3384376" cy="914818"/>
+            <a:chOff x="1331640" y="3018438"/>
+            <a:chExt cx="3384376" cy="914818"/>
+          </a:xfrm>
+        </p:grpSpPr>
+        <p:sp>
+          <p:nvSpPr>
+            <p:cNvPr id="9" name="Rectangle 7"/>
+            <p:cNvSpPr>
+              <a:spLocks noChangeArrowheads="1"/>
+            </p:cNvSpPr>
+            <p:nvPr/>
+          </p:nvSpPr>
+          <p:spPr bwMode="auto">
+            <a:xfrm>
+              <a:off x="1331640" y="3573016"/>
+              <a:ext cx="1440160" cy="360240"/>
+            </a:xfrm>
+            <a:prstGeom prst="rect">
+              <a:avLst/>
+            </a:prstGeom>
+            <a:noFill/>
+            <a:ln w="28575">
+              <a:solidFill>
+                <a:srgbClr val="FFC000"/>
+              </a:solidFill>
+              <a:prstDash val="sysDot"/>
+              <a:miter lim="800000"/>
+              <a:headEnd/>
+              <a:tailEnd/>
+            </a:ln>
+          </p:spPr>
+          <p:txBody>
+            <a:bodyPr wrap="none" anchor="ctr"/>
+            <a:lstStyle/>
+            <a:p>
+              <a:endParaRPr lang="pt-BR"/>
+            </a:p>
+          </p:txBody>
+        </p:sp>
+        <p:sp>
+          <p:nvSpPr>
+            <p:cNvPr id="10" name="CaixaDeTexto 9"/>
+            <p:cNvSpPr txBox="1"/>
+            <p:nvPr/>
+          </p:nvSpPr>
+          <p:spPr bwMode="auto">
+            <a:xfrm>
+              <a:off x="3491881" y="3018438"/>
+              <a:ext cx="1224135" cy="338554"/>
+            </a:xfrm>
+            <a:prstGeom prst="rect">
+              <a:avLst/>
+            </a:prstGeom>
+            <a:noFill/>
+            <a:ln w="28575">
+              <a:solidFill>
+                <a:schemeClr val="tx1"/>
+              </a:solidFill>
+            </a:ln>
+          </p:spPr>
+          <p:txBody>
+            <a:bodyPr wrap="square">
+              <a:spAutoFit/>
+            </a:bodyPr>
+            <a:lstStyle/>
+            <a:p>
+              <a:pPr algn="ctr">
+                <a:defRPr/>
+              </a:pPr>
+              <a:r>
+                <a:rPr lang="pt-BR" sz="1600" dirty="0" smtClean="0">
+                  <a:latin typeface="+mn-lt"/>
+                </a:rPr>
+                <a:t>Janela filha</a:t>
+              </a:r>
+              <a:endParaRPr lang="pt-BR" sz="1600" dirty="0">
+                <a:latin typeface="+mn-lt"/>
+              </a:endParaRPr>
+            </a:p>
+          </p:txBody>
+        </p:sp>
+        <p:grpSp>
+          <p:nvGrpSpPr>
+            <p:cNvPr id="11" name="Grupo 19"/>
+            <p:cNvGrpSpPr>
+              <a:grpSpLocks/>
+            </p:cNvGrpSpPr>
+            <p:nvPr/>
+          </p:nvGrpSpPr>
+          <p:grpSpPr bwMode="auto">
+            <a:xfrm flipV="1">
+              <a:off x="2051720" y="3212975"/>
+              <a:ext cx="1438996" cy="360041"/>
+              <a:chOff x="-1555438" y="4001209"/>
+              <a:chExt cx="1441590" cy="361175"/>
+            </a:xfrm>
+          </p:grpSpPr>
+          <p:cxnSp>
+            <p:nvCxnSpPr>
+              <p:cNvPr id="12" name="Conector de seta reta 11"/>
+              <p:cNvCxnSpPr>
+                <a:cxnSpLocks noChangeShapeType="1"/>
+              </p:cNvCxnSpPr>
+              <p:nvPr/>
+            </p:nvCxnSpPr>
+            <p:spPr bwMode="auto">
+              <a:xfrm flipV="1">
+                <a:off x="-1555438" y="4001209"/>
+                <a:ext cx="0" cy="361174"/>
+              </a:xfrm>
+              <a:prstGeom prst="straightConnector1">
+                <a:avLst/>
+              </a:prstGeom>
+              <a:noFill/>
+              <a:ln w="31750" algn="ctr">
+                <a:solidFill>
+                  <a:schemeClr val="tx1"/>
+                </a:solidFill>
+                <a:round/>
+                <a:headEnd/>
+                <a:tailEnd type="arrow" w="med" len="med"/>
+              </a:ln>
+            </p:spPr>
+          </p:cxnSp>
+          <p:cxnSp>
+            <p:nvCxnSpPr>
+              <p:cNvPr id="13" name="Conector de seta reta 15"/>
+              <p:cNvCxnSpPr>
+                <a:cxnSpLocks noChangeShapeType="1"/>
+              </p:cNvCxnSpPr>
+              <p:nvPr/>
+            </p:nvCxnSpPr>
+            <p:spPr bwMode="auto">
+              <a:xfrm flipH="1" flipV="1">
+                <a:off x="-1555438" y="4362383"/>
+                <a:ext cx="1441590" cy="1"/>
+              </a:xfrm>
+              <a:prstGeom prst="straightConnector1">
+                <a:avLst/>
+              </a:prstGeom>
+              <a:noFill/>
+              <a:ln w="31750" algn="ctr">
+                <a:solidFill>
+                  <a:schemeClr val="tx1"/>
+                </a:solidFill>
+                <a:round/>
+                <a:headEnd/>
+                <a:tailEnd/>
+              </a:ln>
+            </p:spPr>
+          </p:cxnSp>
+        </p:grpSp>
+      </p:grpSp>
+      <p:grpSp>
+        <p:nvGrpSpPr>
+          <p:cNvPr id="14" name="Grupo 9"/>
+          <p:cNvGrpSpPr/>
+          <p:nvPr/>
+        </p:nvGrpSpPr>
+        <p:grpSpPr>
+          <a:xfrm>
+            <a:off x="467544" y="4365104"/>
+            <a:ext cx="2808685" cy="1974414"/>
+            <a:chOff x="4499992" y="2348880"/>
+            <a:chExt cx="2808685" cy="1974414"/>
+          </a:xfrm>
+        </p:grpSpPr>
+        <p:sp>
+          <p:nvSpPr>
+            <p:cNvPr id="15" name="Rectangle 7"/>
+            <p:cNvSpPr>
+              <a:spLocks noChangeArrowheads="1"/>
+            </p:cNvSpPr>
+            <p:nvPr/>
+          </p:nvSpPr>
+          <p:spPr bwMode="auto">
+            <a:xfrm>
+              <a:off x="4499992" y="2348880"/>
+              <a:ext cx="1512168" cy="504255"/>
+            </a:xfrm>
+            <a:prstGeom prst="rect">
+              <a:avLst/>
+            </a:prstGeom>
+            <a:noFill/>
+            <a:ln w="38160">
+              <a:solidFill>
+                <a:srgbClr val="FFC000"/>
+              </a:solidFill>
+              <a:prstDash val="sysDot"/>
+              <a:miter lim="800000"/>
+              <a:headEnd/>
+              <a:tailEnd/>
+            </a:ln>
+          </p:spPr>
+          <p:txBody>
+            <a:bodyPr wrap="none" anchor="ctr"/>
+            <a:lstStyle/>
+            <a:p>
+              <a:endParaRPr lang="pt-BR"/>
+            </a:p>
+          </p:txBody>
+        </p:sp>
+        <p:sp>
+          <p:nvSpPr>
+            <p:cNvPr id="16" name="CaixaDeTexto 15"/>
+            <p:cNvSpPr txBox="1"/>
+            <p:nvPr/>
+          </p:nvSpPr>
+          <p:spPr bwMode="auto">
+            <a:xfrm>
+              <a:off x="4788024" y="3492297"/>
+              <a:ext cx="2520653" cy="830997"/>
+            </a:xfrm>
+            <a:prstGeom prst="rect">
+              <a:avLst/>
+            </a:prstGeom>
+            <a:noFill/>
+            <a:ln w="28575">
+              <a:solidFill>
+                <a:schemeClr val="tx1"/>
+              </a:solidFill>
+            </a:ln>
+          </p:spPr>
+          <p:txBody>
+            <a:bodyPr wrap="square">
+              <a:spAutoFit/>
+            </a:bodyPr>
+            <a:lstStyle/>
+            <a:p>
+              <a:pPr algn="ctr">
+                <a:defRPr/>
+              </a:pPr>
+              <a:r>
+                <a:rPr lang="pt-BR" sz="1600" dirty="0" smtClean="0">
+                  <a:latin typeface="+mn-lt"/>
+                </a:rPr>
+                <a:t>Referência ao painel raiz da janela principal (</a:t>
+              </a:r>
+              <a:r>
+                <a:rPr lang="pt-BR" sz="1600" dirty="0" err="1" smtClean="0">
+                  <a:latin typeface="+mn-lt"/>
+                </a:rPr>
+                <a:t>JDesktopPane</a:t>
+              </a:r>
+              <a:r>
+                <a:rPr lang="pt-BR" sz="1600" dirty="0" smtClean="0">
+                  <a:latin typeface="+mn-lt"/>
+                </a:rPr>
+                <a:t>)</a:t>
+              </a:r>
+              <a:endParaRPr lang="pt-BR" sz="1600" dirty="0">
+                <a:latin typeface="+mn-lt"/>
+              </a:endParaRPr>
+            </a:p>
+          </p:txBody>
+        </p:sp>
+        <p:cxnSp>
+          <p:nvCxnSpPr>
+            <p:cNvPr id="18" name="Conector de seta reta 17"/>
+            <p:cNvCxnSpPr>
+              <a:cxnSpLocks noChangeShapeType="1"/>
+            </p:cNvCxnSpPr>
+            <p:nvPr/>
+          </p:nvCxnSpPr>
+          <p:spPr bwMode="auto">
+            <a:xfrm flipV="1">
+              <a:off x="5291707" y="2924944"/>
+              <a:ext cx="373" cy="576066"/>
+            </a:xfrm>
+            <a:prstGeom prst="straightConnector1">
+              <a:avLst/>
+            </a:prstGeom>
+            <a:noFill/>
+            <a:ln w="31750" algn="ctr">
+              <a:solidFill>
+                <a:schemeClr val="tx1"/>
+              </a:solidFill>
+              <a:round/>
+              <a:headEnd/>
+              <a:tailEnd type="arrow" w="med" len="med"/>
+            </a:ln>
+          </p:spPr>
+        </p:cxnSp>
+      </p:grpSp>
     </p:spTree>
   </p:cSld>
   <p:clrMapOvr>
     <a:masterClrMapping/>
   </p:clrMapOvr>
+  <p:timing>
+    <p:tnLst>
+      <p:par>
+        <p:cTn id="1" dur="indefinite" restart="never" nodeType="tmRoot">
+          <p:childTnLst>
+            <p:seq concurrent="1" nextAc="seek">
+              <p:cTn id="2" dur="indefinite" nodeType="mainSeq">
+                <p:childTnLst>
+                  <p:par>
+                    <p:cTn id="3" fill="hold">
+                      <p:stCondLst>
+                        <p:cond delay="indefinite"/>
+                      </p:stCondLst>
+                      <p:childTnLst>
+                        <p:par>
+                          <p:cTn id="4" fill="hold">
+                            <p:stCondLst>
+                              <p:cond delay="0"/>
+                            </p:stCondLst>
+                            <p:childTnLst>
+                              <p:par>
+                                <p:cTn id="5" presetID="2" presetClass="entr" presetSubtype="2" fill="hold" nodeType="clickEffect">
+                                  <p:stCondLst>
+                                    <p:cond delay="0"/>
+                                  </p:stCondLst>
+                                  <p:childTnLst>
+                                    <p:set>
+                                      <p:cBhvr>
+                                        <p:cTn id="6" dur="1" fill="hold">
+                                          <p:stCondLst>
+                                            <p:cond delay="0"/>
+                                          </p:stCondLst>
+                                        </p:cTn>
+                                        <p:tgtEl>
+                                          <p:spTgt spid="8"/>
+                                        </p:tgtEl>
+                                        <p:attrNameLst>
+                                          <p:attrName>style.visibility</p:attrName>
+                                        </p:attrNameLst>
+                                      </p:cBhvr>
+                                      <p:to>
+                                        <p:strVal val="visible"/>
+                                      </p:to>
+                                    </p:set>
+                                    <p:anim calcmode="lin" valueType="num">
+                                      <p:cBhvr additive="base">
+                                        <p:cTn id="7" dur="500" fill="hold"/>
+                                        <p:tgtEl>
+                                          <p:spTgt spid="8"/>
+                                        </p:tgtEl>
+                                        <p:attrNameLst>
+                                          <p:attrName>ppt_x</p:attrName>
+                                        </p:attrNameLst>
+                                      </p:cBhvr>
+                                      <p:tavLst>
+                                        <p:tav tm="0">
+                                          <p:val>
+                                            <p:strVal val="1+#ppt_w/2"/>
+                                          </p:val>
+                                        </p:tav>
+                                        <p:tav tm="100000">
+                                          <p:val>
+                                            <p:strVal val="#ppt_x"/>
+                                          </p:val>
+                                        </p:tav>
+                                      </p:tavLst>
+                                    </p:anim>
+                                    <p:anim calcmode="lin" valueType="num">
+                                      <p:cBhvr additive="base">
+                                        <p:cTn id="8" dur="500" fill="hold"/>
+                                        <p:tgtEl>
+                                          <p:spTgt spid="8"/>
+                                        </p:tgtEl>
+                                        <p:attrNameLst>
+                                          <p:attrName>ppt_y</p:attrName>
+                                        </p:attrNameLst>
+                                      </p:cBhvr>
+                                      <p:tavLst>
+                                        <p:tav tm="0">
+                                          <p:val>
+                                            <p:strVal val="#ppt_y"/>
+                                          </p:val>
+                                        </p:tav>
+                                        <p:tav tm="100000">
+                                          <p:val>
+                                            <p:strVal val="#ppt_y"/>
+                                          </p:val>
+                                        </p:tav>
+                                      </p:tavLst>
+                                    </p:anim>
+                                  </p:childTnLst>
+                                </p:cTn>
+                              </p:par>
+                            </p:childTnLst>
+                          </p:cTn>
+                        </p:par>
+                      </p:childTnLst>
+                    </p:cTn>
+                  </p:par>
+                  <p:par>
+                    <p:cTn id="9" fill="hold">
+                      <p:stCondLst>
+                        <p:cond delay="indefinite"/>
+                      </p:stCondLst>
+                      <p:childTnLst>
+                        <p:par>
+                          <p:cTn id="10" fill="hold">
+                            <p:stCondLst>
+                              <p:cond delay="0"/>
+                            </p:stCondLst>
+                            <p:childTnLst>
+                              <p:par>
+                                <p:cTn id="11" presetID="2" presetClass="entr" presetSubtype="2" fill="hold" nodeType="clickEffect">
+                                  <p:stCondLst>
+                                    <p:cond delay="0"/>
+                                  </p:stCondLst>
+                                  <p:childTnLst>
+                                    <p:set>
+                                      <p:cBhvr>
+                                        <p:cTn id="12" dur="1" fill="hold">
+                                          <p:stCondLst>
+                                            <p:cond delay="0"/>
+                                          </p:stCondLst>
+                                        </p:cTn>
+                                        <p:tgtEl>
+                                          <p:spTgt spid="14"/>
+                                        </p:tgtEl>
+                                        <p:attrNameLst>
+                                          <p:attrName>style.visibility</p:attrName>
+                                        </p:attrNameLst>
+                                      </p:cBhvr>
+                                      <p:to>
+                                        <p:strVal val="visible"/>
+                                      </p:to>
+                                    </p:set>
+                                    <p:anim calcmode="lin" valueType="num">
+                                      <p:cBhvr additive="base">
+                                        <p:cTn id="13" dur="500" fill="hold"/>
+                                        <p:tgtEl>
+                                          <p:spTgt spid="14"/>
+                                        </p:tgtEl>
+                                        <p:attrNameLst>
+                                          <p:attrName>ppt_x</p:attrName>
+                                        </p:attrNameLst>
+                                      </p:cBhvr>
+                                      <p:tavLst>
+                                        <p:tav tm="0">
+                                          <p:val>
+                                            <p:strVal val="1+#ppt_w/2"/>
+                                          </p:val>
+                                        </p:tav>
+                                        <p:tav tm="100000">
+                                          <p:val>
+                                            <p:strVal val="#ppt_x"/>
+                                          </p:val>
+                                        </p:tav>
+                                      </p:tavLst>
+                                    </p:anim>
+                                    <p:anim calcmode="lin" valueType="num">
+                                      <p:cBhvr additive="base">
+                                        <p:cTn id="14" dur="500" fill="hold"/>
+                                        <p:tgtEl>
+                                          <p:spTgt spid="14"/>
+                                        </p:tgtEl>
+                                        <p:attrNameLst>
+                                          <p:attrName>ppt_y</p:attrName>
+                                        </p:attrNameLst>
+                                      </p:cBhvr>
+                                      <p:tavLst>
+                                        <p:tav tm="0">
+                                          <p:val>
+                                            <p:strVal val="#ppt_y"/>
+                                          </p:val>
+                                        </p:tav>
+                                        <p:tav tm="100000">
+                                          <p:val>
+                                            <p:strVal val="#ppt_y"/>
+                                          </p:val>
+                                        </p:tav>
+                                      </p:tavLst>
+                                    </p:anim>
+                                  </p:childTnLst>
+                                </p:cTn>
+                              </p:par>
+                            </p:childTnLst>
+                          </p:cTn>
+                        </p:par>
+                      </p:childTnLst>
+                    </p:cTn>
+                  </p:par>
+                </p:childTnLst>
+              </p:cTn>
+              <p:prevCondLst>
+                <p:cond evt="onPrev" delay="0">
+                  <p:tgtEl>
+                    <p:sldTgt/>
+                  </p:tgtEl>
+                </p:cond>
+              </p:prevCondLst>
+              <p:nextCondLst>
+                <p:cond evt="onNext" delay="0">
+                  <p:tgtEl>
+                    <p:sldTgt/>
+                  </p:tgtEl>
+                </p:cond>
+              </p:nextCondLst>
+            </p:seq>
+          </p:childTnLst>
+        </p:cTn>
+      </p:par>
+    </p:tnLst>
+  </p:timing>
 </p:sld>
 </file>
 
@@ -6568,17 +11900,9 @@
           <a:bodyPr/>
           <a:lstStyle/>
           <a:p>
-            <a:pPr rtl="0" eaLnBrk="0" fontAlgn="base" hangingPunct="0"/>
-            <a:r>
-              <a:rPr lang="pt-BR" sz="4600" kern="1200" dirty="0" smtClean="0">
-                <a:solidFill>
-                  <a:schemeClr val="tx1"/>
-                </a:solidFill>
-                <a:latin typeface="+mj-lt"/>
-                <a:ea typeface="+mj-ea"/>
-                <a:cs typeface="+mj-cs"/>
-              </a:rPr>
-              <a:t>Tela de Cadastro de Cargos</a:t>
+            <a:r>
+              <a:rPr lang="pt-BR" dirty="0" smtClean="0"/>
+              <a:t>Padrão de Desenvolvimento</a:t>
             </a:r>
             <a:endParaRPr lang="pt-BR" dirty="0"/>
           </a:p>
@@ -6594,12 +11918,123 @@
             <p:ph idx="1"/>
           </p:nvPr>
         </p:nvSpPr>
-        <p:spPr/>
+        <p:spPr>
+          <a:xfrm>
+            <a:off x="457200" y="1600200"/>
+            <a:ext cx="8219256" cy="4525963"/>
+          </a:xfrm>
+        </p:spPr>
         <p:txBody>
           <a:bodyPr/>
           <a:lstStyle/>
           <a:p>
-            <a:endParaRPr lang="pt-BR"/>
+            <a:r>
+              <a:rPr lang="pt-BR" sz="2000" dirty="0" smtClean="0"/>
+              <a:t>Podemos adotar como padrão de desenvolvimento para cada uma das janelas filhas a seguinte construção de classes (</a:t>
+            </a:r>
+            <a:r>
+              <a:rPr lang="pt-BR" sz="2000" dirty="0" smtClean="0">
+                <a:solidFill>
+                  <a:srgbClr val="FFC000"/>
+                </a:solidFill>
+              </a:rPr>
+              <a:t>exemplo para a janela de cadastro de cargos</a:t>
+            </a:r>
+            <a:r>
+              <a:rPr lang="pt-BR" sz="2000" dirty="0" smtClean="0"/>
+              <a:t>):</a:t>
+            </a:r>
+          </a:p>
+          <a:p>
+            <a:pPr lvl="1">
+              <a:spcBef>
+                <a:spcPts val="1800"/>
+              </a:spcBef>
+            </a:pPr>
+            <a:r>
+              <a:rPr lang="pt-BR" sz="2000" b="1" u="sng" dirty="0" err="1" smtClean="0"/>
+              <a:t>CargoFrame</a:t>
+            </a:r>
+            <a:r>
+              <a:rPr lang="pt-BR" sz="2000" dirty="0" smtClean="0"/>
+              <a:t/>
+            </a:r>
+            <a:br>
+              <a:rPr lang="pt-BR" sz="2000" dirty="0" smtClean="0"/>
+            </a:br>
+            <a:r>
+              <a:rPr lang="pt-BR" sz="2000" dirty="0" smtClean="0"/>
+              <a:t>Janela contendo os componentes de interface gráfica Swing para interação com o usuário.</a:t>
+            </a:r>
+          </a:p>
+          <a:p>
+            <a:pPr lvl="1">
+              <a:spcBef>
+                <a:spcPts val="1800"/>
+              </a:spcBef>
+            </a:pPr>
+            <a:r>
+              <a:rPr lang="pt-BR" sz="2000" b="1" u="sng" dirty="0" err="1" smtClean="0"/>
+              <a:t>CargoDAO</a:t>
+            </a:r>
+            <a:r>
+              <a:rPr lang="pt-BR" sz="2000" dirty="0" smtClean="0"/>
+              <a:t/>
+            </a:r>
+            <a:br>
+              <a:rPr lang="pt-BR" sz="2000" dirty="0" smtClean="0"/>
+            </a:br>
+            <a:r>
+              <a:rPr lang="pt-BR" sz="2000" dirty="0" smtClean="0"/>
+              <a:t>Classe responsável por realizar todas as operações com a base de dados relativas às categorias, como gravar e obter dados.</a:t>
+            </a:r>
+          </a:p>
+          <a:p>
+            <a:pPr lvl="1">
+              <a:spcBef>
+                <a:spcPts val="1800"/>
+              </a:spcBef>
+            </a:pPr>
+            <a:r>
+              <a:rPr lang="pt-BR" sz="2000" b="1" u="sng" dirty="0" err="1" smtClean="0"/>
+              <a:t>CargoVO</a:t>
+            </a:r>
+            <a:r>
+              <a:rPr lang="pt-BR" sz="2000" dirty="0" smtClean="0"/>
+              <a:t/>
+            </a:r>
+            <a:br>
+              <a:rPr lang="pt-BR" sz="2000" dirty="0" smtClean="0"/>
+            </a:br>
+            <a:r>
+              <a:rPr lang="pt-BR" sz="2000" dirty="0" smtClean="0"/>
+              <a:t>Uma simples classe contendo os atributos de um cargo, como </a:t>
+            </a:r>
+            <a:r>
+              <a:rPr lang="pt-BR" sz="2000" i="1" dirty="0" smtClean="0"/>
+              <a:t>código</a:t>
+            </a:r>
+            <a:r>
+              <a:rPr lang="pt-BR" sz="2000" dirty="0" smtClean="0"/>
+              <a:t> e </a:t>
+            </a:r>
+            <a:r>
+              <a:rPr lang="pt-BR" sz="2000" i="1" dirty="0" smtClean="0"/>
+              <a:t>nome</a:t>
+            </a:r>
+            <a:r>
+              <a:rPr lang="pt-BR" sz="2000" dirty="0" smtClean="0"/>
+              <a:t> e seus métodos </a:t>
+            </a:r>
+            <a:r>
+              <a:rPr lang="pt-BR" sz="2000" dirty="0" err="1" smtClean="0"/>
+              <a:t>get</a:t>
+            </a:r>
+            <a:r>
+              <a:rPr lang="pt-BR" sz="2000" dirty="0" smtClean="0"/>
+              <a:t> e set.</a:t>
+            </a:r>
+            <a:endParaRPr lang="pt-BR" sz="2000" dirty="0"/>
           </a:p>
         </p:txBody>
       </p:sp>
@@ -6637,6 +12072,13 @@
   <p:clrMapOvr>
     <a:masterClrMapping/>
   </p:clrMapOvr>
+  <p:timing>
+    <p:tnLst>
+      <p:par>
+        <p:cTn id="1" dur="indefinite" restart="never" nodeType="tmRoot"/>
+      </p:par>
+    </p:tnLst>
+  </p:timing>
 </p:sld>
 </file>
 
@@ -6667,48 +12109,44 @@
             <p:ph type="title"/>
           </p:nvPr>
         </p:nvSpPr>
+        <p:spPr/>
+        <p:txBody>
+          <a:bodyPr/>
+          <a:lstStyle/>
+          <a:p>
+            <a:r>
+              <a:rPr lang="pt-BR" dirty="0" smtClean="0"/>
+              <a:t>Padrão de Desenvolvimento</a:t>
+            </a:r>
+            <a:endParaRPr lang="pt-BR" dirty="0"/>
+          </a:p>
+        </p:txBody>
+      </p:sp>
+      <p:sp>
+        <p:nvSpPr>
+          <p:cNvPr id="3" name="Espaço Reservado para Conteúdo 2"/>
+          <p:cNvSpPr>
+            <a:spLocks noGrp="1"/>
+          </p:cNvSpPr>
+          <p:nvPr>
+            <p:ph idx="1"/>
+          </p:nvPr>
+        </p:nvSpPr>
         <p:spPr>
           <a:xfrm>
-            <a:off x="457200" y="274638"/>
-            <a:ext cx="8291264" cy="1143000"/>
+            <a:off x="457200" y="1600201"/>
+            <a:ext cx="7467600" cy="676672"/>
           </a:xfrm>
         </p:spPr>
         <p:txBody>
           <a:bodyPr/>
           <a:lstStyle/>
           <a:p>
-            <a:pPr rtl="0" eaLnBrk="0" fontAlgn="base" hangingPunct="0"/>
-            <a:r>
-              <a:rPr lang="pt-BR" sz="4400" kern="1200" dirty="0" smtClean="0">
-                <a:solidFill>
-                  <a:schemeClr val="tx1"/>
-                </a:solidFill>
-                <a:latin typeface="+mj-lt"/>
-                <a:ea typeface="+mj-ea"/>
-                <a:cs typeface="+mj-cs"/>
-              </a:rPr>
-              <a:t>Tela de Cadastro de Funcionários</a:t>
-            </a:r>
-            <a:endParaRPr lang="pt-BR" sz="4400" dirty="0"/>
-          </a:p>
-        </p:txBody>
-      </p:sp>
-      <p:sp>
-        <p:nvSpPr>
-          <p:cNvPr id="3" name="Espaço Reservado para Conteúdo 2"/>
-          <p:cNvSpPr>
-            <a:spLocks noGrp="1"/>
-          </p:cNvSpPr>
-          <p:nvPr>
-            <p:ph idx="1"/>
-          </p:nvPr>
-        </p:nvSpPr>
-        <p:spPr/>
-        <p:txBody>
-          <a:bodyPr/>
-          <a:lstStyle/>
-          <a:p>
-            <a:endParaRPr lang="pt-BR"/>
+            <a:r>
+              <a:rPr lang="pt-BR" dirty="0" smtClean="0"/>
+              <a:t>Diagrama de classes</a:t>
+            </a:r>
+            <a:endParaRPr lang="pt-BR" dirty="0"/>
           </a:p>
         </p:txBody>
       </p:sp>
@@ -6741,11 +12179,1016 @@
           </a:p>
         </p:txBody>
       </p:sp>
+      <p:graphicFrame>
+        <p:nvGraphicFramePr>
+          <p:cNvPr id="5" name="Espaço Reservado para Conteúdo 4"/>
+          <p:cNvGraphicFramePr>
+            <a:graphicFrameLocks/>
+          </p:cNvGraphicFramePr>
+          <p:nvPr/>
+        </p:nvGraphicFramePr>
+        <p:xfrm>
+          <a:off x="467544" y="3356993"/>
+          <a:ext cx="1944216" cy="1539423"/>
+        </p:xfrm>
+        <a:graphic>
+          <a:graphicData uri="http://schemas.openxmlformats.org/drawingml/2006/table">
+            <a:tbl>
+              <a:tblPr firstRow="1" bandRow="1">
+                <a:tableStyleId>{5C22544A-7EE6-4342-B048-85BDC9FD1C3A}</a:tableStyleId>
+              </a:tblPr>
+              <a:tblGrid>
+                <a:gridCol w="1944216"/>
+              </a:tblGrid>
+              <a:tr h="263027">
+                <a:tc>
+                  <a:txBody>
+                    <a:bodyPr/>
+                    <a:lstStyle/>
+                    <a:p>
+                      <a:pPr marL="0" algn="ctr" rtl="0" eaLnBrk="1" latinLnBrk="0" hangingPunct="1"/>
+                      <a:r>
+                        <a:rPr kumimoji="0" lang="pt-BR" sz="1400" b="1" i="0" kern="1200" dirty="0" err="1" smtClean="0">
+                          <a:solidFill>
+                            <a:schemeClr val="tx1"/>
+                          </a:solidFill>
+                          <a:latin typeface="+mn-lt"/>
+                          <a:ea typeface="+mn-ea"/>
+                          <a:cs typeface="+mn-cs"/>
+                        </a:rPr>
+                        <a:t>CargoFrame</a:t>
+                      </a:r>
+                      <a:endParaRPr kumimoji="0" lang="pt-BR" sz="1400" b="1" i="0" kern="1200" dirty="0">
+                        <a:solidFill>
+                          <a:schemeClr val="tx1"/>
+                        </a:solidFill>
+                        <a:latin typeface="+mn-lt"/>
+                        <a:ea typeface="+mn-ea"/>
+                        <a:cs typeface="+mn-cs"/>
+                      </a:endParaRPr>
+                    </a:p>
+                  </a:txBody>
+                  <a:tcPr>
+                    <a:lnL w="28575" cap="flat" cmpd="sng" algn="ctr">
+                      <a:solidFill>
+                        <a:schemeClr val="tx1"/>
+                      </a:solidFill>
+                      <a:prstDash val="solid"/>
+                      <a:round/>
+                      <a:headEnd type="none" w="med" len="med"/>
+                      <a:tailEnd type="none" w="med" len="med"/>
+                    </a:lnL>
+                    <a:lnR w="28575" cap="flat" cmpd="sng" algn="ctr">
+                      <a:solidFill>
+                        <a:schemeClr val="tx1"/>
+                      </a:solidFill>
+                      <a:prstDash val="solid"/>
+                      <a:round/>
+                      <a:headEnd type="none" w="med" len="med"/>
+                      <a:tailEnd type="none" w="med" len="med"/>
+                    </a:lnR>
+                    <a:lnT w="28575" cap="flat" cmpd="sng" algn="ctr">
+                      <a:solidFill>
+                        <a:schemeClr val="tx1"/>
+                      </a:solidFill>
+                      <a:prstDash val="solid"/>
+                      <a:round/>
+                      <a:headEnd type="none" w="med" len="med"/>
+                      <a:tailEnd type="none" w="med" len="med"/>
+                    </a:lnT>
+                    <a:lnB w="28575" cap="flat" cmpd="sng" algn="ctr">
+                      <a:solidFill>
+                        <a:schemeClr val="tx1"/>
+                      </a:solidFill>
+                      <a:prstDash val="solid"/>
+                      <a:round/>
+                      <a:headEnd type="none" w="med" len="med"/>
+                      <a:tailEnd type="none" w="med" len="med"/>
+                    </a:lnB>
+                    <a:noFill/>
+                  </a:tcPr>
+                </a:tc>
+              </a:tr>
+              <a:tr h="815383">
+                <a:tc>
+                  <a:txBody>
+                    <a:bodyPr/>
+                    <a:lstStyle/>
+                    <a:p>
+                      <a:r>
+                        <a:rPr lang="en-US" sz="1400" dirty="0" err="1" smtClean="0">
+                          <a:solidFill>
+                            <a:schemeClr val="tx1"/>
+                          </a:solidFill>
+                        </a:rPr>
+                        <a:t>btnSalvar</a:t>
+                      </a:r>
+                      <a:r>
+                        <a:rPr lang="en-US" sz="1400" dirty="0" smtClean="0">
+                          <a:solidFill>
+                            <a:schemeClr val="tx1"/>
+                          </a:solidFill>
+                        </a:rPr>
+                        <a:t> : </a:t>
+                      </a:r>
+                      <a:r>
+                        <a:rPr lang="en-US" sz="1400" dirty="0" err="1" smtClean="0">
+                          <a:solidFill>
+                            <a:schemeClr val="tx1"/>
+                          </a:solidFill>
+                        </a:rPr>
+                        <a:t>JButton</a:t>
+                      </a:r>
+                      <a:endParaRPr lang="en-US" sz="1400" dirty="0" smtClean="0">
+                        <a:solidFill>
+                          <a:schemeClr val="tx1"/>
+                        </a:solidFill>
+                      </a:endParaRPr>
+                    </a:p>
+                    <a:p>
+                      <a:r>
+                        <a:rPr lang="en-US" sz="1400" dirty="0" err="1" smtClean="0">
+                          <a:solidFill>
+                            <a:schemeClr val="tx1"/>
+                          </a:solidFill>
+                        </a:rPr>
+                        <a:t>btnLimpar</a:t>
+                      </a:r>
+                      <a:r>
+                        <a:rPr lang="en-US" sz="1400" dirty="0" smtClean="0">
+                          <a:solidFill>
+                            <a:schemeClr val="tx1"/>
+                          </a:solidFill>
+                        </a:rPr>
+                        <a:t> : </a:t>
+                      </a:r>
+                      <a:r>
+                        <a:rPr lang="en-US" sz="1400" dirty="0" err="1" smtClean="0">
+                          <a:solidFill>
+                            <a:schemeClr val="tx1"/>
+                          </a:solidFill>
+                        </a:rPr>
+                        <a:t>JButton</a:t>
+                      </a:r>
+                      <a:endParaRPr lang="en-US" sz="1400" dirty="0" smtClean="0">
+                        <a:solidFill>
+                          <a:schemeClr val="tx1"/>
+                        </a:solidFill>
+                      </a:endParaRPr>
+                    </a:p>
+                    <a:p>
+                      <a:r>
+                        <a:rPr lang="en-US" sz="1400" dirty="0" err="1" smtClean="0">
+                          <a:solidFill>
+                            <a:schemeClr val="tx1"/>
+                          </a:solidFill>
+                        </a:rPr>
+                        <a:t>lblNome</a:t>
+                      </a:r>
+                      <a:r>
+                        <a:rPr lang="en-US" sz="1400" baseline="0" dirty="0" smtClean="0">
+                          <a:solidFill>
+                            <a:schemeClr val="tx1"/>
+                          </a:solidFill>
+                        </a:rPr>
+                        <a:t> : </a:t>
+                      </a:r>
+                      <a:r>
+                        <a:rPr lang="en-US" sz="1400" baseline="0" dirty="0" err="1" smtClean="0">
+                          <a:solidFill>
+                            <a:schemeClr val="tx1"/>
+                          </a:solidFill>
+                        </a:rPr>
+                        <a:t>JLabel</a:t>
+                      </a:r>
+                      <a:endParaRPr lang="en-US" sz="1400" baseline="0" dirty="0" smtClean="0">
+                        <a:solidFill>
+                          <a:schemeClr val="tx1"/>
+                        </a:solidFill>
+                      </a:endParaRPr>
+                    </a:p>
+                    <a:p>
+                      <a:r>
+                        <a:rPr lang="en-US" sz="1400" dirty="0" err="1" smtClean="0">
+                          <a:solidFill>
+                            <a:schemeClr val="tx1"/>
+                          </a:solidFill>
+                        </a:rPr>
+                        <a:t>txtNome</a:t>
+                      </a:r>
+                      <a:r>
+                        <a:rPr lang="en-US" sz="1400" dirty="0" smtClean="0">
+                          <a:solidFill>
+                            <a:schemeClr val="tx1"/>
+                          </a:solidFill>
+                        </a:rPr>
+                        <a:t> : </a:t>
+                      </a:r>
+                      <a:r>
+                        <a:rPr lang="en-US" sz="1400" dirty="0" err="1" smtClean="0">
+                          <a:solidFill>
+                            <a:schemeClr val="tx1"/>
+                          </a:solidFill>
+                        </a:rPr>
+                        <a:t>JTextField</a:t>
+                      </a:r>
+                      <a:endParaRPr lang="en-US" sz="1400" dirty="0" smtClean="0">
+                        <a:solidFill>
+                          <a:schemeClr val="tx1"/>
+                        </a:solidFill>
+                      </a:endParaRPr>
+                    </a:p>
+                  </a:txBody>
+                  <a:tcPr>
+                    <a:lnL w="28575" cap="flat" cmpd="sng" algn="ctr">
+                      <a:solidFill>
+                        <a:schemeClr val="tx1"/>
+                      </a:solidFill>
+                      <a:prstDash val="solid"/>
+                      <a:round/>
+                      <a:headEnd type="none" w="med" len="med"/>
+                      <a:tailEnd type="none" w="med" len="med"/>
+                    </a:lnL>
+                    <a:lnR w="28575" cap="flat" cmpd="sng" algn="ctr">
+                      <a:solidFill>
+                        <a:schemeClr val="tx1"/>
+                      </a:solidFill>
+                      <a:prstDash val="solid"/>
+                      <a:round/>
+                      <a:headEnd type="none" w="med" len="med"/>
+                      <a:tailEnd type="none" w="med" len="med"/>
+                    </a:lnR>
+                    <a:lnT w="28575" cap="flat" cmpd="sng" algn="ctr">
+                      <a:solidFill>
+                        <a:schemeClr val="tx1"/>
+                      </a:solidFill>
+                      <a:prstDash val="solid"/>
+                      <a:round/>
+                      <a:headEnd type="none" w="med" len="med"/>
+                      <a:tailEnd type="none" w="med" len="med"/>
+                    </a:lnT>
+                    <a:lnB w="28575" cap="flat" cmpd="sng" algn="ctr">
+                      <a:solidFill>
+                        <a:schemeClr val="tx1"/>
+                      </a:solidFill>
+                      <a:prstDash val="solid"/>
+                      <a:round/>
+                      <a:headEnd type="none" w="med" len="med"/>
+                      <a:tailEnd type="none" w="med" len="med"/>
+                    </a:lnB>
+                    <a:noFill/>
+                  </a:tcPr>
+                </a:tc>
+              </a:tr>
+              <a:tr h="289743">
+                <a:tc>
+                  <a:txBody>
+                    <a:bodyPr/>
+                    <a:lstStyle/>
+                    <a:p>
+                      <a:endParaRPr lang="en-US" sz="600" dirty="0" smtClean="0">
+                        <a:solidFill>
+                          <a:schemeClr val="tx1"/>
+                        </a:solidFill>
+                      </a:endParaRPr>
+                    </a:p>
+                  </a:txBody>
+                  <a:tcPr>
+                    <a:lnL w="28575" cap="flat" cmpd="sng" algn="ctr">
+                      <a:solidFill>
+                        <a:schemeClr val="tx1"/>
+                      </a:solidFill>
+                      <a:prstDash val="solid"/>
+                      <a:round/>
+                      <a:headEnd type="none" w="med" len="med"/>
+                      <a:tailEnd type="none" w="med" len="med"/>
+                    </a:lnL>
+                    <a:lnR w="28575" cap="flat" cmpd="sng" algn="ctr">
+                      <a:solidFill>
+                        <a:schemeClr val="tx1"/>
+                      </a:solidFill>
+                      <a:prstDash val="solid"/>
+                      <a:round/>
+                      <a:headEnd type="none" w="med" len="med"/>
+                      <a:tailEnd type="none" w="med" len="med"/>
+                    </a:lnR>
+                    <a:lnT w="28575" cap="flat" cmpd="sng" algn="ctr">
+                      <a:solidFill>
+                        <a:schemeClr val="tx1"/>
+                      </a:solidFill>
+                      <a:prstDash val="solid"/>
+                      <a:round/>
+                      <a:headEnd type="none" w="med" len="med"/>
+                      <a:tailEnd type="none" w="med" len="med"/>
+                    </a:lnT>
+                    <a:lnB w="28575" cap="flat" cmpd="sng" algn="ctr">
+                      <a:solidFill>
+                        <a:schemeClr val="tx1"/>
+                      </a:solidFill>
+                      <a:prstDash val="solid"/>
+                      <a:round/>
+                      <a:headEnd type="none" w="med" len="med"/>
+                      <a:tailEnd type="none" w="med" len="med"/>
+                    </a:lnB>
+                    <a:noFill/>
+                  </a:tcPr>
+                </a:tc>
+              </a:tr>
+            </a:tbl>
+          </a:graphicData>
+        </a:graphic>
+      </p:graphicFrame>
+      <p:graphicFrame>
+        <p:nvGraphicFramePr>
+          <p:cNvPr id="6" name="Espaço Reservado para Conteúdo 4"/>
+          <p:cNvGraphicFramePr>
+            <a:graphicFrameLocks/>
+          </p:cNvGraphicFramePr>
+          <p:nvPr/>
+        </p:nvGraphicFramePr>
+        <p:xfrm>
+          <a:off x="2915816" y="3356992"/>
+          <a:ext cx="3168352" cy="1432560"/>
+        </p:xfrm>
+        <a:graphic>
+          <a:graphicData uri="http://schemas.openxmlformats.org/drawingml/2006/table">
+            <a:tbl>
+              <a:tblPr firstRow="1" bandRow="1">
+                <a:tableStyleId>{5C22544A-7EE6-4342-B048-85BDC9FD1C3A}</a:tableStyleId>
+              </a:tblPr>
+              <a:tblGrid>
+                <a:gridCol w="3168352"/>
+              </a:tblGrid>
+              <a:tr h="261535">
+                <a:tc>
+                  <a:txBody>
+                    <a:bodyPr/>
+                    <a:lstStyle/>
+                    <a:p>
+                      <a:pPr marL="0" algn="ctr" rtl="0" eaLnBrk="1" latinLnBrk="0" hangingPunct="1"/>
+                      <a:r>
+                        <a:rPr kumimoji="0" lang="pt-BR" sz="1400" b="1" i="0" kern="1200" dirty="0" err="1" smtClean="0">
+                          <a:solidFill>
+                            <a:schemeClr val="tx1"/>
+                          </a:solidFill>
+                          <a:latin typeface="+mn-lt"/>
+                          <a:ea typeface="+mn-ea"/>
+                          <a:cs typeface="+mn-cs"/>
+                        </a:rPr>
+                        <a:t>CargoDAO</a:t>
+                      </a:r>
+                      <a:endParaRPr kumimoji="0" lang="pt-BR" sz="1400" b="1" i="0" kern="1200" dirty="0">
+                        <a:solidFill>
+                          <a:schemeClr val="tx1"/>
+                        </a:solidFill>
+                        <a:latin typeface="+mn-lt"/>
+                        <a:ea typeface="+mn-ea"/>
+                        <a:cs typeface="+mn-cs"/>
+                      </a:endParaRPr>
+                    </a:p>
+                  </a:txBody>
+                  <a:tcPr>
+                    <a:lnL w="28575" cap="flat" cmpd="sng" algn="ctr">
+                      <a:solidFill>
+                        <a:schemeClr val="tx1"/>
+                      </a:solidFill>
+                      <a:prstDash val="solid"/>
+                      <a:round/>
+                      <a:headEnd type="none" w="med" len="med"/>
+                      <a:tailEnd type="none" w="med" len="med"/>
+                    </a:lnL>
+                    <a:lnR w="28575" cap="flat" cmpd="sng" algn="ctr">
+                      <a:solidFill>
+                        <a:schemeClr val="tx1"/>
+                      </a:solidFill>
+                      <a:prstDash val="solid"/>
+                      <a:round/>
+                      <a:headEnd type="none" w="med" len="med"/>
+                      <a:tailEnd type="none" w="med" len="med"/>
+                    </a:lnR>
+                    <a:lnT w="28575" cap="flat" cmpd="sng" algn="ctr">
+                      <a:solidFill>
+                        <a:schemeClr val="tx1"/>
+                      </a:solidFill>
+                      <a:prstDash val="solid"/>
+                      <a:round/>
+                      <a:headEnd type="none" w="med" len="med"/>
+                      <a:tailEnd type="none" w="med" len="med"/>
+                    </a:lnT>
+                    <a:lnB w="28575" cap="flat" cmpd="sng" algn="ctr">
+                      <a:solidFill>
+                        <a:schemeClr val="tx1"/>
+                      </a:solidFill>
+                      <a:prstDash val="solid"/>
+                      <a:round/>
+                      <a:headEnd type="none" w="med" len="med"/>
+                      <a:tailEnd type="none" w="med" len="med"/>
+                    </a:lnB>
+                    <a:noFill/>
+                  </a:tcPr>
+                </a:tc>
+              </a:tr>
+              <a:tr h="0">
+                <a:tc>
+                  <a:txBody>
+                    <a:bodyPr/>
+                    <a:lstStyle/>
+                    <a:p>
+                      <a:endParaRPr lang="en-US" sz="600" dirty="0" smtClean="0">
+                        <a:solidFill>
+                          <a:schemeClr val="tx1"/>
+                        </a:solidFill>
+                      </a:endParaRPr>
+                    </a:p>
+                  </a:txBody>
+                  <a:tcPr>
+                    <a:lnL w="28575" cap="flat" cmpd="sng" algn="ctr">
+                      <a:solidFill>
+                        <a:schemeClr val="tx1"/>
+                      </a:solidFill>
+                      <a:prstDash val="solid"/>
+                      <a:round/>
+                      <a:headEnd type="none" w="med" len="med"/>
+                      <a:tailEnd type="none" w="med" len="med"/>
+                    </a:lnL>
+                    <a:lnR w="28575" cap="flat" cmpd="sng" algn="ctr">
+                      <a:solidFill>
+                        <a:schemeClr val="tx1"/>
+                      </a:solidFill>
+                      <a:prstDash val="solid"/>
+                      <a:round/>
+                      <a:headEnd type="none" w="med" len="med"/>
+                      <a:tailEnd type="none" w="med" len="med"/>
+                    </a:lnR>
+                    <a:lnT w="28575" cap="flat" cmpd="sng" algn="ctr">
+                      <a:solidFill>
+                        <a:schemeClr val="tx1"/>
+                      </a:solidFill>
+                      <a:prstDash val="solid"/>
+                      <a:round/>
+                      <a:headEnd type="none" w="med" len="med"/>
+                      <a:tailEnd type="none" w="med" len="med"/>
+                    </a:lnT>
+                    <a:lnB w="28575" cap="flat" cmpd="sng" algn="ctr">
+                      <a:solidFill>
+                        <a:schemeClr val="tx1"/>
+                      </a:solidFill>
+                      <a:prstDash val="solid"/>
+                      <a:round/>
+                      <a:headEnd type="none" w="med" len="med"/>
+                      <a:tailEnd type="none" w="med" len="med"/>
+                    </a:lnB>
+                    <a:noFill/>
+                  </a:tcPr>
+                </a:tc>
+              </a:tr>
+              <a:tr h="335759">
+                <a:tc>
+                  <a:txBody>
+                    <a:bodyPr/>
+                    <a:lstStyle/>
+                    <a:p>
+                      <a:r>
+                        <a:rPr lang="en-US" sz="1400" dirty="0" smtClean="0">
+                          <a:solidFill>
+                            <a:schemeClr val="tx1"/>
+                          </a:solidFill>
+                        </a:rPr>
+                        <a:t>save(</a:t>
+                      </a:r>
+                      <a:r>
+                        <a:rPr lang="en-US" sz="1400" dirty="0" err="1" smtClean="0">
+                          <a:solidFill>
+                            <a:schemeClr val="tx1"/>
+                          </a:solidFill>
+                        </a:rPr>
+                        <a:t>CargoVO</a:t>
+                      </a:r>
+                      <a:r>
+                        <a:rPr lang="en-US" sz="1400" dirty="0" smtClean="0">
+                          <a:solidFill>
+                            <a:schemeClr val="tx1"/>
+                          </a:solidFill>
+                        </a:rPr>
+                        <a:t>) : void</a:t>
+                      </a:r>
+                    </a:p>
+                    <a:p>
+                      <a:r>
+                        <a:rPr lang="en-US" sz="1400" dirty="0" err="1" smtClean="0">
+                          <a:solidFill>
+                            <a:schemeClr val="tx1"/>
+                          </a:solidFill>
+                        </a:rPr>
+                        <a:t>findByPk</a:t>
+                      </a:r>
+                      <a:r>
+                        <a:rPr lang="en-US" sz="1400" dirty="0" smtClean="0">
+                          <a:solidFill>
+                            <a:schemeClr val="tx1"/>
+                          </a:solidFill>
+                        </a:rPr>
+                        <a:t>(</a:t>
+                      </a:r>
+                      <a:r>
+                        <a:rPr lang="en-US" sz="1400" dirty="0" err="1" smtClean="0">
+                          <a:solidFill>
+                            <a:schemeClr val="tx1"/>
+                          </a:solidFill>
+                        </a:rPr>
+                        <a:t>int</a:t>
+                      </a:r>
+                      <a:r>
+                        <a:rPr lang="en-US" sz="1400" dirty="0" smtClean="0">
+                          <a:solidFill>
+                            <a:schemeClr val="tx1"/>
+                          </a:solidFill>
+                        </a:rPr>
+                        <a:t>) : </a:t>
+                      </a:r>
+                      <a:r>
+                        <a:rPr lang="en-US" sz="1400" dirty="0" err="1" smtClean="0">
+                          <a:solidFill>
+                            <a:schemeClr val="tx1"/>
+                          </a:solidFill>
+                        </a:rPr>
+                        <a:t>CargoVO</a:t>
+                      </a:r>
+                      <a:endParaRPr lang="en-US" sz="1400" dirty="0" smtClean="0">
+                        <a:solidFill>
+                          <a:schemeClr val="tx1"/>
+                        </a:solidFill>
+                      </a:endParaRPr>
+                    </a:p>
+                    <a:p>
+                      <a:r>
+                        <a:rPr lang="en-US" sz="1400" dirty="0" err="1" smtClean="0">
+                          <a:solidFill>
+                            <a:schemeClr val="tx1"/>
+                          </a:solidFill>
+                        </a:rPr>
+                        <a:t>findByName</a:t>
+                      </a:r>
+                      <a:r>
+                        <a:rPr lang="en-US" sz="1400" dirty="0" smtClean="0">
+                          <a:solidFill>
+                            <a:schemeClr val="tx1"/>
+                          </a:solidFill>
+                        </a:rPr>
+                        <a:t>(String) : List&lt;</a:t>
+                      </a:r>
+                      <a:r>
+                        <a:rPr lang="en-US" sz="1400" dirty="0" err="1" smtClean="0">
+                          <a:solidFill>
+                            <a:schemeClr val="tx1"/>
+                          </a:solidFill>
+                        </a:rPr>
+                        <a:t>CargoVO</a:t>
+                      </a:r>
+                      <a:r>
+                        <a:rPr lang="en-US" sz="1400" dirty="0" smtClean="0">
+                          <a:solidFill>
+                            <a:schemeClr val="tx1"/>
+                          </a:solidFill>
+                        </a:rPr>
+                        <a:t>&gt;</a:t>
+                      </a:r>
+                    </a:p>
+                    <a:p>
+                      <a:r>
+                        <a:rPr lang="en-US" sz="1400" dirty="0" err="1" smtClean="0">
+                          <a:solidFill>
+                            <a:schemeClr val="tx1"/>
+                          </a:solidFill>
+                        </a:rPr>
+                        <a:t>findAll</a:t>
+                      </a:r>
+                      <a:r>
+                        <a:rPr lang="en-US" sz="1400" dirty="0" smtClean="0">
+                          <a:solidFill>
+                            <a:schemeClr val="tx1"/>
+                          </a:solidFill>
+                        </a:rPr>
+                        <a:t>() : List&lt;</a:t>
+                      </a:r>
+                      <a:r>
+                        <a:rPr lang="en-US" sz="1400" dirty="0" err="1" smtClean="0">
+                          <a:solidFill>
+                            <a:schemeClr val="tx1"/>
+                          </a:solidFill>
+                        </a:rPr>
+                        <a:t>CargoVO</a:t>
+                      </a:r>
+                      <a:r>
+                        <a:rPr lang="en-US" sz="1400" dirty="0" smtClean="0">
+                          <a:solidFill>
+                            <a:schemeClr val="tx1"/>
+                          </a:solidFill>
+                        </a:rPr>
+                        <a:t>&gt;</a:t>
+                      </a:r>
+                    </a:p>
+                  </a:txBody>
+                  <a:tcPr>
+                    <a:lnL w="28575" cap="flat" cmpd="sng" algn="ctr">
+                      <a:solidFill>
+                        <a:schemeClr val="tx1"/>
+                      </a:solidFill>
+                      <a:prstDash val="solid"/>
+                      <a:round/>
+                      <a:headEnd type="none" w="med" len="med"/>
+                      <a:tailEnd type="none" w="med" len="med"/>
+                    </a:lnL>
+                    <a:lnR w="28575" cap="flat" cmpd="sng" algn="ctr">
+                      <a:solidFill>
+                        <a:schemeClr val="tx1"/>
+                      </a:solidFill>
+                      <a:prstDash val="solid"/>
+                      <a:round/>
+                      <a:headEnd type="none" w="med" len="med"/>
+                      <a:tailEnd type="none" w="med" len="med"/>
+                    </a:lnR>
+                    <a:lnT w="28575" cap="flat" cmpd="sng" algn="ctr">
+                      <a:solidFill>
+                        <a:schemeClr val="tx1"/>
+                      </a:solidFill>
+                      <a:prstDash val="solid"/>
+                      <a:round/>
+                      <a:headEnd type="none" w="med" len="med"/>
+                      <a:tailEnd type="none" w="med" len="med"/>
+                    </a:lnT>
+                    <a:lnB w="28575" cap="flat" cmpd="sng" algn="ctr">
+                      <a:solidFill>
+                        <a:schemeClr val="tx1"/>
+                      </a:solidFill>
+                      <a:prstDash val="solid"/>
+                      <a:round/>
+                      <a:headEnd type="none" w="med" len="med"/>
+                      <a:tailEnd type="none" w="med" len="med"/>
+                    </a:lnB>
+                    <a:noFill/>
+                  </a:tcPr>
+                </a:tc>
+              </a:tr>
+            </a:tbl>
+          </a:graphicData>
+        </a:graphic>
+      </p:graphicFrame>
+      <p:graphicFrame>
+        <p:nvGraphicFramePr>
+          <p:cNvPr id="7" name="Espaço Reservado para Conteúdo 4"/>
+          <p:cNvGraphicFramePr>
+            <a:graphicFrameLocks/>
+          </p:cNvGraphicFramePr>
+          <p:nvPr/>
+        </p:nvGraphicFramePr>
+        <p:xfrm>
+          <a:off x="6588224" y="3356992"/>
+          <a:ext cx="2088232" cy="1767840"/>
+        </p:xfrm>
+        <a:graphic>
+          <a:graphicData uri="http://schemas.openxmlformats.org/drawingml/2006/table">
+            <a:tbl>
+              <a:tblPr firstRow="1" bandRow="1">
+                <a:tableStyleId>{5C22544A-7EE6-4342-B048-85BDC9FD1C3A}</a:tableStyleId>
+              </a:tblPr>
+              <a:tblGrid>
+                <a:gridCol w="2088232"/>
+              </a:tblGrid>
+              <a:tr h="263027">
+                <a:tc>
+                  <a:txBody>
+                    <a:bodyPr/>
+                    <a:lstStyle/>
+                    <a:p>
+                      <a:pPr marL="0" algn="ctr" rtl="0" eaLnBrk="1" latinLnBrk="0" hangingPunct="1"/>
+                      <a:r>
+                        <a:rPr kumimoji="0" lang="pt-BR" sz="1400" b="1" i="0" kern="1200" dirty="0" err="1" smtClean="0">
+                          <a:solidFill>
+                            <a:schemeClr val="tx1"/>
+                          </a:solidFill>
+                          <a:latin typeface="+mn-lt"/>
+                          <a:ea typeface="+mn-ea"/>
+                          <a:cs typeface="+mn-cs"/>
+                        </a:rPr>
+                        <a:t>CargoVO</a:t>
+                      </a:r>
+                      <a:endParaRPr kumimoji="0" lang="pt-BR" sz="1400" b="1" i="0" kern="1200" dirty="0">
+                        <a:solidFill>
+                          <a:schemeClr val="tx1"/>
+                        </a:solidFill>
+                        <a:latin typeface="+mn-lt"/>
+                        <a:ea typeface="+mn-ea"/>
+                        <a:cs typeface="+mn-cs"/>
+                      </a:endParaRPr>
+                    </a:p>
+                  </a:txBody>
+                  <a:tcPr>
+                    <a:lnL w="28575" cap="flat" cmpd="sng" algn="ctr">
+                      <a:solidFill>
+                        <a:schemeClr val="tx1"/>
+                      </a:solidFill>
+                      <a:prstDash val="solid"/>
+                      <a:round/>
+                      <a:headEnd type="none" w="med" len="med"/>
+                      <a:tailEnd type="none" w="med" len="med"/>
+                    </a:lnL>
+                    <a:lnR w="28575" cap="flat" cmpd="sng" algn="ctr">
+                      <a:solidFill>
+                        <a:schemeClr val="tx1"/>
+                      </a:solidFill>
+                      <a:prstDash val="solid"/>
+                      <a:round/>
+                      <a:headEnd type="none" w="med" len="med"/>
+                      <a:tailEnd type="none" w="med" len="med"/>
+                    </a:lnR>
+                    <a:lnT w="28575" cap="flat" cmpd="sng" algn="ctr">
+                      <a:solidFill>
+                        <a:schemeClr val="tx1"/>
+                      </a:solidFill>
+                      <a:prstDash val="solid"/>
+                      <a:round/>
+                      <a:headEnd type="none" w="med" len="med"/>
+                      <a:tailEnd type="none" w="med" len="med"/>
+                    </a:lnT>
+                    <a:lnB w="28575" cap="flat" cmpd="sng" algn="ctr">
+                      <a:solidFill>
+                        <a:schemeClr val="tx1"/>
+                      </a:solidFill>
+                      <a:prstDash val="solid"/>
+                      <a:round/>
+                      <a:headEnd type="none" w="med" len="med"/>
+                      <a:tailEnd type="none" w="med" len="med"/>
+                    </a:lnB>
+                    <a:noFill/>
+                  </a:tcPr>
+                </a:tc>
+              </a:tr>
+              <a:tr h="415280">
+                <a:tc>
+                  <a:txBody>
+                    <a:bodyPr/>
+                    <a:lstStyle/>
+                    <a:p>
+                      <a:r>
+                        <a:rPr lang="en-US" sz="1400" dirty="0" smtClean="0">
+                          <a:solidFill>
+                            <a:schemeClr val="tx1"/>
+                          </a:solidFill>
+                        </a:rPr>
+                        <a:t>id : </a:t>
+                      </a:r>
+                      <a:r>
+                        <a:rPr lang="en-US" sz="1400" dirty="0" err="1" smtClean="0">
+                          <a:solidFill>
+                            <a:schemeClr val="tx1"/>
+                          </a:solidFill>
+                        </a:rPr>
+                        <a:t>int</a:t>
+                      </a:r>
+                      <a:endParaRPr lang="en-US" sz="1400" dirty="0" smtClean="0">
+                        <a:solidFill>
+                          <a:schemeClr val="tx1"/>
+                        </a:solidFill>
+                      </a:endParaRPr>
+                    </a:p>
+                    <a:p>
+                      <a:r>
+                        <a:rPr lang="en-US" sz="1400" dirty="0" err="1" smtClean="0">
+                          <a:solidFill>
+                            <a:schemeClr val="tx1"/>
+                          </a:solidFill>
+                        </a:rPr>
+                        <a:t>nome</a:t>
+                      </a:r>
+                      <a:r>
+                        <a:rPr lang="en-US" sz="1400" dirty="0" smtClean="0">
+                          <a:solidFill>
+                            <a:schemeClr val="tx1"/>
+                          </a:solidFill>
+                        </a:rPr>
+                        <a:t> : String</a:t>
+                      </a:r>
+                    </a:p>
+                  </a:txBody>
+                  <a:tcPr>
+                    <a:lnL w="28575" cap="flat" cmpd="sng" algn="ctr">
+                      <a:solidFill>
+                        <a:schemeClr val="tx1"/>
+                      </a:solidFill>
+                      <a:prstDash val="solid"/>
+                      <a:round/>
+                      <a:headEnd type="none" w="med" len="med"/>
+                      <a:tailEnd type="none" w="med" len="med"/>
+                    </a:lnL>
+                    <a:lnR w="28575" cap="flat" cmpd="sng" algn="ctr">
+                      <a:solidFill>
+                        <a:schemeClr val="tx1"/>
+                      </a:solidFill>
+                      <a:prstDash val="solid"/>
+                      <a:round/>
+                      <a:headEnd type="none" w="med" len="med"/>
+                      <a:tailEnd type="none" w="med" len="med"/>
+                    </a:lnR>
+                    <a:lnT w="28575" cap="flat" cmpd="sng" algn="ctr">
+                      <a:solidFill>
+                        <a:schemeClr val="tx1"/>
+                      </a:solidFill>
+                      <a:prstDash val="solid"/>
+                      <a:round/>
+                      <a:headEnd type="none" w="med" len="med"/>
+                      <a:tailEnd type="none" w="med" len="med"/>
+                    </a:lnT>
+                    <a:lnB w="28575" cap="flat" cmpd="sng" algn="ctr">
+                      <a:solidFill>
+                        <a:schemeClr val="tx1"/>
+                      </a:solidFill>
+                      <a:prstDash val="solid"/>
+                      <a:round/>
+                      <a:headEnd type="none" w="med" len="med"/>
+                      <a:tailEnd type="none" w="med" len="med"/>
+                    </a:lnB>
+                    <a:noFill/>
+                  </a:tcPr>
+                </a:tc>
+              </a:tr>
+              <a:tr h="289743">
+                <a:tc>
+                  <a:txBody>
+                    <a:bodyPr/>
+                    <a:lstStyle/>
+                    <a:p>
+                      <a:r>
+                        <a:rPr lang="en-US" sz="1400" dirty="0" err="1" smtClean="0">
+                          <a:solidFill>
+                            <a:schemeClr val="tx1"/>
+                          </a:solidFill>
+                        </a:rPr>
+                        <a:t>getId</a:t>
+                      </a:r>
+                      <a:r>
+                        <a:rPr lang="en-US" sz="1400" dirty="0" smtClean="0">
+                          <a:solidFill>
+                            <a:schemeClr val="tx1"/>
+                          </a:solidFill>
+                        </a:rPr>
+                        <a:t>()</a:t>
+                      </a:r>
+                      <a:r>
+                        <a:rPr lang="en-US" sz="1400" baseline="0" dirty="0" smtClean="0">
+                          <a:solidFill>
+                            <a:schemeClr val="tx1"/>
+                          </a:solidFill>
+                        </a:rPr>
+                        <a:t> : </a:t>
+                      </a:r>
+                      <a:r>
+                        <a:rPr lang="en-US" sz="1400" baseline="0" dirty="0" err="1" smtClean="0">
+                          <a:solidFill>
+                            <a:schemeClr val="tx1"/>
+                          </a:solidFill>
+                        </a:rPr>
+                        <a:t>int</a:t>
+                      </a:r>
+                      <a:endParaRPr lang="en-US" sz="1400" baseline="0" dirty="0" smtClean="0">
+                        <a:solidFill>
+                          <a:schemeClr val="tx1"/>
+                        </a:solidFill>
+                      </a:endParaRPr>
+                    </a:p>
+                    <a:p>
+                      <a:r>
+                        <a:rPr lang="en-US" sz="1400" baseline="0" dirty="0" err="1" smtClean="0">
+                          <a:solidFill>
+                            <a:schemeClr val="tx1"/>
+                          </a:solidFill>
+                        </a:rPr>
+                        <a:t>setId</a:t>
+                      </a:r>
+                      <a:r>
+                        <a:rPr lang="en-US" sz="1400" baseline="0" dirty="0" smtClean="0">
+                          <a:solidFill>
+                            <a:schemeClr val="tx1"/>
+                          </a:solidFill>
+                        </a:rPr>
+                        <a:t>(</a:t>
+                      </a:r>
+                      <a:r>
+                        <a:rPr lang="en-US" sz="1400" baseline="0" dirty="0" err="1" smtClean="0">
+                          <a:solidFill>
+                            <a:schemeClr val="tx1"/>
+                          </a:solidFill>
+                        </a:rPr>
+                        <a:t>int</a:t>
+                      </a:r>
+                      <a:r>
+                        <a:rPr lang="en-US" sz="1400" baseline="0" dirty="0" smtClean="0">
+                          <a:solidFill>
+                            <a:schemeClr val="tx1"/>
+                          </a:solidFill>
+                        </a:rPr>
+                        <a:t>) : void</a:t>
+                      </a:r>
+                    </a:p>
+                    <a:p>
+                      <a:r>
+                        <a:rPr lang="en-US" sz="1400" baseline="0" dirty="0" err="1" smtClean="0">
+                          <a:solidFill>
+                            <a:schemeClr val="tx1"/>
+                          </a:solidFill>
+                        </a:rPr>
+                        <a:t>getNome</a:t>
+                      </a:r>
+                      <a:r>
+                        <a:rPr lang="en-US" sz="1400" baseline="0" dirty="0" smtClean="0">
+                          <a:solidFill>
+                            <a:schemeClr val="tx1"/>
+                          </a:solidFill>
+                        </a:rPr>
+                        <a:t>() : String</a:t>
+                      </a:r>
+                    </a:p>
+                    <a:p>
+                      <a:r>
+                        <a:rPr lang="en-US" sz="1400" baseline="0" dirty="0" err="1" smtClean="0">
+                          <a:solidFill>
+                            <a:schemeClr val="tx1"/>
+                          </a:solidFill>
+                        </a:rPr>
+                        <a:t>setNome</a:t>
+                      </a:r>
+                      <a:r>
+                        <a:rPr lang="en-US" sz="1400" baseline="0" dirty="0" smtClean="0">
+                          <a:solidFill>
+                            <a:schemeClr val="tx1"/>
+                          </a:solidFill>
+                        </a:rPr>
+                        <a:t>(String) : void</a:t>
+                      </a:r>
+                      <a:endParaRPr lang="en-US" sz="1400" dirty="0" smtClean="0">
+                        <a:solidFill>
+                          <a:schemeClr val="tx1"/>
+                        </a:solidFill>
+                      </a:endParaRPr>
+                    </a:p>
+                  </a:txBody>
+                  <a:tcPr>
+                    <a:lnL w="28575" cap="flat" cmpd="sng" algn="ctr">
+                      <a:solidFill>
+                        <a:schemeClr val="tx1"/>
+                      </a:solidFill>
+                      <a:prstDash val="solid"/>
+                      <a:round/>
+                      <a:headEnd type="none" w="med" len="med"/>
+                      <a:tailEnd type="none" w="med" len="med"/>
+                    </a:lnL>
+                    <a:lnR w="28575" cap="flat" cmpd="sng" algn="ctr">
+                      <a:solidFill>
+                        <a:schemeClr val="tx1"/>
+                      </a:solidFill>
+                      <a:prstDash val="solid"/>
+                      <a:round/>
+                      <a:headEnd type="none" w="med" len="med"/>
+                      <a:tailEnd type="none" w="med" len="med"/>
+                    </a:lnR>
+                    <a:lnT w="28575" cap="flat" cmpd="sng" algn="ctr">
+                      <a:solidFill>
+                        <a:schemeClr val="tx1"/>
+                      </a:solidFill>
+                      <a:prstDash val="solid"/>
+                      <a:round/>
+                      <a:headEnd type="none" w="med" len="med"/>
+                      <a:tailEnd type="none" w="med" len="med"/>
+                    </a:lnT>
+                    <a:lnB w="28575" cap="flat" cmpd="sng" algn="ctr">
+                      <a:solidFill>
+                        <a:schemeClr val="tx1"/>
+                      </a:solidFill>
+                      <a:prstDash val="solid"/>
+                      <a:round/>
+                      <a:headEnd type="none" w="med" len="med"/>
+                      <a:tailEnd type="none" w="med" len="med"/>
+                    </a:lnB>
+                    <a:noFill/>
+                  </a:tcPr>
+                </a:tc>
+              </a:tr>
+            </a:tbl>
+          </a:graphicData>
+        </a:graphic>
+      </p:graphicFrame>
     </p:spTree>
   </p:cSld>
   <p:clrMapOvr>
     <a:masterClrMapping/>
   </p:clrMapOvr>
+  <p:timing>
+    <p:tnLst>
+      <p:par>
+        <p:cTn id="1" dur="indefinite" restart="never" nodeType="tmRoot"/>
+      </p:par>
+    </p:tnLst>
+  </p:timing>
 </p:sld>
 </file>
 
@@ -6781,17 +13224,9 @@
           <a:bodyPr/>
           <a:lstStyle/>
           <a:p>
-            <a:pPr rtl="0" eaLnBrk="0" fontAlgn="base" hangingPunct="0"/>
-            <a:r>
-              <a:rPr lang="pt-BR" sz="4600" kern="1200" dirty="0" smtClean="0">
-                <a:solidFill>
-                  <a:schemeClr val="tx1"/>
-                </a:solidFill>
-                <a:latin typeface="+mj-lt"/>
-                <a:ea typeface="+mj-ea"/>
-                <a:cs typeface="+mj-cs"/>
-              </a:rPr>
-              <a:t>Tela de descrição numérica</a:t>
+            <a:r>
+              <a:rPr lang="pt-BR" dirty="0" smtClean="0"/>
+              <a:t>Padrão de Desenvolvimento</a:t>
             </a:r>
             <a:endParaRPr lang="pt-BR" dirty="0"/>
           </a:p>
@@ -6804,15 +13239,78 @@
             <a:spLocks noGrp="1"/>
           </p:cNvSpPr>
           <p:nvPr>
-            <p:ph idx="1"/>
-          </p:nvPr>
-        </p:nvSpPr>
-        <p:spPr/>
+            <p:ph sz="half" idx="1"/>
+          </p:nvPr>
+        </p:nvSpPr>
+        <p:spPr>
+          <a:xfrm>
+            <a:off x="457200" y="1600201"/>
+            <a:ext cx="8003232" cy="604663"/>
+          </a:xfrm>
+        </p:spPr>
         <p:txBody>
           <a:bodyPr/>
           <a:lstStyle/>
           <a:p>
-            <a:endParaRPr lang="pt-BR"/>
+            <a:r>
+              <a:rPr lang="pt-BR" sz="3000" dirty="0" smtClean="0"/>
+              <a:t>Diagrama de sequência</a:t>
+            </a:r>
+            <a:endParaRPr lang="pt-BR" sz="3000" dirty="0"/>
+          </a:p>
+        </p:txBody>
+      </p:sp>
+      <p:sp>
+        <p:nvSpPr>
+          <p:cNvPr id="16" name="Espaço Reservado para Conteúdo 15"/>
+          <p:cNvSpPr>
+            <a:spLocks noGrp="1"/>
+          </p:cNvSpPr>
+          <p:nvPr>
+            <p:ph sz="half" idx="2"/>
+          </p:nvPr>
+        </p:nvSpPr>
+        <p:spPr>
+          <a:xfrm>
+            <a:off x="539552" y="4509120"/>
+            <a:ext cx="7992888" cy="1401019"/>
+          </a:xfrm>
+        </p:spPr>
+        <p:txBody>
+          <a:bodyPr/>
+          <a:lstStyle/>
+          <a:p>
+            <a:pPr marL="0" indent="0">
+              <a:buNone/>
+            </a:pPr>
+            <a:r>
+              <a:rPr lang="pt-BR" sz="2000" dirty="0" smtClean="0"/>
+              <a:t>Ao clicar no botão salvar, a janela deverá preencher um VO com os dados digitados pelo usuário.</a:t>
+            </a:r>
+          </a:p>
+          <a:p>
+            <a:pPr marL="0" indent="0">
+              <a:buNone/>
+            </a:pPr>
+            <a:endParaRPr lang="pt-BR" sz="2000" dirty="0" smtClean="0"/>
+          </a:p>
+          <a:p>
+            <a:pPr marL="0" indent="0">
+              <a:buNone/>
+            </a:pPr>
+            <a:r>
+              <a:rPr lang="pt-BR" sz="2000" dirty="0" smtClean="0"/>
+              <a:t>Em seguida deverá chamar o método </a:t>
+            </a:r>
+            <a:r>
+              <a:rPr lang="pt-BR" sz="2000" dirty="0" err="1" smtClean="0"/>
+              <a:t>save</a:t>
+            </a:r>
+            <a:r>
+              <a:rPr lang="pt-BR" sz="2000" dirty="0" smtClean="0"/>
+              <a:t>() do DAO passando este VO para que seja cadastrado na base de dados.</a:t>
+            </a:r>
+            <a:endParaRPr lang="pt-BR" sz="2000" dirty="0"/>
           </a:p>
         </p:txBody>
       </p:sp>
@@ -6826,7 +13324,12 @@
             <p:ph type="sldNum" sz="quarter" idx="12"/>
           </p:nvPr>
         </p:nvSpPr>
-        <p:spPr/>
+        <p:spPr>
+          <a:xfrm>
+            <a:off x="8153400" y="6205414"/>
+            <a:ext cx="762000" cy="365125"/>
+          </a:xfrm>
+        </p:spPr>
         <p:txBody>
           <a:bodyPr/>
           <a:lstStyle/>
@@ -6845,11 +13348,813 @@
           </a:p>
         </p:txBody>
       </p:sp>
+      <p:sp>
+        <p:nvSpPr>
+          <p:cNvPr id="5" name="Retângulo 4"/>
+          <p:cNvSpPr/>
+          <p:nvPr/>
+        </p:nvSpPr>
+        <p:spPr>
+          <a:xfrm>
+            <a:off x="1403648" y="2420888"/>
+            <a:ext cx="1872208" cy="432048"/>
+          </a:xfrm>
+          <a:prstGeom prst="rect">
+            <a:avLst/>
+          </a:prstGeom>
+          <a:noFill/>
+          <a:ln w="28575">
+            <a:solidFill>
+              <a:schemeClr val="tx1"/>
+            </a:solidFill>
+          </a:ln>
+        </p:spPr>
+        <p:style>
+          <a:lnRef idx="2">
+            <a:schemeClr val="accent1">
+              <a:shade val="50000"/>
+            </a:schemeClr>
+          </a:lnRef>
+          <a:fillRef idx="1">
+            <a:schemeClr val="accent1"/>
+          </a:fillRef>
+          <a:effectRef idx="0">
+            <a:schemeClr val="accent1"/>
+          </a:effectRef>
+          <a:fontRef idx="minor">
+            <a:schemeClr val="lt1"/>
+          </a:fontRef>
+        </p:style>
+        <p:txBody>
+          <a:bodyPr rtlCol="0" anchor="ctr"/>
+          <a:lstStyle/>
+          <a:p>
+            <a:pPr algn="ctr"/>
+            <a:r>
+              <a:rPr lang="pt-BR" dirty="0" err="1" smtClean="0"/>
+              <a:t>CargoFrame</a:t>
+            </a:r>
+            <a:endParaRPr lang="pt-BR" dirty="0"/>
+          </a:p>
+        </p:txBody>
+      </p:sp>
+      <p:sp>
+        <p:nvSpPr>
+          <p:cNvPr id="6" name="Retângulo 5"/>
+          <p:cNvSpPr/>
+          <p:nvPr/>
+        </p:nvSpPr>
+        <p:spPr>
+          <a:xfrm>
+            <a:off x="6084168" y="2420888"/>
+            <a:ext cx="1872208" cy="432048"/>
+          </a:xfrm>
+          <a:prstGeom prst="rect">
+            <a:avLst/>
+          </a:prstGeom>
+          <a:noFill/>
+          <a:ln w="28575">
+            <a:solidFill>
+              <a:schemeClr val="tx1"/>
+            </a:solidFill>
+          </a:ln>
+        </p:spPr>
+        <p:style>
+          <a:lnRef idx="2">
+            <a:schemeClr val="accent1">
+              <a:shade val="50000"/>
+            </a:schemeClr>
+          </a:lnRef>
+          <a:fillRef idx="1">
+            <a:schemeClr val="accent1"/>
+          </a:fillRef>
+          <a:effectRef idx="0">
+            <a:schemeClr val="accent1"/>
+          </a:effectRef>
+          <a:fontRef idx="minor">
+            <a:schemeClr val="lt1"/>
+          </a:fontRef>
+        </p:style>
+        <p:txBody>
+          <a:bodyPr rtlCol="0" anchor="ctr"/>
+          <a:lstStyle/>
+          <a:p>
+            <a:pPr algn="ctr"/>
+            <a:r>
+              <a:rPr lang="pt-BR" dirty="0" err="1" smtClean="0"/>
+              <a:t>CargoDAO</a:t>
+            </a:r>
+            <a:endParaRPr lang="pt-BR" dirty="0"/>
+          </a:p>
+        </p:txBody>
+      </p:sp>
+      <p:cxnSp>
+        <p:nvCxnSpPr>
+          <p:cNvPr id="8" name="Conector reto 7"/>
+          <p:cNvCxnSpPr/>
+          <p:nvPr/>
+        </p:nvCxnSpPr>
+        <p:spPr>
+          <a:xfrm>
+            <a:off x="2339752" y="2852936"/>
+            <a:ext cx="0" cy="1440160"/>
+          </a:xfrm>
+          <a:prstGeom prst="line">
+            <a:avLst/>
+          </a:prstGeom>
+          <a:ln w="28575">
+            <a:solidFill>
+              <a:schemeClr val="tx1"/>
+            </a:solidFill>
+          </a:ln>
+        </p:spPr>
+        <p:style>
+          <a:lnRef idx="1">
+            <a:schemeClr val="accent1"/>
+          </a:lnRef>
+          <a:fillRef idx="0">
+            <a:schemeClr val="accent1"/>
+          </a:fillRef>
+          <a:effectRef idx="0">
+            <a:schemeClr val="accent1"/>
+          </a:effectRef>
+          <a:fontRef idx="minor">
+            <a:schemeClr val="tx1"/>
+          </a:fontRef>
+        </p:style>
+      </p:cxnSp>
+      <p:cxnSp>
+        <p:nvCxnSpPr>
+          <p:cNvPr id="9" name="Conector reto 8"/>
+          <p:cNvCxnSpPr/>
+          <p:nvPr/>
+        </p:nvCxnSpPr>
+        <p:spPr>
+          <a:xfrm>
+            <a:off x="7020272" y="2852936"/>
+            <a:ext cx="0" cy="1440160"/>
+          </a:xfrm>
+          <a:prstGeom prst="line">
+            <a:avLst/>
+          </a:prstGeom>
+          <a:ln w="28575">
+            <a:solidFill>
+              <a:schemeClr val="tx1"/>
+            </a:solidFill>
+          </a:ln>
+        </p:spPr>
+        <p:style>
+          <a:lnRef idx="1">
+            <a:schemeClr val="accent1"/>
+          </a:lnRef>
+          <a:fillRef idx="0">
+            <a:schemeClr val="accent1"/>
+          </a:fillRef>
+          <a:effectRef idx="0">
+            <a:schemeClr val="accent1"/>
+          </a:effectRef>
+          <a:fontRef idx="minor">
+            <a:schemeClr val="tx1"/>
+          </a:fontRef>
+        </p:style>
+      </p:cxnSp>
+      <p:cxnSp>
+        <p:nvCxnSpPr>
+          <p:cNvPr id="11" name="Conector reto 10"/>
+          <p:cNvCxnSpPr/>
+          <p:nvPr/>
+        </p:nvCxnSpPr>
+        <p:spPr>
+          <a:xfrm>
+            <a:off x="2339752" y="3573016"/>
+            <a:ext cx="4680520" cy="0"/>
+          </a:xfrm>
+          <a:prstGeom prst="line">
+            <a:avLst/>
+          </a:prstGeom>
+          <a:ln>
+            <a:solidFill>
+              <a:srgbClr val="FFC000"/>
+            </a:solidFill>
+            <a:tailEnd type="triangle" w="lg" len="lg"/>
+          </a:ln>
+        </p:spPr>
+        <p:style>
+          <a:lnRef idx="1">
+            <a:schemeClr val="accent1"/>
+          </a:lnRef>
+          <a:fillRef idx="0">
+            <a:schemeClr val="accent1"/>
+          </a:fillRef>
+          <a:effectRef idx="0">
+            <a:schemeClr val="accent1"/>
+          </a:effectRef>
+          <a:fontRef idx="minor">
+            <a:schemeClr val="tx1"/>
+          </a:fontRef>
+        </p:style>
+      </p:cxnSp>
+      <p:sp>
+        <p:nvSpPr>
+          <p:cNvPr id="13" name="Retângulo 12"/>
+          <p:cNvSpPr/>
+          <p:nvPr/>
+        </p:nvSpPr>
+        <p:spPr>
+          <a:xfrm>
+            <a:off x="3707904" y="3068960"/>
+            <a:ext cx="1872208" cy="432048"/>
+          </a:xfrm>
+          <a:prstGeom prst="rect">
+            <a:avLst/>
+          </a:prstGeom>
+          <a:noFill/>
+          <a:ln w="28575">
+            <a:noFill/>
+          </a:ln>
+        </p:spPr>
+        <p:style>
+          <a:lnRef idx="2">
+            <a:schemeClr val="accent1">
+              <a:shade val="50000"/>
+            </a:schemeClr>
+          </a:lnRef>
+          <a:fillRef idx="1">
+            <a:schemeClr val="accent1"/>
+          </a:fillRef>
+          <a:effectRef idx="0">
+            <a:schemeClr val="accent1"/>
+          </a:effectRef>
+          <a:fontRef idx="minor">
+            <a:schemeClr val="lt1"/>
+          </a:fontRef>
+        </p:style>
+        <p:txBody>
+          <a:bodyPr rtlCol="0" anchor="ctr"/>
+          <a:lstStyle/>
+          <a:p>
+            <a:pPr algn="ctr"/>
+            <a:r>
+              <a:rPr lang="pt-BR" dirty="0" err="1" smtClean="0">
+                <a:solidFill>
+                  <a:srgbClr val="FFC000"/>
+                </a:solidFill>
+              </a:rPr>
+              <a:t>save</a:t>
+            </a:r>
+            <a:r>
+              <a:rPr lang="pt-BR" dirty="0" smtClean="0">
+                <a:solidFill>
+                  <a:srgbClr val="FFC000"/>
+                </a:solidFill>
+              </a:rPr>
+              <a:t>(</a:t>
+            </a:r>
+            <a:r>
+              <a:rPr lang="pt-BR" dirty="0" err="1" smtClean="0">
+                <a:solidFill>
+                  <a:srgbClr val="FFC000"/>
+                </a:solidFill>
+              </a:rPr>
+              <a:t>CargoVO</a:t>
+            </a:r>
+            <a:r>
+              <a:rPr lang="pt-BR" dirty="0" smtClean="0">
+                <a:solidFill>
+                  <a:srgbClr val="FFC000"/>
+                </a:solidFill>
+              </a:rPr>
+              <a:t>)</a:t>
+            </a:r>
+            <a:endParaRPr lang="pt-BR" dirty="0">
+              <a:solidFill>
+                <a:srgbClr val="FFC000"/>
+              </a:solidFill>
+            </a:endParaRPr>
+          </a:p>
+        </p:txBody>
+      </p:sp>
+      <p:sp>
+        <p:nvSpPr>
+          <p:cNvPr id="17" name="Retângulo de cantos arredondados 16"/>
+          <p:cNvSpPr/>
+          <p:nvPr/>
+        </p:nvSpPr>
+        <p:spPr>
+          <a:xfrm>
+            <a:off x="395536" y="3284984"/>
+            <a:ext cx="1728192" cy="648072"/>
+          </a:xfrm>
+          <a:prstGeom prst="roundRect">
+            <a:avLst/>
+          </a:prstGeom>
+          <a:noFill/>
+          <a:ln>
+            <a:solidFill>
+              <a:srgbClr val="FFC000"/>
+            </a:solidFill>
+            <a:prstDash val="dash"/>
+          </a:ln>
+        </p:spPr>
+        <p:style>
+          <a:lnRef idx="2">
+            <a:schemeClr val="accent1">
+              <a:shade val="50000"/>
+            </a:schemeClr>
+          </a:lnRef>
+          <a:fillRef idx="1">
+            <a:schemeClr val="accent1"/>
+          </a:fillRef>
+          <a:effectRef idx="0">
+            <a:schemeClr val="accent1"/>
+          </a:effectRef>
+          <a:fontRef idx="minor">
+            <a:schemeClr val="lt1"/>
+          </a:fontRef>
+        </p:style>
+        <p:txBody>
+          <a:bodyPr rtlCol="0" anchor="ctr"/>
+          <a:lstStyle/>
+          <a:p>
+            <a:pPr algn="ctr"/>
+            <a:r>
+              <a:rPr lang="pt-BR" sz="1600" dirty="0" smtClean="0">
+                <a:solidFill>
+                  <a:srgbClr val="FFC000"/>
+                </a:solidFill>
+              </a:rPr>
+              <a:t>Clique no botão</a:t>
+            </a:r>
+          </a:p>
+          <a:p>
+            <a:pPr algn="ctr"/>
+            <a:r>
+              <a:rPr lang="pt-BR" sz="1600" dirty="0" smtClean="0">
+                <a:solidFill>
+                  <a:srgbClr val="FFC000"/>
+                </a:solidFill>
+              </a:rPr>
+              <a:t>“Salvar”</a:t>
+            </a:r>
+            <a:endParaRPr lang="pt-BR" sz="1600" dirty="0">
+              <a:solidFill>
+                <a:srgbClr val="FFC000"/>
+              </a:solidFill>
+            </a:endParaRPr>
+          </a:p>
+        </p:txBody>
+      </p:sp>
+      <p:sp>
+        <p:nvSpPr>
+          <p:cNvPr id="18" name="Elipse 17"/>
+          <p:cNvSpPr/>
+          <p:nvPr/>
+        </p:nvSpPr>
+        <p:spPr>
+          <a:xfrm>
+            <a:off x="2231802" y="3463677"/>
+            <a:ext cx="216024" cy="216024"/>
+          </a:xfrm>
+          <a:prstGeom prst="ellipse">
+            <a:avLst/>
+          </a:prstGeom>
+          <a:solidFill>
+            <a:srgbClr val="FFC000"/>
+          </a:solidFill>
+          <a:ln>
+            <a:noFill/>
+          </a:ln>
+        </p:spPr>
+        <p:style>
+          <a:lnRef idx="2">
+            <a:schemeClr val="accent1">
+              <a:shade val="50000"/>
+            </a:schemeClr>
+          </a:lnRef>
+          <a:fillRef idx="1">
+            <a:schemeClr val="accent1"/>
+          </a:fillRef>
+          <a:effectRef idx="0">
+            <a:schemeClr val="accent1"/>
+          </a:effectRef>
+          <a:fontRef idx="minor">
+            <a:schemeClr val="lt1"/>
+          </a:fontRef>
+        </p:style>
+        <p:txBody>
+          <a:bodyPr rtlCol="0" anchor="ctr"/>
+          <a:lstStyle/>
+          <a:p>
+            <a:pPr algn="ctr"/>
+            <a:endParaRPr lang="pt-BR"/>
+          </a:p>
+        </p:txBody>
+      </p:sp>
     </p:spTree>
   </p:cSld>
   <p:clrMapOvr>
     <a:masterClrMapping/>
   </p:clrMapOvr>
+  <p:timing>
+    <p:tnLst>
+      <p:par>
+        <p:cTn id="1" dur="indefinite" restart="never" nodeType="tmRoot">
+          <p:childTnLst>
+            <p:seq concurrent="1" nextAc="seek">
+              <p:cTn id="2" dur="indefinite" nodeType="mainSeq">
+                <p:childTnLst>
+                  <p:par>
+                    <p:cTn id="3" fill="hold">
+                      <p:stCondLst>
+                        <p:cond delay="indefinite"/>
+                      </p:stCondLst>
+                      <p:childTnLst>
+                        <p:par>
+                          <p:cTn id="4" fill="hold">
+                            <p:stCondLst>
+                              <p:cond delay="0"/>
+                            </p:stCondLst>
+                            <p:childTnLst>
+                              <p:par>
+                                <p:cTn id="5" presetID="8" presetClass="entr" presetSubtype="16" fill="hold" grpId="0" nodeType="clickEffect">
+                                  <p:stCondLst>
+                                    <p:cond delay="0"/>
+                                  </p:stCondLst>
+                                  <p:childTnLst>
+                                    <p:set>
+                                      <p:cBhvr>
+                                        <p:cTn id="6" dur="1" fill="hold">
+                                          <p:stCondLst>
+                                            <p:cond delay="0"/>
+                                          </p:stCondLst>
+                                        </p:cTn>
+                                        <p:tgtEl>
+                                          <p:spTgt spid="17"/>
+                                        </p:tgtEl>
+                                        <p:attrNameLst>
+                                          <p:attrName>style.visibility</p:attrName>
+                                        </p:attrNameLst>
+                                      </p:cBhvr>
+                                      <p:to>
+                                        <p:strVal val="visible"/>
+                                      </p:to>
+                                    </p:set>
+                                    <p:animEffect transition="in" filter="diamond(in)">
+                                      <p:cBhvr>
+                                        <p:cTn id="7" dur="500"/>
+                                        <p:tgtEl>
+                                          <p:spTgt spid="17"/>
+                                        </p:tgtEl>
+                                      </p:cBhvr>
+                                    </p:animEffect>
+                                  </p:childTnLst>
+                                </p:cTn>
+                              </p:par>
+                              <p:par>
+                                <p:cTn id="8" presetID="8" presetClass="entr" presetSubtype="16" fill="hold" grpId="0" nodeType="withEffect">
+                                  <p:stCondLst>
+                                    <p:cond delay="0"/>
+                                  </p:stCondLst>
+                                  <p:childTnLst>
+                                    <p:set>
+                                      <p:cBhvr>
+                                        <p:cTn id="9" dur="1" fill="hold">
+                                          <p:stCondLst>
+                                            <p:cond delay="0"/>
+                                          </p:stCondLst>
+                                        </p:cTn>
+                                        <p:tgtEl>
+                                          <p:spTgt spid="18"/>
+                                        </p:tgtEl>
+                                        <p:attrNameLst>
+                                          <p:attrName>style.visibility</p:attrName>
+                                        </p:attrNameLst>
+                                      </p:cBhvr>
+                                      <p:to>
+                                        <p:strVal val="visible"/>
+                                      </p:to>
+                                    </p:set>
+                                    <p:animEffect transition="in" filter="diamond(in)">
+                                      <p:cBhvr>
+                                        <p:cTn id="10" dur="500"/>
+                                        <p:tgtEl>
+                                          <p:spTgt spid="18"/>
+                                        </p:tgtEl>
+                                      </p:cBhvr>
+                                    </p:animEffect>
+                                  </p:childTnLst>
+                                </p:cTn>
+                              </p:par>
+                            </p:childTnLst>
+                          </p:cTn>
+                        </p:par>
+                      </p:childTnLst>
+                    </p:cTn>
+                  </p:par>
+                  <p:par>
+                    <p:cTn id="11" fill="hold">
+                      <p:stCondLst>
+                        <p:cond delay="indefinite"/>
+                      </p:stCondLst>
+                      <p:childTnLst>
+                        <p:par>
+                          <p:cTn id="12" fill="hold">
+                            <p:stCondLst>
+                              <p:cond delay="0"/>
+                            </p:stCondLst>
+                            <p:childTnLst>
+                              <p:par>
+                                <p:cTn id="13" presetID="3" presetClass="entr" presetSubtype="5" fill="hold" grpId="0" nodeType="clickEffect">
+                                  <p:stCondLst>
+                                    <p:cond delay="0"/>
+                                  </p:stCondLst>
+                                  <p:childTnLst>
+                                    <p:set>
+                                      <p:cBhvr>
+                                        <p:cTn id="14" dur="1" fill="hold">
+                                          <p:stCondLst>
+                                            <p:cond delay="0"/>
+                                          </p:stCondLst>
+                                        </p:cTn>
+                                        <p:tgtEl>
+                                          <p:spTgt spid="13"/>
+                                        </p:tgtEl>
+                                        <p:attrNameLst>
+                                          <p:attrName>style.visibility</p:attrName>
+                                        </p:attrNameLst>
+                                      </p:cBhvr>
+                                      <p:to>
+                                        <p:strVal val="visible"/>
+                                      </p:to>
+                                    </p:set>
+                                    <p:animEffect transition="in" filter="blinds(vertical)">
+                                      <p:cBhvr>
+                                        <p:cTn id="15" dur="500"/>
+                                        <p:tgtEl>
+                                          <p:spTgt spid="13"/>
+                                        </p:tgtEl>
+                                      </p:cBhvr>
+                                    </p:animEffect>
+                                  </p:childTnLst>
+                                </p:cTn>
+                              </p:par>
+                              <p:par>
+                                <p:cTn id="16" presetID="3" presetClass="entr" presetSubtype="5" fill="hold" nodeType="withEffect">
+                                  <p:stCondLst>
+                                    <p:cond delay="0"/>
+                                  </p:stCondLst>
+                                  <p:childTnLst>
+                                    <p:set>
+                                      <p:cBhvr>
+                                        <p:cTn id="17" dur="1" fill="hold">
+                                          <p:stCondLst>
+                                            <p:cond delay="0"/>
+                                          </p:stCondLst>
+                                        </p:cTn>
+                                        <p:tgtEl>
+                                          <p:spTgt spid="11"/>
+                                        </p:tgtEl>
+                                        <p:attrNameLst>
+                                          <p:attrName>style.visibility</p:attrName>
+                                        </p:attrNameLst>
+                                      </p:cBhvr>
+                                      <p:to>
+                                        <p:strVal val="visible"/>
+                                      </p:to>
+                                    </p:set>
+                                    <p:animEffect transition="in" filter="blinds(vertical)">
+                                      <p:cBhvr>
+                                        <p:cTn id="18" dur="500"/>
+                                        <p:tgtEl>
+                                          <p:spTgt spid="11"/>
+                                        </p:tgtEl>
+                                      </p:cBhvr>
+                                    </p:animEffect>
+                                  </p:childTnLst>
+                                </p:cTn>
+                              </p:par>
+                            </p:childTnLst>
+                          </p:cTn>
+                        </p:par>
+                      </p:childTnLst>
+                    </p:cTn>
+                  </p:par>
+                  <p:par>
+                    <p:cTn id="19" fill="hold">
+                      <p:stCondLst>
+                        <p:cond delay="indefinite"/>
+                      </p:stCondLst>
+                      <p:childTnLst>
+                        <p:par>
+                          <p:cTn id="20" fill="hold">
+                            <p:stCondLst>
+                              <p:cond delay="0"/>
+                            </p:stCondLst>
+                            <p:childTnLst>
+                              <p:par>
+                                <p:cTn id="21" presetID="2" presetClass="entr" presetSubtype="4" fill="hold" grpId="0" nodeType="clickEffect">
+                                  <p:stCondLst>
+                                    <p:cond delay="0"/>
+                                  </p:stCondLst>
+                                  <p:childTnLst>
+                                    <p:set>
+                                      <p:cBhvr>
+                                        <p:cTn id="22" dur="1" fill="hold">
+                                          <p:stCondLst>
+                                            <p:cond delay="0"/>
+                                          </p:stCondLst>
+                                        </p:cTn>
+                                        <p:tgtEl>
+                                          <p:spTgt spid="16">
+                                            <p:txEl>
+                                              <p:pRg st="0" end="0"/>
+                                            </p:txEl>
+                                          </p:spTgt>
+                                        </p:tgtEl>
+                                        <p:attrNameLst>
+                                          <p:attrName>style.visibility</p:attrName>
+                                        </p:attrNameLst>
+                                      </p:cBhvr>
+                                      <p:to>
+                                        <p:strVal val="visible"/>
+                                      </p:to>
+                                    </p:set>
+                                    <p:anim calcmode="lin" valueType="num">
+                                      <p:cBhvr additive="base">
+                                        <p:cTn id="23" dur="500" fill="hold"/>
+                                        <p:tgtEl>
+                                          <p:spTgt spid="16">
+                                            <p:txEl>
+                                              <p:pRg st="0" end="0"/>
+                                            </p:txEl>
+                                          </p:spTgt>
+                                        </p:tgtEl>
+                                        <p:attrNameLst>
+                                          <p:attrName>ppt_x</p:attrName>
+                                        </p:attrNameLst>
+                                      </p:cBhvr>
+                                      <p:tavLst>
+                                        <p:tav tm="0">
+                                          <p:val>
+                                            <p:strVal val="#ppt_x"/>
+                                          </p:val>
+                                        </p:tav>
+                                        <p:tav tm="100000">
+                                          <p:val>
+                                            <p:strVal val="#ppt_x"/>
+                                          </p:val>
+                                        </p:tav>
+                                      </p:tavLst>
+                                    </p:anim>
+                                    <p:anim calcmode="lin" valueType="num">
+                                      <p:cBhvr additive="base">
+                                        <p:cTn id="24" dur="500" fill="hold"/>
+                                        <p:tgtEl>
+                                          <p:spTgt spid="16">
+                                            <p:txEl>
+                                              <p:pRg st="0" end="0"/>
+                                            </p:txEl>
+                                          </p:spTgt>
+                                        </p:tgtEl>
+                                        <p:attrNameLst>
+                                          <p:attrName>ppt_y</p:attrName>
+                                        </p:attrNameLst>
+                                      </p:cBhvr>
+                                      <p:tavLst>
+                                        <p:tav tm="0">
+                                          <p:val>
+                                            <p:strVal val="1+#ppt_h/2"/>
+                                          </p:val>
+                                        </p:tav>
+                                        <p:tav tm="100000">
+                                          <p:val>
+                                            <p:strVal val="#ppt_y"/>
+                                          </p:val>
+                                        </p:tav>
+                                      </p:tavLst>
+                                    </p:anim>
+                                  </p:childTnLst>
+                                </p:cTn>
+                              </p:par>
+                              <p:par>
+                                <p:cTn id="25" presetID="2" presetClass="entr" presetSubtype="4" fill="hold" nodeType="withEffect">
+                                  <p:stCondLst>
+                                    <p:cond delay="0"/>
+                                  </p:stCondLst>
+                                  <p:childTnLst>
+                                    <p:set>
+                                      <p:cBhvr>
+                                        <p:cTn id="26" dur="1" fill="hold">
+                                          <p:stCondLst>
+                                            <p:cond delay="0"/>
+                                          </p:stCondLst>
+                                        </p:cTn>
+                                        <p:tgtEl>
+                                          <p:spTgt spid="16">
+                                            <p:txEl>
+                                              <p:pRg st="2" end="2"/>
+                                            </p:txEl>
+                                          </p:spTgt>
+                                        </p:tgtEl>
+                                        <p:attrNameLst>
+                                          <p:attrName>style.visibility</p:attrName>
+                                        </p:attrNameLst>
+                                      </p:cBhvr>
+                                      <p:to>
+                                        <p:strVal val="visible"/>
+                                      </p:to>
+                                    </p:set>
+                                    <p:anim calcmode="lin" valueType="num">
+                                      <p:cBhvr additive="base">
+                                        <p:cTn id="27" dur="500" fill="hold"/>
+                                        <p:tgtEl>
+                                          <p:spTgt spid="16">
+                                            <p:txEl>
+                                              <p:pRg st="2" end="2"/>
+                                            </p:txEl>
+                                          </p:spTgt>
+                                        </p:tgtEl>
+                                        <p:attrNameLst>
+                                          <p:attrName>ppt_x</p:attrName>
+                                        </p:attrNameLst>
+                                      </p:cBhvr>
+                                      <p:tavLst>
+                                        <p:tav tm="0">
+                                          <p:val>
+                                            <p:strVal val="#ppt_x"/>
+                                          </p:val>
+                                        </p:tav>
+                                        <p:tav tm="100000">
+                                          <p:val>
+                                            <p:strVal val="#ppt_x"/>
+                                          </p:val>
+                                        </p:tav>
+                                      </p:tavLst>
+                                    </p:anim>
+                                    <p:anim calcmode="lin" valueType="num">
+                                      <p:cBhvr additive="base">
+                                        <p:cTn id="28" dur="500" fill="hold"/>
+                                        <p:tgtEl>
+                                          <p:spTgt spid="16">
+                                            <p:txEl>
+                                              <p:pRg st="2" end="2"/>
+                                            </p:txEl>
+                                          </p:spTgt>
+                                        </p:tgtEl>
+                                        <p:attrNameLst>
+                                          <p:attrName>ppt_y</p:attrName>
+                                        </p:attrNameLst>
+                                      </p:cBhvr>
+                                      <p:tavLst>
+                                        <p:tav tm="0">
+                                          <p:val>
+                                            <p:strVal val="1+#ppt_h/2"/>
+                                          </p:val>
+                                        </p:tav>
+                                        <p:tav tm="100000">
+                                          <p:val>
+                                            <p:strVal val="#ppt_y"/>
+                                          </p:val>
+                                        </p:tav>
+                                      </p:tavLst>
+                                    </p:anim>
+                                  </p:childTnLst>
+                                </p:cTn>
+                              </p:par>
+                            </p:childTnLst>
+                          </p:cTn>
+                        </p:par>
+                      </p:childTnLst>
+                    </p:cTn>
+                  </p:par>
+                </p:childTnLst>
+              </p:cTn>
+              <p:prevCondLst>
+                <p:cond evt="onPrev" delay="0">
+                  <p:tgtEl>
+                    <p:sldTgt/>
+                  </p:tgtEl>
+                </p:cond>
+              </p:prevCondLst>
+              <p:nextCondLst>
+                <p:cond evt="onNext" delay="0">
+                  <p:tgtEl>
+                    <p:sldTgt/>
+                  </p:tgtEl>
+                </p:cond>
+              </p:nextCondLst>
+            </p:seq>
+          </p:childTnLst>
+        </p:cTn>
+      </p:par>
+    </p:tnLst>
+    <p:bldLst>
+      <p:bldP spid="16" grpId="0" uiExpand="1" build="p"/>
+      <p:bldP spid="13" grpId="0" uiExpand="1"/>
+      <p:bldP spid="17" grpId="0" animBg="1"/>
+      <p:bldP spid="18" grpId="0" animBg="1"/>
+    </p:bldLst>
+  </p:timing>
 </p:sld>
 </file>
 

--- a/trunk/2-Java-Programmer-Modulo-II/20.ProjetoFinal.pptx
+++ b/trunk/2-Java-Programmer-Modulo-II/20.ProjetoFinal.pptx
@@ -5,7 +5,7 @@
     <p:sldMasterId id="2147483660" r:id="rId1"/>
   </p:sldMasterIdLst>
   <p:notesMasterIdLst>
-    <p:notesMasterId r:id="rId21"/>
+    <p:notesMasterId r:id="rId22"/>
   </p:notesMasterIdLst>
   <p:sldIdLst>
     <p:sldId id="256" r:id="rId2"/>
@@ -17,16 +17,17 @@
     <p:sldId id="327" r:id="rId8"/>
     <p:sldId id="328" r:id="rId9"/>
     <p:sldId id="329" r:id="rId10"/>
-    <p:sldId id="330" r:id="rId11"/>
-    <p:sldId id="318" r:id="rId12"/>
-    <p:sldId id="331" r:id="rId13"/>
-    <p:sldId id="332" r:id="rId14"/>
-    <p:sldId id="333" r:id="rId15"/>
-    <p:sldId id="320" r:id="rId16"/>
-    <p:sldId id="321" r:id="rId17"/>
-    <p:sldId id="322" r:id="rId18"/>
-    <p:sldId id="323" r:id="rId19"/>
-    <p:sldId id="324" r:id="rId20"/>
+    <p:sldId id="318" r:id="rId11"/>
+    <p:sldId id="331" r:id="rId12"/>
+    <p:sldId id="332" r:id="rId13"/>
+    <p:sldId id="333" r:id="rId14"/>
+    <p:sldId id="320" r:id="rId15"/>
+    <p:sldId id="321" r:id="rId16"/>
+    <p:sldId id="322" r:id="rId17"/>
+    <p:sldId id="323" r:id="rId18"/>
+    <p:sldId id="330" r:id="rId19"/>
+    <p:sldId id="334" r:id="rId20"/>
+    <p:sldId id="324" r:id="rId21"/>
   </p:sldIdLst>
   <p:sldSz cx="9144000" cy="6858000" type="screen4x3"/>
   <p:notesSz cx="6858000" cy="9144000"/>
@@ -267,7 +268,7 @@
               <a:pPr>
                 <a:defRPr/>
               </a:pPr>
-              <a:t>16/06/2012</a:t>
+              <a:t>17/06/2012</a:t>
             </a:fld>
             <a:endParaRPr lang="pt-BR"/>
           </a:p>
@@ -1674,6 +1675,93 @@
 </p:notes>
 </file>
 
+<file path=ppt/notesSlides/notesSlide20.xml><?xml version="1.0" encoding="utf-8"?>
+<p:notes xmlns:a="http://schemas.openxmlformats.org/drawingml/2006/main" xmlns:r="http://schemas.openxmlformats.org/officeDocument/2006/relationships" xmlns:p="http://schemas.openxmlformats.org/presentationml/2006/main">
+  <p:cSld>
+    <p:spTree>
+      <p:nvGrpSpPr>
+        <p:cNvPr id="1" name=""/>
+        <p:cNvGrpSpPr/>
+        <p:nvPr/>
+      </p:nvGrpSpPr>
+      <p:grpSpPr>
+        <a:xfrm>
+          <a:off x="0" y="0"/>
+          <a:ext cx="0" cy="0"/>
+          <a:chOff x="0" y="0"/>
+          <a:chExt cx="0" cy="0"/>
+        </a:xfrm>
+      </p:grpSpPr>
+      <p:sp>
+        <p:nvSpPr>
+          <p:cNvPr id="2" name="Espaço Reservado para Imagem de Slide 1"/>
+          <p:cNvSpPr>
+            <a:spLocks noGrp="1" noRot="1" noChangeAspect="1"/>
+          </p:cNvSpPr>
+          <p:nvPr>
+            <p:ph type="sldImg"/>
+          </p:nvPr>
+        </p:nvSpPr>
+        <p:spPr/>
+      </p:sp>
+      <p:sp>
+        <p:nvSpPr>
+          <p:cNvPr id="3" name="Espaço Reservado para Anotações 2"/>
+          <p:cNvSpPr>
+            <a:spLocks noGrp="1"/>
+          </p:cNvSpPr>
+          <p:nvPr>
+            <p:ph type="body" idx="1"/>
+          </p:nvPr>
+        </p:nvSpPr>
+        <p:spPr/>
+        <p:txBody>
+          <a:bodyPr>
+            <a:normAutofit/>
+          </a:bodyPr>
+          <a:lstStyle/>
+          <a:p>
+            <a:endParaRPr lang="pt-BR"/>
+          </a:p>
+        </p:txBody>
+      </p:sp>
+      <p:sp>
+        <p:nvSpPr>
+          <p:cNvPr id="4" name="Espaço Reservado para Número de Slide 3"/>
+          <p:cNvSpPr>
+            <a:spLocks noGrp="1"/>
+          </p:cNvSpPr>
+          <p:nvPr>
+            <p:ph type="sldNum" sz="quarter" idx="10"/>
+          </p:nvPr>
+        </p:nvSpPr>
+        <p:spPr/>
+        <p:txBody>
+          <a:bodyPr/>
+          <a:lstStyle/>
+          <a:p>
+            <a:pPr>
+              <a:defRPr/>
+            </a:pPr>
+            <a:fld id="{8E95BD27-5466-443F-B42B-02049F05E6C9}" type="slidenum">
+              <a:rPr lang="pt-BR" smtClean="0"/>
+              <a:pPr>
+                <a:defRPr/>
+              </a:pPr>
+              <a:t>20</a:t>
+            </a:fld>
+            <a:endParaRPr lang="pt-BR"/>
+          </a:p>
+        </p:txBody>
+      </p:sp>
+    </p:spTree>
+  </p:cSld>
+  <p:clrMapOvr>
+    <a:masterClrMapping/>
+  </p:clrMapOvr>
+</p:notes>
+</file>
+
 <file path=ppt/notesSlides/notesSlide3.xml><?xml version="1.0" encoding="utf-8"?>
 <p:notes xmlns:a="http://schemas.openxmlformats.org/drawingml/2006/main" xmlns:r="http://schemas.openxmlformats.org/officeDocument/2006/relationships" xmlns:p="http://schemas.openxmlformats.org/presentationml/2006/main">
   <p:cSld>
@@ -2701,7 +2789,7 @@
               <a:pPr>
                 <a:defRPr/>
               </a:pPr>
-              <a:t>16/06/2012</a:t>
+              <a:t>17/06/2012</a:t>
             </a:fld>
             <a:endParaRPr lang="pt-BR"/>
           </a:p>
@@ -2893,7 +2981,7 @@
               <a:pPr>
                 <a:defRPr/>
               </a:pPr>
-              <a:t>16/06/2012</a:t>
+              <a:t>17/06/2012</a:t>
             </a:fld>
             <a:endParaRPr lang="pt-BR"/>
           </a:p>
@@ -3095,7 +3183,7 @@
               <a:pPr>
                 <a:defRPr/>
               </a:pPr>
-              <a:t>16/06/2012</a:t>
+              <a:t>17/06/2012</a:t>
             </a:fld>
             <a:endParaRPr lang="pt-BR"/>
           </a:p>
@@ -3291,7 +3379,7 @@
               <a:pPr>
                 <a:defRPr/>
               </a:pPr>
-              <a:t>16/06/2012</a:t>
+              <a:t>17/06/2012</a:t>
             </a:fld>
             <a:endParaRPr lang="pt-BR"/>
           </a:p>
@@ -3797,7 +3885,7 @@
               <a:pPr>
                 <a:defRPr/>
               </a:pPr>
-              <a:t>16/06/2012</a:t>
+              <a:t>17/06/2012</a:t>
             </a:fld>
             <a:endParaRPr lang="pt-BR"/>
           </a:p>
@@ -4088,7 +4176,7 @@
               <a:pPr>
                 <a:defRPr/>
               </a:pPr>
-              <a:t>16/06/2012</a:t>
+              <a:t>17/06/2012</a:t>
             </a:fld>
             <a:endParaRPr lang="pt-BR"/>
           </a:p>
@@ -4489,7 +4577,7 @@
               <a:pPr>
                 <a:defRPr/>
               </a:pPr>
-              <a:t>16/06/2012</a:t>
+              <a:t>17/06/2012</a:t>
             </a:fld>
             <a:endParaRPr lang="pt-BR"/>
           </a:p>
@@ -4638,7 +4726,7 @@
               <a:pPr>
                 <a:defRPr/>
               </a:pPr>
-              <a:t>16/06/2012</a:t>
+              <a:t>17/06/2012</a:t>
             </a:fld>
             <a:endParaRPr lang="pt-BR"/>
           </a:p>
@@ -4755,7 +4843,7 @@
               <a:pPr>
                 <a:defRPr/>
               </a:pPr>
-              <a:t>16/06/2012</a:t>
+              <a:t>17/06/2012</a:t>
             </a:fld>
             <a:endParaRPr lang="pt-BR"/>
           </a:p>
@@ -5031,7 +5119,7 @@
               <a:pPr>
                 <a:defRPr/>
               </a:pPr>
-              <a:t>16/06/2012</a:t>
+              <a:t>17/06/2012</a:t>
             </a:fld>
             <a:endParaRPr lang="pt-BR"/>
           </a:p>
@@ -5315,7 +5403,7 @@
               <a:pPr>
                 <a:defRPr/>
               </a:pPr>
-              <a:t>16/06/2012</a:t>
+              <a:t>17/06/2012</a:t>
             </a:fld>
             <a:endParaRPr lang="pt-BR"/>
           </a:p>
@@ -5793,7 +5881,7 @@
               <a:pPr>
                 <a:defRPr/>
               </a:pPr>
-              <a:t>16/06/2012</a:t>
+              <a:t>17/06/2012</a:t>
             </a:fld>
             <a:endParaRPr lang="pt-BR"/>
           </a:p>
@@ -6454,9 +6542,17 @@
           <a:bodyPr/>
           <a:lstStyle/>
           <a:p>
-            <a:r>
-              <a:rPr lang="pt-BR" dirty="0" smtClean="0"/>
-              <a:t>Padrão de Desenvolvimento</a:t>
+            <a:pPr rtl="0" eaLnBrk="0" fontAlgn="base" hangingPunct="0"/>
+            <a:r>
+              <a:rPr lang="pt-BR" sz="4600" kern="1200" dirty="0" smtClean="0">
+                <a:solidFill>
+                  <a:schemeClr val="tx1"/>
+                </a:solidFill>
+                <a:latin typeface="+mj-lt"/>
+                <a:ea typeface="+mj-ea"/>
+                <a:cs typeface="+mj-cs"/>
+              </a:rPr>
+              <a:t>Mapeamento de classes VO</a:t>
             </a:r>
             <a:endParaRPr lang="pt-BR" dirty="0"/>
           </a:p>
@@ -6469,70 +6565,67 @@
             <a:spLocks noGrp="1"/>
           </p:cNvSpPr>
           <p:nvPr>
-            <p:ph sz="half" idx="1"/>
+            <p:ph idx="1"/>
           </p:nvPr>
         </p:nvSpPr>
         <p:spPr>
           <a:xfrm>
-            <a:off x="457200" y="1600201"/>
-            <a:ext cx="8003232" cy="604663"/>
+            <a:off x="457200" y="1988840"/>
+            <a:ext cx="8075240" cy="4137323"/>
           </a:xfrm>
         </p:spPr>
         <p:txBody>
           <a:bodyPr/>
           <a:lstStyle/>
           <a:p>
-            <a:r>
-              <a:rPr lang="pt-BR" sz="3000" dirty="0" smtClean="0"/>
-              <a:t>Diagrama de sequência (janela de busca)</a:t>
-            </a:r>
-            <a:endParaRPr lang="pt-BR" sz="3000" dirty="0"/>
-          </a:p>
-        </p:txBody>
-      </p:sp>
-      <p:sp>
-        <p:nvSpPr>
-          <p:cNvPr id="16" name="Espaço Reservado para Conteúdo 15"/>
-          <p:cNvSpPr>
-            <a:spLocks noGrp="1"/>
-          </p:cNvSpPr>
-          <p:nvPr>
-            <p:ph sz="half" idx="2"/>
-          </p:nvPr>
-        </p:nvSpPr>
-        <p:spPr>
-          <a:xfrm>
-            <a:off x="539552" y="4509120"/>
-            <a:ext cx="7992888" cy="1401019"/>
-          </a:xfrm>
-        </p:spPr>
-        <p:txBody>
-          <a:bodyPr/>
-          <a:lstStyle/>
-          <a:p>
-            <a:pPr marL="0" indent="0">
-              <a:buNone/>
+            <a:pPr>
+              <a:spcBef>
+                <a:spcPts val="3000"/>
+              </a:spcBef>
             </a:pPr>
             <a:r>
-              <a:rPr lang="pt-BR" sz="2000" dirty="0" smtClean="0"/>
-              <a:t>Ao clicar no botão procurar, a janela deverá enviar ao DAO um String contendo o pedaço de nome a ser pesquisado.</a:t>
-            </a:r>
-          </a:p>
-          <a:p>
-            <a:pPr marL="0" indent="0">
-              <a:buNone/>
+              <a:rPr lang="pt-BR" sz="2400" dirty="0" smtClean="0"/>
+              <a:t>Após criar as telas da aplicação, a próxima tarefa do programador é criar as classes VO para a comunicação das janelas com os </a:t>
+            </a:r>
+            <a:r>
+              <a:rPr lang="pt-BR" sz="2400" dirty="0" err="1" smtClean="0"/>
+              <a:t>DAOs</a:t>
+            </a:r>
+            <a:r>
+              <a:rPr lang="pt-BR" sz="2400" dirty="0" smtClean="0"/>
+              <a:t>.</a:t>
+            </a:r>
+          </a:p>
+          <a:p>
+            <a:pPr>
+              <a:spcBef>
+                <a:spcPts val="3000"/>
+              </a:spcBef>
             </a:pPr>
-            <a:endParaRPr lang="pt-BR" sz="2000" dirty="0" smtClean="0"/>
-          </a:p>
-          <a:p>
-            <a:pPr marL="0" indent="0">
-              <a:buNone/>
+            <a:r>
+              <a:rPr lang="pt-BR" sz="2400" dirty="0" smtClean="0"/>
+              <a:t>Cada tabela na base de dados deve ser representada por um VO. Este deverá possuir atributos de tipos compatíveis com os campos da tabela.</a:t>
+            </a:r>
+          </a:p>
+          <a:p>
+            <a:pPr>
+              <a:spcBef>
+                <a:spcPts val="3000"/>
+              </a:spcBef>
             </a:pPr>
             <a:r>
-              <a:rPr lang="pt-BR" sz="2000" dirty="0" smtClean="0"/>
-              <a:t>O DAO deverá realizar a busca na base de dados (cláusula LIKE) trazendo uma lista de todos os cargos de todos os cargos que tenham aquele trecho de nome especificado.</a:t>
-            </a:r>
-            <a:endParaRPr lang="pt-BR" sz="2000" dirty="0"/>
+              <a:rPr lang="pt-BR" sz="2400" dirty="0" smtClean="0"/>
+              <a:t>Esta tarefa é chamada de </a:t>
+            </a:r>
+            <a:r>
+              <a:rPr lang="pt-BR" sz="2400" b="1" i="1" dirty="0" smtClean="0"/>
+              <a:t>mapeamento de classes</a:t>
+            </a:r>
+            <a:r>
+              <a:rPr lang="pt-BR" sz="2400" dirty="0" smtClean="0"/>
+              <a:t>.</a:t>
+            </a:r>
+            <a:endParaRPr lang="pt-BR" sz="2400" dirty="0"/>
           </a:p>
         </p:txBody>
       </p:sp>
@@ -6560,6 +6653,3026 @@
                 <a:defRPr/>
               </a:pPr>
               <a:t>10</a:t>
+            </a:fld>
+            <a:endParaRPr lang="pt-BR"/>
+          </a:p>
+        </p:txBody>
+      </p:sp>
+    </p:spTree>
+  </p:cSld>
+  <p:clrMapOvr>
+    <a:masterClrMapping/>
+  </p:clrMapOvr>
+  <p:timing>
+    <p:tnLst>
+      <p:par>
+        <p:cTn id="1" dur="indefinite" restart="never" nodeType="tmRoot"/>
+      </p:par>
+    </p:tnLst>
+  </p:timing>
+</p:sld>
+</file>
+
+<file path=ppt/slides/slide11.xml><?xml version="1.0" encoding="utf-8"?>
+<p:sld xmlns:a="http://schemas.openxmlformats.org/drawingml/2006/main" xmlns:r="http://schemas.openxmlformats.org/officeDocument/2006/relationships" xmlns:p="http://schemas.openxmlformats.org/presentationml/2006/main">
+  <p:cSld>
+    <p:spTree>
+      <p:nvGrpSpPr>
+        <p:cNvPr id="1" name=""/>
+        <p:cNvGrpSpPr/>
+        <p:nvPr/>
+      </p:nvGrpSpPr>
+      <p:grpSpPr>
+        <a:xfrm>
+          <a:off x="0" y="0"/>
+          <a:ext cx="0" cy="0"/>
+          <a:chOff x="0" y="0"/>
+          <a:chExt cx="0" cy="0"/>
+        </a:xfrm>
+      </p:grpSpPr>
+      <p:sp>
+        <p:nvSpPr>
+          <p:cNvPr id="2" name="Título 1"/>
+          <p:cNvSpPr>
+            <a:spLocks noGrp="1"/>
+          </p:cNvSpPr>
+          <p:nvPr>
+            <p:ph type="title"/>
+          </p:nvPr>
+        </p:nvSpPr>
+        <p:spPr/>
+        <p:txBody>
+          <a:bodyPr/>
+          <a:lstStyle/>
+          <a:p>
+            <a:r>
+              <a:rPr lang="pt-BR" dirty="0" smtClean="0"/>
+              <a:t>Mapeamento de classes VO</a:t>
+            </a:r>
+            <a:endParaRPr lang="pt-BR" dirty="0"/>
+          </a:p>
+        </p:txBody>
+      </p:sp>
+      <p:sp>
+        <p:nvSpPr>
+          <p:cNvPr id="4" name="Espaço Reservado para Número de Slide 3"/>
+          <p:cNvSpPr>
+            <a:spLocks noGrp="1"/>
+          </p:cNvSpPr>
+          <p:nvPr>
+            <p:ph type="sldNum" sz="quarter" idx="12"/>
+          </p:nvPr>
+        </p:nvSpPr>
+        <p:spPr/>
+        <p:txBody>
+          <a:bodyPr/>
+          <a:lstStyle/>
+          <a:p>
+            <a:pPr>
+              <a:defRPr/>
+            </a:pPr>
+            <a:fld id="{EF19A0F5-F849-4C78-8624-C3A50979DE44}" type="slidenum">
+              <a:rPr lang="pt-BR" smtClean="0"/>
+              <a:pPr>
+                <a:defRPr/>
+              </a:pPr>
+              <a:t>11</a:t>
+            </a:fld>
+            <a:endParaRPr lang="pt-BR"/>
+          </a:p>
+        </p:txBody>
+      </p:sp>
+      <p:graphicFrame>
+        <p:nvGraphicFramePr>
+          <p:cNvPr id="5" name="Espaço Reservado para Conteúdo 4"/>
+          <p:cNvGraphicFramePr>
+            <a:graphicFrameLocks/>
+          </p:cNvGraphicFramePr>
+          <p:nvPr/>
+        </p:nvGraphicFramePr>
+        <p:xfrm>
+          <a:off x="5076056" y="2780928"/>
+          <a:ext cx="2736304" cy="2194560"/>
+        </p:xfrm>
+        <a:graphic>
+          <a:graphicData uri="http://schemas.openxmlformats.org/drawingml/2006/table">
+            <a:tbl>
+              <a:tblPr firstRow="1" bandRow="1">
+                <a:tableStyleId>{5C22544A-7EE6-4342-B048-85BDC9FD1C3A}</a:tableStyleId>
+              </a:tblPr>
+              <a:tblGrid>
+                <a:gridCol w="2736304"/>
+              </a:tblGrid>
+              <a:tr h="263027">
+                <a:tc>
+                  <a:txBody>
+                    <a:bodyPr/>
+                    <a:lstStyle/>
+                    <a:p>
+                      <a:pPr marL="0" algn="ctr" rtl="0" eaLnBrk="1" latinLnBrk="0" hangingPunct="1"/>
+                      <a:r>
+                        <a:rPr kumimoji="0" lang="pt-BR" sz="1800" b="1" i="0" kern="1200" dirty="0" err="1" smtClean="0">
+                          <a:solidFill>
+                            <a:schemeClr val="tx1"/>
+                          </a:solidFill>
+                          <a:latin typeface="+mn-lt"/>
+                          <a:ea typeface="+mn-ea"/>
+                          <a:cs typeface="+mn-cs"/>
+                        </a:rPr>
+                        <a:t>CargoVO</a:t>
+                      </a:r>
+                      <a:endParaRPr kumimoji="0" lang="pt-BR" sz="1800" b="1" i="0" kern="1200" dirty="0">
+                        <a:solidFill>
+                          <a:schemeClr val="tx1"/>
+                        </a:solidFill>
+                        <a:latin typeface="+mn-lt"/>
+                        <a:ea typeface="+mn-ea"/>
+                        <a:cs typeface="+mn-cs"/>
+                      </a:endParaRPr>
+                    </a:p>
+                  </a:txBody>
+                  <a:tcPr>
+                    <a:lnL w="28575" cap="flat" cmpd="sng" algn="ctr">
+                      <a:solidFill>
+                        <a:schemeClr val="tx1"/>
+                      </a:solidFill>
+                      <a:prstDash val="solid"/>
+                      <a:round/>
+                      <a:headEnd type="none" w="med" len="med"/>
+                      <a:tailEnd type="none" w="med" len="med"/>
+                    </a:lnL>
+                    <a:lnR w="28575" cap="flat" cmpd="sng" algn="ctr">
+                      <a:solidFill>
+                        <a:schemeClr val="tx1"/>
+                      </a:solidFill>
+                      <a:prstDash val="solid"/>
+                      <a:round/>
+                      <a:headEnd type="none" w="med" len="med"/>
+                      <a:tailEnd type="none" w="med" len="med"/>
+                    </a:lnR>
+                    <a:lnT w="28575" cap="flat" cmpd="sng" algn="ctr">
+                      <a:solidFill>
+                        <a:schemeClr val="tx1"/>
+                      </a:solidFill>
+                      <a:prstDash val="solid"/>
+                      <a:round/>
+                      <a:headEnd type="none" w="med" len="med"/>
+                      <a:tailEnd type="none" w="med" len="med"/>
+                    </a:lnT>
+                    <a:lnB w="28575" cap="flat" cmpd="sng" algn="ctr">
+                      <a:solidFill>
+                        <a:schemeClr val="tx1"/>
+                      </a:solidFill>
+                      <a:prstDash val="solid"/>
+                      <a:round/>
+                      <a:headEnd type="none" w="med" len="med"/>
+                      <a:tailEnd type="none" w="med" len="med"/>
+                    </a:lnB>
+                    <a:noFill/>
+                  </a:tcPr>
+                </a:tc>
+              </a:tr>
+              <a:tr h="415280">
+                <a:tc>
+                  <a:txBody>
+                    <a:bodyPr/>
+                    <a:lstStyle/>
+                    <a:p>
+                      <a:r>
+                        <a:rPr lang="en-US" sz="1800" dirty="0" smtClean="0">
+                          <a:solidFill>
+                            <a:schemeClr val="tx1"/>
+                          </a:solidFill>
+                        </a:rPr>
+                        <a:t>id : </a:t>
+                      </a:r>
+                      <a:r>
+                        <a:rPr lang="en-US" sz="1800" dirty="0" err="1" smtClean="0">
+                          <a:solidFill>
+                            <a:schemeClr val="tx1"/>
+                          </a:solidFill>
+                        </a:rPr>
+                        <a:t>int</a:t>
+                      </a:r>
+                      <a:endParaRPr lang="en-US" sz="1800" dirty="0" smtClean="0">
+                        <a:solidFill>
+                          <a:schemeClr val="tx1"/>
+                        </a:solidFill>
+                      </a:endParaRPr>
+                    </a:p>
+                    <a:p>
+                      <a:r>
+                        <a:rPr lang="en-US" sz="1800" dirty="0" err="1" smtClean="0">
+                          <a:solidFill>
+                            <a:schemeClr val="tx1"/>
+                          </a:solidFill>
+                        </a:rPr>
+                        <a:t>nome</a:t>
+                      </a:r>
+                      <a:r>
+                        <a:rPr lang="en-US" sz="1800" dirty="0" smtClean="0">
+                          <a:solidFill>
+                            <a:schemeClr val="tx1"/>
+                          </a:solidFill>
+                        </a:rPr>
+                        <a:t> : String</a:t>
+                      </a:r>
+                    </a:p>
+                  </a:txBody>
+                  <a:tcPr>
+                    <a:lnL w="28575" cap="flat" cmpd="sng" algn="ctr">
+                      <a:solidFill>
+                        <a:schemeClr val="tx1"/>
+                      </a:solidFill>
+                      <a:prstDash val="solid"/>
+                      <a:round/>
+                      <a:headEnd type="none" w="med" len="med"/>
+                      <a:tailEnd type="none" w="med" len="med"/>
+                    </a:lnL>
+                    <a:lnR w="28575" cap="flat" cmpd="sng" algn="ctr">
+                      <a:solidFill>
+                        <a:schemeClr val="tx1"/>
+                      </a:solidFill>
+                      <a:prstDash val="solid"/>
+                      <a:round/>
+                      <a:headEnd type="none" w="med" len="med"/>
+                      <a:tailEnd type="none" w="med" len="med"/>
+                    </a:lnR>
+                    <a:lnT w="28575" cap="flat" cmpd="sng" algn="ctr">
+                      <a:solidFill>
+                        <a:schemeClr val="tx1"/>
+                      </a:solidFill>
+                      <a:prstDash val="solid"/>
+                      <a:round/>
+                      <a:headEnd type="none" w="med" len="med"/>
+                      <a:tailEnd type="none" w="med" len="med"/>
+                    </a:lnT>
+                    <a:lnB w="28575" cap="flat" cmpd="sng" algn="ctr">
+                      <a:solidFill>
+                        <a:schemeClr val="tx1"/>
+                      </a:solidFill>
+                      <a:prstDash val="solid"/>
+                      <a:round/>
+                      <a:headEnd type="none" w="med" len="med"/>
+                      <a:tailEnd type="none" w="med" len="med"/>
+                    </a:lnB>
+                    <a:noFill/>
+                  </a:tcPr>
+                </a:tc>
+              </a:tr>
+              <a:tr h="289743">
+                <a:tc>
+                  <a:txBody>
+                    <a:bodyPr/>
+                    <a:lstStyle/>
+                    <a:p>
+                      <a:r>
+                        <a:rPr lang="en-US" sz="1800" dirty="0" err="1" smtClean="0">
+                          <a:solidFill>
+                            <a:schemeClr val="tx1"/>
+                          </a:solidFill>
+                        </a:rPr>
+                        <a:t>getId</a:t>
+                      </a:r>
+                      <a:r>
+                        <a:rPr lang="en-US" sz="1800" dirty="0" smtClean="0">
+                          <a:solidFill>
+                            <a:schemeClr val="tx1"/>
+                          </a:solidFill>
+                        </a:rPr>
+                        <a:t>()</a:t>
+                      </a:r>
+                      <a:r>
+                        <a:rPr lang="en-US" sz="1800" baseline="0" dirty="0" smtClean="0">
+                          <a:solidFill>
+                            <a:schemeClr val="tx1"/>
+                          </a:solidFill>
+                        </a:rPr>
+                        <a:t> : </a:t>
+                      </a:r>
+                      <a:r>
+                        <a:rPr lang="en-US" sz="1800" baseline="0" dirty="0" err="1" smtClean="0">
+                          <a:solidFill>
+                            <a:schemeClr val="tx1"/>
+                          </a:solidFill>
+                        </a:rPr>
+                        <a:t>int</a:t>
+                      </a:r>
+                      <a:endParaRPr lang="en-US" sz="1800" baseline="0" dirty="0" smtClean="0">
+                        <a:solidFill>
+                          <a:schemeClr val="tx1"/>
+                        </a:solidFill>
+                      </a:endParaRPr>
+                    </a:p>
+                    <a:p>
+                      <a:r>
+                        <a:rPr lang="en-US" sz="1800" baseline="0" dirty="0" err="1" smtClean="0">
+                          <a:solidFill>
+                            <a:schemeClr val="tx1"/>
+                          </a:solidFill>
+                        </a:rPr>
+                        <a:t>setId</a:t>
+                      </a:r>
+                      <a:r>
+                        <a:rPr lang="en-US" sz="1800" baseline="0" dirty="0" smtClean="0">
+                          <a:solidFill>
+                            <a:schemeClr val="tx1"/>
+                          </a:solidFill>
+                        </a:rPr>
+                        <a:t>(</a:t>
+                      </a:r>
+                      <a:r>
+                        <a:rPr lang="en-US" sz="1800" baseline="0" dirty="0" err="1" smtClean="0">
+                          <a:solidFill>
+                            <a:schemeClr val="tx1"/>
+                          </a:solidFill>
+                        </a:rPr>
+                        <a:t>int</a:t>
+                      </a:r>
+                      <a:r>
+                        <a:rPr lang="en-US" sz="1800" baseline="0" dirty="0" smtClean="0">
+                          <a:solidFill>
+                            <a:schemeClr val="tx1"/>
+                          </a:solidFill>
+                        </a:rPr>
+                        <a:t>) : void</a:t>
+                      </a:r>
+                    </a:p>
+                    <a:p>
+                      <a:r>
+                        <a:rPr lang="en-US" sz="1800" baseline="0" dirty="0" err="1" smtClean="0">
+                          <a:solidFill>
+                            <a:schemeClr val="tx1"/>
+                          </a:solidFill>
+                        </a:rPr>
+                        <a:t>getNome</a:t>
+                      </a:r>
+                      <a:r>
+                        <a:rPr lang="en-US" sz="1800" baseline="0" dirty="0" smtClean="0">
+                          <a:solidFill>
+                            <a:schemeClr val="tx1"/>
+                          </a:solidFill>
+                        </a:rPr>
+                        <a:t>() : String</a:t>
+                      </a:r>
+                    </a:p>
+                    <a:p>
+                      <a:r>
+                        <a:rPr lang="en-US" sz="1800" baseline="0" dirty="0" err="1" smtClean="0">
+                          <a:solidFill>
+                            <a:schemeClr val="tx1"/>
+                          </a:solidFill>
+                        </a:rPr>
+                        <a:t>setNome</a:t>
+                      </a:r>
+                      <a:r>
+                        <a:rPr lang="en-US" sz="1800" baseline="0" dirty="0" smtClean="0">
+                          <a:solidFill>
+                            <a:schemeClr val="tx1"/>
+                          </a:solidFill>
+                        </a:rPr>
+                        <a:t>(String) : void</a:t>
+                      </a:r>
+                      <a:endParaRPr lang="en-US" sz="1800" dirty="0" smtClean="0">
+                        <a:solidFill>
+                          <a:schemeClr val="tx1"/>
+                        </a:solidFill>
+                      </a:endParaRPr>
+                    </a:p>
+                  </a:txBody>
+                  <a:tcPr>
+                    <a:lnL w="28575" cap="flat" cmpd="sng" algn="ctr">
+                      <a:solidFill>
+                        <a:schemeClr val="tx1"/>
+                      </a:solidFill>
+                      <a:prstDash val="solid"/>
+                      <a:round/>
+                      <a:headEnd type="none" w="med" len="med"/>
+                      <a:tailEnd type="none" w="med" len="med"/>
+                    </a:lnL>
+                    <a:lnR w="28575" cap="flat" cmpd="sng" algn="ctr">
+                      <a:solidFill>
+                        <a:schemeClr val="tx1"/>
+                      </a:solidFill>
+                      <a:prstDash val="solid"/>
+                      <a:round/>
+                      <a:headEnd type="none" w="med" len="med"/>
+                      <a:tailEnd type="none" w="med" len="med"/>
+                    </a:lnR>
+                    <a:lnT w="28575" cap="flat" cmpd="sng" algn="ctr">
+                      <a:solidFill>
+                        <a:schemeClr val="tx1"/>
+                      </a:solidFill>
+                      <a:prstDash val="solid"/>
+                      <a:round/>
+                      <a:headEnd type="none" w="med" len="med"/>
+                      <a:tailEnd type="none" w="med" len="med"/>
+                    </a:lnT>
+                    <a:lnB w="28575" cap="flat" cmpd="sng" algn="ctr">
+                      <a:solidFill>
+                        <a:schemeClr val="tx1"/>
+                      </a:solidFill>
+                      <a:prstDash val="solid"/>
+                      <a:round/>
+                      <a:headEnd type="none" w="med" len="med"/>
+                      <a:tailEnd type="none" w="med" len="med"/>
+                    </a:lnB>
+                    <a:noFill/>
+                  </a:tcPr>
+                </a:tc>
+              </a:tr>
+            </a:tbl>
+          </a:graphicData>
+        </a:graphic>
+      </p:graphicFrame>
+      <p:pic>
+        <p:nvPicPr>
+          <p:cNvPr id="6" name="Imagem 5" descr="tabela.png"/>
+          <p:cNvPicPr>
+            <a:picLocks noChangeAspect="1"/>
+          </p:cNvPicPr>
+          <p:nvPr/>
+        </p:nvPicPr>
+        <p:blipFill>
+          <a:blip r:embed="rId3" cstate="print"/>
+          <a:stretch>
+            <a:fillRect/>
+          </a:stretch>
+        </p:blipFill>
+        <p:spPr>
+          <a:xfrm>
+            <a:off x="1187624" y="3356992"/>
+            <a:ext cx="2391109" cy="1181265"/>
+          </a:xfrm>
+          <a:prstGeom prst="rect">
+            <a:avLst/>
+          </a:prstGeom>
+        </p:spPr>
+      </p:pic>
+      <p:sp>
+        <p:nvSpPr>
+          <p:cNvPr id="7" name="Seta para a direita 6"/>
+          <p:cNvSpPr/>
+          <p:nvPr/>
+        </p:nvSpPr>
+        <p:spPr>
+          <a:xfrm>
+            <a:off x="3923928" y="3645024"/>
+            <a:ext cx="864096" cy="648072"/>
+          </a:xfrm>
+          <a:prstGeom prst="rightArrow">
+            <a:avLst/>
+          </a:prstGeom>
+          <a:solidFill>
+            <a:srgbClr val="FFC000"/>
+          </a:solidFill>
+          <a:ln>
+            <a:noFill/>
+          </a:ln>
+        </p:spPr>
+        <p:style>
+          <a:lnRef idx="2">
+            <a:schemeClr val="accent1">
+              <a:shade val="50000"/>
+            </a:schemeClr>
+          </a:lnRef>
+          <a:fillRef idx="1">
+            <a:schemeClr val="accent1"/>
+          </a:fillRef>
+          <a:effectRef idx="0">
+            <a:schemeClr val="accent1"/>
+          </a:effectRef>
+          <a:fontRef idx="minor">
+            <a:schemeClr val="lt1"/>
+          </a:fontRef>
+        </p:style>
+        <p:txBody>
+          <a:bodyPr rtlCol="0" anchor="ctr"/>
+          <a:lstStyle/>
+          <a:p>
+            <a:pPr algn="ctr"/>
+            <a:endParaRPr lang="pt-BR"/>
+          </a:p>
+        </p:txBody>
+      </p:sp>
+    </p:spTree>
+  </p:cSld>
+  <p:clrMapOvr>
+    <a:masterClrMapping/>
+  </p:clrMapOvr>
+  <p:timing>
+    <p:tnLst>
+      <p:par>
+        <p:cTn id="1" dur="indefinite" restart="never" nodeType="tmRoot"/>
+      </p:par>
+    </p:tnLst>
+  </p:timing>
+</p:sld>
+</file>
+
+<file path=ppt/slides/slide12.xml><?xml version="1.0" encoding="utf-8"?>
+<p:sld xmlns:a="http://schemas.openxmlformats.org/drawingml/2006/main" xmlns:r="http://schemas.openxmlformats.org/officeDocument/2006/relationships" xmlns:p="http://schemas.openxmlformats.org/presentationml/2006/main">
+  <p:cSld>
+    <p:spTree>
+      <p:nvGrpSpPr>
+        <p:cNvPr id="1" name=""/>
+        <p:cNvGrpSpPr/>
+        <p:nvPr/>
+      </p:nvGrpSpPr>
+      <p:grpSpPr>
+        <a:xfrm>
+          <a:off x="0" y="0"/>
+          <a:ext cx="0" cy="0"/>
+          <a:chOff x="0" y="0"/>
+          <a:chExt cx="0" cy="0"/>
+        </a:xfrm>
+      </p:grpSpPr>
+      <p:sp>
+        <p:nvSpPr>
+          <p:cNvPr id="2" name="Título 1"/>
+          <p:cNvSpPr>
+            <a:spLocks noGrp="1"/>
+          </p:cNvSpPr>
+          <p:nvPr>
+            <p:ph type="title"/>
+          </p:nvPr>
+        </p:nvSpPr>
+        <p:spPr/>
+        <p:txBody>
+          <a:bodyPr/>
+          <a:lstStyle/>
+          <a:p>
+            <a:pPr rtl="0" eaLnBrk="0" fontAlgn="base" hangingPunct="0"/>
+            <a:r>
+              <a:rPr lang="pt-BR" sz="4600" kern="1200" dirty="0" smtClean="0">
+                <a:solidFill>
+                  <a:schemeClr val="tx1"/>
+                </a:solidFill>
+                <a:latin typeface="+mj-lt"/>
+                <a:ea typeface="+mj-ea"/>
+                <a:cs typeface="+mj-cs"/>
+              </a:rPr>
+              <a:t>Criação do DAO</a:t>
+            </a:r>
+            <a:endParaRPr lang="pt-BR" dirty="0"/>
+          </a:p>
+        </p:txBody>
+      </p:sp>
+      <p:sp>
+        <p:nvSpPr>
+          <p:cNvPr id="3" name="Espaço Reservado para Conteúdo 2"/>
+          <p:cNvSpPr>
+            <a:spLocks noGrp="1"/>
+          </p:cNvSpPr>
+          <p:nvPr>
+            <p:ph idx="1"/>
+          </p:nvPr>
+        </p:nvSpPr>
+        <p:spPr/>
+        <p:txBody>
+          <a:bodyPr/>
+          <a:lstStyle/>
+          <a:p>
+            <a:pPr>
+              <a:spcBef>
+                <a:spcPts val="3000"/>
+              </a:spcBef>
+            </a:pPr>
+            <a:r>
+              <a:rPr lang="pt-BR" sz="2800" dirty="0" smtClean="0"/>
+              <a:t>Após realizado o mapeamento das classes VO, podemos dar início à criação do DAO.</a:t>
+            </a:r>
+          </a:p>
+          <a:p>
+            <a:pPr>
+              <a:spcBef>
+                <a:spcPts val="3000"/>
+              </a:spcBef>
+            </a:pPr>
+            <a:r>
+              <a:rPr lang="pt-BR" sz="2800" dirty="0" smtClean="0"/>
+              <a:t>Em geral criamos um DAO para cada tabela utilizada pela aplicação.</a:t>
+            </a:r>
+          </a:p>
+        </p:txBody>
+      </p:sp>
+      <p:sp>
+        <p:nvSpPr>
+          <p:cNvPr id="4" name="Espaço Reservado para Número de Slide 3"/>
+          <p:cNvSpPr>
+            <a:spLocks noGrp="1"/>
+          </p:cNvSpPr>
+          <p:nvPr>
+            <p:ph type="sldNum" sz="quarter" idx="12"/>
+          </p:nvPr>
+        </p:nvSpPr>
+        <p:spPr/>
+        <p:txBody>
+          <a:bodyPr/>
+          <a:lstStyle/>
+          <a:p>
+            <a:pPr>
+              <a:defRPr/>
+            </a:pPr>
+            <a:fld id="{EF19A0F5-F849-4C78-8624-C3A50979DE44}" type="slidenum">
+              <a:rPr lang="pt-BR" smtClean="0"/>
+              <a:pPr>
+                <a:defRPr/>
+              </a:pPr>
+              <a:t>12</a:t>
+            </a:fld>
+            <a:endParaRPr lang="pt-BR"/>
+          </a:p>
+        </p:txBody>
+      </p:sp>
+      <p:graphicFrame>
+        <p:nvGraphicFramePr>
+          <p:cNvPr id="5" name="Espaço Reservado para Conteúdo 4"/>
+          <p:cNvGraphicFramePr>
+            <a:graphicFrameLocks/>
+          </p:cNvGraphicFramePr>
+          <p:nvPr/>
+        </p:nvGraphicFramePr>
+        <p:xfrm>
+          <a:off x="2555776" y="4221088"/>
+          <a:ext cx="4032448" cy="2042160"/>
+        </p:xfrm>
+        <a:graphic>
+          <a:graphicData uri="http://schemas.openxmlformats.org/drawingml/2006/table">
+            <a:tbl>
+              <a:tblPr firstRow="1" bandRow="1">
+                <a:tableStyleId>{5C22544A-7EE6-4342-B048-85BDC9FD1C3A}</a:tableStyleId>
+              </a:tblPr>
+              <a:tblGrid>
+                <a:gridCol w="4032448"/>
+              </a:tblGrid>
+              <a:tr h="261535">
+                <a:tc>
+                  <a:txBody>
+                    <a:bodyPr/>
+                    <a:lstStyle/>
+                    <a:p>
+                      <a:pPr marL="0" algn="ctr" rtl="0" eaLnBrk="1" latinLnBrk="0" hangingPunct="1"/>
+                      <a:r>
+                        <a:rPr kumimoji="0" lang="pt-BR" sz="1800" b="1" i="0" kern="1200" dirty="0" err="1" smtClean="0">
+                          <a:solidFill>
+                            <a:schemeClr val="tx1"/>
+                          </a:solidFill>
+                          <a:latin typeface="+mn-lt"/>
+                          <a:ea typeface="+mn-ea"/>
+                          <a:cs typeface="+mn-cs"/>
+                        </a:rPr>
+                        <a:t>CargoDAO</a:t>
+                      </a:r>
+                      <a:endParaRPr kumimoji="0" lang="pt-BR" sz="1800" b="1" i="0" kern="1200" dirty="0">
+                        <a:solidFill>
+                          <a:schemeClr val="tx1"/>
+                        </a:solidFill>
+                        <a:latin typeface="+mn-lt"/>
+                        <a:ea typeface="+mn-ea"/>
+                        <a:cs typeface="+mn-cs"/>
+                      </a:endParaRPr>
+                    </a:p>
+                  </a:txBody>
+                  <a:tcPr>
+                    <a:lnL w="28575" cap="flat" cmpd="sng" algn="ctr">
+                      <a:solidFill>
+                        <a:schemeClr val="tx1"/>
+                      </a:solidFill>
+                      <a:prstDash val="solid"/>
+                      <a:round/>
+                      <a:headEnd type="none" w="med" len="med"/>
+                      <a:tailEnd type="none" w="med" len="med"/>
+                    </a:lnL>
+                    <a:lnR w="28575" cap="flat" cmpd="sng" algn="ctr">
+                      <a:solidFill>
+                        <a:schemeClr val="tx1"/>
+                      </a:solidFill>
+                      <a:prstDash val="solid"/>
+                      <a:round/>
+                      <a:headEnd type="none" w="med" len="med"/>
+                      <a:tailEnd type="none" w="med" len="med"/>
+                    </a:lnR>
+                    <a:lnT w="28575" cap="flat" cmpd="sng" algn="ctr">
+                      <a:solidFill>
+                        <a:schemeClr val="tx1"/>
+                      </a:solidFill>
+                      <a:prstDash val="solid"/>
+                      <a:round/>
+                      <a:headEnd type="none" w="med" len="med"/>
+                      <a:tailEnd type="none" w="med" len="med"/>
+                    </a:lnT>
+                    <a:lnB w="28575" cap="flat" cmpd="sng" algn="ctr">
+                      <a:solidFill>
+                        <a:schemeClr val="tx1"/>
+                      </a:solidFill>
+                      <a:prstDash val="solid"/>
+                      <a:round/>
+                      <a:headEnd type="none" w="med" len="med"/>
+                      <a:tailEnd type="none" w="med" len="med"/>
+                    </a:lnB>
+                    <a:noFill/>
+                  </a:tcPr>
+                </a:tc>
+              </a:tr>
+              <a:tr h="0">
+                <a:tc>
+                  <a:txBody>
+                    <a:bodyPr/>
+                    <a:lstStyle/>
+                    <a:p>
+                      <a:endParaRPr lang="en-US" sz="800" dirty="0" smtClean="0">
+                        <a:solidFill>
+                          <a:schemeClr val="tx1"/>
+                        </a:solidFill>
+                      </a:endParaRPr>
+                    </a:p>
+                  </a:txBody>
+                  <a:tcPr>
+                    <a:lnL w="28575" cap="flat" cmpd="sng" algn="ctr">
+                      <a:solidFill>
+                        <a:schemeClr val="tx1"/>
+                      </a:solidFill>
+                      <a:prstDash val="solid"/>
+                      <a:round/>
+                      <a:headEnd type="none" w="med" len="med"/>
+                      <a:tailEnd type="none" w="med" len="med"/>
+                    </a:lnL>
+                    <a:lnR w="28575" cap="flat" cmpd="sng" algn="ctr">
+                      <a:solidFill>
+                        <a:schemeClr val="tx1"/>
+                      </a:solidFill>
+                      <a:prstDash val="solid"/>
+                      <a:round/>
+                      <a:headEnd type="none" w="med" len="med"/>
+                      <a:tailEnd type="none" w="med" len="med"/>
+                    </a:lnR>
+                    <a:lnT w="28575" cap="flat" cmpd="sng" algn="ctr">
+                      <a:solidFill>
+                        <a:schemeClr val="tx1"/>
+                      </a:solidFill>
+                      <a:prstDash val="solid"/>
+                      <a:round/>
+                      <a:headEnd type="none" w="med" len="med"/>
+                      <a:tailEnd type="none" w="med" len="med"/>
+                    </a:lnT>
+                    <a:lnB w="28575" cap="flat" cmpd="sng" algn="ctr">
+                      <a:solidFill>
+                        <a:schemeClr val="tx1"/>
+                      </a:solidFill>
+                      <a:prstDash val="solid"/>
+                      <a:round/>
+                      <a:headEnd type="none" w="med" len="med"/>
+                      <a:tailEnd type="none" w="med" len="med"/>
+                    </a:lnB>
+                    <a:noFill/>
+                  </a:tcPr>
+                </a:tc>
+              </a:tr>
+              <a:tr h="335759">
+                <a:tc>
+                  <a:txBody>
+                    <a:bodyPr/>
+                    <a:lstStyle/>
+                    <a:p>
+                      <a:r>
+                        <a:rPr lang="en-US" sz="1800" dirty="0" smtClean="0">
+                          <a:solidFill>
+                            <a:schemeClr val="tx1"/>
+                          </a:solidFill>
+                        </a:rPr>
+                        <a:t>save(</a:t>
+                      </a:r>
+                      <a:r>
+                        <a:rPr lang="en-US" sz="1800" dirty="0" err="1" smtClean="0">
+                          <a:solidFill>
+                            <a:schemeClr val="tx1"/>
+                          </a:solidFill>
+                        </a:rPr>
+                        <a:t>CargoVO</a:t>
+                      </a:r>
+                      <a:r>
+                        <a:rPr lang="en-US" sz="1800" dirty="0" smtClean="0">
+                          <a:solidFill>
+                            <a:schemeClr val="tx1"/>
+                          </a:solidFill>
+                        </a:rPr>
+                        <a:t>) : void</a:t>
+                      </a:r>
+                    </a:p>
+                    <a:p>
+                      <a:r>
+                        <a:rPr lang="en-US" sz="1800" dirty="0" smtClean="0">
+                          <a:solidFill>
+                            <a:schemeClr val="tx1"/>
+                          </a:solidFill>
+                        </a:rPr>
+                        <a:t>delete(</a:t>
+                      </a:r>
+                      <a:r>
+                        <a:rPr lang="en-US" sz="1800" dirty="0" err="1" smtClean="0">
+                          <a:solidFill>
+                            <a:schemeClr val="tx1"/>
+                          </a:solidFill>
+                        </a:rPr>
+                        <a:t>int</a:t>
+                      </a:r>
+                      <a:r>
+                        <a:rPr lang="en-US" sz="1800" dirty="0" smtClean="0">
+                          <a:solidFill>
+                            <a:schemeClr val="tx1"/>
+                          </a:solidFill>
+                        </a:rPr>
+                        <a:t>) : void</a:t>
+                      </a:r>
+                    </a:p>
+                    <a:p>
+                      <a:r>
+                        <a:rPr lang="en-US" sz="1800" dirty="0" err="1" smtClean="0">
+                          <a:solidFill>
+                            <a:schemeClr val="tx1"/>
+                          </a:solidFill>
+                        </a:rPr>
+                        <a:t>findByPk</a:t>
+                      </a:r>
+                      <a:r>
+                        <a:rPr lang="en-US" sz="1800" dirty="0" smtClean="0">
+                          <a:solidFill>
+                            <a:schemeClr val="tx1"/>
+                          </a:solidFill>
+                        </a:rPr>
+                        <a:t>(</a:t>
+                      </a:r>
+                      <a:r>
+                        <a:rPr lang="en-US" sz="1800" dirty="0" err="1" smtClean="0">
+                          <a:solidFill>
+                            <a:schemeClr val="tx1"/>
+                          </a:solidFill>
+                        </a:rPr>
+                        <a:t>int</a:t>
+                      </a:r>
+                      <a:r>
+                        <a:rPr lang="en-US" sz="1800" dirty="0" smtClean="0">
+                          <a:solidFill>
+                            <a:schemeClr val="tx1"/>
+                          </a:solidFill>
+                        </a:rPr>
+                        <a:t>) : </a:t>
+                      </a:r>
+                      <a:r>
+                        <a:rPr lang="en-US" sz="1800" dirty="0" err="1" smtClean="0">
+                          <a:solidFill>
+                            <a:schemeClr val="tx1"/>
+                          </a:solidFill>
+                        </a:rPr>
+                        <a:t>CargoVO</a:t>
+                      </a:r>
+                      <a:endParaRPr lang="en-US" sz="1800" dirty="0" smtClean="0">
+                        <a:solidFill>
+                          <a:schemeClr val="tx1"/>
+                        </a:solidFill>
+                      </a:endParaRPr>
+                    </a:p>
+                    <a:p>
+                      <a:r>
+                        <a:rPr lang="en-US" sz="1800" dirty="0" err="1" smtClean="0">
+                          <a:solidFill>
+                            <a:schemeClr val="tx1"/>
+                          </a:solidFill>
+                        </a:rPr>
+                        <a:t>findByName</a:t>
+                      </a:r>
+                      <a:r>
+                        <a:rPr lang="en-US" sz="1800" dirty="0" smtClean="0">
+                          <a:solidFill>
+                            <a:schemeClr val="tx1"/>
+                          </a:solidFill>
+                        </a:rPr>
+                        <a:t>(String) : List&lt;</a:t>
+                      </a:r>
+                      <a:r>
+                        <a:rPr lang="en-US" sz="1800" dirty="0" err="1" smtClean="0">
+                          <a:solidFill>
+                            <a:schemeClr val="tx1"/>
+                          </a:solidFill>
+                        </a:rPr>
+                        <a:t>CargoVO</a:t>
+                      </a:r>
+                      <a:r>
+                        <a:rPr lang="en-US" sz="1800" dirty="0" smtClean="0">
+                          <a:solidFill>
+                            <a:schemeClr val="tx1"/>
+                          </a:solidFill>
+                        </a:rPr>
+                        <a:t>&gt;</a:t>
+                      </a:r>
+                    </a:p>
+                    <a:p>
+                      <a:r>
+                        <a:rPr lang="en-US" sz="1800" dirty="0" err="1" smtClean="0">
+                          <a:solidFill>
+                            <a:schemeClr val="tx1"/>
+                          </a:solidFill>
+                        </a:rPr>
+                        <a:t>findAll</a:t>
+                      </a:r>
+                      <a:r>
+                        <a:rPr lang="en-US" sz="1800" dirty="0" smtClean="0">
+                          <a:solidFill>
+                            <a:schemeClr val="tx1"/>
+                          </a:solidFill>
+                        </a:rPr>
+                        <a:t>() : List&lt;</a:t>
+                      </a:r>
+                      <a:r>
+                        <a:rPr lang="en-US" sz="1800" dirty="0" err="1" smtClean="0">
+                          <a:solidFill>
+                            <a:schemeClr val="tx1"/>
+                          </a:solidFill>
+                        </a:rPr>
+                        <a:t>CargoVO</a:t>
+                      </a:r>
+                      <a:r>
+                        <a:rPr lang="en-US" sz="1800" dirty="0" smtClean="0">
+                          <a:solidFill>
+                            <a:schemeClr val="tx1"/>
+                          </a:solidFill>
+                        </a:rPr>
+                        <a:t>&gt;</a:t>
+                      </a:r>
+                    </a:p>
+                  </a:txBody>
+                  <a:tcPr>
+                    <a:lnL w="28575" cap="flat" cmpd="sng" algn="ctr">
+                      <a:solidFill>
+                        <a:schemeClr val="tx1"/>
+                      </a:solidFill>
+                      <a:prstDash val="solid"/>
+                      <a:round/>
+                      <a:headEnd type="none" w="med" len="med"/>
+                      <a:tailEnd type="none" w="med" len="med"/>
+                    </a:lnL>
+                    <a:lnR w="28575" cap="flat" cmpd="sng" algn="ctr">
+                      <a:solidFill>
+                        <a:schemeClr val="tx1"/>
+                      </a:solidFill>
+                      <a:prstDash val="solid"/>
+                      <a:round/>
+                      <a:headEnd type="none" w="med" len="med"/>
+                      <a:tailEnd type="none" w="med" len="med"/>
+                    </a:lnR>
+                    <a:lnT w="28575" cap="flat" cmpd="sng" algn="ctr">
+                      <a:solidFill>
+                        <a:schemeClr val="tx1"/>
+                      </a:solidFill>
+                      <a:prstDash val="solid"/>
+                      <a:round/>
+                      <a:headEnd type="none" w="med" len="med"/>
+                      <a:tailEnd type="none" w="med" len="med"/>
+                    </a:lnT>
+                    <a:lnB w="28575" cap="flat" cmpd="sng" algn="ctr">
+                      <a:solidFill>
+                        <a:schemeClr val="tx1"/>
+                      </a:solidFill>
+                      <a:prstDash val="solid"/>
+                      <a:round/>
+                      <a:headEnd type="none" w="med" len="med"/>
+                      <a:tailEnd type="none" w="med" len="med"/>
+                    </a:lnB>
+                    <a:noFill/>
+                  </a:tcPr>
+                </a:tc>
+              </a:tr>
+            </a:tbl>
+          </a:graphicData>
+        </a:graphic>
+      </p:graphicFrame>
+    </p:spTree>
+  </p:cSld>
+  <p:clrMapOvr>
+    <a:masterClrMapping/>
+  </p:clrMapOvr>
+  <p:timing>
+    <p:tnLst>
+      <p:par>
+        <p:cTn id="1" dur="indefinite" restart="never" nodeType="tmRoot"/>
+      </p:par>
+    </p:tnLst>
+  </p:timing>
+</p:sld>
+</file>
+
+<file path=ppt/slides/slide13.xml><?xml version="1.0" encoding="utf-8"?>
+<p:sld xmlns:a="http://schemas.openxmlformats.org/drawingml/2006/main" xmlns:r="http://schemas.openxmlformats.org/officeDocument/2006/relationships" xmlns:p="http://schemas.openxmlformats.org/presentationml/2006/main">
+  <p:cSld>
+    <p:spTree>
+      <p:nvGrpSpPr>
+        <p:cNvPr id="1" name=""/>
+        <p:cNvGrpSpPr/>
+        <p:nvPr/>
+      </p:nvGrpSpPr>
+      <p:grpSpPr>
+        <a:xfrm>
+          <a:off x="0" y="0"/>
+          <a:ext cx="0" cy="0"/>
+          <a:chOff x="0" y="0"/>
+          <a:chExt cx="0" cy="0"/>
+        </a:xfrm>
+      </p:grpSpPr>
+      <p:sp>
+        <p:nvSpPr>
+          <p:cNvPr id="2" name="Título 1"/>
+          <p:cNvSpPr>
+            <a:spLocks noGrp="1"/>
+          </p:cNvSpPr>
+          <p:nvPr>
+            <p:ph type="title"/>
+          </p:nvPr>
+        </p:nvSpPr>
+        <p:spPr/>
+        <p:txBody>
+          <a:bodyPr/>
+          <a:lstStyle/>
+          <a:p>
+            <a:pPr rtl="0" eaLnBrk="0" fontAlgn="base" hangingPunct="0"/>
+            <a:r>
+              <a:rPr lang="pt-BR" sz="4600" kern="1200" dirty="0" smtClean="0">
+                <a:solidFill>
+                  <a:schemeClr val="tx1"/>
+                </a:solidFill>
+                <a:latin typeface="+mj-lt"/>
+                <a:ea typeface="+mj-ea"/>
+                <a:cs typeface="+mj-cs"/>
+              </a:rPr>
+              <a:t>Criação do DAO</a:t>
+            </a:r>
+            <a:endParaRPr lang="pt-BR" dirty="0"/>
+          </a:p>
+        </p:txBody>
+      </p:sp>
+      <p:sp>
+        <p:nvSpPr>
+          <p:cNvPr id="3" name="Espaço Reservado para Conteúdo 2"/>
+          <p:cNvSpPr>
+            <a:spLocks noGrp="1"/>
+          </p:cNvSpPr>
+          <p:nvPr>
+            <p:ph idx="1"/>
+          </p:nvPr>
+        </p:nvSpPr>
+        <p:spPr/>
+        <p:txBody>
+          <a:bodyPr/>
+          <a:lstStyle/>
+          <a:p>
+            <a:pPr>
+              <a:spcBef>
+                <a:spcPts val="3000"/>
+              </a:spcBef>
+            </a:pPr>
+            <a:r>
+              <a:rPr lang="pt-BR" sz="2800" dirty="0" smtClean="0"/>
+              <a:t>Métodos comuns a todos os </a:t>
+            </a:r>
+            <a:r>
+              <a:rPr lang="pt-BR" sz="2800" dirty="0" err="1" smtClean="0"/>
+              <a:t>DAOs</a:t>
+            </a:r>
+            <a:r>
+              <a:rPr lang="pt-BR" sz="2800" dirty="0" smtClean="0"/>
+              <a:t> podem ser colocados em uma classe base.</a:t>
+            </a:r>
+          </a:p>
+        </p:txBody>
+      </p:sp>
+      <p:sp>
+        <p:nvSpPr>
+          <p:cNvPr id="4" name="Espaço Reservado para Número de Slide 3"/>
+          <p:cNvSpPr>
+            <a:spLocks noGrp="1"/>
+          </p:cNvSpPr>
+          <p:nvPr>
+            <p:ph type="sldNum" sz="quarter" idx="12"/>
+          </p:nvPr>
+        </p:nvSpPr>
+        <p:spPr/>
+        <p:txBody>
+          <a:bodyPr/>
+          <a:lstStyle/>
+          <a:p>
+            <a:pPr>
+              <a:defRPr/>
+            </a:pPr>
+            <a:fld id="{EF19A0F5-F849-4C78-8624-C3A50979DE44}" type="slidenum">
+              <a:rPr lang="pt-BR" smtClean="0"/>
+              <a:pPr>
+                <a:defRPr/>
+              </a:pPr>
+              <a:t>13</a:t>
+            </a:fld>
+            <a:endParaRPr lang="pt-BR"/>
+          </a:p>
+        </p:txBody>
+      </p:sp>
+      <p:graphicFrame>
+        <p:nvGraphicFramePr>
+          <p:cNvPr id="5" name="Espaço Reservado para Conteúdo 4"/>
+          <p:cNvGraphicFramePr>
+            <a:graphicFrameLocks/>
+          </p:cNvGraphicFramePr>
+          <p:nvPr/>
+        </p:nvGraphicFramePr>
+        <p:xfrm>
+          <a:off x="1331640" y="2780928"/>
+          <a:ext cx="6120680" cy="1219200"/>
+        </p:xfrm>
+        <a:graphic>
+          <a:graphicData uri="http://schemas.openxmlformats.org/drawingml/2006/table">
+            <a:tbl>
+              <a:tblPr firstRow="1" bandRow="1">
+                <a:tableStyleId>{5C22544A-7EE6-4342-B048-85BDC9FD1C3A}</a:tableStyleId>
+              </a:tblPr>
+              <a:tblGrid>
+                <a:gridCol w="6120680"/>
+              </a:tblGrid>
+              <a:tr h="261535">
+                <a:tc>
+                  <a:txBody>
+                    <a:bodyPr/>
+                    <a:lstStyle/>
+                    <a:p>
+                      <a:pPr marL="0" algn="ctr" rtl="0" eaLnBrk="1" latinLnBrk="0" hangingPunct="1"/>
+                      <a:r>
+                        <a:rPr kumimoji="0" lang="pt-BR" sz="1800" b="1" i="0" kern="1200" dirty="0" err="1" smtClean="0">
+                          <a:solidFill>
+                            <a:schemeClr val="tx1"/>
+                          </a:solidFill>
+                          <a:latin typeface="+mn-lt"/>
+                          <a:ea typeface="+mn-ea"/>
+                          <a:cs typeface="+mn-cs"/>
+                        </a:rPr>
+                        <a:t>AbstractDAO</a:t>
+                      </a:r>
+                      <a:endParaRPr kumimoji="0" lang="pt-BR" sz="1800" b="1" i="0" kern="1200" dirty="0">
+                        <a:solidFill>
+                          <a:schemeClr val="tx1"/>
+                        </a:solidFill>
+                        <a:latin typeface="+mn-lt"/>
+                        <a:ea typeface="+mn-ea"/>
+                        <a:cs typeface="+mn-cs"/>
+                      </a:endParaRPr>
+                    </a:p>
+                  </a:txBody>
+                  <a:tcPr>
+                    <a:lnL w="28575" cap="flat" cmpd="sng" algn="ctr">
+                      <a:solidFill>
+                        <a:schemeClr val="tx1"/>
+                      </a:solidFill>
+                      <a:prstDash val="solid"/>
+                      <a:round/>
+                      <a:headEnd type="none" w="med" len="med"/>
+                      <a:tailEnd type="none" w="med" len="med"/>
+                    </a:lnL>
+                    <a:lnR w="28575" cap="flat" cmpd="sng" algn="ctr">
+                      <a:solidFill>
+                        <a:schemeClr val="tx1"/>
+                      </a:solidFill>
+                      <a:prstDash val="solid"/>
+                      <a:round/>
+                      <a:headEnd type="none" w="med" len="med"/>
+                      <a:tailEnd type="none" w="med" len="med"/>
+                    </a:lnR>
+                    <a:lnT w="28575" cap="flat" cmpd="sng" algn="ctr">
+                      <a:solidFill>
+                        <a:schemeClr val="tx1"/>
+                      </a:solidFill>
+                      <a:prstDash val="solid"/>
+                      <a:round/>
+                      <a:headEnd type="none" w="med" len="med"/>
+                      <a:tailEnd type="none" w="med" len="med"/>
+                    </a:lnT>
+                    <a:lnB w="28575" cap="flat" cmpd="sng" algn="ctr">
+                      <a:solidFill>
+                        <a:schemeClr val="tx1"/>
+                      </a:solidFill>
+                      <a:prstDash val="solid"/>
+                      <a:round/>
+                      <a:headEnd type="none" w="med" len="med"/>
+                      <a:tailEnd type="none" w="med" len="med"/>
+                    </a:lnB>
+                    <a:noFill/>
+                  </a:tcPr>
+                </a:tc>
+              </a:tr>
+              <a:tr h="0">
+                <a:tc>
+                  <a:txBody>
+                    <a:bodyPr/>
+                    <a:lstStyle/>
+                    <a:p>
+                      <a:endParaRPr lang="en-US" sz="800" dirty="0" smtClean="0">
+                        <a:solidFill>
+                          <a:schemeClr val="tx1"/>
+                        </a:solidFill>
+                      </a:endParaRPr>
+                    </a:p>
+                  </a:txBody>
+                  <a:tcPr>
+                    <a:lnL w="28575" cap="flat" cmpd="sng" algn="ctr">
+                      <a:solidFill>
+                        <a:schemeClr val="tx1"/>
+                      </a:solidFill>
+                      <a:prstDash val="solid"/>
+                      <a:round/>
+                      <a:headEnd type="none" w="med" len="med"/>
+                      <a:tailEnd type="none" w="med" len="med"/>
+                    </a:lnL>
+                    <a:lnR w="28575" cap="flat" cmpd="sng" algn="ctr">
+                      <a:solidFill>
+                        <a:schemeClr val="tx1"/>
+                      </a:solidFill>
+                      <a:prstDash val="solid"/>
+                      <a:round/>
+                      <a:headEnd type="none" w="med" len="med"/>
+                      <a:tailEnd type="none" w="med" len="med"/>
+                    </a:lnR>
+                    <a:lnT w="28575" cap="flat" cmpd="sng" algn="ctr">
+                      <a:solidFill>
+                        <a:schemeClr val="tx1"/>
+                      </a:solidFill>
+                      <a:prstDash val="solid"/>
+                      <a:round/>
+                      <a:headEnd type="none" w="med" len="med"/>
+                      <a:tailEnd type="none" w="med" len="med"/>
+                    </a:lnT>
+                    <a:lnB w="28575" cap="flat" cmpd="sng" algn="ctr">
+                      <a:solidFill>
+                        <a:schemeClr val="tx1"/>
+                      </a:solidFill>
+                      <a:prstDash val="solid"/>
+                      <a:round/>
+                      <a:headEnd type="none" w="med" len="med"/>
+                      <a:tailEnd type="none" w="med" len="med"/>
+                    </a:lnB>
+                    <a:noFill/>
+                  </a:tcPr>
+                </a:tc>
+              </a:tr>
+              <a:tr h="335759">
+                <a:tc>
+                  <a:txBody>
+                    <a:bodyPr/>
+                    <a:lstStyle/>
+                    <a:p>
+                      <a:r>
+                        <a:rPr lang="en-US" sz="1800" dirty="0" err="1" smtClean="0">
+                          <a:solidFill>
+                            <a:schemeClr val="tx1"/>
+                          </a:solidFill>
+                        </a:rPr>
+                        <a:t>getConnection</a:t>
+                      </a:r>
+                      <a:r>
+                        <a:rPr lang="en-US" sz="1800" dirty="0" smtClean="0">
+                          <a:solidFill>
+                            <a:schemeClr val="tx1"/>
+                          </a:solidFill>
+                        </a:rPr>
+                        <a:t>() : Connection</a:t>
+                      </a:r>
+                    </a:p>
+                    <a:p>
+                      <a:r>
+                        <a:rPr lang="en-US" sz="1800" dirty="0" err="1" smtClean="0">
+                          <a:solidFill>
+                            <a:schemeClr val="tx1"/>
+                          </a:solidFill>
+                        </a:rPr>
+                        <a:t>closeResources</a:t>
+                      </a:r>
+                      <a:r>
+                        <a:rPr lang="en-US" sz="1800" dirty="0" smtClean="0">
+                          <a:solidFill>
+                            <a:schemeClr val="tx1"/>
+                          </a:solidFill>
+                        </a:rPr>
+                        <a:t>(Connection,</a:t>
+                      </a:r>
+                      <a:r>
+                        <a:rPr lang="en-US" sz="1800" baseline="0" dirty="0" smtClean="0">
+                          <a:solidFill>
+                            <a:schemeClr val="tx1"/>
+                          </a:solidFill>
+                        </a:rPr>
+                        <a:t> Statement, </a:t>
+                      </a:r>
+                      <a:r>
+                        <a:rPr lang="en-US" sz="1800" baseline="0" dirty="0" err="1" smtClean="0">
+                          <a:solidFill>
+                            <a:schemeClr val="tx1"/>
+                          </a:solidFill>
+                        </a:rPr>
+                        <a:t>ResultSet</a:t>
+                      </a:r>
+                      <a:r>
+                        <a:rPr lang="en-US" sz="1800" dirty="0" smtClean="0">
+                          <a:solidFill>
+                            <a:schemeClr val="tx1"/>
+                          </a:solidFill>
+                        </a:rPr>
+                        <a:t>) : void</a:t>
+                      </a:r>
+                    </a:p>
+                  </a:txBody>
+                  <a:tcPr>
+                    <a:lnL w="28575" cap="flat" cmpd="sng" algn="ctr">
+                      <a:solidFill>
+                        <a:schemeClr val="tx1"/>
+                      </a:solidFill>
+                      <a:prstDash val="solid"/>
+                      <a:round/>
+                      <a:headEnd type="none" w="med" len="med"/>
+                      <a:tailEnd type="none" w="med" len="med"/>
+                    </a:lnL>
+                    <a:lnR w="28575" cap="flat" cmpd="sng" algn="ctr">
+                      <a:solidFill>
+                        <a:schemeClr val="tx1"/>
+                      </a:solidFill>
+                      <a:prstDash val="solid"/>
+                      <a:round/>
+                      <a:headEnd type="none" w="med" len="med"/>
+                      <a:tailEnd type="none" w="med" len="med"/>
+                    </a:lnR>
+                    <a:lnT w="28575" cap="flat" cmpd="sng" algn="ctr">
+                      <a:solidFill>
+                        <a:schemeClr val="tx1"/>
+                      </a:solidFill>
+                      <a:prstDash val="solid"/>
+                      <a:round/>
+                      <a:headEnd type="none" w="med" len="med"/>
+                      <a:tailEnd type="none" w="med" len="med"/>
+                    </a:lnT>
+                    <a:lnB w="28575" cap="flat" cmpd="sng" algn="ctr">
+                      <a:solidFill>
+                        <a:schemeClr val="tx1"/>
+                      </a:solidFill>
+                      <a:prstDash val="solid"/>
+                      <a:round/>
+                      <a:headEnd type="none" w="med" len="med"/>
+                      <a:tailEnd type="none" w="med" len="med"/>
+                    </a:lnB>
+                    <a:noFill/>
+                  </a:tcPr>
+                </a:tc>
+              </a:tr>
+            </a:tbl>
+          </a:graphicData>
+        </a:graphic>
+      </p:graphicFrame>
+      <p:graphicFrame>
+        <p:nvGraphicFramePr>
+          <p:cNvPr id="6" name="Espaço Reservado para Conteúdo 4"/>
+          <p:cNvGraphicFramePr>
+            <a:graphicFrameLocks/>
+          </p:cNvGraphicFramePr>
+          <p:nvPr/>
+        </p:nvGraphicFramePr>
+        <p:xfrm>
+          <a:off x="899592" y="4743792"/>
+          <a:ext cx="2448272" cy="1493520"/>
+        </p:xfrm>
+        <a:graphic>
+          <a:graphicData uri="http://schemas.openxmlformats.org/drawingml/2006/table">
+            <a:tbl>
+              <a:tblPr firstRow="1" bandRow="1">
+                <a:tableStyleId>{5C22544A-7EE6-4342-B048-85BDC9FD1C3A}</a:tableStyleId>
+              </a:tblPr>
+              <a:tblGrid>
+                <a:gridCol w="2448272"/>
+              </a:tblGrid>
+              <a:tr h="261535">
+                <a:tc>
+                  <a:txBody>
+                    <a:bodyPr/>
+                    <a:lstStyle/>
+                    <a:p>
+                      <a:pPr marL="0" algn="ctr" rtl="0" eaLnBrk="1" latinLnBrk="0" hangingPunct="1"/>
+                      <a:r>
+                        <a:rPr kumimoji="0" lang="pt-BR" sz="1800" b="1" i="0" kern="1200" dirty="0" err="1" smtClean="0">
+                          <a:solidFill>
+                            <a:schemeClr val="tx1"/>
+                          </a:solidFill>
+                          <a:latin typeface="+mn-lt"/>
+                          <a:ea typeface="+mn-ea"/>
+                          <a:cs typeface="+mn-cs"/>
+                        </a:rPr>
+                        <a:t>CargoDAO</a:t>
+                      </a:r>
+                      <a:endParaRPr kumimoji="0" lang="pt-BR" sz="1800" b="1" i="0" kern="1200" dirty="0">
+                        <a:solidFill>
+                          <a:schemeClr val="tx1"/>
+                        </a:solidFill>
+                        <a:latin typeface="+mn-lt"/>
+                        <a:ea typeface="+mn-ea"/>
+                        <a:cs typeface="+mn-cs"/>
+                      </a:endParaRPr>
+                    </a:p>
+                  </a:txBody>
+                  <a:tcPr>
+                    <a:lnL w="28575" cap="flat" cmpd="sng" algn="ctr">
+                      <a:solidFill>
+                        <a:schemeClr val="tx1"/>
+                      </a:solidFill>
+                      <a:prstDash val="solid"/>
+                      <a:round/>
+                      <a:headEnd type="none" w="med" len="med"/>
+                      <a:tailEnd type="none" w="med" len="med"/>
+                    </a:lnL>
+                    <a:lnR w="28575" cap="flat" cmpd="sng" algn="ctr">
+                      <a:solidFill>
+                        <a:schemeClr val="tx1"/>
+                      </a:solidFill>
+                      <a:prstDash val="solid"/>
+                      <a:round/>
+                      <a:headEnd type="none" w="med" len="med"/>
+                      <a:tailEnd type="none" w="med" len="med"/>
+                    </a:lnR>
+                    <a:lnT w="28575" cap="flat" cmpd="sng" algn="ctr">
+                      <a:solidFill>
+                        <a:schemeClr val="tx1"/>
+                      </a:solidFill>
+                      <a:prstDash val="solid"/>
+                      <a:round/>
+                      <a:headEnd type="none" w="med" len="med"/>
+                      <a:tailEnd type="none" w="med" len="med"/>
+                    </a:lnT>
+                    <a:lnB w="28575" cap="flat" cmpd="sng" algn="ctr">
+                      <a:solidFill>
+                        <a:schemeClr val="tx1"/>
+                      </a:solidFill>
+                      <a:prstDash val="solid"/>
+                      <a:round/>
+                      <a:headEnd type="none" w="med" len="med"/>
+                      <a:tailEnd type="none" w="med" len="med"/>
+                    </a:lnB>
+                    <a:noFill/>
+                  </a:tcPr>
+                </a:tc>
+              </a:tr>
+              <a:tr h="0">
+                <a:tc>
+                  <a:txBody>
+                    <a:bodyPr/>
+                    <a:lstStyle/>
+                    <a:p>
+                      <a:endParaRPr lang="en-US" sz="800" dirty="0" smtClean="0">
+                        <a:solidFill>
+                          <a:schemeClr val="tx1"/>
+                        </a:solidFill>
+                      </a:endParaRPr>
+                    </a:p>
+                  </a:txBody>
+                  <a:tcPr>
+                    <a:lnL w="28575" cap="flat" cmpd="sng" algn="ctr">
+                      <a:solidFill>
+                        <a:schemeClr val="tx1"/>
+                      </a:solidFill>
+                      <a:prstDash val="solid"/>
+                      <a:round/>
+                      <a:headEnd type="none" w="med" len="med"/>
+                      <a:tailEnd type="none" w="med" len="med"/>
+                    </a:lnL>
+                    <a:lnR w="28575" cap="flat" cmpd="sng" algn="ctr">
+                      <a:solidFill>
+                        <a:schemeClr val="tx1"/>
+                      </a:solidFill>
+                      <a:prstDash val="solid"/>
+                      <a:round/>
+                      <a:headEnd type="none" w="med" len="med"/>
+                      <a:tailEnd type="none" w="med" len="med"/>
+                    </a:lnR>
+                    <a:lnT w="28575" cap="flat" cmpd="sng" algn="ctr">
+                      <a:solidFill>
+                        <a:schemeClr val="tx1"/>
+                      </a:solidFill>
+                      <a:prstDash val="solid"/>
+                      <a:round/>
+                      <a:headEnd type="none" w="med" len="med"/>
+                      <a:tailEnd type="none" w="med" len="med"/>
+                    </a:lnT>
+                    <a:lnB w="28575" cap="flat" cmpd="sng" algn="ctr">
+                      <a:solidFill>
+                        <a:schemeClr val="tx1"/>
+                      </a:solidFill>
+                      <a:prstDash val="solid"/>
+                      <a:round/>
+                      <a:headEnd type="none" w="med" len="med"/>
+                      <a:tailEnd type="none" w="med" len="med"/>
+                    </a:lnB>
+                    <a:noFill/>
+                  </a:tcPr>
+                </a:tc>
+              </a:tr>
+              <a:tr h="335759">
+                <a:tc>
+                  <a:txBody>
+                    <a:bodyPr/>
+                    <a:lstStyle/>
+                    <a:p>
+                      <a:r>
+                        <a:rPr lang="en-US" sz="1800" dirty="0" smtClean="0">
+                          <a:solidFill>
+                            <a:schemeClr val="tx1"/>
+                          </a:solidFill>
+                        </a:rPr>
+                        <a:t>save(</a:t>
+                      </a:r>
+                      <a:r>
+                        <a:rPr lang="en-US" sz="1800" dirty="0" err="1" smtClean="0">
+                          <a:solidFill>
+                            <a:schemeClr val="tx1"/>
+                          </a:solidFill>
+                        </a:rPr>
+                        <a:t>CargoVO</a:t>
+                      </a:r>
+                      <a:r>
+                        <a:rPr lang="en-US" sz="1800" dirty="0" smtClean="0">
+                          <a:solidFill>
+                            <a:schemeClr val="tx1"/>
+                          </a:solidFill>
+                        </a:rPr>
+                        <a:t>) : void</a:t>
+                      </a:r>
+                    </a:p>
+                    <a:p>
+                      <a:r>
+                        <a:rPr lang="en-US" sz="1800" dirty="0" smtClean="0">
+                          <a:solidFill>
+                            <a:schemeClr val="tx1"/>
+                          </a:solidFill>
+                        </a:rPr>
+                        <a:t>delete(</a:t>
+                      </a:r>
+                      <a:r>
+                        <a:rPr lang="en-US" sz="1800" dirty="0" err="1" smtClean="0">
+                          <a:solidFill>
+                            <a:schemeClr val="tx1"/>
+                          </a:solidFill>
+                        </a:rPr>
+                        <a:t>int</a:t>
+                      </a:r>
+                      <a:r>
+                        <a:rPr lang="en-US" sz="1800" dirty="0" smtClean="0">
+                          <a:solidFill>
+                            <a:schemeClr val="tx1"/>
+                          </a:solidFill>
+                        </a:rPr>
+                        <a:t>) : void</a:t>
+                      </a:r>
+                    </a:p>
+                    <a:p>
+                      <a:r>
+                        <a:rPr lang="en-US" sz="1800" dirty="0" smtClean="0">
+                          <a:solidFill>
+                            <a:schemeClr val="tx1"/>
+                          </a:solidFill>
+                        </a:rPr>
+                        <a:t>. . .</a:t>
+                      </a:r>
+                    </a:p>
+                  </a:txBody>
+                  <a:tcPr>
+                    <a:lnL w="28575" cap="flat" cmpd="sng" algn="ctr">
+                      <a:solidFill>
+                        <a:schemeClr val="tx1"/>
+                      </a:solidFill>
+                      <a:prstDash val="solid"/>
+                      <a:round/>
+                      <a:headEnd type="none" w="med" len="med"/>
+                      <a:tailEnd type="none" w="med" len="med"/>
+                    </a:lnL>
+                    <a:lnR w="28575" cap="flat" cmpd="sng" algn="ctr">
+                      <a:solidFill>
+                        <a:schemeClr val="tx1"/>
+                      </a:solidFill>
+                      <a:prstDash val="solid"/>
+                      <a:round/>
+                      <a:headEnd type="none" w="med" len="med"/>
+                      <a:tailEnd type="none" w="med" len="med"/>
+                    </a:lnR>
+                    <a:lnT w="28575" cap="flat" cmpd="sng" algn="ctr">
+                      <a:solidFill>
+                        <a:schemeClr val="tx1"/>
+                      </a:solidFill>
+                      <a:prstDash val="solid"/>
+                      <a:round/>
+                      <a:headEnd type="none" w="med" len="med"/>
+                      <a:tailEnd type="none" w="med" len="med"/>
+                    </a:lnT>
+                    <a:lnB w="28575" cap="flat" cmpd="sng" algn="ctr">
+                      <a:solidFill>
+                        <a:schemeClr val="tx1"/>
+                      </a:solidFill>
+                      <a:prstDash val="solid"/>
+                      <a:round/>
+                      <a:headEnd type="none" w="med" len="med"/>
+                      <a:tailEnd type="none" w="med" len="med"/>
+                    </a:lnB>
+                    <a:noFill/>
+                  </a:tcPr>
+                </a:tc>
+              </a:tr>
+            </a:tbl>
+          </a:graphicData>
+        </a:graphic>
+      </p:graphicFrame>
+      <p:graphicFrame>
+        <p:nvGraphicFramePr>
+          <p:cNvPr id="7" name="Espaço Reservado para Conteúdo 4"/>
+          <p:cNvGraphicFramePr>
+            <a:graphicFrameLocks/>
+          </p:cNvGraphicFramePr>
+          <p:nvPr/>
+        </p:nvGraphicFramePr>
+        <p:xfrm>
+          <a:off x="4932040" y="4743792"/>
+          <a:ext cx="3168352" cy="1493520"/>
+        </p:xfrm>
+        <a:graphic>
+          <a:graphicData uri="http://schemas.openxmlformats.org/drawingml/2006/table">
+            <a:tbl>
+              <a:tblPr firstRow="1" bandRow="1">
+                <a:tableStyleId>{5C22544A-7EE6-4342-B048-85BDC9FD1C3A}</a:tableStyleId>
+              </a:tblPr>
+              <a:tblGrid>
+                <a:gridCol w="3168352"/>
+              </a:tblGrid>
+              <a:tr h="261535">
+                <a:tc>
+                  <a:txBody>
+                    <a:bodyPr/>
+                    <a:lstStyle/>
+                    <a:p>
+                      <a:pPr marL="0" algn="ctr" rtl="0" eaLnBrk="1" latinLnBrk="0" hangingPunct="1"/>
+                      <a:r>
+                        <a:rPr kumimoji="0" lang="pt-BR" sz="1800" b="1" i="0" kern="1200" dirty="0" err="1" smtClean="0">
+                          <a:solidFill>
+                            <a:schemeClr val="tx1"/>
+                          </a:solidFill>
+                          <a:latin typeface="+mn-lt"/>
+                          <a:ea typeface="+mn-ea"/>
+                          <a:cs typeface="+mn-cs"/>
+                        </a:rPr>
+                        <a:t>FuncionarioDAO</a:t>
+                      </a:r>
+                      <a:endParaRPr kumimoji="0" lang="pt-BR" sz="1800" b="1" i="0" kern="1200" dirty="0">
+                        <a:solidFill>
+                          <a:schemeClr val="tx1"/>
+                        </a:solidFill>
+                        <a:latin typeface="+mn-lt"/>
+                        <a:ea typeface="+mn-ea"/>
+                        <a:cs typeface="+mn-cs"/>
+                      </a:endParaRPr>
+                    </a:p>
+                  </a:txBody>
+                  <a:tcPr>
+                    <a:lnL w="28575" cap="flat" cmpd="sng" algn="ctr">
+                      <a:solidFill>
+                        <a:schemeClr val="tx1"/>
+                      </a:solidFill>
+                      <a:prstDash val="solid"/>
+                      <a:round/>
+                      <a:headEnd type="none" w="med" len="med"/>
+                      <a:tailEnd type="none" w="med" len="med"/>
+                    </a:lnL>
+                    <a:lnR w="28575" cap="flat" cmpd="sng" algn="ctr">
+                      <a:solidFill>
+                        <a:schemeClr val="tx1"/>
+                      </a:solidFill>
+                      <a:prstDash val="solid"/>
+                      <a:round/>
+                      <a:headEnd type="none" w="med" len="med"/>
+                      <a:tailEnd type="none" w="med" len="med"/>
+                    </a:lnR>
+                    <a:lnT w="28575" cap="flat" cmpd="sng" algn="ctr">
+                      <a:solidFill>
+                        <a:schemeClr val="tx1"/>
+                      </a:solidFill>
+                      <a:prstDash val="solid"/>
+                      <a:round/>
+                      <a:headEnd type="none" w="med" len="med"/>
+                      <a:tailEnd type="none" w="med" len="med"/>
+                    </a:lnT>
+                    <a:lnB w="28575" cap="flat" cmpd="sng" algn="ctr">
+                      <a:solidFill>
+                        <a:schemeClr val="tx1"/>
+                      </a:solidFill>
+                      <a:prstDash val="solid"/>
+                      <a:round/>
+                      <a:headEnd type="none" w="med" len="med"/>
+                      <a:tailEnd type="none" w="med" len="med"/>
+                    </a:lnB>
+                    <a:noFill/>
+                  </a:tcPr>
+                </a:tc>
+              </a:tr>
+              <a:tr h="0">
+                <a:tc>
+                  <a:txBody>
+                    <a:bodyPr/>
+                    <a:lstStyle/>
+                    <a:p>
+                      <a:endParaRPr lang="en-US" sz="800" dirty="0" smtClean="0">
+                        <a:solidFill>
+                          <a:schemeClr val="tx1"/>
+                        </a:solidFill>
+                      </a:endParaRPr>
+                    </a:p>
+                  </a:txBody>
+                  <a:tcPr>
+                    <a:lnL w="28575" cap="flat" cmpd="sng" algn="ctr">
+                      <a:solidFill>
+                        <a:schemeClr val="tx1"/>
+                      </a:solidFill>
+                      <a:prstDash val="solid"/>
+                      <a:round/>
+                      <a:headEnd type="none" w="med" len="med"/>
+                      <a:tailEnd type="none" w="med" len="med"/>
+                    </a:lnL>
+                    <a:lnR w="28575" cap="flat" cmpd="sng" algn="ctr">
+                      <a:solidFill>
+                        <a:schemeClr val="tx1"/>
+                      </a:solidFill>
+                      <a:prstDash val="solid"/>
+                      <a:round/>
+                      <a:headEnd type="none" w="med" len="med"/>
+                      <a:tailEnd type="none" w="med" len="med"/>
+                    </a:lnR>
+                    <a:lnT w="28575" cap="flat" cmpd="sng" algn="ctr">
+                      <a:solidFill>
+                        <a:schemeClr val="tx1"/>
+                      </a:solidFill>
+                      <a:prstDash val="solid"/>
+                      <a:round/>
+                      <a:headEnd type="none" w="med" len="med"/>
+                      <a:tailEnd type="none" w="med" len="med"/>
+                    </a:lnT>
+                    <a:lnB w="28575" cap="flat" cmpd="sng" algn="ctr">
+                      <a:solidFill>
+                        <a:schemeClr val="tx1"/>
+                      </a:solidFill>
+                      <a:prstDash val="solid"/>
+                      <a:round/>
+                      <a:headEnd type="none" w="med" len="med"/>
+                      <a:tailEnd type="none" w="med" len="med"/>
+                    </a:lnB>
+                    <a:noFill/>
+                  </a:tcPr>
+                </a:tc>
+              </a:tr>
+              <a:tr h="335759">
+                <a:tc>
+                  <a:txBody>
+                    <a:bodyPr/>
+                    <a:lstStyle/>
+                    <a:p>
+                      <a:r>
+                        <a:rPr lang="en-US" sz="1800" dirty="0" smtClean="0">
+                          <a:solidFill>
+                            <a:schemeClr val="tx1"/>
+                          </a:solidFill>
+                        </a:rPr>
+                        <a:t>save(</a:t>
+                      </a:r>
+                      <a:r>
+                        <a:rPr lang="en-US" sz="1800" dirty="0" err="1" smtClean="0">
+                          <a:solidFill>
+                            <a:schemeClr val="tx1"/>
+                          </a:solidFill>
+                        </a:rPr>
+                        <a:t>FuncionarioVO</a:t>
+                      </a:r>
+                      <a:r>
+                        <a:rPr lang="en-US" sz="1800" dirty="0" smtClean="0">
+                          <a:solidFill>
+                            <a:schemeClr val="tx1"/>
+                          </a:solidFill>
+                        </a:rPr>
+                        <a:t>) : void</a:t>
+                      </a:r>
+                    </a:p>
+                    <a:p>
+                      <a:r>
+                        <a:rPr lang="en-US" sz="1800" dirty="0" smtClean="0">
+                          <a:solidFill>
+                            <a:schemeClr val="tx1"/>
+                          </a:solidFill>
+                        </a:rPr>
+                        <a:t>delete(</a:t>
+                      </a:r>
+                      <a:r>
+                        <a:rPr lang="en-US" sz="1800" dirty="0" err="1" smtClean="0">
+                          <a:solidFill>
+                            <a:schemeClr val="tx1"/>
+                          </a:solidFill>
+                        </a:rPr>
+                        <a:t>int</a:t>
+                      </a:r>
+                      <a:r>
+                        <a:rPr lang="en-US" sz="1800" dirty="0" smtClean="0">
+                          <a:solidFill>
+                            <a:schemeClr val="tx1"/>
+                          </a:solidFill>
+                        </a:rPr>
+                        <a:t>) : void</a:t>
+                      </a:r>
+                    </a:p>
+                    <a:p>
+                      <a:r>
+                        <a:rPr lang="en-US" sz="1800" dirty="0" smtClean="0">
+                          <a:solidFill>
+                            <a:schemeClr val="tx1"/>
+                          </a:solidFill>
+                        </a:rPr>
+                        <a:t>.</a:t>
+                      </a:r>
+                      <a:r>
+                        <a:rPr lang="en-US" sz="1800" baseline="0" dirty="0" smtClean="0">
+                          <a:solidFill>
+                            <a:schemeClr val="tx1"/>
+                          </a:solidFill>
+                        </a:rPr>
+                        <a:t> . .</a:t>
+                      </a:r>
+                      <a:endParaRPr lang="en-US" sz="1800" dirty="0" smtClean="0">
+                        <a:solidFill>
+                          <a:schemeClr val="tx1"/>
+                        </a:solidFill>
+                      </a:endParaRPr>
+                    </a:p>
+                  </a:txBody>
+                  <a:tcPr>
+                    <a:lnL w="28575" cap="flat" cmpd="sng" algn="ctr">
+                      <a:solidFill>
+                        <a:schemeClr val="tx1"/>
+                      </a:solidFill>
+                      <a:prstDash val="solid"/>
+                      <a:round/>
+                      <a:headEnd type="none" w="med" len="med"/>
+                      <a:tailEnd type="none" w="med" len="med"/>
+                    </a:lnL>
+                    <a:lnR w="28575" cap="flat" cmpd="sng" algn="ctr">
+                      <a:solidFill>
+                        <a:schemeClr val="tx1"/>
+                      </a:solidFill>
+                      <a:prstDash val="solid"/>
+                      <a:round/>
+                      <a:headEnd type="none" w="med" len="med"/>
+                      <a:tailEnd type="none" w="med" len="med"/>
+                    </a:lnR>
+                    <a:lnT w="28575" cap="flat" cmpd="sng" algn="ctr">
+                      <a:solidFill>
+                        <a:schemeClr val="tx1"/>
+                      </a:solidFill>
+                      <a:prstDash val="solid"/>
+                      <a:round/>
+                      <a:headEnd type="none" w="med" len="med"/>
+                      <a:tailEnd type="none" w="med" len="med"/>
+                    </a:lnT>
+                    <a:lnB w="28575" cap="flat" cmpd="sng" algn="ctr">
+                      <a:solidFill>
+                        <a:schemeClr val="tx1"/>
+                      </a:solidFill>
+                      <a:prstDash val="solid"/>
+                      <a:round/>
+                      <a:headEnd type="none" w="med" len="med"/>
+                      <a:tailEnd type="none" w="med" len="med"/>
+                    </a:lnB>
+                    <a:noFill/>
+                  </a:tcPr>
+                </a:tc>
+              </a:tr>
+            </a:tbl>
+          </a:graphicData>
+        </a:graphic>
+      </p:graphicFrame>
+      <p:grpSp>
+        <p:nvGrpSpPr>
+          <p:cNvPr id="20" name="Grupo 19"/>
+          <p:cNvGrpSpPr/>
+          <p:nvPr/>
+        </p:nvGrpSpPr>
+        <p:grpSpPr>
+          <a:xfrm rot="16200000">
+            <a:off x="3983229" y="2145564"/>
+            <a:ext cx="745495" cy="4464496"/>
+            <a:chOff x="3419832" y="4086073"/>
+            <a:chExt cx="1152108" cy="1953217"/>
+          </a:xfrm>
+        </p:grpSpPr>
+        <p:cxnSp>
+          <p:nvCxnSpPr>
+            <p:cNvPr id="9" name="Conector de seta reta 8"/>
+            <p:cNvCxnSpPr/>
+            <p:nvPr/>
+          </p:nvCxnSpPr>
+          <p:spPr>
+            <a:xfrm flipV="1">
+              <a:off x="3419832" y="5535234"/>
+              <a:ext cx="1152108" cy="504056"/>
+            </a:xfrm>
+            <a:prstGeom prst="bentConnector3">
+              <a:avLst>
+                <a:gd name="adj1" fmla="val 50000"/>
+              </a:avLst>
+            </a:prstGeom>
+            <a:ln w="38100">
+              <a:solidFill>
+                <a:schemeClr val="tx1"/>
+              </a:solidFill>
+              <a:headEnd type="none" w="med" len="med"/>
+              <a:tailEnd type="triangle" w="lg" len="lg"/>
+            </a:ln>
+          </p:spPr>
+          <p:style>
+            <a:lnRef idx="1">
+              <a:schemeClr val="accent1"/>
+            </a:lnRef>
+            <a:fillRef idx="0">
+              <a:schemeClr val="accent1"/>
+            </a:fillRef>
+            <a:effectRef idx="0">
+              <a:schemeClr val="accent1"/>
+            </a:effectRef>
+            <a:fontRef idx="minor">
+              <a:schemeClr val="tx1"/>
+            </a:fontRef>
+          </p:style>
+        </p:cxnSp>
+        <p:cxnSp>
+          <p:nvCxnSpPr>
+            <p:cNvPr id="17" name="Conector de seta reta 8"/>
+            <p:cNvCxnSpPr/>
+            <p:nvPr/>
+          </p:nvCxnSpPr>
+          <p:spPr>
+            <a:xfrm>
+              <a:off x="3419832" y="4086073"/>
+              <a:ext cx="1152107" cy="504056"/>
+            </a:xfrm>
+            <a:prstGeom prst="bentConnector3">
+              <a:avLst>
+                <a:gd name="adj1" fmla="val 50000"/>
+              </a:avLst>
+            </a:prstGeom>
+            <a:ln w="38100">
+              <a:solidFill>
+                <a:schemeClr val="tx1"/>
+              </a:solidFill>
+              <a:headEnd type="none" w="med" len="med"/>
+              <a:tailEnd type="triangle" w="lg" len="lg"/>
+            </a:ln>
+          </p:spPr>
+          <p:style>
+            <a:lnRef idx="1">
+              <a:schemeClr val="accent1"/>
+            </a:lnRef>
+            <a:fillRef idx="0">
+              <a:schemeClr val="accent1"/>
+            </a:fillRef>
+            <a:effectRef idx="0">
+              <a:schemeClr val="accent1"/>
+            </a:effectRef>
+            <a:fontRef idx="minor">
+              <a:schemeClr val="tx1"/>
+            </a:fontRef>
+          </p:style>
+        </p:cxnSp>
+      </p:grpSp>
+    </p:spTree>
+  </p:cSld>
+  <p:clrMapOvr>
+    <a:masterClrMapping/>
+  </p:clrMapOvr>
+  <p:timing>
+    <p:tnLst>
+      <p:par>
+        <p:cTn id="1" dur="indefinite" restart="never" nodeType="tmRoot"/>
+      </p:par>
+    </p:tnLst>
+  </p:timing>
+</p:sld>
+</file>
+
+<file path=ppt/slides/slide14.xml><?xml version="1.0" encoding="utf-8"?>
+<p:sld xmlns:a="http://schemas.openxmlformats.org/drawingml/2006/main" xmlns:r="http://schemas.openxmlformats.org/officeDocument/2006/relationships" xmlns:p="http://schemas.openxmlformats.org/presentationml/2006/main">
+  <p:cSld>
+    <p:spTree>
+      <p:nvGrpSpPr>
+        <p:cNvPr id="1" name=""/>
+        <p:cNvGrpSpPr/>
+        <p:nvPr/>
+      </p:nvGrpSpPr>
+      <p:grpSpPr>
+        <a:xfrm>
+          <a:off x="0" y="0"/>
+          <a:ext cx="0" cy="0"/>
+          <a:chOff x="0" y="0"/>
+          <a:chExt cx="0" cy="0"/>
+        </a:xfrm>
+      </p:grpSpPr>
+      <p:sp>
+        <p:nvSpPr>
+          <p:cNvPr id="2" name="Título 1"/>
+          <p:cNvSpPr>
+            <a:spLocks noGrp="1"/>
+          </p:cNvSpPr>
+          <p:nvPr>
+            <p:ph type="title"/>
+          </p:nvPr>
+        </p:nvSpPr>
+        <p:spPr/>
+        <p:txBody>
+          <a:bodyPr/>
+          <a:lstStyle/>
+          <a:p>
+            <a:pPr rtl="0" eaLnBrk="0" fontAlgn="base" hangingPunct="0"/>
+            <a:r>
+              <a:rPr lang="pt-BR" sz="4600" kern="1200" dirty="0" smtClean="0">
+                <a:solidFill>
+                  <a:schemeClr val="tx1"/>
+                </a:solidFill>
+                <a:latin typeface="+mj-lt"/>
+                <a:ea typeface="+mj-ea"/>
+                <a:cs typeface="+mj-cs"/>
+              </a:rPr>
+              <a:t>Tela de Cadastro de Cargos</a:t>
+            </a:r>
+            <a:endParaRPr lang="pt-BR" dirty="0"/>
+          </a:p>
+        </p:txBody>
+      </p:sp>
+      <p:sp>
+        <p:nvSpPr>
+          <p:cNvPr id="5" name="Espaço Reservado para Conteúdo 4"/>
+          <p:cNvSpPr>
+            <a:spLocks noGrp="1"/>
+          </p:cNvSpPr>
+          <p:nvPr>
+            <p:ph sz="half" idx="1"/>
+          </p:nvPr>
+        </p:nvSpPr>
+        <p:spPr>
+          <a:xfrm>
+            <a:off x="457200" y="1600201"/>
+            <a:ext cx="8003232" cy="2188840"/>
+          </a:xfrm>
+        </p:spPr>
+        <p:txBody>
+          <a:bodyPr/>
+          <a:lstStyle/>
+          <a:p>
+            <a:r>
+              <a:rPr lang="pt-BR" dirty="0" smtClean="0"/>
+              <a:t>Na janela de cadastro de cargo, a cada vez que o usuário clicar no botão Salvar, um VO deverá ser preenchido com o nome do cargo e enviado ao DAO para que seja cadastrado com um INSERT.</a:t>
+            </a:r>
+            <a:endParaRPr lang="pt-BR" dirty="0"/>
+          </a:p>
+        </p:txBody>
+      </p:sp>
+      <p:pic>
+        <p:nvPicPr>
+          <p:cNvPr id="7" name="Espaço Reservado para Conteúdo 6" descr="janela-cargo.png"/>
+          <p:cNvPicPr>
+            <a:picLocks noGrp="1" noChangeAspect="1"/>
+          </p:cNvPicPr>
+          <p:nvPr>
+            <p:ph sz="half" idx="2"/>
+          </p:nvPr>
+        </p:nvPicPr>
+        <p:blipFill>
+          <a:blip r:embed="rId3" cstate="print"/>
+          <a:stretch>
+            <a:fillRect/>
+          </a:stretch>
+        </p:blipFill>
+        <p:spPr>
+          <a:xfrm>
+            <a:off x="2987824" y="4221088"/>
+            <a:ext cx="2857899" cy="1524213"/>
+          </a:xfrm>
+        </p:spPr>
+      </p:pic>
+      <p:sp>
+        <p:nvSpPr>
+          <p:cNvPr id="4" name="Espaço Reservado para Número de Slide 3"/>
+          <p:cNvSpPr>
+            <a:spLocks noGrp="1"/>
+          </p:cNvSpPr>
+          <p:nvPr>
+            <p:ph type="sldNum" sz="quarter" idx="12"/>
+          </p:nvPr>
+        </p:nvSpPr>
+        <p:spPr/>
+        <p:txBody>
+          <a:bodyPr/>
+          <a:lstStyle/>
+          <a:p>
+            <a:pPr>
+              <a:defRPr/>
+            </a:pPr>
+            <a:fld id="{EF19A0F5-F849-4C78-8624-C3A50979DE44}" type="slidenum">
+              <a:rPr lang="pt-BR" smtClean="0"/>
+              <a:pPr>
+                <a:defRPr/>
+              </a:pPr>
+              <a:t>14</a:t>
+            </a:fld>
+            <a:endParaRPr lang="pt-BR"/>
+          </a:p>
+        </p:txBody>
+      </p:sp>
+    </p:spTree>
+  </p:cSld>
+  <p:clrMapOvr>
+    <a:masterClrMapping/>
+  </p:clrMapOvr>
+  <p:timing>
+    <p:tnLst>
+      <p:par>
+        <p:cTn id="1" dur="indefinite" restart="never" nodeType="tmRoot"/>
+      </p:par>
+    </p:tnLst>
+  </p:timing>
+</p:sld>
+</file>
+
+<file path=ppt/slides/slide15.xml><?xml version="1.0" encoding="utf-8"?>
+<p:sld xmlns:a="http://schemas.openxmlformats.org/drawingml/2006/main" xmlns:r="http://schemas.openxmlformats.org/officeDocument/2006/relationships" xmlns:p="http://schemas.openxmlformats.org/presentationml/2006/main">
+  <p:cSld>
+    <p:spTree>
+      <p:nvGrpSpPr>
+        <p:cNvPr id="1" name=""/>
+        <p:cNvGrpSpPr/>
+        <p:nvPr/>
+      </p:nvGrpSpPr>
+      <p:grpSpPr>
+        <a:xfrm>
+          <a:off x="0" y="0"/>
+          <a:ext cx="0" cy="0"/>
+          <a:chOff x="0" y="0"/>
+          <a:chExt cx="0" cy="0"/>
+        </a:xfrm>
+      </p:grpSpPr>
+      <p:sp>
+        <p:nvSpPr>
+          <p:cNvPr id="2" name="Título 1"/>
+          <p:cNvSpPr>
+            <a:spLocks noGrp="1"/>
+          </p:cNvSpPr>
+          <p:nvPr>
+            <p:ph type="title"/>
+          </p:nvPr>
+        </p:nvSpPr>
+        <p:spPr>
+          <a:xfrm>
+            <a:off x="457200" y="274638"/>
+            <a:ext cx="8291264" cy="1143000"/>
+          </a:xfrm>
+        </p:spPr>
+        <p:txBody>
+          <a:bodyPr/>
+          <a:lstStyle/>
+          <a:p>
+            <a:pPr rtl="0" eaLnBrk="0" fontAlgn="base" hangingPunct="0"/>
+            <a:r>
+              <a:rPr lang="pt-BR" sz="4400" kern="1200" dirty="0" smtClean="0">
+                <a:solidFill>
+                  <a:schemeClr val="tx1"/>
+                </a:solidFill>
+                <a:latin typeface="+mj-lt"/>
+                <a:ea typeface="+mj-ea"/>
+                <a:cs typeface="+mj-cs"/>
+              </a:rPr>
+              <a:t>Tela de Cadastro de Funcionários</a:t>
+            </a:r>
+            <a:endParaRPr lang="pt-BR" sz="4400" dirty="0"/>
+          </a:p>
+        </p:txBody>
+      </p:sp>
+      <p:sp>
+        <p:nvSpPr>
+          <p:cNvPr id="5" name="Espaço Reservado para Conteúdo 4"/>
+          <p:cNvSpPr>
+            <a:spLocks noGrp="1"/>
+          </p:cNvSpPr>
+          <p:nvPr>
+            <p:ph sz="half" idx="1"/>
+          </p:nvPr>
+        </p:nvSpPr>
+        <p:spPr>
+          <a:xfrm>
+            <a:off x="457200" y="1600200"/>
+            <a:ext cx="8075240" cy="4205063"/>
+          </a:xfrm>
+        </p:spPr>
+        <p:txBody>
+          <a:bodyPr/>
+          <a:lstStyle/>
+          <a:p>
+            <a:r>
+              <a:rPr lang="pt-BR" sz="2000" dirty="0" smtClean="0"/>
+              <a:t>O mesmo deverá ser realizado pela</a:t>
+            </a:r>
+            <a:br>
+              <a:rPr lang="pt-BR" sz="2000" dirty="0" smtClean="0"/>
+            </a:br>
+            <a:r>
+              <a:rPr lang="pt-BR" sz="2000" dirty="0" smtClean="0"/>
+              <a:t>janela de cadastro de funcionários.</a:t>
+            </a:r>
+          </a:p>
+          <a:p>
+            <a:r>
+              <a:rPr lang="pt-BR" sz="2000" dirty="0" smtClean="0"/>
+              <a:t>Para preencher o </a:t>
+            </a:r>
+            <a:r>
+              <a:rPr lang="pt-BR" sz="2000" dirty="0" err="1" smtClean="0"/>
+              <a:t>combo</a:t>
+            </a:r>
+            <a:r>
+              <a:rPr lang="pt-BR" sz="2000" dirty="0" smtClean="0"/>
+              <a:t> de cargos,</a:t>
+            </a:r>
+            <a:br>
+              <a:rPr lang="pt-BR" sz="2000" dirty="0" smtClean="0"/>
+            </a:br>
+            <a:r>
+              <a:rPr lang="pt-BR" sz="2000" dirty="0" smtClean="0"/>
+              <a:t>implemente o método </a:t>
+            </a:r>
+            <a:r>
+              <a:rPr lang="pt-BR" sz="2000" dirty="0" err="1" smtClean="0">
+                <a:solidFill>
+                  <a:srgbClr val="FFC000"/>
+                </a:solidFill>
+              </a:rPr>
+              <a:t>fillCmbCargo</a:t>
+            </a:r>
+            <a:r>
+              <a:rPr lang="pt-BR" sz="2000" dirty="0" smtClean="0">
+                <a:solidFill>
+                  <a:srgbClr val="FFC000"/>
+                </a:solidFill>
+              </a:rPr>
+              <a:t>()</a:t>
+            </a:r>
+            <a:r>
+              <a:rPr lang="pt-BR" sz="2000" dirty="0" smtClean="0"/>
+              <a:t>.</a:t>
+            </a:r>
+            <a:br>
+              <a:rPr lang="pt-BR" sz="2000" dirty="0" smtClean="0"/>
+            </a:br>
+            <a:r>
+              <a:rPr lang="pt-BR" sz="2000" dirty="0" smtClean="0"/>
+              <a:t>Este método é chamado na inicialização</a:t>
+            </a:r>
+            <a:br>
+              <a:rPr lang="pt-BR" sz="2000" dirty="0" smtClean="0"/>
+            </a:br>
+            <a:r>
+              <a:rPr lang="pt-BR" sz="2000" dirty="0" smtClean="0"/>
+              <a:t>da tela e deverá solicitar ao </a:t>
+            </a:r>
+            <a:r>
+              <a:rPr lang="pt-BR" sz="2000" dirty="0" err="1" smtClean="0"/>
+              <a:t>CargoDAO</a:t>
+            </a:r>
+            <a:r>
+              <a:rPr lang="pt-BR" sz="2000" dirty="0" smtClean="0"/>
+              <a:t/>
+            </a:r>
+            <a:br>
+              <a:rPr lang="pt-BR" sz="2000" dirty="0" smtClean="0"/>
+            </a:br>
+            <a:r>
+              <a:rPr lang="pt-BR" sz="2000" dirty="0" smtClean="0"/>
+              <a:t>uma lista contendo todos os cargos</a:t>
+            </a:r>
+            <a:br>
+              <a:rPr lang="pt-BR" sz="2000" dirty="0" smtClean="0"/>
+            </a:br>
+            <a:r>
+              <a:rPr lang="pt-BR" sz="2000" dirty="0" smtClean="0"/>
+              <a:t>cadastrados. Para cada item da lista</a:t>
+            </a:r>
+            <a:br>
+              <a:rPr lang="pt-BR" sz="2000" dirty="0" smtClean="0"/>
+            </a:br>
+            <a:r>
+              <a:rPr lang="pt-BR" sz="2000" dirty="0" smtClean="0"/>
+              <a:t>execute o comando abaixo:</a:t>
+            </a:r>
+          </a:p>
+          <a:p>
+            <a:pPr marL="0" indent="0" algn="ctr">
+              <a:buNone/>
+            </a:pPr>
+            <a:r>
+              <a:rPr lang="pt-BR" sz="2000" dirty="0" err="1" smtClean="0">
+                <a:solidFill>
+                  <a:srgbClr val="FFC000"/>
+                </a:solidFill>
+              </a:rPr>
+              <a:t>cmbCargo</a:t>
+            </a:r>
+            <a:r>
+              <a:rPr lang="pt-BR" sz="2000" dirty="0" smtClean="0">
+                <a:solidFill>
+                  <a:srgbClr val="FFC000"/>
+                </a:solidFill>
+              </a:rPr>
+              <a:t>.</a:t>
+            </a:r>
+            <a:r>
+              <a:rPr lang="pt-BR" sz="2000" dirty="0" err="1" smtClean="0">
+                <a:solidFill>
+                  <a:srgbClr val="FFC000"/>
+                </a:solidFill>
+              </a:rPr>
+              <a:t>addItem</a:t>
+            </a:r>
+            <a:r>
+              <a:rPr lang="pt-BR" sz="2000" dirty="0" smtClean="0">
+                <a:solidFill>
+                  <a:srgbClr val="FFC000"/>
+                </a:solidFill>
+              </a:rPr>
+              <a:t>(cargo);</a:t>
+            </a:r>
+          </a:p>
+          <a:p>
+            <a:r>
+              <a:rPr lang="pt-BR" sz="2000" dirty="0" smtClean="0"/>
+              <a:t>Para que o nome de cada cargo seja corretamente exibido no </a:t>
+            </a:r>
+            <a:r>
+              <a:rPr lang="pt-BR" sz="2000" dirty="0" err="1" smtClean="0"/>
+              <a:t>combo</a:t>
+            </a:r>
+            <a:r>
+              <a:rPr lang="pt-BR" sz="2000" dirty="0" smtClean="0"/>
+              <a:t>, certifique-se de que a classe </a:t>
+            </a:r>
+            <a:r>
+              <a:rPr lang="pt-BR" sz="2000" dirty="0" err="1" smtClean="0"/>
+              <a:t>CargoVO</a:t>
+            </a:r>
+            <a:r>
+              <a:rPr lang="pt-BR" sz="2000" dirty="0" smtClean="0"/>
+              <a:t> possui implementado o método </a:t>
+            </a:r>
+            <a:r>
+              <a:rPr lang="pt-BR" sz="2000" dirty="0" err="1" smtClean="0"/>
+              <a:t>toString</a:t>
+            </a:r>
+            <a:r>
+              <a:rPr lang="pt-BR" sz="2000" dirty="0" smtClean="0"/>
+              <a:t>().</a:t>
+            </a:r>
+          </a:p>
+          <a:p>
+            <a:r>
+              <a:rPr lang="pt-BR" sz="2000" dirty="0" smtClean="0"/>
+              <a:t>Para resgatar o cargo que foi selecionado, utilize:</a:t>
+            </a:r>
+          </a:p>
+          <a:p>
+            <a:pPr marL="0" indent="0" algn="ctr">
+              <a:buNone/>
+            </a:pPr>
+            <a:r>
+              <a:rPr lang="pt-BR" sz="2000" dirty="0" smtClean="0">
+                <a:solidFill>
+                  <a:srgbClr val="FFC000"/>
+                </a:solidFill>
+              </a:rPr>
+              <a:t>cargo = (Cargo) </a:t>
+            </a:r>
+            <a:r>
+              <a:rPr lang="pt-BR" sz="2000" dirty="0" err="1" smtClean="0">
+                <a:solidFill>
+                  <a:srgbClr val="FFC000"/>
+                </a:solidFill>
+              </a:rPr>
+              <a:t>cmbCargo</a:t>
+            </a:r>
+            <a:r>
+              <a:rPr lang="pt-BR" sz="2000" dirty="0" smtClean="0">
+                <a:solidFill>
+                  <a:srgbClr val="FFC000"/>
+                </a:solidFill>
+              </a:rPr>
+              <a:t>.</a:t>
+            </a:r>
+            <a:r>
+              <a:rPr lang="pt-BR" sz="2000" dirty="0" err="1" smtClean="0">
+                <a:solidFill>
+                  <a:srgbClr val="FFC000"/>
+                </a:solidFill>
+              </a:rPr>
+              <a:t>getSelectedItem</a:t>
+            </a:r>
+            <a:r>
+              <a:rPr lang="pt-BR" sz="2000" dirty="0" smtClean="0">
+                <a:solidFill>
+                  <a:srgbClr val="FFC000"/>
+                </a:solidFill>
+              </a:rPr>
+              <a:t>();</a:t>
+            </a:r>
+            <a:endParaRPr lang="pt-BR" sz="2000" dirty="0" smtClean="0">
+              <a:solidFill>
+                <a:srgbClr val="FFC000"/>
+              </a:solidFill>
+            </a:endParaRPr>
+          </a:p>
+        </p:txBody>
+      </p:sp>
+      <p:pic>
+        <p:nvPicPr>
+          <p:cNvPr id="7" name="Espaço Reservado para Conteúdo 6" descr="janela-funcionario.png"/>
+          <p:cNvPicPr>
+            <a:picLocks noGrp="1" noChangeAspect="1"/>
+          </p:cNvPicPr>
+          <p:nvPr>
+            <p:ph sz="half" idx="2"/>
+          </p:nvPr>
+        </p:nvPicPr>
+        <p:blipFill>
+          <a:blip r:embed="rId3" cstate="print"/>
+          <a:stretch>
+            <a:fillRect/>
+          </a:stretch>
+        </p:blipFill>
+        <p:spPr>
+          <a:xfrm>
+            <a:off x="5724128" y="1628800"/>
+            <a:ext cx="2857899" cy="2476846"/>
+          </a:xfrm>
+        </p:spPr>
+      </p:pic>
+      <p:sp>
+        <p:nvSpPr>
+          <p:cNvPr id="4" name="Espaço Reservado para Número de Slide 3"/>
+          <p:cNvSpPr>
+            <a:spLocks noGrp="1"/>
+          </p:cNvSpPr>
+          <p:nvPr>
+            <p:ph type="sldNum" sz="quarter" idx="12"/>
+          </p:nvPr>
+        </p:nvSpPr>
+        <p:spPr/>
+        <p:txBody>
+          <a:bodyPr/>
+          <a:lstStyle/>
+          <a:p>
+            <a:pPr>
+              <a:defRPr/>
+            </a:pPr>
+            <a:fld id="{EF19A0F5-F849-4C78-8624-C3A50979DE44}" type="slidenum">
+              <a:rPr lang="pt-BR" smtClean="0"/>
+              <a:pPr>
+                <a:defRPr/>
+              </a:pPr>
+              <a:t>15</a:t>
+            </a:fld>
+            <a:endParaRPr lang="pt-BR"/>
+          </a:p>
+        </p:txBody>
+      </p:sp>
+    </p:spTree>
+  </p:cSld>
+  <p:clrMapOvr>
+    <a:masterClrMapping/>
+  </p:clrMapOvr>
+</p:sld>
+</file>
+
+<file path=ppt/slides/slide16.xml><?xml version="1.0" encoding="utf-8"?>
+<p:sld xmlns:a="http://schemas.openxmlformats.org/drawingml/2006/main" xmlns:r="http://schemas.openxmlformats.org/officeDocument/2006/relationships" xmlns:p="http://schemas.openxmlformats.org/presentationml/2006/main">
+  <p:cSld>
+    <p:spTree>
+      <p:nvGrpSpPr>
+        <p:cNvPr id="1" name=""/>
+        <p:cNvGrpSpPr/>
+        <p:nvPr/>
+      </p:nvGrpSpPr>
+      <p:grpSpPr>
+        <a:xfrm>
+          <a:off x="0" y="0"/>
+          <a:ext cx="0" cy="0"/>
+          <a:chOff x="0" y="0"/>
+          <a:chExt cx="0" cy="0"/>
+        </a:xfrm>
+      </p:grpSpPr>
+      <p:sp>
+        <p:nvSpPr>
+          <p:cNvPr id="2" name="Título 1"/>
+          <p:cNvSpPr>
+            <a:spLocks noGrp="1"/>
+          </p:cNvSpPr>
+          <p:nvPr>
+            <p:ph type="title"/>
+          </p:nvPr>
+        </p:nvSpPr>
+        <p:spPr/>
+        <p:txBody>
+          <a:bodyPr/>
+          <a:lstStyle/>
+          <a:p>
+            <a:pPr rtl="0" eaLnBrk="0" fontAlgn="base" hangingPunct="0"/>
+            <a:r>
+              <a:rPr lang="pt-BR" sz="4600" kern="1200" dirty="0" smtClean="0">
+                <a:solidFill>
+                  <a:schemeClr val="tx1"/>
+                </a:solidFill>
+                <a:latin typeface="+mj-lt"/>
+                <a:ea typeface="+mj-ea"/>
+                <a:cs typeface="+mj-cs"/>
+              </a:rPr>
+              <a:t>Tela de descrição numérica</a:t>
+            </a:r>
+            <a:endParaRPr lang="pt-BR" dirty="0"/>
+          </a:p>
+        </p:txBody>
+      </p:sp>
+      <p:sp>
+        <p:nvSpPr>
+          <p:cNvPr id="5" name="Espaço Reservado para Conteúdo 4"/>
+          <p:cNvSpPr>
+            <a:spLocks noGrp="1"/>
+          </p:cNvSpPr>
+          <p:nvPr>
+            <p:ph sz="half" idx="1"/>
+          </p:nvPr>
+        </p:nvSpPr>
+        <p:spPr>
+          <a:xfrm>
+            <a:off x="457200" y="1600201"/>
+            <a:ext cx="8147248" cy="2260848"/>
+          </a:xfrm>
+        </p:spPr>
+        <p:txBody>
+          <a:bodyPr/>
+          <a:lstStyle/>
+          <a:p>
+            <a:r>
+              <a:rPr lang="pt-BR" dirty="0" smtClean="0"/>
+              <a:t>A tela de descrição numérica deverá executar a </a:t>
+            </a:r>
+            <a:r>
+              <a:rPr lang="pt-BR" dirty="0" err="1" smtClean="0"/>
+              <a:t>procedure</a:t>
+            </a:r>
+            <a:r>
+              <a:rPr lang="pt-BR" dirty="0" smtClean="0"/>
+              <a:t> </a:t>
+            </a:r>
+            <a:r>
+              <a:rPr lang="pt-BR" dirty="0" err="1" smtClean="0"/>
+              <a:t>prc_numero_descricao</a:t>
+            </a:r>
+            <a:r>
+              <a:rPr lang="pt-BR" dirty="0" smtClean="0"/>
+              <a:t> a cada pressionar de tecla na caixa de texto “Número”.</a:t>
+            </a:r>
+          </a:p>
+          <a:p>
+            <a:r>
+              <a:rPr lang="pt-BR" dirty="0" smtClean="0"/>
+              <a:t>Para isto, utilize o evento </a:t>
+            </a:r>
+            <a:r>
+              <a:rPr lang="pt-BR" dirty="0" err="1" smtClean="0"/>
+              <a:t>keyReleased</a:t>
+            </a:r>
+            <a:r>
+              <a:rPr lang="pt-BR" dirty="0" smtClean="0"/>
+              <a:t>().</a:t>
+            </a:r>
+          </a:p>
+        </p:txBody>
+      </p:sp>
+      <p:pic>
+        <p:nvPicPr>
+          <p:cNvPr id="7" name="Espaço Reservado para Conteúdo 6" descr="janela-procedure.png"/>
+          <p:cNvPicPr>
+            <a:picLocks noGrp="1" noChangeAspect="1"/>
+          </p:cNvPicPr>
+          <p:nvPr>
+            <p:ph sz="half" idx="2"/>
+          </p:nvPr>
+        </p:nvPicPr>
+        <p:blipFill>
+          <a:blip r:embed="rId3" cstate="print"/>
+          <a:stretch>
+            <a:fillRect/>
+          </a:stretch>
+        </p:blipFill>
+        <p:spPr>
+          <a:xfrm>
+            <a:off x="2555776" y="4005064"/>
+            <a:ext cx="3924848" cy="1714739"/>
+          </a:xfrm>
+        </p:spPr>
+      </p:pic>
+      <p:sp>
+        <p:nvSpPr>
+          <p:cNvPr id="4" name="Espaço Reservado para Número de Slide 3"/>
+          <p:cNvSpPr>
+            <a:spLocks noGrp="1"/>
+          </p:cNvSpPr>
+          <p:nvPr>
+            <p:ph type="sldNum" sz="quarter" idx="12"/>
+          </p:nvPr>
+        </p:nvSpPr>
+        <p:spPr/>
+        <p:txBody>
+          <a:bodyPr/>
+          <a:lstStyle/>
+          <a:p>
+            <a:pPr>
+              <a:defRPr/>
+            </a:pPr>
+            <a:fld id="{EF19A0F5-F849-4C78-8624-C3A50979DE44}" type="slidenum">
+              <a:rPr lang="pt-BR" smtClean="0"/>
+              <a:pPr>
+                <a:defRPr/>
+              </a:pPr>
+              <a:t>16</a:t>
+            </a:fld>
+            <a:endParaRPr lang="pt-BR"/>
+          </a:p>
+        </p:txBody>
+      </p:sp>
+    </p:spTree>
+  </p:cSld>
+  <p:clrMapOvr>
+    <a:masterClrMapping/>
+  </p:clrMapOvr>
+</p:sld>
+</file>
+
+<file path=ppt/slides/slide17.xml><?xml version="1.0" encoding="utf-8"?>
+<p:sld xmlns:a="http://schemas.openxmlformats.org/drawingml/2006/main" xmlns:r="http://schemas.openxmlformats.org/officeDocument/2006/relationships" xmlns:p="http://schemas.openxmlformats.org/presentationml/2006/main">
+  <p:cSld>
+    <p:spTree>
+      <p:nvGrpSpPr>
+        <p:cNvPr id="1" name=""/>
+        <p:cNvGrpSpPr/>
+        <p:nvPr/>
+      </p:nvGrpSpPr>
+      <p:grpSpPr>
+        <a:xfrm>
+          <a:off x="0" y="0"/>
+          <a:ext cx="0" cy="0"/>
+          <a:chOff x="0" y="0"/>
+          <a:chExt cx="0" cy="0"/>
+        </a:xfrm>
+      </p:grpSpPr>
+      <p:sp>
+        <p:nvSpPr>
+          <p:cNvPr id="2" name="Título 1"/>
+          <p:cNvSpPr>
+            <a:spLocks noGrp="1"/>
+          </p:cNvSpPr>
+          <p:nvPr>
+            <p:ph type="title"/>
+          </p:nvPr>
+        </p:nvSpPr>
+        <p:spPr/>
+        <p:txBody>
+          <a:bodyPr/>
+          <a:lstStyle/>
+          <a:p>
+            <a:pPr rtl="0" eaLnBrk="0" fontAlgn="base" hangingPunct="0"/>
+            <a:r>
+              <a:rPr lang="pt-BR" sz="4600" kern="1200" dirty="0" smtClean="0">
+                <a:solidFill>
+                  <a:schemeClr val="tx1"/>
+                </a:solidFill>
+                <a:latin typeface="+mj-lt"/>
+                <a:ea typeface="+mj-ea"/>
+                <a:cs typeface="+mj-cs"/>
+              </a:rPr>
+              <a:t>Tela de Busca de Cargos</a:t>
+            </a:r>
+            <a:endParaRPr lang="pt-BR" dirty="0"/>
+          </a:p>
+        </p:txBody>
+      </p:sp>
+      <p:sp>
+        <p:nvSpPr>
+          <p:cNvPr id="5" name="Espaço Reservado para Conteúdo 4"/>
+          <p:cNvSpPr>
+            <a:spLocks noGrp="1"/>
+          </p:cNvSpPr>
+          <p:nvPr>
+            <p:ph sz="half" idx="1"/>
+          </p:nvPr>
+        </p:nvSpPr>
+        <p:spPr>
+          <a:xfrm>
+            <a:off x="457200" y="1600200"/>
+            <a:ext cx="8075240" cy="2404863"/>
+          </a:xfrm>
+        </p:spPr>
+        <p:txBody>
+          <a:bodyPr/>
+          <a:lstStyle/>
+          <a:p>
+            <a:r>
+              <a:rPr lang="pt-BR" sz="2400" dirty="0" smtClean="0"/>
+              <a:t>A janela Busca de Cargos deverá realizar a seguinte consulta na base de dados:</a:t>
+            </a:r>
+          </a:p>
+          <a:p>
+            <a:pPr marL="0" indent="0" algn="ctr">
+              <a:spcBef>
+                <a:spcPts val="1200"/>
+              </a:spcBef>
+              <a:spcAft>
+                <a:spcPts val="1200"/>
+              </a:spcAft>
+              <a:buNone/>
+            </a:pPr>
+            <a:r>
+              <a:rPr lang="pt-BR" sz="2400" dirty="0" smtClean="0">
+                <a:solidFill>
+                  <a:srgbClr val="FFC000"/>
+                </a:solidFill>
+              </a:rPr>
+              <a:t>SELECT * FROM </a:t>
+            </a:r>
+            <a:r>
+              <a:rPr lang="pt-BR" sz="2400" dirty="0" err="1" smtClean="0">
+                <a:solidFill>
+                  <a:srgbClr val="FFC000"/>
+                </a:solidFill>
+              </a:rPr>
+              <a:t>tab_role</a:t>
+            </a:r>
+            <a:r>
+              <a:rPr lang="pt-BR" sz="2400" dirty="0" smtClean="0">
+                <a:solidFill>
+                  <a:srgbClr val="FFC000"/>
+                </a:solidFill>
+              </a:rPr>
+              <a:t> WHERE </a:t>
+            </a:r>
+            <a:r>
+              <a:rPr lang="pt-BR" sz="2400" dirty="0" err="1" smtClean="0">
+                <a:solidFill>
+                  <a:srgbClr val="FFC000"/>
+                </a:solidFill>
+              </a:rPr>
+              <a:t>role_name</a:t>
+            </a:r>
+            <a:r>
+              <a:rPr lang="pt-BR" sz="2400" dirty="0" smtClean="0">
+                <a:solidFill>
+                  <a:srgbClr val="FFC000"/>
+                </a:solidFill>
+              </a:rPr>
+              <a:t> LIKE ?</a:t>
+            </a:r>
+          </a:p>
+          <a:p>
+            <a:r>
+              <a:rPr lang="pt-BR" sz="2400" dirty="0" smtClean="0"/>
+              <a:t>Passando como critério de busca o texto digitado pelo usuário na caixa “Nome”</a:t>
+            </a:r>
+            <a:endParaRPr lang="pt-BR" sz="2400" dirty="0">
+              <a:solidFill>
+                <a:srgbClr val="FFC000"/>
+              </a:solidFill>
+            </a:endParaRPr>
+          </a:p>
+        </p:txBody>
+      </p:sp>
+      <p:pic>
+        <p:nvPicPr>
+          <p:cNvPr id="7" name="Espaço Reservado para Conteúdo 6" descr="janela-cargo-busca.png"/>
+          <p:cNvPicPr>
+            <a:picLocks noGrp="1" noChangeAspect="1"/>
+          </p:cNvPicPr>
+          <p:nvPr>
+            <p:ph sz="half" idx="2"/>
+          </p:nvPr>
+        </p:nvPicPr>
+        <p:blipFill>
+          <a:blip r:embed="rId3" cstate="print"/>
+          <a:stretch>
+            <a:fillRect/>
+          </a:stretch>
+        </p:blipFill>
+        <p:spPr>
+          <a:xfrm>
+            <a:off x="3203848" y="4293096"/>
+            <a:ext cx="2857899" cy="1905266"/>
+          </a:xfrm>
+        </p:spPr>
+      </p:pic>
+      <p:sp>
+        <p:nvSpPr>
+          <p:cNvPr id="4" name="Espaço Reservado para Número de Slide 3"/>
+          <p:cNvSpPr>
+            <a:spLocks noGrp="1"/>
+          </p:cNvSpPr>
+          <p:nvPr>
+            <p:ph type="sldNum" sz="quarter" idx="12"/>
+          </p:nvPr>
+        </p:nvSpPr>
+        <p:spPr/>
+        <p:txBody>
+          <a:bodyPr/>
+          <a:lstStyle/>
+          <a:p>
+            <a:pPr>
+              <a:defRPr/>
+            </a:pPr>
+            <a:fld id="{EF19A0F5-F849-4C78-8624-C3A50979DE44}" type="slidenum">
+              <a:rPr lang="pt-BR" smtClean="0"/>
+              <a:pPr>
+                <a:defRPr/>
+              </a:pPr>
+              <a:t>17</a:t>
+            </a:fld>
+            <a:endParaRPr lang="pt-BR"/>
+          </a:p>
+        </p:txBody>
+      </p:sp>
+    </p:spTree>
+  </p:cSld>
+  <p:clrMapOvr>
+    <a:masterClrMapping/>
+  </p:clrMapOvr>
+</p:sld>
+</file>
+
+<file path=ppt/slides/slide18.xml><?xml version="1.0" encoding="utf-8"?>
+<p:sld xmlns:a="http://schemas.openxmlformats.org/drawingml/2006/main" xmlns:r="http://schemas.openxmlformats.org/officeDocument/2006/relationships" xmlns:p="http://schemas.openxmlformats.org/presentationml/2006/main">
+  <p:cSld>
+    <p:spTree>
+      <p:nvGrpSpPr>
+        <p:cNvPr id="1" name=""/>
+        <p:cNvGrpSpPr/>
+        <p:nvPr/>
+      </p:nvGrpSpPr>
+      <p:grpSpPr>
+        <a:xfrm>
+          <a:off x="0" y="0"/>
+          <a:ext cx="0" cy="0"/>
+          <a:chOff x="0" y="0"/>
+          <a:chExt cx="0" cy="0"/>
+        </a:xfrm>
+      </p:grpSpPr>
+      <p:sp>
+        <p:nvSpPr>
+          <p:cNvPr id="2" name="Título 1"/>
+          <p:cNvSpPr>
+            <a:spLocks noGrp="1"/>
+          </p:cNvSpPr>
+          <p:nvPr>
+            <p:ph type="title"/>
+          </p:nvPr>
+        </p:nvSpPr>
+        <p:spPr/>
+        <p:txBody>
+          <a:bodyPr/>
+          <a:lstStyle/>
+          <a:p>
+            <a:r>
+              <a:rPr lang="pt-BR" dirty="0" smtClean="0"/>
+              <a:t>Tela de Busca de Cargos</a:t>
+            </a:r>
+            <a:endParaRPr lang="pt-BR" dirty="0"/>
+          </a:p>
+        </p:txBody>
+      </p:sp>
+      <p:sp>
+        <p:nvSpPr>
+          <p:cNvPr id="3" name="Espaço Reservado para Conteúdo 2"/>
+          <p:cNvSpPr>
+            <a:spLocks noGrp="1"/>
+          </p:cNvSpPr>
+          <p:nvPr>
+            <p:ph sz="half" idx="1"/>
+          </p:nvPr>
+        </p:nvSpPr>
+        <p:spPr>
+          <a:xfrm>
+            <a:off x="457200" y="1600201"/>
+            <a:ext cx="8003232" cy="604663"/>
+          </a:xfrm>
+        </p:spPr>
+        <p:txBody>
+          <a:bodyPr/>
+          <a:lstStyle/>
+          <a:p>
+            <a:r>
+              <a:rPr lang="pt-BR" sz="3000" dirty="0" smtClean="0"/>
+              <a:t>Diagrama de </a:t>
+            </a:r>
+            <a:r>
+              <a:rPr lang="pt-BR" sz="3000" dirty="0" smtClean="0"/>
+              <a:t>sequência</a:t>
+            </a:r>
+            <a:endParaRPr lang="pt-BR" sz="3000" dirty="0"/>
+          </a:p>
+        </p:txBody>
+      </p:sp>
+      <p:sp>
+        <p:nvSpPr>
+          <p:cNvPr id="16" name="Espaço Reservado para Conteúdo 15"/>
+          <p:cNvSpPr>
+            <a:spLocks noGrp="1"/>
+          </p:cNvSpPr>
+          <p:nvPr>
+            <p:ph sz="half" idx="2"/>
+          </p:nvPr>
+        </p:nvSpPr>
+        <p:spPr>
+          <a:xfrm>
+            <a:off x="539552" y="4509120"/>
+            <a:ext cx="7992888" cy="1401019"/>
+          </a:xfrm>
+        </p:spPr>
+        <p:txBody>
+          <a:bodyPr/>
+          <a:lstStyle/>
+          <a:p>
+            <a:pPr marL="0" indent="0">
+              <a:buNone/>
+            </a:pPr>
+            <a:r>
+              <a:rPr lang="pt-BR" sz="2000" dirty="0" smtClean="0"/>
+              <a:t>Ao clicar no botão procurar, a janela deverá enviar ao DAO um String contendo o pedaço de nome a ser pesquisado.</a:t>
+            </a:r>
+          </a:p>
+          <a:p>
+            <a:pPr marL="0" indent="0">
+              <a:buNone/>
+            </a:pPr>
+            <a:endParaRPr lang="pt-BR" sz="2000" dirty="0" smtClean="0"/>
+          </a:p>
+          <a:p>
+            <a:pPr marL="0" indent="0">
+              <a:buNone/>
+            </a:pPr>
+            <a:r>
+              <a:rPr lang="pt-BR" sz="2000" dirty="0" smtClean="0"/>
+              <a:t>O DAO deverá realizar a busca na base de dados (cláusula LIKE) trazendo uma lista de todos os cargos </a:t>
+            </a:r>
+            <a:r>
+              <a:rPr lang="pt-BR" sz="2000" dirty="0" smtClean="0"/>
+              <a:t>que </a:t>
+            </a:r>
+            <a:r>
+              <a:rPr lang="pt-BR" sz="2000" dirty="0" smtClean="0"/>
+              <a:t>tenham aquele trecho de nome especificado.</a:t>
+            </a:r>
+            <a:endParaRPr lang="pt-BR" sz="2000" dirty="0"/>
+          </a:p>
+        </p:txBody>
+      </p:sp>
+      <p:sp>
+        <p:nvSpPr>
+          <p:cNvPr id="4" name="Espaço Reservado para Número de Slide 3"/>
+          <p:cNvSpPr>
+            <a:spLocks noGrp="1"/>
+          </p:cNvSpPr>
+          <p:nvPr>
+            <p:ph type="sldNum" sz="quarter" idx="12"/>
+          </p:nvPr>
+        </p:nvSpPr>
+        <p:spPr/>
+        <p:txBody>
+          <a:bodyPr/>
+          <a:lstStyle/>
+          <a:p>
+            <a:pPr>
+              <a:defRPr/>
+            </a:pPr>
+            <a:fld id="{EF19A0F5-F849-4C78-8624-C3A50979DE44}" type="slidenum">
+              <a:rPr lang="pt-BR" smtClean="0"/>
+              <a:pPr>
+                <a:defRPr/>
+              </a:pPr>
+              <a:t>18</a:t>
             </a:fld>
             <a:endParaRPr lang="pt-BR"/>
           </a:p>
@@ -7563,2073 +10676,6 @@
 </p:sld>
 </file>
 
-<file path=ppt/slides/slide11.xml><?xml version="1.0" encoding="utf-8"?>
-<p:sld xmlns:a="http://schemas.openxmlformats.org/drawingml/2006/main" xmlns:r="http://schemas.openxmlformats.org/officeDocument/2006/relationships" xmlns:p="http://schemas.openxmlformats.org/presentationml/2006/main">
-  <p:cSld>
-    <p:spTree>
-      <p:nvGrpSpPr>
-        <p:cNvPr id="1" name=""/>
-        <p:cNvGrpSpPr/>
-        <p:nvPr/>
-      </p:nvGrpSpPr>
-      <p:grpSpPr>
-        <a:xfrm>
-          <a:off x="0" y="0"/>
-          <a:ext cx="0" cy="0"/>
-          <a:chOff x="0" y="0"/>
-          <a:chExt cx="0" cy="0"/>
-        </a:xfrm>
-      </p:grpSpPr>
-      <p:sp>
-        <p:nvSpPr>
-          <p:cNvPr id="2" name="Título 1"/>
-          <p:cNvSpPr>
-            <a:spLocks noGrp="1"/>
-          </p:cNvSpPr>
-          <p:nvPr>
-            <p:ph type="title"/>
-          </p:nvPr>
-        </p:nvSpPr>
-        <p:spPr/>
-        <p:txBody>
-          <a:bodyPr/>
-          <a:lstStyle/>
-          <a:p>
-            <a:pPr rtl="0" eaLnBrk="0" fontAlgn="base" hangingPunct="0"/>
-            <a:r>
-              <a:rPr lang="pt-BR" sz="4600" kern="1200" dirty="0" smtClean="0">
-                <a:solidFill>
-                  <a:schemeClr val="tx1"/>
-                </a:solidFill>
-                <a:latin typeface="+mj-lt"/>
-                <a:ea typeface="+mj-ea"/>
-                <a:cs typeface="+mj-cs"/>
-              </a:rPr>
-              <a:t>Mapeamento de classes VO</a:t>
-            </a:r>
-            <a:endParaRPr lang="pt-BR" dirty="0"/>
-          </a:p>
-        </p:txBody>
-      </p:sp>
-      <p:sp>
-        <p:nvSpPr>
-          <p:cNvPr id="3" name="Espaço Reservado para Conteúdo 2"/>
-          <p:cNvSpPr>
-            <a:spLocks noGrp="1"/>
-          </p:cNvSpPr>
-          <p:nvPr>
-            <p:ph idx="1"/>
-          </p:nvPr>
-        </p:nvSpPr>
-        <p:spPr>
-          <a:xfrm>
-            <a:off x="457200" y="1988840"/>
-            <a:ext cx="8075240" cy="4137323"/>
-          </a:xfrm>
-        </p:spPr>
-        <p:txBody>
-          <a:bodyPr/>
-          <a:lstStyle/>
-          <a:p>
-            <a:pPr>
-              <a:spcBef>
-                <a:spcPts val="3000"/>
-              </a:spcBef>
-            </a:pPr>
-            <a:r>
-              <a:rPr lang="pt-BR" sz="2400" dirty="0" smtClean="0"/>
-              <a:t>Após criar as telas da aplicação, a próxima tarefa do programador é criar as classes VO para a comunicação das janelas com os </a:t>
-            </a:r>
-            <a:r>
-              <a:rPr lang="pt-BR" sz="2400" dirty="0" err="1" smtClean="0"/>
-              <a:t>DAOs</a:t>
-            </a:r>
-            <a:r>
-              <a:rPr lang="pt-BR" sz="2400" dirty="0" smtClean="0"/>
-              <a:t>.</a:t>
-            </a:r>
-          </a:p>
-          <a:p>
-            <a:pPr>
-              <a:spcBef>
-                <a:spcPts val="3000"/>
-              </a:spcBef>
-            </a:pPr>
-            <a:r>
-              <a:rPr lang="pt-BR" sz="2400" dirty="0" smtClean="0"/>
-              <a:t>Cada tabela na base de dados deve ser representada por um VO. Este deverá possuir atributos de tipos compatíveis com os campos da tabela.</a:t>
-            </a:r>
-          </a:p>
-          <a:p>
-            <a:pPr>
-              <a:spcBef>
-                <a:spcPts val="3000"/>
-              </a:spcBef>
-            </a:pPr>
-            <a:r>
-              <a:rPr lang="pt-BR" sz="2400" dirty="0" smtClean="0"/>
-              <a:t>Esta tarefa é chamada de </a:t>
-            </a:r>
-            <a:r>
-              <a:rPr lang="pt-BR" sz="2400" b="1" i="1" dirty="0" smtClean="0"/>
-              <a:t>mapeamento de classes</a:t>
-            </a:r>
-            <a:r>
-              <a:rPr lang="pt-BR" sz="2400" dirty="0" smtClean="0"/>
-              <a:t>.</a:t>
-            </a:r>
-            <a:endParaRPr lang="pt-BR" sz="2400" dirty="0"/>
-          </a:p>
-        </p:txBody>
-      </p:sp>
-      <p:sp>
-        <p:nvSpPr>
-          <p:cNvPr id="4" name="Espaço Reservado para Número de Slide 3"/>
-          <p:cNvSpPr>
-            <a:spLocks noGrp="1"/>
-          </p:cNvSpPr>
-          <p:nvPr>
-            <p:ph type="sldNum" sz="quarter" idx="12"/>
-          </p:nvPr>
-        </p:nvSpPr>
-        <p:spPr/>
-        <p:txBody>
-          <a:bodyPr/>
-          <a:lstStyle/>
-          <a:p>
-            <a:pPr>
-              <a:defRPr/>
-            </a:pPr>
-            <a:fld id="{EF19A0F5-F849-4C78-8624-C3A50979DE44}" type="slidenum">
-              <a:rPr lang="pt-BR" smtClean="0"/>
-              <a:pPr>
-                <a:defRPr/>
-              </a:pPr>
-              <a:t>11</a:t>
-            </a:fld>
-            <a:endParaRPr lang="pt-BR"/>
-          </a:p>
-        </p:txBody>
-      </p:sp>
-    </p:spTree>
-  </p:cSld>
-  <p:clrMapOvr>
-    <a:masterClrMapping/>
-  </p:clrMapOvr>
-  <p:timing>
-    <p:tnLst>
-      <p:par>
-        <p:cTn id="1" dur="indefinite" restart="never" nodeType="tmRoot"/>
-      </p:par>
-    </p:tnLst>
-  </p:timing>
-</p:sld>
-</file>
-
-<file path=ppt/slides/slide12.xml><?xml version="1.0" encoding="utf-8"?>
-<p:sld xmlns:a="http://schemas.openxmlformats.org/drawingml/2006/main" xmlns:r="http://schemas.openxmlformats.org/officeDocument/2006/relationships" xmlns:p="http://schemas.openxmlformats.org/presentationml/2006/main">
-  <p:cSld>
-    <p:spTree>
-      <p:nvGrpSpPr>
-        <p:cNvPr id="1" name=""/>
-        <p:cNvGrpSpPr/>
-        <p:nvPr/>
-      </p:nvGrpSpPr>
-      <p:grpSpPr>
-        <a:xfrm>
-          <a:off x="0" y="0"/>
-          <a:ext cx="0" cy="0"/>
-          <a:chOff x="0" y="0"/>
-          <a:chExt cx="0" cy="0"/>
-        </a:xfrm>
-      </p:grpSpPr>
-      <p:sp>
-        <p:nvSpPr>
-          <p:cNvPr id="2" name="Título 1"/>
-          <p:cNvSpPr>
-            <a:spLocks noGrp="1"/>
-          </p:cNvSpPr>
-          <p:nvPr>
-            <p:ph type="title"/>
-          </p:nvPr>
-        </p:nvSpPr>
-        <p:spPr/>
-        <p:txBody>
-          <a:bodyPr/>
-          <a:lstStyle/>
-          <a:p>
-            <a:r>
-              <a:rPr lang="pt-BR" dirty="0" smtClean="0"/>
-              <a:t>Mapeamento de classes VO</a:t>
-            </a:r>
-            <a:endParaRPr lang="pt-BR" dirty="0"/>
-          </a:p>
-        </p:txBody>
-      </p:sp>
-      <p:sp>
-        <p:nvSpPr>
-          <p:cNvPr id="4" name="Espaço Reservado para Número de Slide 3"/>
-          <p:cNvSpPr>
-            <a:spLocks noGrp="1"/>
-          </p:cNvSpPr>
-          <p:nvPr>
-            <p:ph type="sldNum" sz="quarter" idx="12"/>
-          </p:nvPr>
-        </p:nvSpPr>
-        <p:spPr/>
-        <p:txBody>
-          <a:bodyPr/>
-          <a:lstStyle/>
-          <a:p>
-            <a:pPr>
-              <a:defRPr/>
-            </a:pPr>
-            <a:fld id="{EF19A0F5-F849-4C78-8624-C3A50979DE44}" type="slidenum">
-              <a:rPr lang="pt-BR" smtClean="0"/>
-              <a:pPr>
-                <a:defRPr/>
-              </a:pPr>
-              <a:t>12</a:t>
-            </a:fld>
-            <a:endParaRPr lang="pt-BR"/>
-          </a:p>
-        </p:txBody>
-      </p:sp>
-      <p:graphicFrame>
-        <p:nvGraphicFramePr>
-          <p:cNvPr id="5" name="Espaço Reservado para Conteúdo 4"/>
-          <p:cNvGraphicFramePr>
-            <a:graphicFrameLocks/>
-          </p:cNvGraphicFramePr>
-          <p:nvPr/>
-        </p:nvGraphicFramePr>
-        <p:xfrm>
-          <a:off x="5076056" y="2780928"/>
-          <a:ext cx="2736304" cy="2194560"/>
-        </p:xfrm>
-        <a:graphic>
-          <a:graphicData uri="http://schemas.openxmlformats.org/drawingml/2006/table">
-            <a:tbl>
-              <a:tblPr firstRow="1" bandRow="1">
-                <a:tableStyleId>{5C22544A-7EE6-4342-B048-85BDC9FD1C3A}</a:tableStyleId>
-              </a:tblPr>
-              <a:tblGrid>
-                <a:gridCol w="2736304"/>
-              </a:tblGrid>
-              <a:tr h="263027">
-                <a:tc>
-                  <a:txBody>
-                    <a:bodyPr/>
-                    <a:lstStyle/>
-                    <a:p>
-                      <a:pPr marL="0" algn="ctr" rtl="0" eaLnBrk="1" latinLnBrk="0" hangingPunct="1"/>
-                      <a:r>
-                        <a:rPr kumimoji="0" lang="pt-BR" sz="1800" b="1" i="0" kern="1200" dirty="0" err="1" smtClean="0">
-                          <a:solidFill>
-                            <a:schemeClr val="tx1"/>
-                          </a:solidFill>
-                          <a:latin typeface="+mn-lt"/>
-                          <a:ea typeface="+mn-ea"/>
-                          <a:cs typeface="+mn-cs"/>
-                        </a:rPr>
-                        <a:t>CargoVO</a:t>
-                      </a:r>
-                      <a:endParaRPr kumimoji="0" lang="pt-BR" sz="1800" b="1" i="0" kern="1200" dirty="0">
-                        <a:solidFill>
-                          <a:schemeClr val="tx1"/>
-                        </a:solidFill>
-                        <a:latin typeface="+mn-lt"/>
-                        <a:ea typeface="+mn-ea"/>
-                        <a:cs typeface="+mn-cs"/>
-                      </a:endParaRPr>
-                    </a:p>
-                  </a:txBody>
-                  <a:tcPr>
-                    <a:lnL w="28575" cap="flat" cmpd="sng" algn="ctr">
-                      <a:solidFill>
-                        <a:schemeClr val="tx1"/>
-                      </a:solidFill>
-                      <a:prstDash val="solid"/>
-                      <a:round/>
-                      <a:headEnd type="none" w="med" len="med"/>
-                      <a:tailEnd type="none" w="med" len="med"/>
-                    </a:lnL>
-                    <a:lnR w="28575" cap="flat" cmpd="sng" algn="ctr">
-                      <a:solidFill>
-                        <a:schemeClr val="tx1"/>
-                      </a:solidFill>
-                      <a:prstDash val="solid"/>
-                      <a:round/>
-                      <a:headEnd type="none" w="med" len="med"/>
-                      <a:tailEnd type="none" w="med" len="med"/>
-                    </a:lnR>
-                    <a:lnT w="28575" cap="flat" cmpd="sng" algn="ctr">
-                      <a:solidFill>
-                        <a:schemeClr val="tx1"/>
-                      </a:solidFill>
-                      <a:prstDash val="solid"/>
-                      <a:round/>
-                      <a:headEnd type="none" w="med" len="med"/>
-                      <a:tailEnd type="none" w="med" len="med"/>
-                    </a:lnT>
-                    <a:lnB w="28575" cap="flat" cmpd="sng" algn="ctr">
-                      <a:solidFill>
-                        <a:schemeClr val="tx1"/>
-                      </a:solidFill>
-                      <a:prstDash val="solid"/>
-                      <a:round/>
-                      <a:headEnd type="none" w="med" len="med"/>
-                      <a:tailEnd type="none" w="med" len="med"/>
-                    </a:lnB>
-                    <a:noFill/>
-                  </a:tcPr>
-                </a:tc>
-              </a:tr>
-              <a:tr h="415280">
-                <a:tc>
-                  <a:txBody>
-                    <a:bodyPr/>
-                    <a:lstStyle/>
-                    <a:p>
-                      <a:r>
-                        <a:rPr lang="en-US" sz="1800" dirty="0" smtClean="0">
-                          <a:solidFill>
-                            <a:schemeClr val="tx1"/>
-                          </a:solidFill>
-                        </a:rPr>
-                        <a:t>id : </a:t>
-                      </a:r>
-                      <a:r>
-                        <a:rPr lang="en-US" sz="1800" dirty="0" err="1" smtClean="0">
-                          <a:solidFill>
-                            <a:schemeClr val="tx1"/>
-                          </a:solidFill>
-                        </a:rPr>
-                        <a:t>int</a:t>
-                      </a:r>
-                      <a:endParaRPr lang="en-US" sz="1800" dirty="0" smtClean="0">
-                        <a:solidFill>
-                          <a:schemeClr val="tx1"/>
-                        </a:solidFill>
-                      </a:endParaRPr>
-                    </a:p>
-                    <a:p>
-                      <a:r>
-                        <a:rPr lang="en-US" sz="1800" dirty="0" err="1" smtClean="0">
-                          <a:solidFill>
-                            <a:schemeClr val="tx1"/>
-                          </a:solidFill>
-                        </a:rPr>
-                        <a:t>nome</a:t>
-                      </a:r>
-                      <a:r>
-                        <a:rPr lang="en-US" sz="1800" dirty="0" smtClean="0">
-                          <a:solidFill>
-                            <a:schemeClr val="tx1"/>
-                          </a:solidFill>
-                        </a:rPr>
-                        <a:t> : String</a:t>
-                      </a:r>
-                    </a:p>
-                  </a:txBody>
-                  <a:tcPr>
-                    <a:lnL w="28575" cap="flat" cmpd="sng" algn="ctr">
-                      <a:solidFill>
-                        <a:schemeClr val="tx1"/>
-                      </a:solidFill>
-                      <a:prstDash val="solid"/>
-                      <a:round/>
-                      <a:headEnd type="none" w="med" len="med"/>
-                      <a:tailEnd type="none" w="med" len="med"/>
-                    </a:lnL>
-                    <a:lnR w="28575" cap="flat" cmpd="sng" algn="ctr">
-                      <a:solidFill>
-                        <a:schemeClr val="tx1"/>
-                      </a:solidFill>
-                      <a:prstDash val="solid"/>
-                      <a:round/>
-                      <a:headEnd type="none" w="med" len="med"/>
-                      <a:tailEnd type="none" w="med" len="med"/>
-                    </a:lnR>
-                    <a:lnT w="28575" cap="flat" cmpd="sng" algn="ctr">
-                      <a:solidFill>
-                        <a:schemeClr val="tx1"/>
-                      </a:solidFill>
-                      <a:prstDash val="solid"/>
-                      <a:round/>
-                      <a:headEnd type="none" w="med" len="med"/>
-                      <a:tailEnd type="none" w="med" len="med"/>
-                    </a:lnT>
-                    <a:lnB w="28575" cap="flat" cmpd="sng" algn="ctr">
-                      <a:solidFill>
-                        <a:schemeClr val="tx1"/>
-                      </a:solidFill>
-                      <a:prstDash val="solid"/>
-                      <a:round/>
-                      <a:headEnd type="none" w="med" len="med"/>
-                      <a:tailEnd type="none" w="med" len="med"/>
-                    </a:lnB>
-                    <a:noFill/>
-                  </a:tcPr>
-                </a:tc>
-              </a:tr>
-              <a:tr h="289743">
-                <a:tc>
-                  <a:txBody>
-                    <a:bodyPr/>
-                    <a:lstStyle/>
-                    <a:p>
-                      <a:r>
-                        <a:rPr lang="en-US" sz="1800" dirty="0" err="1" smtClean="0">
-                          <a:solidFill>
-                            <a:schemeClr val="tx1"/>
-                          </a:solidFill>
-                        </a:rPr>
-                        <a:t>getId</a:t>
-                      </a:r>
-                      <a:r>
-                        <a:rPr lang="en-US" sz="1800" dirty="0" smtClean="0">
-                          <a:solidFill>
-                            <a:schemeClr val="tx1"/>
-                          </a:solidFill>
-                        </a:rPr>
-                        <a:t>()</a:t>
-                      </a:r>
-                      <a:r>
-                        <a:rPr lang="en-US" sz="1800" baseline="0" dirty="0" smtClean="0">
-                          <a:solidFill>
-                            <a:schemeClr val="tx1"/>
-                          </a:solidFill>
-                        </a:rPr>
-                        <a:t> : </a:t>
-                      </a:r>
-                      <a:r>
-                        <a:rPr lang="en-US" sz="1800" baseline="0" dirty="0" err="1" smtClean="0">
-                          <a:solidFill>
-                            <a:schemeClr val="tx1"/>
-                          </a:solidFill>
-                        </a:rPr>
-                        <a:t>int</a:t>
-                      </a:r>
-                      <a:endParaRPr lang="en-US" sz="1800" baseline="0" dirty="0" smtClean="0">
-                        <a:solidFill>
-                          <a:schemeClr val="tx1"/>
-                        </a:solidFill>
-                      </a:endParaRPr>
-                    </a:p>
-                    <a:p>
-                      <a:r>
-                        <a:rPr lang="en-US" sz="1800" baseline="0" dirty="0" err="1" smtClean="0">
-                          <a:solidFill>
-                            <a:schemeClr val="tx1"/>
-                          </a:solidFill>
-                        </a:rPr>
-                        <a:t>setId</a:t>
-                      </a:r>
-                      <a:r>
-                        <a:rPr lang="en-US" sz="1800" baseline="0" dirty="0" smtClean="0">
-                          <a:solidFill>
-                            <a:schemeClr val="tx1"/>
-                          </a:solidFill>
-                        </a:rPr>
-                        <a:t>(</a:t>
-                      </a:r>
-                      <a:r>
-                        <a:rPr lang="en-US" sz="1800" baseline="0" dirty="0" err="1" smtClean="0">
-                          <a:solidFill>
-                            <a:schemeClr val="tx1"/>
-                          </a:solidFill>
-                        </a:rPr>
-                        <a:t>int</a:t>
-                      </a:r>
-                      <a:r>
-                        <a:rPr lang="en-US" sz="1800" baseline="0" dirty="0" smtClean="0">
-                          <a:solidFill>
-                            <a:schemeClr val="tx1"/>
-                          </a:solidFill>
-                        </a:rPr>
-                        <a:t>) : void</a:t>
-                      </a:r>
-                    </a:p>
-                    <a:p>
-                      <a:r>
-                        <a:rPr lang="en-US" sz="1800" baseline="0" dirty="0" err="1" smtClean="0">
-                          <a:solidFill>
-                            <a:schemeClr val="tx1"/>
-                          </a:solidFill>
-                        </a:rPr>
-                        <a:t>getNome</a:t>
-                      </a:r>
-                      <a:r>
-                        <a:rPr lang="en-US" sz="1800" baseline="0" dirty="0" smtClean="0">
-                          <a:solidFill>
-                            <a:schemeClr val="tx1"/>
-                          </a:solidFill>
-                        </a:rPr>
-                        <a:t>() : String</a:t>
-                      </a:r>
-                    </a:p>
-                    <a:p>
-                      <a:r>
-                        <a:rPr lang="en-US" sz="1800" baseline="0" dirty="0" err="1" smtClean="0">
-                          <a:solidFill>
-                            <a:schemeClr val="tx1"/>
-                          </a:solidFill>
-                        </a:rPr>
-                        <a:t>setNome</a:t>
-                      </a:r>
-                      <a:r>
-                        <a:rPr lang="en-US" sz="1800" baseline="0" dirty="0" smtClean="0">
-                          <a:solidFill>
-                            <a:schemeClr val="tx1"/>
-                          </a:solidFill>
-                        </a:rPr>
-                        <a:t>(String) : void</a:t>
-                      </a:r>
-                      <a:endParaRPr lang="en-US" sz="1800" dirty="0" smtClean="0">
-                        <a:solidFill>
-                          <a:schemeClr val="tx1"/>
-                        </a:solidFill>
-                      </a:endParaRPr>
-                    </a:p>
-                  </a:txBody>
-                  <a:tcPr>
-                    <a:lnL w="28575" cap="flat" cmpd="sng" algn="ctr">
-                      <a:solidFill>
-                        <a:schemeClr val="tx1"/>
-                      </a:solidFill>
-                      <a:prstDash val="solid"/>
-                      <a:round/>
-                      <a:headEnd type="none" w="med" len="med"/>
-                      <a:tailEnd type="none" w="med" len="med"/>
-                    </a:lnL>
-                    <a:lnR w="28575" cap="flat" cmpd="sng" algn="ctr">
-                      <a:solidFill>
-                        <a:schemeClr val="tx1"/>
-                      </a:solidFill>
-                      <a:prstDash val="solid"/>
-                      <a:round/>
-                      <a:headEnd type="none" w="med" len="med"/>
-                      <a:tailEnd type="none" w="med" len="med"/>
-                    </a:lnR>
-                    <a:lnT w="28575" cap="flat" cmpd="sng" algn="ctr">
-                      <a:solidFill>
-                        <a:schemeClr val="tx1"/>
-                      </a:solidFill>
-                      <a:prstDash val="solid"/>
-                      <a:round/>
-                      <a:headEnd type="none" w="med" len="med"/>
-                      <a:tailEnd type="none" w="med" len="med"/>
-                    </a:lnT>
-                    <a:lnB w="28575" cap="flat" cmpd="sng" algn="ctr">
-                      <a:solidFill>
-                        <a:schemeClr val="tx1"/>
-                      </a:solidFill>
-                      <a:prstDash val="solid"/>
-                      <a:round/>
-                      <a:headEnd type="none" w="med" len="med"/>
-                      <a:tailEnd type="none" w="med" len="med"/>
-                    </a:lnB>
-                    <a:noFill/>
-                  </a:tcPr>
-                </a:tc>
-              </a:tr>
-            </a:tbl>
-          </a:graphicData>
-        </a:graphic>
-      </p:graphicFrame>
-      <p:pic>
-        <p:nvPicPr>
-          <p:cNvPr id="6" name="Imagem 5" descr="tabela.png"/>
-          <p:cNvPicPr>
-            <a:picLocks noChangeAspect="1"/>
-          </p:cNvPicPr>
-          <p:nvPr/>
-        </p:nvPicPr>
-        <p:blipFill>
-          <a:blip r:embed="rId3" cstate="print"/>
-          <a:stretch>
-            <a:fillRect/>
-          </a:stretch>
-        </p:blipFill>
-        <p:spPr>
-          <a:xfrm>
-            <a:off x="1187624" y="3356992"/>
-            <a:ext cx="2391109" cy="1181265"/>
-          </a:xfrm>
-          <a:prstGeom prst="rect">
-            <a:avLst/>
-          </a:prstGeom>
-        </p:spPr>
-      </p:pic>
-      <p:sp>
-        <p:nvSpPr>
-          <p:cNvPr id="7" name="Seta para a direita 6"/>
-          <p:cNvSpPr/>
-          <p:nvPr/>
-        </p:nvSpPr>
-        <p:spPr>
-          <a:xfrm>
-            <a:off x="3923928" y="3645024"/>
-            <a:ext cx="864096" cy="648072"/>
-          </a:xfrm>
-          <a:prstGeom prst="rightArrow">
-            <a:avLst/>
-          </a:prstGeom>
-          <a:solidFill>
-            <a:srgbClr val="FFC000"/>
-          </a:solidFill>
-          <a:ln>
-            <a:noFill/>
-          </a:ln>
-        </p:spPr>
-        <p:style>
-          <a:lnRef idx="2">
-            <a:schemeClr val="accent1">
-              <a:shade val="50000"/>
-            </a:schemeClr>
-          </a:lnRef>
-          <a:fillRef idx="1">
-            <a:schemeClr val="accent1"/>
-          </a:fillRef>
-          <a:effectRef idx="0">
-            <a:schemeClr val="accent1"/>
-          </a:effectRef>
-          <a:fontRef idx="minor">
-            <a:schemeClr val="lt1"/>
-          </a:fontRef>
-        </p:style>
-        <p:txBody>
-          <a:bodyPr rtlCol="0" anchor="ctr"/>
-          <a:lstStyle/>
-          <a:p>
-            <a:pPr algn="ctr"/>
-            <a:endParaRPr lang="pt-BR"/>
-          </a:p>
-        </p:txBody>
-      </p:sp>
-    </p:spTree>
-  </p:cSld>
-  <p:clrMapOvr>
-    <a:masterClrMapping/>
-  </p:clrMapOvr>
-</p:sld>
-</file>
-
-<file path=ppt/slides/slide13.xml><?xml version="1.0" encoding="utf-8"?>
-<p:sld xmlns:a="http://schemas.openxmlformats.org/drawingml/2006/main" xmlns:r="http://schemas.openxmlformats.org/officeDocument/2006/relationships" xmlns:p="http://schemas.openxmlformats.org/presentationml/2006/main">
-  <p:cSld>
-    <p:spTree>
-      <p:nvGrpSpPr>
-        <p:cNvPr id="1" name=""/>
-        <p:cNvGrpSpPr/>
-        <p:nvPr/>
-      </p:nvGrpSpPr>
-      <p:grpSpPr>
-        <a:xfrm>
-          <a:off x="0" y="0"/>
-          <a:ext cx="0" cy="0"/>
-          <a:chOff x="0" y="0"/>
-          <a:chExt cx="0" cy="0"/>
-        </a:xfrm>
-      </p:grpSpPr>
-      <p:sp>
-        <p:nvSpPr>
-          <p:cNvPr id="2" name="Título 1"/>
-          <p:cNvSpPr>
-            <a:spLocks noGrp="1"/>
-          </p:cNvSpPr>
-          <p:nvPr>
-            <p:ph type="title"/>
-          </p:nvPr>
-        </p:nvSpPr>
-        <p:spPr/>
-        <p:txBody>
-          <a:bodyPr/>
-          <a:lstStyle/>
-          <a:p>
-            <a:pPr rtl="0" eaLnBrk="0" fontAlgn="base" hangingPunct="0"/>
-            <a:r>
-              <a:rPr lang="pt-BR" sz="4600" kern="1200" dirty="0" smtClean="0">
-                <a:solidFill>
-                  <a:schemeClr val="tx1"/>
-                </a:solidFill>
-                <a:latin typeface="+mj-lt"/>
-                <a:ea typeface="+mj-ea"/>
-                <a:cs typeface="+mj-cs"/>
-              </a:rPr>
-              <a:t>Criação do DAO</a:t>
-            </a:r>
-            <a:endParaRPr lang="pt-BR" dirty="0"/>
-          </a:p>
-        </p:txBody>
-      </p:sp>
-      <p:sp>
-        <p:nvSpPr>
-          <p:cNvPr id="3" name="Espaço Reservado para Conteúdo 2"/>
-          <p:cNvSpPr>
-            <a:spLocks noGrp="1"/>
-          </p:cNvSpPr>
-          <p:nvPr>
-            <p:ph idx="1"/>
-          </p:nvPr>
-        </p:nvSpPr>
-        <p:spPr/>
-        <p:txBody>
-          <a:bodyPr/>
-          <a:lstStyle/>
-          <a:p>
-            <a:pPr>
-              <a:spcBef>
-                <a:spcPts val="3000"/>
-              </a:spcBef>
-            </a:pPr>
-            <a:r>
-              <a:rPr lang="pt-BR" sz="2800" dirty="0" smtClean="0"/>
-              <a:t>Após realizado o mapeamento das classes VO, podemos dar início à criação do DAO.</a:t>
-            </a:r>
-          </a:p>
-          <a:p>
-            <a:pPr>
-              <a:spcBef>
-                <a:spcPts val="3000"/>
-              </a:spcBef>
-            </a:pPr>
-            <a:r>
-              <a:rPr lang="pt-BR" sz="2800" dirty="0" smtClean="0"/>
-              <a:t>Em geral criamos um DAO para cada tabela utilizada pela aplicação.</a:t>
-            </a:r>
-          </a:p>
-        </p:txBody>
-      </p:sp>
-      <p:sp>
-        <p:nvSpPr>
-          <p:cNvPr id="4" name="Espaço Reservado para Número de Slide 3"/>
-          <p:cNvSpPr>
-            <a:spLocks noGrp="1"/>
-          </p:cNvSpPr>
-          <p:nvPr>
-            <p:ph type="sldNum" sz="quarter" idx="12"/>
-          </p:nvPr>
-        </p:nvSpPr>
-        <p:spPr/>
-        <p:txBody>
-          <a:bodyPr/>
-          <a:lstStyle/>
-          <a:p>
-            <a:pPr>
-              <a:defRPr/>
-            </a:pPr>
-            <a:fld id="{EF19A0F5-F849-4C78-8624-C3A50979DE44}" type="slidenum">
-              <a:rPr lang="pt-BR" smtClean="0"/>
-              <a:pPr>
-                <a:defRPr/>
-              </a:pPr>
-              <a:t>13</a:t>
-            </a:fld>
-            <a:endParaRPr lang="pt-BR"/>
-          </a:p>
-        </p:txBody>
-      </p:sp>
-      <p:graphicFrame>
-        <p:nvGraphicFramePr>
-          <p:cNvPr id="5" name="Espaço Reservado para Conteúdo 4"/>
-          <p:cNvGraphicFramePr>
-            <a:graphicFrameLocks/>
-          </p:cNvGraphicFramePr>
-          <p:nvPr/>
-        </p:nvGraphicFramePr>
-        <p:xfrm>
-          <a:off x="2555776" y="4221088"/>
-          <a:ext cx="4032448" cy="2042160"/>
-        </p:xfrm>
-        <a:graphic>
-          <a:graphicData uri="http://schemas.openxmlformats.org/drawingml/2006/table">
-            <a:tbl>
-              <a:tblPr firstRow="1" bandRow="1">
-                <a:tableStyleId>{5C22544A-7EE6-4342-B048-85BDC9FD1C3A}</a:tableStyleId>
-              </a:tblPr>
-              <a:tblGrid>
-                <a:gridCol w="4032448"/>
-              </a:tblGrid>
-              <a:tr h="261535">
-                <a:tc>
-                  <a:txBody>
-                    <a:bodyPr/>
-                    <a:lstStyle/>
-                    <a:p>
-                      <a:pPr marL="0" algn="ctr" rtl="0" eaLnBrk="1" latinLnBrk="0" hangingPunct="1"/>
-                      <a:r>
-                        <a:rPr kumimoji="0" lang="pt-BR" sz="1800" b="1" i="0" kern="1200" dirty="0" err="1" smtClean="0">
-                          <a:solidFill>
-                            <a:schemeClr val="tx1"/>
-                          </a:solidFill>
-                          <a:latin typeface="+mn-lt"/>
-                          <a:ea typeface="+mn-ea"/>
-                          <a:cs typeface="+mn-cs"/>
-                        </a:rPr>
-                        <a:t>CargoDAO</a:t>
-                      </a:r>
-                      <a:endParaRPr kumimoji="0" lang="pt-BR" sz="1800" b="1" i="0" kern="1200" dirty="0">
-                        <a:solidFill>
-                          <a:schemeClr val="tx1"/>
-                        </a:solidFill>
-                        <a:latin typeface="+mn-lt"/>
-                        <a:ea typeface="+mn-ea"/>
-                        <a:cs typeface="+mn-cs"/>
-                      </a:endParaRPr>
-                    </a:p>
-                  </a:txBody>
-                  <a:tcPr>
-                    <a:lnL w="28575" cap="flat" cmpd="sng" algn="ctr">
-                      <a:solidFill>
-                        <a:schemeClr val="tx1"/>
-                      </a:solidFill>
-                      <a:prstDash val="solid"/>
-                      <a:round/>
-                      <a:headEnd type="none" w="med" len="med"/>
-                      <a:tailEnd type="none" w="med" len="med"/>
-                    </a:lnL>
-                    <a:lnR w="28575" cap="flat" cmpd="sng" algn="ctr">
-                      <a:solidFill>
-                        <a:schemeClr val="tx1"/>
-                      </a:solidFill>
-                      <a:prstDash val="solid"/>
-                      <a:round/>
-                      <a:headEnd type="none" w="med" len="med"/>
-                      <a:tailEnd type="none" w="med" len="med"/>
-                    </a:lnR>
-                    <a:lnT w="28575" cap="flat" cmpd="sng" algn="ctr">
-                      <a:solidFill>
-                        <a:schemeClr val="tx1"/>
-                      </a:solidFill>
-                      <a:prstDash val="solid"/>
-                      <a:round/>
-                      <a:headEnd type="none" w="med" len="med"/>
-                      <a:tailEnd type="none" w="med" len="med"/>
-                    </a:lnT>
-                    <a:lnB w="28575" cap="flat" cmpd="sng" algn="ctr">
-                      <a:solidFill>
-                        <a:schemeClr val="tx1"/>
-                      </a:solidFill>
-                      <a:prstDash val="solid"/>
-                      <a:round/>
-                      <a:headEnd type="none" w="med" len="med"/>
-                      <a:tailEnd type="none" w="med" len="med"/>
-                    </a:lnB>
-                    <a:noFill/>
-                  </a:tcPr>
-                </a:tc>
-              </a:tr>
-              <a:tr h="0">
-                <a:tc>
-                  <a:txBody>
-                    <a:bodyPr/>
-                    <a:lstStyle/>
-                    <a:p>
-                      <a:endParaRPr lang="en-US" sz="800" dirty="0" smtClean="0">
-                        <a:solidFill>
-                          <a:schemeClr val="tx1"/>
-                        </a:solidFill>
-                      </a:endParaRPr>
-                    </a:p>
-                  </a:txBody>
-                  <a:tcPr>
-                    <a:lnL w="28575" cap="flat" cmpd="sng" algn="ctr">
-                      <a:solidFill>
-                        <a:schemeClr val="tx1"/>
-                      </a:solidFill>
-                      <a:prstDash val="solid"/>
-                      <a:round/>
-                      <a:headEnd type="none" w="med" len="med"/>
-                      <a:tailEnd type="none" w="med" len="med"/>
-                    </a:lnL>
-                    <a:lnR w="28575" cap="flat" cmpd="sng" algn="ctr">
-                      <a:solidFill>
-                        <a:schemeClr val="tx1"/>
-                      </a:solidFill>
-                      <a:prstDash val="solid"/>
-                      <a:round/>
-                      <a:headEnd type="none" w="med" len="med"/>
-                      <a:tailEnd type="none" w="med" len="med"/>
-                    </a:lnR>
-                    <a:lnT w="28575" cap="flat" cmpd="sng" algn="ctr">
-                      <a:solidFill>
-                        <a:schemeClr val="tx1"/>
-                      </a:solidFill>
-                      <a:prstDash val="solid"/>
-                      <a:round/>
-                      <a:headEnd type="none" w="med" len="med"/>
-                      <a:tailEnd type="none" w="med" len="med"/>
-                    </a:lnT>
-                    <a:lnB w="28575" cap="flat" cmpd="sng" algn="ctr">
-                      <a:solidFill>
-                        <a:schemeClr val="tx1"/>
-                      </a:solidFill>
-                      <a:prstDash val="solid"/>
-                      <a:round/>
-                      <a:headEnd type="none" w="med" len="med"/>
-                      <a:tailEnd type="none" w="med" len="med"/>
-                    </a:lnB>
-                    <a:noFill/>
-                  </a:tcPr>
-                </a:tc>
-              </a:tr>
-              <a:tr h="335759">
-                <a:tc>
-                  <a:txBody>
-                    <a:bodyPr/>
-                    <a:lstStyle/>
-                    <a:p>
-                      <a:r>
-                        <a:rPr lang="en-US" sz="1800" dirty="0" smtClean="0">
-                          <a:solidFill>
-                            <a:schemeClr val="tx1"/>
-                          </a:solidFill>
-                        </a:rPr>
-                        <a:t>save(</a:t>
-                      </a:r>
-                      <a:r>
-                        <a:rPr lang="en-US" sz="1800" dirty="0" err="1" smtClean="0">
-                          <a:solidFill>
-                            <a:schemeClr val="tx1"/>
-                          </a:solidFill>
-                        </a:rPr>
-                        <a:t>CargoVO</a:t>
-                      </a:r>
-                      <a:r>
-                        <a:rPr lang="en-US" sz="1800" dirty="0" smtClean="0">
-                          <a:solidFill>
-                            <a:schemeClr val="tx1"/>
-                          </a:solidFill>
-                        </a:rPr>
-                        <a:t>) : void</a:t>
-                      </a:r>
-                    </a:p>
-                    <a:p>
-                      <a:r>
-                        <a:rPr lang="en-US" sz="1800" dirty="0" smtClean="0">
-                          <a:solidFill>
-                            <a:schemeClr val="tx1"/>
-                          </a:solidFill>
-                        </a:rPr>
-                        <a:t>delete(</a:t>
-                      </a:r>
-                      <a:r>
-                        <a:rPr lang="en-US" sz="1800" dirty="0" err="1" smtClean="0">
-                          <a:solidFill>
-                            <a:schemeClr val="tx1"/>
-                          </a:solidFill>
-                        </a:rPr>
-                        <a:t>int</a:t>
-                      </a:r>
-                      <a:r>
-                        <a:rPr lang="en-US" sz="1800" dirty="0" smtClean="0">
-                          <a:solidFill>
-                            <a:schemeClr val="tx1"/>
-                          </a:solidFill>
-                        </a:rPr>
-                        <a:t>) : void</a:t>
-                      </a:r>
-                    </a:p>
-                    <a:p>
-                      <a:r>
-                        <a:rPr lang="en-US" sz="1800" dirty="0" err="1" smtClean="0">
-                          <a:solidFill>
-                            <a:schemeClr val="tx1"/>
-                          </a:solidFill>
-                        </a:rPr>
-                        <a:t>findByPk</a:t>
-                      </a:r>
-                      <a:r>
-                        <a:rPr lang="en-US" sz="1800" dirty="0" smtClean="0">
-                          <a:solidFill>
-                            <a:schemeClr val="tx1"/>
-                          </a:solidFill>
-                        </a:rPr>
-                        <a:t>(</a:t>
-                      </a:r>
-                      <a:r>
-                        <a:rPr lang="en-US" sz="1800" dirty="0" err="1" smtClean="0">
-                          <a:solidFill>
-                            <a:schemeClr val="tx1"/>
-                          </a:solidFill>
-                        </a:rPr>
-                        <a:t>int</a:t>
-                      </a:r>
-                      <a:r>
-                        <a:rPr lang="en-US" sz="1800" dirty="0" smtClean="0">
-                          <a:solidFill>
-                            <a:schemeClr val="tx1"/>
-                          </a:solidFill>
-                        </a:rPr>
-                        <a:t>) : </a:t>
-                      </a:r>
-                      <a:r>
-                        <a:rPr lang="en-US" sz="1800" dirty="0" err="1" smtClean="0">
-                          <a:solidFill>
-                            <a:schemeClr val="tx1"/>
-                          </a:solidFill>
-                        </a:rPr>
-                        <a:t>CargoVO</a:t>
-                      </a:r>
-                      <a:endParaRPr lang="en-US" sz="1800" dirty="0" smtClean="0">
-                        <a:solidFill>
-                          <a:schemeClr val="tx1"/>
-                        </a:solidFill>
-                      </a:endParaRPr>
-                    </a:p>
-                    <a:p>
-                      <a:r>
-                        <a:rPr lang="en-US" sz="1800" dirty="0" err="1" smtClean="0">
-                          <a:solidFill>
-                            <a:schemeClr val="tx1"/>
-                          </a:solidFill>
-                        </a:rPr>
-                        <a:t>findByName</a:t>
-                      </a:r>
-                      <a:r>
-                        <a:rPr lang="en-US" sz="1800" dirty="0" smtClean="0">
-                          <a:solidFill>
-                            <a:schemeClr val="tx1"/>
-                          </a:solidFill>
-                        </a:rPr>
-                        <a:t>(String) : List&lt;</a:t>
-                      </a:r>
-                      <a:r>
-                        <a:rPr lang="en-US" sz="1800" dirty="0" err="1" smtClean="0">
-                          <a:solidFill>
-                            <a:schemeClr val="tx1"/>
-                          </a:solidFill>
-                        </a:rPr>
-                        <a:t>CargoVO</a:t>
-                      </a:r>
-                      <a:r>
-                        <a:rPr lang="en-US" sz="1800" dirty="0" smtClean="0">
-                          <a:solidFill>
-                            <a:schemeClr val="tx1"/>
-                          </a:solidFill>
-                        </a:rPr>
-                        <a:t>&gt;</a:t>
-                      </a:r>
-                    </a:p>
-                    <a:p>
-                      <a:r>
-                        <a:rPr lang="en-US" sz="1800" dirty="0" err="1" smtClean="0">
-                          <a:solidFill>
-                            <a:schemeClr val="tx1"/>
-                          </a:solidFill>
-                        </a:rPr>
-                        <a:t>findAll</a:t>
-                      </a:r>
-                      <a:r>
-                        <a:rPr lang="en-US" sz="1800" dirty="0" smtClean="0">
-                          <a:solidFill>
-                            <a:schemeClr val="tx1"/>
-                          </a:solidFill>
-                        </a:rPr>
-                        <a:t>() : List&lt;</a:t>
-                      </a:r>
-                      <a:r>
-                        <a:rPr lang="en-US" sz="1800" dirty="0" err="1" smtClean="0">
-                          <a:solidFill>
-                            <a:schemeClr val="tx1"/>
-                          </a:solidFill>
-                        </a:rPr>
-                        <a:t>CargoVO</a:t>
-                      </a:r>
-                      <a:r>
-                        <a:rPr lang="en-US" sz="1800" dirty="0" smtClean="0">
-                          <a:solidFill>
-                            <a:schemeClr val="tx1"/>
-                          </a:solidFill>
-                        </a:rPr>
-                        <a:t>&gt;</a:t>
-                      </a:r>
-                    </a:p>
-                  </a:txBody>
-                  <a:tcPr>
-                    <a:lnL w="28575" cap="flat" cmpd="sng" algn="ctr">
-                      <a:solidFill>
-                        <a:schemeClr val="tx1"/>
-                      </a:solidFill>
-                      <a:prstDash val="solid"/>
-                      <a:round/>
-                      <a:headEnd type="none" w="med" len="med"/>
-                      <a:tailEnd type="none" w="med" len="med"/>
-                    </a:lnL>
-                    <a:lnR w="28575" cap="flat" cmpd="sng" algn="ctr">
-                      <a:solidFill>
-                        <a:schemeClr val="tx1"/>
-                      </a:solidFill>
-                      <a:prstDash val="solid"/>
-                      <a:round/>
-                      <a:headEnd type="none" w="med" len="med"/>
-                      <a:tailEnd type="none" w="med" len="med"/>
-                    </a:lnR>
-                    <a:lnT w="28575" cap="flat" cmpd="sng" algn="ctr">
-                      <a:solidFill>
-                        <a:schemeClr val="tx1"/>
-                      </a:solidFill>
-                      <a:prstDash val="solid"/>
-                      <a:round/>
-                      <a:headEnd type="none" w="med" len="med"/>
-                      <a:tailEnd type="none" w="med" len="med"/>
-                    </a:lnT>
-                    <a:lnB w="28575" cap="flat" cmpd="sng" algn="ctr">
-                      <a:solidFill>
-                        <a:schemeClr val="tx1"/>
-                      </a:solidFill>
-                      <a:prstDash val="solid"/>
-                      <a:round/>
-                      <a:headEnd type="none" w="med" len="med"/>
-                      <a:tailEnd type="none" w="med" len="med"/>
-                    </a:lnB>
-                    <a:noFill/>
-                  </a:tcPr>
-                </a:tc>
-              </a:tr>
-            </a:tbl>
-          </a:graphicData>
-        </a:graphic>
-      </p:graphicFrame>
-    </p:spTree>
-  </p:cSld>
-  <p:clrMapOvr>
-    <a:masterClrMapping/>
-  </p:clrMapOvr>
-  <p:timing>
-    <p:tnLst>
-      <p:par>
-        <p:cTn id="1" dur="indefinite" restart="never" nodeType="tmRoot"/>
-      </p:par>
-    </p:tnLst>
-  </p:timing>
-</p:sld>
-</file>
-
-<file path=ppt/slides/slide14.xml><?xml version="1.0" encoding="utf-8"?>
-<p:sld xmlns:a="http://schemas.openxmlformats.org/drawingml/2006/main" xmlns:r="http://schemas.openxmlformats.org/officeDocument/2006/relationships" xmlns:p="http://schemas.openxmlformats.org/presentationml/2006/main">
-  <p:cSld>
-    <p:spTree>
-      <p:nvGrpSpPr>
-        <p:cNvPr id="1" name=""/>
-        <p:cNvGrpSpPr/>
-        <p:nvPr/>
-      </p:nvGrpSpPr>
-      <p:grpSpPr>
-        <a:xfrm>
-          <a:off x="0" y="0"/>
-          <a:ext cx="0" cy="0"/>
-          <a:chOff x="0" y="0"/>
-          <a:chExt cx="0" cy="0"/>
-        </a:xfrm>
-      </p:grpSpPr>
-      <p:sp>
-        <p:nvSpPr>
-          <p:cNvPr id="2" name="Título 1"/>
-          <p:cNvSpPr>
-            <a:spLocks noGrp="1"/>
-          </p:cNvSpPr>
-          <p:nvPr>
-            <p:ph type="title"/>
-          </p:nvPr>
-        </p:nvSpPr>
-        <p:spPr/>
-        <p:txBody>
-          <a:bodyPr/>
-          <a:lstStyle/>
-          <a:p>
-            <a:pPr rtl="0" eaLnBrk="0" fontAlgn="base" hangingPunct="0"/>
-            <a:r>
-              <a:rPr lang="pt-BR" sz="4600" kern="1200" dirty="0" smtClean="0">
-                <a:solidFill>
-                  <a:schemeClr val="tx1"/>
-                </a:solidFill>
-                <a:latin typeface="+mj-lt"/>
-                <a:ea typeface="+mj-ea"/>
-                <a:cs typeface="+mj-cs"/>
-              </a:rPr>
-              <a:t>Criação do DAO</a:t>
-            </a:r>
-            <a:endParaRPr lang="pt-BR" dirty="0"/>
-          </a:p>
-        </p:txBody>
-      </p:sp>
-      <p:sp>
-        <p:nvSpPr>
-          <p:cNvPr id="3" name="Espaço Reservado para Conteúdo 2"/>
-          <p:cNvSpPr>
-            <a:spLocks noGrp="1"/>
-          </p:cNvSpPr>
-          <p:nvPr>
-            <p:ph idx="1"/>
-          </p:nvPr>
-        </p:nvSpPr>
-        <p:spPr/>
-        <p:txBody>
-          <a:bodyPr/>
-          <a:lstStyle/>
-          <a:p>
-            <a:pPr>
-              <a:spcBef>
-                <a:spcPts val="3000"/>
-              </a:spcBef>
-            </a:pPr>
-            <a:r>
-              <a:rPr lang="pt-BR" sz="2800" dirty="0" smtClean="0"/>
-              <a:t>Métodos comuns aos </a:t>
-            </a:r>
-            <a:r>
-              <a:rPr lang="pt-BR" sz="2800" dirty="0" err="1" smtClean="0"/>
-              <a:t>DAOs</a:t>
-            </a:r>
-            <a:r>
-              <a:rPr lang="pt-BR" sz="2800" dirty="0" smtClean="0"/>
-              <a:t> podem ser colocados em uma </a:t>
-            </a:r>
-            <a:r>
-              <a:rPr lang="pt-BR" sz="2800" smtClean="0"/>
-              <a:t>classe base</a:t>
-            </a:r>
-            <a:endParaRPr lang="pt-BR" sz="2800" dirty="0" smtClean="0"/>
-          </a:p>
-        </p:txBody>
-      </p:sp>
-      <p:sp>
-        <p:nvSpPr>
-          <p:cNvPr id="4" name="Espaço Reservado para Número de Slide 3"/>
-          <p:cNvSpPr>
-            <a:spLocks noGrp="1"/>
-          </p:cNvSpPr>
-          <p:nvPr>
-            <p:ph type="sldNum" sz="quarter" idx="12"/>
-          </p:nvPr>
-        </p:nvSpPr>
-        <p:spPr/>
-        <p:txBody>
-          <a:bodyPr/>
-          <a:lstStyle/>
-          <a:p>
-            <a:pPr>
-              <a:defRPr/>
-            </a:pPr>
-            <a:fld id="{EF19A0F5-F849-4C78-8624-C3A50979DE44}" type="slidenum">
-              <a:rPr lang="pt-BR" smtClean="0"/>
-              <a:pPr>
-                <a:defRPr/>
-              </a:pPr>
-              <a:t>14</a:t>
-            </a:fld>
-            <a:endParaRPr lang="pt-BR"/>
-          </a:p>
-        </p:txBody>
-      </p:sp>
-      <p:graphicFrame>
-        <p:nvGraphicFramePr>
-          <p:cNvPr id="5" name="Espaço Reservado para Conteúdo 4"/>
-          <p:cNvGraphicFramePr>
-            <a:graphicFrameLocks/>
-          </p:cNvGraphicFramePr>
-          <p:nvPr/>
-        </p:nvGraphicFramePr>
-        <p:xfrm>
-          <a:off x="2555776" y="4221088"/>
-          <a:ext cx="4032448" cy="2042160"/>
-        </p:xfrm>
-        <a:graphic>
-          <a:graphicData uri="http://schemas.openxmlformats.org/drawingml/2006/table">
-            <a:tbl>
-              <a:tblPr firstRow="1" bandRow="1">
-                <a:tableStyleId>{5C22544A-7EE6-4342-B048-85BDC9FD1C3A}</a:tableStyleId>
-              </a:tblPr>
-              <a:tblGrid>
-                <a:gridCol w="4032448"/>
-              </a:tblGrid>
-              <a:tr h="261535">
-                <a:tc>
-                  <a:txBody>
-                    <a:bodyPr/>
-                    <a:lstStyle/>
-                    <a:p>
-                      <a:pPr marL="0" algn="ctr" rtl="0" eaLnBrk="1" latinLnBrk="0" hangingPunct="1"/>
-                      <a:r>
-                        <a:rPr kumimoji="0" lang="pt-BR" sz="1800" b="1" i="0" kern="1200" dirty="0" err="1" smtClean="0">
-                          <a:solidFill>
-                            <a:schemeClr val="tx1"/>
-                          </a:solidFill>
-                          <a:latin typeface="+mn-lt"/>
-                          <a:ea typeface="+mn-ea"/>
-                          <a:cs typeface="+mn-cs"/>
-                        </a:rPr>
-                        <a:t>CargoDAO</a:t>
-                      </a:r>
-                      <a:endParaRPr kumimoji="0" lang="pt-BR" sz="1800" b="1" i="0" kern="1200" dirty="0">
-                        <a:solidFill>
-                          <a:schemeClr val="tx1"/>
-                        </a:solidFill>
-                        <a:latin typeface="+mn-lt"/>
-                        <a:ea typeface="+mn-ea"/>
-                        <a:cs typeface="+mn-cs"/>
-                      </a:endParaRPr>
-                    </a:p>
-                  </a:txBody>
-                  <a:tcPr>
-                    <a:lnL w="28575" cap="flat" cmpd="sng" algn="ctr">
-                      <a:solidFill>
-                        <a:schemeClr val="tx1"/>
-                      </a:solidFill>
-                      <a:prstDash val="solid"/>
-                      <a:round/>
-                      <a:headEnd type="none" w="med" len="med"/>
-                      <a:tailEnd type="none" w="med" len="med"/>
-                    </a:lnL>
-                    <a:lnR w="28575" cap="flat" cmpd="sng" algn="ctr">
-                      <a:solidFill>
-                        <a:schemeClr val="tx1"/>
-                      </a:solidFill>
-                      <a:prstDash val="solid"/>
-                      <a:round/>
-                      <a:headEnd type="none" w="med" len="med"/>
-                      <a:tailEnd type="none" w="med" len="med"/>
-                    </a:lnR>
-                    <a:lnT w="28575" cap="flat" cmpd="sng" algn="ctr">
-                      <a:solidFill>
-                        <a:schemeClr val="tx1"/>
-                      </a:solidFill>
-                      <a:prstDash val="solid"/>
-                      <a:round/>
-                      <a:headEnd type="none" w="med" len="med"/>
-                      <a:tailEnd type="none" w="med" len="med"/>
-                    </a:lnT>
-                    <a:lnB w="28575" cap="flat" cmpd="sng" algn="ctr">
-                      <a:solidFill>
-                        <a:schemeClr val="tx1"/>
-                      </a:solidFill>
-                      <a:prstDash val="solid"/>
-                      <a:round/>
-                      <a:headEnd type="none" w="med" len="med"/>
-                      <a:tailEnd type="none" w="med" len="med"/>
-                    </a:lnB>
-                    <a:noFill/>
-                  </a:tcPr>
-                </a:tc>
-              </a:tr>
-              <a:tr h="0">
-                <a:tc>
-                  <a:txBody>
-                    <a:bodyPr/>
-                    <a:lstStyle/>
-                    <a:p>
-                      <a:endParaRPr lang="en-US" sz="800" dirty="0" smtClean="0">
-                        <a:solidFill>
-                          <a:schemeClr val="tx1"/>
-                        </a:solidFill>
-                      </a:endParaRPr>
-                    </a:p>
-                  </a:txBody>
-                  <a:tcPr>
-                    <a:lnL w="28575" cap="flat" cmpd="sng" algn="ctr">
-                      <a:solidFill>
-                        <a:schemeClr val="tx1"/>
-                      </a:solidFill>
-                      <a:prstDash val="solid"/>
-                      <a:round/>
-                      <a:headEnd type="none" w="med" len="med"/>
-                      <a:tailEnd type="none" w="med" len="med"/>
-                    </a:lnL>
-                    <a:lnR w="28575" cap="flat" cmpd="sng" algn="ctr">
-                      <a:solidFill>
-                        <a:schemeClr val="tx1"/>
-                      </a:solidFill>
-                      <a:prstDash val="solid"/>
-                      <a:round/>
-                      <a:headEnd type="none" w="med" len="med"/>
-                      <a:tailEnd type="none" w="med" len="med"/>
-                    </a:lnR>
-                    <a:lnT w="28575" cap="flat" cmpd="sng" algn="ctr">
-                      <a:solidFill>
-                        <a:schemeClr val="tx1"/>
-                      </a:solidFill>
-                      <a:prstDash val="solid"/>
-                      <a:round/>
-                      <a:headEnd type="none" w="med" len="med"/>
-                      <a:tailEnd type="none" w="med" len="med"/>
-                    </a:lnT>
-                    <a:lnB w="28575" cap="flat" cmpd="sng" algn="ctr">
-                      <a:solidFill>
-                        <a:schemeClr val="tx1"/>
-                      </a:solidFill>
-                      <a:prstDash val="solid"/>
-                      <a:round/>
-                      <a:headEnd type="none" w="med" len="med"/>
-                      <a:tailEnd type="none" w="med" len="med"/>
-                    </a:lnB>
-                    <a:noFill/>
-                  </a:tcPr>
-                </a:tc>
-              </a:tr>
-              <a:tr h="335759">
-                <a:tc>
-                  <a:txBody>
-                    <a:bodyPr/>
-                    <a:lstStyle/>
-                    <a:p>
-                      <a:r>
-                        <a:rPr lang="en-US" sz="1800" dirty="0" smtClean="0">
-                          <a:solidFill>
-                            <a:schemeClr val="tx1"/>
-                          </a:solidFill>
-                        </a:rPr>
-                        <a:t>save(</a:t>
-                      </a:r>
-                      <a:r>
-                        <a:rPr lang="en-US" sz="1800" dirty="0" err="1" smtClean="0">
-                          <a:solidFill>
-                            <a:schemeClr val="tx1"/>
-                          </a:solidFill>
-                        </a:rPr>
-                        <a:t>CargoVO</a:t>
-                      </a:r>
-                      <a:r>
-                        <a:rPr lang="en-US" sz="1800" dirty="0" smtClean="0">
-                          <a:solidFill>
-                            <a:schemeClr val="tx1"/>
-                          </a:solidFill>
-                        </a:rPr>
-                        <a:t>) : void</a:t>
-                      </a:r>
-                    </a:p>
-                    <a:p>
-                      <a:r>
-                        <a:rPr lang="en-US" sz="1800" dirty="0" smtClean="0">
-                          <a:solidFill>
-                            <a:schemeClr val="tx1"/>
-                          </a:solidFill>
-                        </a:rPr>
-                        <a:t>delete(</a:t>
-                      </a:r>
-                      <a:r>
-                        <a:rPr lang="en-US" sz="1800" dirty="0" err="1" smtClean="0">
-                          <a:solidFill>
-                            <a:schemeClr val="tx1"/>
-                          </a:solidFill>
-                        </a:rPr>
-                        <a:t>int</a:t>
-                      </a:r>
-                      <a:r>
-                        <a:rPr lang="en-US" sz="1800" dirty="0" smtClean="0">
-                          <a:solidFill>
-                            <a:schemeClr val="tx1"/>
-                          </a:solidFill>
-                        </a:rPr>
-                        <a:t>) : void</a:t>
-                      </a:r>
-                    </a:p>
-                    <a:p>
-                      <a:r>
-                        <a:rPr lang="en-US" sz="1800" dirty="0" err="1" smtClean="0">
-                          <a:solidFill>
-                            <a:schemeClr val="tx1"/>
-                          </a:solidFill>
-                        </a:rPr>
-                        <a:t>findByPk</a:t>
-                      </a:r>
-                      <a:r>
-                        <a:rPr lang="en-US" sz="1800" dirty="0" smtClean="0">
-                          <a:solidFill>
-                            <a:schemeClr val="tx1"/>
-                          </a:solidFill>
-                        </a:rPr>
-                        <a:t>(</a:t>
-                      </a:r>
-                      <a:r>
-                        <a:rPr lang="en-US" sz="1800" dirty="0" err="1" smtClean="0">
-                          <a:solidFill>
-                            <a:schemeClr val="tx1"/>
-                          </a:solidFill>
-                        </a:rPr>
-                        <a:t>int</a:t>
-                      </a:r>
-                      <a:r>
-                        <a:rPr lang="en-US" sz="1800" dirty="0" smtClean="0">
-                          <a:solidFill>
-                            <a:schemeClr val="tx1"/>
-                          </a:solidFill>
-                        </a:rPr>
-                        <a:t>) : </a:t>
-                      </a:r>
-                      <a:r>
-                        <a:rPr lang="en-US" sz="1800" dirty="0" err="1" smtClean="0">
-                          <a:solidFill>
-                            <a:schemeClr val="tx1"/>
-                          </a:solidFill>
-                        </a:rPr>
-                        <a:t>CargoVO</a:t>
-                      </a:r>
-                      <a:endParaRPr lang="en-US" sz="1800" dirty="0" smtClean="0">
-                        <a:solidFill>
-                          <a:schemeClr val="tx1"/>
-                        </a:solidFill>
-                      </a:endParaRPr>
-                    </a:p>
-                    <a:p>
-                      <a:r>
-                        <a:rPr lang="en-US" sz="1800" dirty="0" err="1" smtClean="0">
-                          <a:solidFill>
-                            <a:schemeClr val="tx1"/>
-                          </a:solidFill>
-                        </a:rPr>
-                        <a:t>findByName</a:t>
-                      </a:r>
-                      <a:r>
-                        <a:rPr lang="en-US" sz="1800" dirty="0" smtClean="0">
-                          <a:solidFill>
-                            <a:schemeClr val="tx1"/>
-                          </a:solidFill>
-                        </a:rPr>
-                        <a:t>(String) : List&lt;</a:t>
-                      </a:r>
-                      <a:r>
-                        <a:rPr lang="en-US" sz="1800" dirty="0" err="1" smtClean="0">
-                          <a:solidFill>
-                            <a:schemeClr val="tx1"/>
-                          </a:solidFill>
-                        </a:rPr>
-                        <a:t>CargoVO</a:t>
-                      </a:r>
-                      <a:r>
-                        <a:rPr lang="en-US" sz="1800" dirty="0" smtClean="0">
-                          <a:solidFill>
-                            <a:schemeClr val="tx1"/>
-                          </a:solidFill>
-                        </a:rPr>
-                        <a:t>&gt;</a:t>
-                      </a:r>
-                    </a:p>
-                    <a:p>
-                      <a:r>
-                        <a:rPr lang="en-US" sz="1800" dirty="0" err="1" smtClean="0">
-                          <a:solidFill>
-                            <a:schemeClr val="tx1"/>
-                          </a:solidFill>
-                        </a:rPr>
-                        <a:t>findAll</a:t>
-                      </a:r>
-                      <a:r>
-                        <a:rPr lang="en-US" sz="1800" dirty="0" smtClean="0">
-                          <a:solidFill>
-                            <a:schemeClr val="tx1"/>
-                          </a:solidFill>
-                        </a:rPr>
-                        <a:t>() : List&lt;</a:t>
-                      </a:r>
-                      <a:r>
-                        <a:rPr lang="en-US" sz="1800" dirty="0" err="1" smtClean="0">
-                          <a:solidFill>
-                            <a:schemeClr val="tx1"/>
-                          </a:solidFill>
-                        </a:rPr>
-                        <a:t>CargoVO</a:t>
-                      </a:r>
-                      <a:r>
-                        <a:rPr lang="en-US" sz="1800" dirty="0" smtClean="0">
-                          <a:solidFill>
-                            <a:schemeClr val="tx1"/>
-                          </a:solidFill>
-                        </a:rPr>
-                        <a:t>&gt;</a:t>
-                      </a:r>
-                    </a:p>
-                  </a:txBody>
-                  <a:tcPr>
-                    <a:lnL w="28575" cap="flat" cmpd="sng" algn="ctr">
-                      <a:solidFill>
-                        <a:schemeClr val="tx1"/>
-                      </a:solidFill>
-                      <a:prstDash val="solid"/>
-                      <a:round/>
-                      <a:headEnd type="none" w="med" len="med"/>
-                      <a:tailEnd type="none" w="med" len="med"/>
-                    </a:lnL>
-                    <a:lnR w="28575" cap="flat" cmpd="sng" algn="ctr">
-                      <a:solidFill>
-                        <a:schemeClr val="tx1"/>
-                      </a:solidFill>
-                      <a:prstDash val="solid"/>
-                      <a:round/>
-                      <a:headEnd type="none" w="med" len="med"/>
-                      <a:tailEnd type="none" w="med" len="med"/>
-                    </a:lnR>
-                    <a:lnT w="28575" cap="flat" cmpd="sng" algn="ctr">
-                      <a:solidFill>
-                        <a:schemeClr val="tx1"/>
-                      </a:solidFill>
-                      <a:prstDash val="solid"/>
-                      <a:round/>
-                      <a:headEnd type="none" w="med" len="med"/>
-                      <a:tailEnd type="none" w="med" len="med"/>
-                    </a:lnT>
-                    <a:lnB w="28575" cap="flat" cmpd="sng" algn="ctr">
-                      <a:solidFill>
-                        <a:schemeClr val="tx1"/>
-                      </a:solidFill>
-                      <a:prstDash val="solid"/>
-                      <a:round/>
-                      <a:headEnd type="none" w="med" len="med"/>
-                      <a:tailEnd type="none" w="med" len="med"/>
-                    </a:lnB>
-                    <a:noFill/>
-                  </a:tcPr>
-                </a:tc>
-              </a:tr>
-            </a:tbl>
-          </a:graphicData>
-        </a:graphic>
-      </p:graphicFrame>
-    </p:spTree>
-  </p:cSld>
-  <p:clrMapOvr>
-    <a:masterClrMapping/>
-  </p:clrMapOvr>
-  <p:timing>
-    <p:tnLst>
-      <p:par>
-        <p:cTn id="1" dur="indefinite" restart="never" nodeType="tmRoot"/>
-      </p:par>
-    </p:tnLst>
-  </p:timing>
-</p:sld>
-</file>
-
-<file path=ppt/slides/slide15.xml><?xml version="1.0" encoding="utf-8"?>
-<p:sld xmlns:a="http://schemas.openxmlformats.org/drawingml/2006/main" xmlns:r="http://schemas.openxmlformats.org/officeDocument/2006/relationships" xmlns:p="http://schemas.openxmlformats.org/presentationml/2006/main">
-  <p:cSld>
-    <p:spTree>
-      <p:nvGrpSpPr>
-        <p:cNvPr id="1" name=""/>
-        <p:cNvGrpSpPr/>
-        <p:nvPr/>
-      </p:nvGrpSpPr>
-      <p:grpSpPr>
-        <a:xfrm>
-          <a:off x="0" y="0"/>
-          <a:ext cx="0" cy="0"/>
-          <a:chOff x="0" y="0"/>
-          <a:chExt cx="0" cy="0"/>
-        </a:xfrm>
-      </p:grpSpPr>
-      <p:sp>
-        <p:nvSpPr>
-          <p:cNvPr id="2" name="Título 1"/>
-          <p:cNvSpPr>
-            <a:spLocks noGrp="1"/>
-          </p:cNvSpPr>
-          <p:nvPr>
-            <p:ph type="title"/>
-          </p:nvPr>
-        </p:nvSpPr>
-        <p:spPr/>
-        <p:txBody>
-          <a:bodyPr/>
-          <a:lstStyle/>
-          <a:p>
-            <a:pPr rtl="0" eaLnBrk="0" fontAlgn="base" hangingPunct="0"/>
-            <a:r>
-              <a:rPr lang="pt-BR" sz="4600" kern="1200" dirty="0" smtClean="0">
-                <a:solidFill>
-                  <a:schemeClr val="tx1"/>
-                </a:solidFill>
-                <a:latin typeface="+mj-lt"/>
-                <a:ea typeface="+mj-ea"/>
-                <a:cs typeface="+mj-cs"/>
-              </a:rPr>
-              <a:t>Tela de Cadastro de Cargos</a:t>
-            </a:r>
-            <a:endParaRPr lang="pt-BR" dirty="0"/>
-          </a:p>
-        </p:txBody>
-      </p:sp>
-      <p:sp>
-        <p:nvSpPr>
-          <p:cNvPr id="3" name="Espaço Reservado para Conteúdo 2"/>
-          <p:cNvSpPr>
-            <a:spLocks noGrp="1"/>
-          </p:cNvSpPr>
-          <p:nvPr>
-            <p:ph idx="1"/>
-          </p:nvPr>
-        </p:nvSpPr>
-        <p:spPr/>
-        <p:txBody>
-          <a:bodyPr/>
-          <a:lstStyle/>
-          <a:p>
-            <a:endParaRPr lang="pt-BR"/>
-          </a:p>
-        </p:txBody>
-      </p:sp>
-      <p:sp>
-        <p:nvSpPr>
-          <p:cNvPr id="4" name="Espaço Reservado para Número de Slide 3"/>
-          <p:cNvSpPr>
-            <a:spLocks noGrp="1"/>
-          </p:cNvSpPr>
-          <p:nvPr>
-            <p:ph type="sldNum" sz="quarter" idx="12"/>
-          </p:nvPr>
-        </p:nvSpPr>
-        <p:spPr/>
-        <p:txBody>
-          <a:bodyPr/>
-          <a:lstStyle/>
-          <a:p>
-            <a:pPr>
-              <a:defRPr/>
-            </a:pPr>
-            <a:fld id="{EF19A0F5-F849-4C78-8624-C3A50979DE44}" type="slidenum">
-              <a:rPr lang="pt-BR" smtClean="0"/>
-              <a:pPr>
-                <a:defRPr/>
-              </a:pPr>
-              <a:t>15</a:t>
-            </a:fld>
-            <a:endParaRPr lang="pt-BR"/>
-          </a:p>
-        </p:txBody>
-      </p:sp>
-    </p:spTree>
-  </p:cSld>
-  <p:clrMapOvr>
-    <a:masterClrMapping/>
-  </p:clrMapOvr>
-  <p:timing>
-    <p:tnLst>
-      <p:par>
-        <p:cTn id="1" dur="indefinite" restart="never" nodeType="tmRoot"/>
-      </p:par>
-    </p:tnLst>
-  </p:timing>
-</p:sld>
-</file>
-
-<file path=ppt/slides/slide16.xml><?xml version="1.0" encoding="utf-8"?>
-<p:sld xmlns:a="http://schemas.openxmlformats.org/drawingml/2006/main" xmlns:r="http://schemas.openxmlformats.org/officeDocument/2006/relationships" xmlns:p="http://schemas.openxmlformats.org/presentationml/2006/main">
-  <p:cSld>
-    <p:spTree>
-      <p:nvGrpSpPr>
-        <p:cNvPr id="1" name=""/>
-        <p:cNvGrpSpPr/>
-        <p:nvPr/>
-      </p:nvGrpSpPr>
-      <p:grpSpPr>
-        <a:xfrm>
-          <a:off x="0" y="0"/>
-          <a:ext cx="0" cy="0"/>
-          <a:chOff x="0" y="0"/>
-          <a:chExt cx="0" cy="0"/>
-        </a:xfrm>
-      </p:grpSpPr>
-      <p:sp>
-        <p:nvSpPr>
-          <p:cNvPr id="2" name="Título 1"/>
-          <p:cNvSpPr>
-            <a:spLocks noGrp="1"/>
-          </p:cNvSpPr>
-          <p:nvPr>
-            <p:ph type="title"/>
-          </p:nvPr>
-        </p:nvSpPr>
-        <p:spPr>
-          <a:xfrm>
-            <a:off x="457200" y="274638"/>
-            <a:ext cx="8291264" cy="1143000"/>
-          </a:xfrm>
-        </p:spPr>
-        <p:txBody>
-          <a:bodyPr/>
-          <a:lstStyle/>
-          <a:p>
-            <a:pPr rtl="0" eaLnBrk="0" fontAlgn="base" hangingPunct="0"/>
-            <a:r>
-              <a:rPr lang="pt-BR" sz="4400" kern="1200" dirty="0" smtClean="0">
-                <a:solidFill>
-                  <a:schemeClr val="tx1"/>
-                </a:solidFill>
-                <a:latin typeface="+mj-lt"/>
-                <a:ea typeface="+mj-ea"/>
-                <a:cs typeface="+mj-cs"/>
-              </a:rPr>
-              <a:t>Tela de Cadastro de Funcionários</a:t>
-            </a:r>
-            <a:endParaRPr lang="pt-BR" sz="4400" dirty="0"/>
-          </a:p>
-        </p:txBody>
-      </p:sp>
-      <p:sp>
-        <p:nvSpPr>
-          <p:cNvPr id="3" name="Espaço Reservado para Conteúdo 2"/>
-          <p:cNvSpPr>
-            <a:spLocks noGrp="1"/>
-          </p:cNvSpPr>
-          <p:nvPr>
-            <p:ph idx="1"/>
-          </p:nvPr>
-        </p:nvSpPr>
-        <p:spPr/>
-        <p:txBody>
-          <a:bodyPr/>
-          <a:lstStyle/>
-          <a:p>
-            <a:endParaRPr lang="pt-BR"/>
-          </a:p>
-        </p:txBody>
-      </p:sp>
-      <p:sp>
-        <p:nvSpPr>
-          <p:cNvPr id="4" name="Espaço Reservado para Número de Slide 3"/>
-          <p:cNvSpPr>
-            <a:spLocks noGrp="1"/>
-          </p:cNvSpPr>
-          <p:nvPr>
-            <p:ph type="sldNum" sz="quarter" idx="12"/>
-          </p:nvPr>
-        </p:nvSpPr>
-        <p:spPr/>
-        <p:txBody>
-          <a:bodyPr/>
-          <a:lstStyle/>
-          <a:p>
-            <a:pPr>
-              <a:defRPr/>
-            </a:pPr>
-            <a:fld id="{EF19A0F5-F849-4C78-8624-C3A50979DE44}" type="slidenum">
-              <a:rPr lang="pt-BR" smtClean="0"/>
-              <a:pPr>
-                <a:defRPr/>
-              </a:pPr>
-              <a:t>16</a:t>
-            </a:fld>
-            <a:endParaRPr lang="pt-BR"/>
-          </a:p>
-        </p:txBody>
-      </p:sp>
-    </p:spTree>
-  </p:cSld>
-  <p:clrMapOvr>
-    <a:masterClrMapping/>
-  </p:clrMapOvr>
-</p:sld>
-</file>
-
-<file path=ppt/slides/slide17.xml><?xml version="1.0" encoding="utf-8"?>
-<p:sld xmlns:a="http://schemas.openxmlformats.org/drawingml/2006/main" xmlns:r="http://schemas.openxmlformats.org/officeDocument/2006/relationships" xmlns:p="http://schemas.openxmlformats.org/presentationml/2006/main">
-  <p:cSld>
-    <p:spTree>
-      <p:nvGrpSpPr>
-        <p:cNvPr id="1" name=""/>
-        <p:cNvGrpSpPr/>
-        <p:nvPr/>
-      </p:nvGrpSpPr>
-      <p:grpSpPr>
-        <a:xfrm>
-          <a:off x="0" y="0"/>
-          <a:ext cx="0" cy="0"/>
-          <a:chOff x="0" y="0"/>
-          <a:chExt cx="0" cy="0"/>
-        </a:xfrm>
-      </p:grpSpPr>
-      <p:sp>
-        <p:nvSpPr>
-          <p:cNvPr id="2" name="Título 1"/>
-          <p:cNvSpPr>
-            <a:spLocks noGrp="1"/>
-          </p:cNvSpPr>
-          <p:nvPr>
-            <p:ph type="title"/>
-          </p:nvPr>
-        </p:nvSpPr>
-        <p:spPr/>
-        <p:txBody>
-          <a:bodyPr/>
-          <a:lstStyle/>
-          <a:p>
-            <a:pPr rtl="0" eaLnBrk="0" fontAlgn="base" hangingPunct="0"/>
-            <a:r>
-              <a:rPr lang="pt-BR" sz="4600" kern="1200" dirty="0" smtClean="0">
-                <a:solidFill>
-                  <a:schemeClr val="tx1"/>
-                </a:solidFill>
-                <a:latin typeface="+mj-lt"/>
-                <a:ea typeface="+mj-ea"/>
-                <a:cs typeface="+mj-cs"/>
-              </a:rPr>
-              <a:t>Tela de descrição numérica</a:t>
-            </a:r>
-            <a:endParaRPr lang="pt-BR" dirty="0"/>
-          </a:p>
-        </p:txBody>
-      </p:sp>
-      <p:sp>
-        <p:nvSpPr>
-          <p:cNvPr id="3" name="Espaço Reservado para Conteúdo 2"/>
-          <p:cNvSpPr>
-            <a:spLocks noGrp="1"/>
-          </p:cNvSpPr>
-          <p:nvPr>
-            <p:ph idx="1"/>
-          </p:nvPr>
-        </p:nvSpPr>
-        <p:spPr/>
-        <p:txBody>
-          <a:bodyPr/>
-          <a:lstStyle/>
-          <a:p>
-            <a:endParaRPr lang="pt-BR"/>
-          </a:p>
-        </p:txBody>
-      </p:sp>
-      <p:sp>
-        <p:nvSpPr>
-          <p:cNvPr id="4" name="Espaço Reservado para Número de Slide 3"/>
-          <p:cNvSpPr>
-            <a:spLocks noGrp="1"/>
-          </p:cNvSpPr>
-          <p:nvPr>
-            <p:ph type="sldNum" sz="quarter" idx="12"/>
-          </p:nvPr>
-        </p:nvSpPr>
-        <p:spPr/>
-        <p:txBody>
-          <a:bodyPr/>
-          <a:lstStyle/>
-          <a:p>
-            <a:pPr>
-              <a:defRPr/>
-            </a:pPr>
-            <a:fld id="{EF19A0F5-F849-4C78-8624-C3A50979DE44}" type="slidenum">
-              <a:rPr lang="pt-BR" smtClean="0"/>
-              <a:pPr>
-                <a:defRPr/>
-              </a:pPr>
-              <a:t>17</a:t>
-            </a:fld>
-            <a:endParaRPr lang="pt-BR"/>
-          </a:p>
-        </p:txBody>
-      </p:sp>
-    </p:spTree>
-  </p:cSld>
-  <p:clrMapOvr>
-    <a:masterClrMapping/>
-  </p:clrMapOvr>
-</p:sld>
-</file>
-
-<file path=ppt/slides/slide18.xml><?xml version="1.0" encoding="utf-8"?>
-<p:sld xmlns:a="http://schemas.openxmlformats.org/drawingml/2006/main" xmlns:r="http://schemas.openxmlformats.org/officeDocument/2006/relationships" xmlns:p="http://schemas.openxmlformats.org/presentationml/2006/main">
-  <p:cSld>
-    <p:spTree>
-      <p:nvGrpSpPr>
-        <p:cNvPr id="1" name=""/>
-        <p:cNvGrpSpPr/>
-        <p:nvPr/>
-      </p:nvGrpSpPr>
-      <p:grpSpPr>
-        <a:xfrm>
-          <a:off x="0" y="0"/>
-          <a:ext cx="0" cy="0"/>
-          <a:chOff x="0" y="0"/>
-          <a:chExt cx="0" cy="0"/>
-        </a:xfrm>
-      </p:grpSpPr>
-      <p:sp>
-        <p:nvSpPr>
-          <p:cNvPr id="2" name="Título 1"/>
-          <p:cNvSpPr>
-            <a:spLocks noGrp="1"/>
-          </p:cNvSpPr>
-          <p:nvPr>
-            <p:ph type="title"/>
-          </p:nvPr>
-        </p:nvSpPr>
-        <p:spPr/>
-        <p:txBody>
-          <a:bodyPr/>
-          <a:lstStyle/>
-          <a:p>
-            <a:pPr rtl="0" eaLnBrk="0" fontAlgn="base" hangingPunct="0"/>
-            <a:r>
-              <a:rPr lang="pt-BR" sz="4600" kern="1200" dirty="0" smtClean="0">
-                <a:solidFill>
-                  <a:schemeClr val="tx1"/>
-                </a:solidFill>
-                <a:latin typeface="+mj-lt"/>
-                <a:ea typeface="+mj-ea"/>
-                <a:cs typeface="+mj-cs"/>
-              </a:rPr>
-              <a:t>Tela de Busca de Cargos</a:t>
-            </a:r>
-            <a:endParaRPr lang="pt-BR" dirty="0"/>
-          </a:p>
-        </p:txBody>
-      </p:sp>
-      <p:sp>
-        <p:nvSpPr>
-          <p:cNvPr id="3" name="Espaço Reservado para Conteúdo 2"/>
-          <p:cNvSpPr>
-            <a:spLocks noGrp="1"/>
-          </p:cNvSpPr>
-          <p:nvPr>
-            <p:ph idx="1"/>
-          </p:nvPr>
-        </p:nvSpPr>
-        <p:spPr/>
-        <p:txBody>
-          <a:bodyPr/>
-          <a:lstStyle/>
-          <a:p>
-            <a:endParaRPr lang="pt-BR"/>
-          </a:p>
-        </p:txBody>
-      </p:sp>
-      <p:sp>
-        <p:nvSpPr>
-          <p:cNvPr id="4" name="Espaço Reservado para Número de Slide 3"/>
-          <p:cNvSpPr>
-            <a:spLocks noGrp="1"/>
-          </p:cNvSpPr>
-          <p:nvPr>
-            <p:ph type="sldNum" sz="quarter" idx="12"/>
-          </p:nvPr>
-        </p:nvSpPr>
-        <p:spPr/>
-        <p:txBody>
-          <a:bodyPr/>
-          <a:lstStyle/>
-          <a:p>
-            <a:pPr>
-              <a:defRPr/>
-            </a:pPr>
-            <a:fld id="{EF19A0F5-F849-4C78-8624-C3A50979DE44}" type="slidenum">
-              <a:rPr lang="pt-BR" smtClean="0"/>
-              <a:pPr>
-                <a:defRPr/>
-              </a:pPr>
-              <a:t>18</a:t>
-            </a:fld>
-            <a:endParaRPr lang="pt-BR"/>
-          </a:p>
-        </p:txBody>
-      </p:sp>
-    </p:spTree>
-  </p:cSld>
-  <p:clrMapOvr>
-    <a:masterClrMapping/>
-  </p:clrMapOvr>
-</p:sld>
-</file>
-
 <file path=ppt/slides/slide19.xml><?xml version="1.0" encoding="utf-8"?>
 <p:sld xmlns:a="http://schemas.openxmlformats.org/drawingml/2006/main" xmlns:r="http://schemas.openxmlformats.org/officeDocument/2006/relationships" xmlns:p="http://schemas.openxmlformats.org/presentationml/2006/main">
   <p:cSld>
@@ -9657,12 +10703,7 @@
             <p:ph type="title"/>
           </p:nvPr>
         </p:nvSpPr>
-        <p:spPr>
-          <a:xfrm>
-            <a:off x="457200" y="274638"/>
-            <a:ext cx="8291264" cy="1143000"/>
-          </a:xfrm>
-        </p:spPr>
+        <p:spPr/>
         <p:txBody>
           <a:bodyPr/>
           <a:lstStyle/>
@@ -9677,14 +10718,15 @@
                 <a:ea typeface="+mj-ea"/>
                 <a:cs typeface="+mj-cs"/>
               </a:rPr>
-              <a:t>Tela de Busca de Funcionários</a:t>
-            </a:r>
-          </a:p>
-        </p:txBody>
-      </p:sp>
-      <p:sp>
-        <p:nvSpPr>
-          <p:cNvPr id="3" name="Espaço Reservado para Conteúdo 2"/>
+              <a:t>Tela de Busca de Cargos</a:t>
+            </a:r>
+            <a:endParaRPr lang="pt-BR" dirty="0"/>
+          </a:p>
+        </p:txBody>
+      </p:sp>
+      <p:sp>
+        <p:nvSpPr>
+          <p:cNvPr id="5" name="Espaço Reservado para Conteúdo 4"/>
           <p:cNvSpPr>
             <a:spLocks noGrp="1"/>
           </p:cNvSpPr>
@@ -9692,12 +10734,117 @@
             <p:ph idx="1"/>
           </p:nvPr>
         </p:nvSpPr>
-        <p:spPr/>
+        <p:spPr>
+          <a:xfrm>
+            <a:off x="457200" y="1600201"/>
+            <a:ext cx="7467600" cy="2476872"/>
+          </a:xfrm>
+        </p:spPr>
         <p:txBody>
           <a:bodyPr/>
           <a:lstStyle/>
           <a:p>
-            <a:endParaRPr lang="pt-BR"/>
+            <a:r>
+              <a:rPr lang="pt-BR" sz="2400" dirty="0" smtClean="0"/>
+              <a:t>Após realizada a consulta, execute o comando abaixo para preencher a tabela com o resultado da pesquisa:</a:t>
+            </a:r>
+          </a:p>
+          <a:p>
+            <a:endParaRPr lang="pt-BR" sz="2400" dirty="0" smtClean="0">
+              <a:solidFill>
+                <a:srgbClr val="FFC000"/>
+              </a:solidFill>
+            </a:endParaRPr>
+          </a:p>
+          <a:p>
+            <a:pPr marL="0" indent="0" algn="ctr">
+              <a:buNone/>
+            </a:pPr>
+            <a:r>
+              <a:rPr lang="pt-BR" sz="2000" dirty="0" err="1" smtClean="0">
+                <a:solidFill>
+                  <a:srgbClr val="FFC000"/>
+                </a:solidFill>
+              </a:rPr>
+              <a:t>tabResultado</a:t>
+            </a:r>
+            <a:r>
+              <a:rPr lang="pt-BR" sz="2000" dirty="0" smtClean="0">
+                <a:solidFill>
+                  <a:srgbClr val="FFC000"/>
+                </a:solidFill>
+              </a:rPr>
+              <a:t>.</a:t>
+            </a:r>
+            <a:r>
+              <a:rPr lang="pt-BR" sz="2000" dirty="0" err="1" smtClean="0">
+                <a:solidFill>
+                  <a:srgbClr val="FFC000"/>
+                </a:solidFill>
+              </a:rPr>
+              <a:t>setModel</a:t>
+            </a:r>
+            <a:r>
+              <a:rPr lang="pt-BR" sz="2000" dirty="0" smtClean="0">
+                <a:solidFill>
+                  <a:srgbClr val="FFC000"/>
+                </a:solidFill>
+              </a:rPr>
+              <a:t>(</a:t>
+            </a:r>
+            <a:r>
+              <a:rPr lang="pt-BR" sz="2000" dirty="0" err="1" smtClean="0">
+                <a:solidFill>
+                  <a:srgbClr val="FFC000"/>
+                </a:solidFill>
+              </a:rPr>
+              <a:t>new</a:t>
+            </a:r>
+            <a:r>
+              <a:rPr lang="pt-BR" sz="2000" dirty="0" smtClean="0">
+                <a:solidFill>
+                  <a:srgbClr val="FFC000"/>
+                </a:solidFill>
+              </a:rPr>
+              <a:t> </a:t>
+            </a:r>
+            <a:r>
+              <a:rPr lang="pt-BR" sz="2000" dirty="0" err="1" smtClean="0">
+                <a:solidFill>
+                  <a:srgbClr val="FFC000"/>
+                </a:solidFill>
+              </a:rPr>
+              <a:t>CargoTableModel</a:t>
+            </a:r>
+            <a:r>
+              <a:rPr lang="pt-BR" sz="2000" dirty="0" smtClean="0">
+                <a:solidFill>
+                  <a:srgbClr val="FFC000"/>
+                </a:solidFill>
+              </a:rPr>
+              <a:t>(</a:t>
+            </a:r>
+            <a:r>
+              <a:rPr lang="pt-BR" sz="2000" dirty="0" err="1" smtClean="0">
+                <a:solidFill>
+                  <a:srgbClr val="FFC000"/>
+                </a:solidFill>
+              </a:rPr>
+              <a:t>cargoLista</a:t>
+            </a:r>
+            <a:r>
+              <a:rPr lang="pt-BR" sz="2000" dirty="0" smtClean="0">
+                <a:solidFill>
+                  <a:srgbClr val="FFC000"/>
+                </a:solidFill>
+              </a:rPr>
+              <a:t>));</a:t>
+            </a:r>
+            <a:endParaRPr lang="pt-BR" sz="2000" dirty="0">
+              <a:solidFill>
+                <a:srgbClr val="FFC000"/>
+              </a:solidFill>
+            </a:endParaRPr>
           </a:p>
         </p:txBody>
       </p:sp>
@@ -9730,6 +10877,140 @@
           </a:p>
         </p:txBody>
       </p:sp>
+      <p:grpSp>
+        <p:nvGrpSpPr>
+          <p:cNvPr id="8" name="Grupo 9"/>
+          <p:cNvGrpSpPr/>
+          <p:nvPr/>
+        </p:nvGrpSpPr>
+        <p:grpSpPr>
+          <a:xfrm>
+            <a:off x="5436096" y="3212977"/>
+            <a:ext cx="2520653" cy="1656183"/>
+            <a:chOff x="5076056" y="1844825"/>
+            <a:chExt cx="2520653" cy="1656183"/>
+          </a:xfrm>
+        </p:grpSpPr>
+        <p:sp>
+          <p:nvSpPr>
+            <p:cNvPr id="9" name="Rectangle 7"/>
+            <p:cNvSpPr>
+              <a:spLocks noChangeArrowheads="1"/>
+            </p:cNvSpPr>
+            <p:nvPr/>
+          </p:nvSpPr>
+          <p:spPr bwMode="auto">
+            <a:xfrm>
+              <a:off x="5724128" y="1844825"/>
+              <a:ext cx="1224136" cy="432048"/>
+            </a:xfrm>
+            <a:prstGeom prst="rect">
+              <a:avLst/>
+            </a:prstGeom>
+            <a:noFill/>
+            <a:ln w="38160">
+              <a:solidFill>
+                <a:srgbClr val="FFC000"/>
+              </a:solidFill>
+              <a:prstDash val="sysDot"/>
+              <a:miter lim="800000"/>
+              <a:headEnd/>
+              <a:tailEnd/>
+            </a:ln>
+          </p:spPr>
+          <p:txBody>
+            <a:bodyPr wrap="none" anchor="ctr"/>
+            <a:lstStyle/>
+            <a:p>
+              <a:endParaRPr lang="pt-BR"/>
+            </a:p>
+          </p:txBody>
+        </p:sp>
+        <p:sp>
+          <p:nvSpPr>
+            <p:cNvPr id="10" name="CaixaDeTexto 9"/>
+            <p:cNvSpPr txBox="1"/>
+            <p:nvPr/>
+          </p:nvSpPr>
+          <p:spPr bwMode="auto">
+            <a:xfrm>
+              <a:off x="5076056" y="2916233"/>
+              <a:ext cx="2520653" cy="584775"/>
+            </a:xfrm>
+            <a:prstGeom prst="rect">
+              <a:avLst/>
+            </a:prstGeom>
+            <a:noFill/>
+            <a:ln w="28575">
+              <a:solidFill>
+                <a:schemeClr val="tx1"/>
+              </a:solidFill>
+            </a:ln>
+          </p:spPr>
+          <p:txBody>
+            <a:bodyPr wrap="square">
+              <a:spAutoFit/>
+            </a:bodyPr>
+            <a:lstStyle/>
+            <a:p>
+              <a:pPr algn="ctr">
+                <a:defRPr/>
+              </a:pPr>
+              <a:r>
+                <a:rPr lang="pt-BR" sz="1600" dirty="0" err="1" smtClean="0">
+                  <a:latin typeface="+mn-lt"/>
+                </a:rPr>
+                <a:t>List</a:t>
+              </a:r>
+              <a:r>
+                <a:rPr lang="pt-BR" sz="1600" dirty="0" smtClean="0">
+                  <a:latin typeface="+mn-lt"/>
+                </a:rPr>
+                <a:t>&lt;</a:t>
+              </a:r>
+              <a:r>
+                <a:rPr lang="pt-BR" sz="1600" dirty="0" err="1" smtClean="0">
+                  <a:latin typeface="+mn-lt"/>
+                </a:rPr>
+                <a:t>CargoVO</a:t>
+              </a:r>
+              <a:r>
+                <a:rPr lang="pt-BR" sz="1600" dirty="0" smtClean="0">
+                  <a:latin typeface="+mn-lt"/>
+                </a:rPr>
+                <a:t>&gt; resultado da consulta</a:t>
+              </a:r>
+            </a:p>
+          </p:txBody>
+        </p:sp>
+        <p:cxnSp>
+          <p:nvCxnSpPr>
+            <p:cNvPr id="11" name="Conector de seta reta 10"/>
+            <p:cNvCxnSpPr>
+              <a:cxnSpLocks noChangeShapeType="1"/>
+            </p:cNvCxnSpPr>
+            <p:nvPr/>
+          </p:nvCxnSpPr>
+          <p:spPr bwMode="auto">
+            <a:xfrm flipV="1">
+              <a:off x="6371827" y="2348880"/>
+              <a:ext cx="373" cy="576066"/>
+            </a:xfrm>
+            <a:prstGeom prst="straightConnector1">
+              <a:avLst/>
+            </a:prstGeom>
+            <a:noFill/>
+            <a:ln w="31750" algn="ctr">
+              <a:solidFill>
+                <a:schemeClr val="tx1"/>
+              </a:solidFill>
+              <a:round/>
+              <a:headEnd/>
+              <a:tailEnd type="arrow" w="med" len="med"/>
+            </a:ln>
+          </p:spPr>
+        </p:cxnSp>
+      </p:grpSp>
     </p:spTree>
   </p:cSld>
   <p:clrMapOvr>
@@ -9738,7 +11019,121 @@
   <p:timing>
     <p:tnLst>
       <p:par>
-        <p:cTn id="1" dur="indefinite" restart="never" nodeType="tmRoot"/>
+        <p:cTn id="1" dur="indefinite" restart="never" nodeType="tmRoot">
+          <p:childTnLst>
+            <p:seq concurrent="1" nextAc="seek">
+              <p:cTn id="2" dur="indefinite" nodeType="mainSeq">
+                <p:childTnLst>
+                  <p:par>
+                    <p:cTn id="3" fill="hold">
+                      <p:stCondLst>
+                        <p:cond delay="indefinite"/>
+                      </p:stCondLst>
+                      <p:childTnLst>
+                        <p:par>
+                          <p:cTn id="4" fill="hold">
+                            <p:stCondLst>
+                              <p:cond delay="0"/>
+                            </p:stCondLst>
+                            <p:childTnLst>
+                              <p:par>
+                                <p:cTn id="5" presetID="2" presetClass="entr" presetSubtype="2" fill="hold" nodeType="clickEffect">
+                                  <p:stCondLst>
+                                    <p:cond delay="0"/>
+                                  </p:stCondLst>
+                                  <p:childTnLst>
+                                    <p:set>
+                                      <p:cBhvr>
+                                        <p:cTn id="6" dur="1" fill="hold">
+                                          <p:stCondLst>
+                                            <p:cond delay="0"/>
+                                          </p:stCondLst>
+                                        </p:cTn>
+                                        <p:tgtEl>
+                                          <p:spTgt spid="8"/>
+                                        </p:tgtEl>
+                                        <p:attrNameLst>
+                                          <p:attrName>style.visibility</p:attrName>
+                                        </p:attrNameLst>
+                                      </p:cBhvr>
+                                      <p:to>
+                                        <p:strVal val="visible"/>
+                                      </p:to>
+                                    </p:set>
+                                    <p:anim calcmode="lin" valueType="num">
+                                      <p:cBhvr additive="base">
+                                        <p:cTn id="7" dur="500" fill="hold"/>
+                                        <p:tgtEl>
+                                          <p:spTgt spid="8"/>
+                                        </p:tgtEl>
+                                        <p:attrNameLst>
+                                          <p:attrName>ppt_x</p:attrName>
+                                        </p:attrNameLst>
+                                      </p:cBhvr>
+                                      <p:tavLst>
+                                        <p:tav tm="0">
+                                          <p:val>
+                                            <p:strVal val="1+#ppt_w/2"/>
+                                          </p:val>
+                                        </p:tav>
+                                        <p:tav tm="100000">
+                                          <p:val>
+                                            <p:strVal val="#ppt_x"/>
+                                          </p:val>
+                                        </p:tav>
+                                      </p:tavLst>
+                                    </p:anim>
+                                    <p:anim calcmode="lin" valueType="num">
+                                      <p:cBhvr additive="base">
+                                        <p:cTn id="8" dur="500" fill="hold"/>
+                                        <p:tgtEl>
+                                          <p:spTgt spid="8"/>
+                                        </p:tgtEl>
+                                        <p:attrNameLst>
+                                          <p:attrName>ppt_y</p:attrName>
+                                        </p:attrNameLst>
+                                      </p:cBhvr>
+                                      <p:tavLst>
+                                        <p:tav tm="0">
+                                          <p:val>
+                                            <p:strVal val="#ppt_y"/>
+                                          </p:val>
+                                        </p:tav>
+                                        <p:tav tm="100000">
+                                          <p:val>
+                                            <p:strVal val="#ppt_y"/>
+                                          </p:val>
+                                        </p:tav>
+                                      </p:tavLst>
+                                    </p:anim>
+                                  </p:childTnLst>
+                                </p:cTn>
+                              </p:par>
+                            </p:childTnLst>
+                          </p:cTn>
+                        </p:par>
+                      </p:childTnLst>
+                    </p:cTn>
+                  </p:par>
+                </p:childTnLst>
+              </p:cTn>
+              <p:prevCondLst>
+                <p:cond evt="onPrev" delay="0">
+                  <p:tgtEl>
+                    <p:sldTgt/>
+                  </p:tgtEl>
+                </p:cond>
+              </p:prevCondLst>
+              <p:nextCondLst>
+                <p:cond evt="onNext" delay="0">
+                  <p:tgtEl>
+                    <p:sldTgt/>
+                  </p:tgtEl>
+                </p:cond>
+              </p:nextCondLst>
+            </p:seq>
+          </p:childTnLst>
+        </p:cTn>
       </p:par>
     </p:tnLst>
   </p:timing>
@@ -9887,6 +11282,153 @@
                 <a:defRPr/>
               </a:pPr>
               <a:t>2</a:t>
+            </a:fld>
+            <a:endParaRPr lang="pt-BR"/>
+          </a:p>
+        </p:txBody>
+      </p:sp>
+    </p:spTree>
+  </p:cSld>
+  <p:clrMapOvr>
+    <a:masterClrMapping/>
+  </p:clrMapOvr>
+  <p:timing>
+    <p:tnLst>
+      <p:par>
+        <p:cTn id="1" dur="indefinite" restart="never" nodeType="tmRoot"/>
+      </p:par>
+    </p:tnLst>
+  </p:timing>
+</p:sld>
+</file>
+
+<file path=ppt/slides/slide20.xml><?xml version="1.0" encoding="utf-8"?>
+<p:sld xmlns:a="http://schemas.openxmlformats.org/drawingml/2006/main" xmlns:r="http://schemas.openxmlformats.org/officeDocument/2006/relationships" xmlns:p="http://schemas.openxmlformats.org/presentationml/2006/main">
+  <p:cSld>
+    <p:spTree>
+      <p:nvGrpSpPr>
+        <p:cNvPr id="1" name=""/>
+        <p:cNvGrpSpPr/>
+        <p:nvPr/>
+      </p:nvGrpSpPr>
+      <p:grpSpPr>
+        <a:xfrm>
+          <a:off x="0" y="0"/>
+          <a:ext cx="0" cy="0"/>
+          <a:chOff x="0" y="0"/>
+          <a:chExt cx="0" cy="0"/>
+        </a:xfrm>
+      </p:grpSpPr>
+      <p:sp>
+        <p:nvSpPr>
+          <p:cNvPr id="2" name="Título 1"/>
+          <p:cNvSpPr>
+            <a:spLocks noGrp="1"/>
+          </p:cNvSpPr>
+          <p:nvPr>
+            <p:ph type="title"/>
+          </p:nvPr>
+        </p:nvSpPr>
+        <p:spPr>
+          <a:xfrm>
+            <a:off x="457200" y="274638"/>
+            <a:ext cx="8291264" cy="1143000"/>
+          </a:xfrm>
+        </p:spPr>
+        <p:txBody>
+          <a:bodyPr/>
+          <a:lstStyle/>
+          <a:p>
+            <a:pPr rtl="0" eaLnBrk="0" fontAlgn="base" hangingPunct="0"/>
+            <a:r>
+              <a:rPr lang="pt-BR" sz="4600" kern="1200" dirty="0" smtClean="0">
+                <a:solidFill>
+                  <a:schemeClr val="tx1"/>
+                </a:solidFill>
+                <a:latin typeface="+mj-lt"/>
+                <a:ea typeface="+mj-ea"/>
+                <a:cs typeface="+mj-cs"/>
+              </a:rPr>
+              <a:t>Tela de Busca de Funcionários</a:t>
+            </a:r>
+          </a:p>
+        </p:txBody>
+      </p:sp>
+      <p:sp>
+        <p:nvSpPr>
+          <p:cNvPr id="5" name="Espaço Reservado para Conteúdo 4"/>
+          <p:cNvSpPr>
+            <a:spLocks noGrp="1"/>
+          </p:cNvSpPr>
+          <p:nvPr>
+            <p:ph sz="half" idx="1"/>
+          </p:nvPr>
+        </p:nvSpPr>
+        <p:spPr>
+          <a:xfrm>
+            <a:off x="457200" y="1600201"/>
+            <a:ext cx="8003232" cy="1540767"/>
+          </a:xfrm>
+        </p:spPr>
+        <p:txBody>
+          <a:bodyPr/>
+          <a:lstStyle/>
+          <a:p>
+            <a:r>
+              <a:rPr lang="pt-BR" dirty="0" smtClean="0"/>
+              <a:t>Realize o mesmo procedimento adotado na tela de cadastro de cargos.</a:t>
+            </a:r>
+            <a:endParaRPr lang="pt-BR" dirty="0"/>
+          </a:p>
+        </p:txBody>
+      </p:sp>
+      <p:pic>
+        <p:nvPicPr>
+          <p:cNvPr id="7" name="Espaço Reservado para Conteúdo 6" descr="janela-funcionario-busca.png"/>
+          <p:cNvPicPr>
+            <a:picLocks noGrp="1" noChangeAspect="1"/>
+          </p:cNvPicPr>
+          <p:nvPr>
+            <p:ph sz="half" idx="2"/>
+          </p:nvPr>
+        </p:nvPicPr>
+        <p:blipFill>
+          <a:blip r:embed="rId3" cstate="print"/>
+          <a:stretch>
+            <a:fillRect/>
+          </a:stretch>
+        </p:blipFill>
+        <p:spPr>
+          <a:xfrm>
+            <a:off x="2987824" y="3212976"/>
+            <a:ext cx="3267531" cy="1676634"/>
+          </a:xfrm>
+        </p:spPr>
+      </p:pic>
+      <p:sp>
+        <p:nvSpPr>
+          <p:cNvPr id="4" name="Espaço Reservado para Número de Slide 3"/>
+          <p:cNvSpPr>
+            <a:spLocks noGrp="1"/>
+          </p:cNvSpPr>
+          <p:nvPr>
+            <p:ph type="sldNum" sz="quarter" idx="12"/>
+          </p:nvPr>
+        </p:nvSpPr>
+        <p:spPr/>
+        <p:txBody>
+          <a:bodyPr/>
+          <a:lstStyle/>
+          <a:p>
+            <a:pPr>
+              <a:defRPr/>
+            </a:pPr>
+            <a:fld id="{EF19A0F5-F849-4C78-8624-C3A50979DE44}" type="slidenum">
+              <a:rPr lang="pt-BR" smtClean="0"/>
+              <a:pPr>
+                <a:defRPr/>
+              </a:pPr>
+              <a:t>20</a:t>
             </a:fld>
             <a:endParaRPr lang="pt-BR"/>
           </a:p>
@@ -10232,11 +11774,7 @@
             </a:r>
             <a:r>
               <a:rPr lang="pt-BR" sz="2400" smtClean="0"/>
-              <a:t>/scripts</a:t>
-            </a:r>
-            <a:r>
-              <a:rPr lang="pt-BR" sz="2400" smtClean="0"/>
-              <a:t>.</a:t>
+              <a:t>/scripts.</a:t>
             </a:r>
             <a:endParaRPr lang="pt-BR" sz="2400" dirty="0"/>
           </a:p>
